--- a/BackgroundInfo/Selective export of microRNA via extracellular vesicles.pptx
+++ b/BackgroundInfo/Selective export of microRNA via extracellular vesicles.pptx
@@ -113,6 +113,11 @@
       </a:defRPr>
     </a:lvl9pPr>
   </p:defaultTextStyle>
+  <p:extLst>
+    <p:ext uri="{EFAFB233-063F-42B5-8137-9DF3F51BA10A}">
+      <p15:sldGuideLst xmlns:p15="http://schemas.microsoft.com/office/powerpoint/2012/main"/>
+    </p:ext>
+  </p:extLst>
 </p:presentation>
 </file>
 
@@ -247,7 +252,7 @@
           <a:p>
             <a:fld id="{D006A5F5-722B-4365-93E1-21E835194C29}" type="datetimeFigureOut">
               <a:rPr lang="en-AU" smtClean="0"/>
-              <a:t>7/03/2016</a:t>
+              <a:t>10/03/2016</a:t>
             </a:fld>
             <a:endParaRPr lang="en-AU"/>
           </a:p>
@@ -417,7 +422,7 @@
           <a:p>
             <a:fld id="{D006A5F5-722B-4365-93E1-21E835194C29}" type="datetimeFigureOut">
               <a:rPr lang="en-AU" smtClean="0"/>
-              <a:t>7/03/2016</a:t>
+              <a:t>10/03/2016</a:t>
             </a:fld>
             <a:endParaRPr lang="en-AU"/>
           </a:p>
@@ -597,7 +602,7 @@
           <a:p>
             <a:fld id="{D006A5F5-722B-4365-93E1-21E835194C29}" type="datetimeFigureOut">
               <a:rPr lang="en-AU" smtClean="0"/>
-              <a:t>7/03/2016</a:t>
+              <a:t>10/03/2016</a:t>
             </a:fld>
             <a:endParaRPr lang="en-AU"/>
           </a:p>
@@ -767,7 +772,7 @@
           <a:p>
             <a:fld id="{D006A5F5-722B-4365-93E1-21E835194C29}" type="datetimeFigureOut">
               <a:rPr lang="en-AU" smtClean="0"/>
-              <a:t>7/03/2016</a:t>
+              <a:t>10/03/2016</a:t>
             </a:fld>
             <a:endParaRPr lang="en-AU"/>
           </a:p>
@@ -1013,7 +1018,7 @@
           <a:p>
             <a:fld id="{D006A5F5-722B-4365-93E1-21E835194C29}" type="datetimeFigureOut">
               <a:rPr lang="en-AU" smtClean="0"/>
-              <a:t>7/03/2016</a:t>
+              <a:t>10/03/2016</a:t>
             </a:fld>
             <a:endParaRPr lang="en-AU"/>
           </a:p>
@@ -1245,7 +1250,7 @@
           <a:p>
             <a:fld id="{D006A5F5-722B-4365-93E1-21E835194C29}" type="datetimeFigureOut">
               <a:rPr lang="en-AU" smtClean="0"/>
-              <a:t>7/03/2016</a:t>
+              <a:t>10/03/2016</a:t>
             </a:fld>
             <a:endParaRPr lang="en-AU"/>
           </a:p>
@@ -1612,7 +1617,7 @@
           <a:p>
             <a:fld id="{D006A5F5-722B-4365-93E1-21E835194C29}" type="datetimeFigureOut">
               <a:rPr lang="en-AU" smtClean="0"/>
-              <a:t>7/03/2016</a:t>
+              <a:t>10/03/2016</a:t>
             </a:fld>
             <a:endParaRPr lang="en-AU"/>
           </a:p>
@@ -1730,7 +1735,7 @@
           <a:p>
             <a:fld id="{D006A5F5-722B-4365-93E1-21E835194C29}" type="datetimeFigureOut">
               <a:rPr lang="en-AU" smtClean="0"/>
-              <a:t>7/03/2016</a:t>
+              <a:t>10/03/2016</a:t>
             </a:fld>
             <a:endParaRPr lang="en-AU"/>
           </a:p>
@@ -1825,7 +1830,7 @@
           <a:p>
             <a:fld id="{D006A5F5-722B-4365-93E1-21E835194C29}" type="datetimeFigureOut">
               <a:rPr lang="en-AU" smtClean="0"/>
-              <a:t>7/03/2016</a:t>
+              <a:t>10/03/2016</a:t>
             </a:fld>
             <a:endParaRPr lang="en-AU"/>
           </a:p>
@@ -2102,7 +2107,7 @@
           <a:p>
             <a:fld id="{D006A5F5-722B-4365-93E1-21E835194C29}" type="datetimeFigureOut">
               <a:rPr lang="en-AU" smtClean="0"/>
-              <a:t>7/03/2016</a:t>
+              <a:t>10/03/2016</a:t>
             </a:fld>
             <a:endParaRPr lang="en-AU"/>
           </a:p>
@@ -2355,7 +2360,7 @@
           <a:p>
             <a:fld id="{D006A5F5-722B-4365-93E1-21E835194C29}" type="datetimeFigureOut">
               <a:rPr lang="en-AU" smtClean="0"/>
-              <a:t>7/03/2016</a:t>
+              <a:t>10/03/2016</a:t>
             </a:fld>
             <a:endParaRPr lang="en-AU"/>
           </a:p>
@@ -2568,7 +2573,7 @@
           <a:p>
             <a:fld id="{D006A5F5-722B-4365-93E1-21E835194C29}" type="datetimeFigureOut">
               <a:rPr lang="en-AU" smtClean="0"/>
-              <a:t>7/03/2016</a:t>
+              <a:t>10/03/2016</a:t>
             </a:fld>
             <a:endParaRPr lang="en-AU"/>
           </a:p>
@@ -3011,7 +3016,7 @@
           <a:bodyPr/>
           <a:lstStyle/>
           <a:p>
-            <a:endParaRPr lang="en-AU"/>
+            <a:endParaRPr lang="en-AU" dirty="0"/>
           </a:p>
         </p:txBody>
       </p:sp>
@@ -3349,12 +3354,8 @@
           <a:lstStyle/>
           <a:p>
             <a:r>
-              <a:rPr lang="en-US" dirty="0" err="1" smtClean="0"/>
-              <a:t>Caveolins</a:t>
-            </a:r>
-            <a:r>
               <a:rPr lang="en-US" dirty="0" smtClean="0"/>
-              <a:t> and Lipid rafts</a:t>
+              <a:t>Advanced Prostate Cancer Cell Line: PC3</a:t>
             </a:r>
             <a:endParaRPr lang="en-AU" dirty="0"/>
           </a:p>
@@ -3375,7 +3376,7 @@
           <a:bodyPr/>
           <a:lstStyle/>
           <a:p>
-            <a:endParaRPr lang="en-AU"/>
+            <a:endParaRPr lang="en-AU" dirty="0"/>
           </a:p>
         </p:txBody>
       </p:sp>

--- a/BackgroundInfo/Selective export of microRNA via extracellular vesicles.pptx
+++ b/BackgroundInfo/Selective export of microRNA via extracellular vesicles.pptx
@@ -2,11 +2,14 @@
 <file path=ppt/presentation.xml><?xml version="1.0" encoding="utf-8"?>
 <p:presentation xmlns:a="http://schemas.openxmlformats.org/drawingml/2006/main" xmlns:r="http://schemas.openxmlformats.org/officeDocument/2006/relationships" xmlns:p="http://schemas.openxmlformats.org/presentationml/2006/main" saveSubsetFonts="1">
   <p:sldMasterIdLst>
-    <p:sldMasterId id="2147483648" r:id="rId1"/>
+    <p:sldMasterId id="2147483660" r:id="rId1"/>
   </p:sldMasterIdLst>
+  <p:notesMasterIdLst>
+    <p:notesMasterId r:id="rId12"/>
+  </p:notesMasterIdLst>
   <p:sldIdLst>
     <p:sldId id="256" r:id="rId2"/>
-    <p:sldId id="257" r:id="rId3"/>
+    <p:sldId id="266" r:id="rId3"/>
     <p:sldId id="258" r:id="rId4"/>
     <p:sldId id="259" r:id="rId5"/>
     <p:sldId id="260" r:id="rId6"/>
@@ -121,6 +124,466 @@
 </p:presentation>
 </file>
 
+<file path=ppt/notesMasters/notesMaster1.xml><?xml version="1.0" encoding="utf-8"?>
+<p:notesMaster xmlns:a="http://schemas.openxmlformats.org/drawingml/2006/main" xmlns:r="http://schemas.openxmlformats.org/officeDocument/2006/relationships" xmlns:p="http://schemas.openxmlformats.org/presentationml/2006/main">
+  <p:cSld>
+    <p:bg>
+      <p:bgRef idx="1001">
+        <a:schemeClr val="bg1"/>
+      </p:bgRef>
+    </p:bg>
+    <p:spTree>
+      <p:nvGrpSpPr>
+        <p:cNvPr id="1" name=""/>
+        <p:cNvGrpSpPr/>
+        <p:nvPr/>
+      </p:nvGrpSpPr>
+      <p:grpSpPr>
+        <a:xfrm>
+          <a:off x="0" y="0"/>
+          <a:ext cx="0" cy="0"/>
+          <a:chOff x="0" y="0"/>
+          <a:chExt cx="0" cy="0"/>
+        </a:xfrm>
+      </p:grpSpPr>
+      <p:sp>
+        <p:nvSpPr>
+          <p:cNvPr id="2" name="Header Placeholder 1"/>
+          <p:cNvSpPr>
+            <a:spLocks noGrp="1"/>
+          </p:cNvSpPr>
+          <p:nvPr>
+            <p:ph type="hdr" sz="quarter"/>
+          </p:nvPr>
+        </p:nvSpPr>
+        <p:spPr>
+          <a:xfrm>
+            <a:off x="0" y="0"/>
+            <a:ext cx="2971800" cy="458788"/>
+          </a:xfrm>
+          <a:prstGeom prst="rect">
+            <a:avLst/>
+          </a:prstGeom>
+        </p:spPr>
+        <p:txBody>
+          <a:bodyPr vert="horz" lIns="91440" tIns="45720" rIns="91440" bIns="45720" rtlCol="0"/>
+          <a:lstStyle>
+            <a:lvl1pPr algn="l">
+              <a:defRPr sz="1200"/>
+            </a:lvl1pPr>
+          </a:lstStyle>
+          <a:p>
+            <a:endParaRPr lang="en-AU"/>
+          </a:p>
+        </p:txBody>
+      </p:sp>
+      <p:sp>
+        <p:nvSpPr>
+          <p:cNvPr id="3" name="Date Placeholder 2"/>
+          <p:cNvSpPr>
+            <a:spLocks noGrp="1"/>
+          </p:cNvSpPr>
+          <p:nvPr>
+            <p:ph type="dt" idx="1"/>
+          </p:nvPr>
+        </p:nvSpPr>
+        <p:spPr>
+          <a:xfrm>
+            <a:off x="3884613" y="0"/>
+            <a:ext cx="2971800" cy="458788"/>
+          </a:xfrm>
+          <a:prstGeom prst="rect">
+            <a:avLst/>
+          </a:prstGeom>
+        </p:spPr>
+        <p:txBody>
+          <a:bodyPr vert="horz" lIns="91440" tIns="45720" rIns="91440" bIns="45720" rtlCol="0"/>
+          <a:lstStyle>
+            <a:lvl1pPr algn="r">
+              <a:defRPr sz="1200"/>
+            </a:lvl1pPr>
+          </a:lstStyle>
+          <a:p>
+            <a:fld id="{0B21FBDF-C287-422C-92BB-131BF3E59FE0}" type="datetimeFigureOut">
+              <a:rPr lang="en-AU" smtClean="0"/>
+              <a:t>11/03/2016</a:t>
+            </a:fld>
+            <a:endParaRPr lang="en-AU"/>
+          </a:p>
+        </p:txBody>
+      </p:sp>
+      <p:sp>
+        <p:nvSpPr>
+          <p:cNvPr id="4" name="Slide Image Placeholder 3"/>
+          <p:cNvSpPr>
+            <a:spLocks noGrp="1" noRot="1" noChangeAspect="1"/>
+          </p:cNvSpPr>
+          <p:nvPr>
+            <p:ph type="sldImg" idx="2"/>
+          </p:nvPr>
+        </p:nvSpPr>
+        <p:spPr>
+          <a:xfrm>
+            <a:off x="685800" y="1143000"/>
+            <a:ext cx="5486400" cy="3086100"/>
+          </a:xfrm>
+          <a:prstGeom prst="rect">
+            <a:avLst/>
+          </a:prstGeom>
+          <a:noFill/>
+          <a:ln w="12700">
+            <a:solidFill>
+              <a:prstClr val="black"/>
+            </a:solidFill>
+          </a:ln>
+        </p:spPr>
+        <p:txBody>
+          <a:bodyPr vert="horz" lIns="91440" tIns="45720" rIns="91440" bIns="45720" rtlCol="0" anchor="ctr"/>
+          <a:lstStyle/>
+          <a:p>
+            <a:endParaRPr lang="en-AU"/>
+          </a:p>
+        </p:txBody>
+      </p:sp>
+      <p:sp>
+        <p:nvSpPr>
+          <p:cNvPr id="5" name="Notes Placeholder 4"/>
+          <p:cNvSpPr>
+            <a:spLocks noGrp="1"/>
+          </p:cNvSpPr>
+          <p:nvPr>
+            <p:ph type="body" sz="quarter" idx="3"/>
+          </p:nvPr>
+        </p:nvSpPr>
+        <p:spPr>
+          <a:xfrm>
+            <a:off x="685800" y="4400550"/>
+            <a:ext cx="5486400" cy="3600450"/>
+          </a:xfrm>
+          <a:prstGeom prst="rect">
+            <a:avLst/>
+          </a:prstGeom>
+        </p:spPr>
+        <p:txBody>
+          <a:bodyPr vert="horz" lIns="91440" tIns="45720" rIns="91440" bIns="45720" rtlCol="0"/>
+          <a:lstStyle/>
+          <a:p>
+            <a:pPr lvl="0"/>
+            <a:r>
+              <a:rPr lang="en-US" smtClean="0"/>
+              <a:t>Click to edit Master text styles</a:t>
+            </a:r>
+          </a:p>
+          <a:p>
+            <a:pPr lvl="1"/>
+            <a:r>
+              <a:rPr lang="en-US" smtClean="0"/>
+              <a:t>Second level</a:t>
+            </a:r>
+          </a:p>
+          <a:p>
+            <a:pPr lvl="2"/>
+            <a:r>
+              <a:rPr lang="en-US" smtClean="0"/>
+              <a:t>Third level</a:t>
+            </a:r>
+          </a:p>
+          <a:p>
+            <a:pPr lvl="3"/>
+            <a:r>
+              <a:rPr lang="en-US" smtClean="0"/>
+              <a:t>Fourth level</a:t>
+            </a:r>
+          </a:p>
+          <a:p>
+            <a:pPr lvl="4"/>
+            <a:r>
+              <a:rPr lang="en-US" smtClean="0"/>
+              <a:t>Fifth level</a:t>
+            </a:r>
+            <a:endParaRPr lang="en-AU"/>
+          </a:p>
+        </p:txBody>
+      </p:sp>
+      <p:sp>
+        <p:nvSpPr>
+          <p:cNvPr id="6" name="Footer Placeholder 5"/>
+          <p:cNvSpPr>
+            <a:spLocks noGrp="1"/>
+          </p:cNvSpPr>
+          <p:nvPr>
+            <p:ph type="ftr" sz="quarter" idx="4"/>
+          </p:nvPr>
+        </p:nvSpPr>
+        <p:spPr>
+          <a:xfrm>
+            <a:off x="0" y="8685213"/>
+            <a:ext cx="2971800" cy="458787"/>
+          </a:xfrm>
+          <a:prstGeom prst="rect">
+            <a:avLst/>
+          </a:prstGeom>
+        </p:spPr>
+        <p:txBody>
+          <a:bodyPr vert="horz" lIns="91440" tIns="45720" rIns="91440" bIns="45720" rtlCol="0" anchor="b"/>
+          <a:lstStyle>
+            <a:lvl1pPr algn="l">
+              <a:defRPr sz="1200"/>
+            </a:lvl1pPr>
+          </a:lstStyle>
+          <a:p>
+            <a:endParaRPr lang="en-AU"/>
+          </a:p>
+        </p:txBody>
+      </p:sp>
+      <p:sp>
+        <p:nvSpPr>
+          <p:cNvPr id="7" name="Slide Number Placeholder 6"/>
+          <p:cNvSpPr>
+            <a:spLocks noGrp="1"/>
+          </p:cNvSpPr>
+          <p:nvPr>
+            <p:ph type="sldNum" sz="quarter" idx="5"/>
+          </p:nvPr>
+        </p:nvSpPr>
+        <p:spPr>
+          <a:xfrm>
+            <a:off x="3884613" y="8685213"/>
+            <a:ext cx="2971800" cy="458787"/>
+          </a:xfrm>
+          <a:prstGeom prst="rect">
+            <a:avLst/>
+          </a:prstGeom>
+        </p:spPr>
+        <p:txBody>
+          <a:bodyPr vert="horz" lIns="91440" tIns="45720" rIns="91440" bIns="45720" rtlCol="0" anchor="b"/>
+          <a:lstStyle>
+            <a:lvl1pPr algn="r">
+              <a:defRPr sz="1200"/>
+            </a:lvl1pPr>
+          </a:lstStyle>
+          <a:p>
+            <a:fld id="{50E92962-0362-434D-A7A6-86BA87293389}" type="slidenum">
+              <a:rPr lang="en-AU" smtClean="0"/>
+              <a:t>‹#›</a:t>
+            </a:fld>
+            <a:endParaRPr lang="en-AU"/>
+          </a:p>
+        </p:txBody>
+      </p:sp>
+    </p:spTree>
+    <p:extLst>
+      <p:ext uri="{BB962C8B-B14F-4D97-AF65-F5344CB8AC3E}">
+        <p14:creationId xmlns:p14="http://schemas.microsoft.com/office/powerpoint/2010/main" val="3406230942"/>
+      </p:ext>
+    </p:extLst>
+  </p:cSld>
+  <p:clrMap bg1="lt1" tx1="dk1" bg2="lt2" tx2="dk2" accent1="accent1" accent2="accent2" accent3="accent3" accent4="accent4" accent5="accent5" accent6="accent6" hlink="hlink" folHlink="folHlink"/>
+  <p:notesStyle>
+    <a:lvl1pPr marL="0" algn="l" defTabSz="914400" rtl="0" eaLnBrk="1" latinLnBrk="0" hangingPunct="1">
+      <a:defRPr sz="1200" kern="1200">
+        <a:solidFill>
+          <a:schemeClr val="tx1"/>
+        </a:solidFill>
+        <a:latin typeface="+mn-lt"/>
+        <a:ea typeface="+mn-ea"/>
+        <a:cs typeface="+mn-cs"/>
+      </a:defRPr>
+    </a:lvl1pPr>
+    <a:lvl2pPr marL="457200" algn="l" defTabSz="914400" rtl="0" eaLnBrk="1" latinLnBrk="0" hangingPunct="1">
+      <a:defRPr sz="1200" kern="1200">
+        <a:solidFill>
+          <a:schemeClr val="tx1"/>
+        </a:solidFill>
+        <a:latin typeface="+mn-lt"/>
+        <a:ea typeface="+mn-ea"/>
+        <a:cs typeface="+mn-cs"/>
+      </a:defRPr>
+    </a:lvl2pPr>
+    <a:lvl3pPr marL="914400" algn="l" defTabSz="914400" rtl="0" eaLnBrk="1" latinLnBrk="0" hangingPunct="1">
+      <a:defRPr sz="1200" kern="1200">
+        <a:solidFill>
+          <a:schemeClr val="tx1"/>
+        </a:solidFill>
+        <a:latin typeface="+mn-lt"/>
+        <a:ea typeface="+mn-ea"/>
+        <a:cs typeface="+mn-cs"/>
+      </a:defRPr>
+    </a:lvl3pPr>
+    <a:lvl4pPr marL="1371600" algn="l" defTabSz="914400" rtl="0" eaLnBrk="1" latinLnBrk="0" hangingPunct="1">
+      <a:defRPr sz="1200" kern="1200">
+        <a:solidFill>
+          <a:schemeClr val="tx1"/>
+        </a:solidFill>
+        <a:latin typeface="+mn-lt"/>
+        <a:ea typeface="+mn-ea"/>
+        <a:cs typeface="+mn-cs"/>
+      </a:defRPr>
+    </a:lvl4pPr>
+    <a:lvl5pPr marL="1828800" algn="l" defTabSz="914400" rtl="0" eaLnBrk="1" latinLnBrk="0" hangingPunct="1">
+      <a:defRPr sz="1200" kern="1200">
+        <a:solidFill>
+          <a:schemeClr val="tx1"/>
+        </a:solidFill>
+        <a:latin typeface="+mn-lt"/>
+        <a:ea typeface="+mn-ea"/>
+        <a:cs typeface="+mn-cs"/>
+      </a:defRPr>
+    </a:lvl5pPr>
+    <a:lvl6pPr marL="2286000" algn="l" defTabSz="914400" rtl="0" eaLnBrk="1" latinLnBrk="0" hangingPunct="1">
+      <a:defRPr sz="1200" kern="1200">
+        <a:solidFill>
+          <a:schemeClr val="tx1"/>
+        </a:solidFill>
+        <a:latin typeface="+mn-lt"/>
+        <a:ea typeface="+mn-ea"/>
+        <a:cs typeface="+mn-cs"/>
+      </a:defRPr>
+    </a:lvl6pPr>
+    <a:lvl7pPr marL="2743200" algn="l" defTabSz="914400" rtl="0" eaLnBrk="1" latinLnBrk="0" hangingPunct="1">
+      <a:defRPr sz="1200" kern="1200">
+        <a:solidFill>
+          <a:schemeClr val="tx1"/>
+        </a:solidFill>
+        <a:latin typeface="+mn-lt"/>
+        <a:ea typeface="+mn-ea"/>
+        <a:cs typeface="+mn-cs"/>
+      </a:defRPr>
+    </a:lvl7pPr>
+    <a:lvl8pPr marL="3200400" algn="l" defTabSz="914400" rtl="0" eaLnBrk="1" latinLnBrk="0" hangingPunct="1">
+      <a:defRPr sz="1200" kern="1200">
+        <a:solidFill>
+          <a:schemeClr val="tx1"/>
+        </a:solidFill>
+        <a:latin typeface="+mn-lt"/>
+        <a:ea typeface="+mn-ea"/>
+        <a:cs typeface="+mn-cs"/>
+      </a:defRPr>
+    </a:lvl8pPr>
+    <a:lvl9pPr marL="3657600" algn="l" defTabSz="914400" rtl="0" eaLnBrk="1" latinLnBrk="0" hangingPunct="1">
+      <a:defRPr sz="1200" kern="1200">
+        <a:solidFill>
+          <a:schemeClr val="tx1"/>
+        </a:solidFill>
+        <a:latin typeface="+mn-lt"/>
+        <a:ea typeface="+mn-ea"/>
+        <a:cs typeface="+mn-cs"/>
+      </a:defRPr>
+    </a:lvl9pPr>
+  </p:notesStyle>
+</p:notesMaster>
+</file>
+
+<file path=ppt/notesSlides/notesSlide1.xml><?xml version="1.0" encoding="utf-8"?>
+<p:notes xmlns:a="http://schemas.openxmlformats.org/drawingml/2006/main" xmlns:r="http://schemas.openxmlformats.org/officeDocument/2006/relationships" xmlns:p="http://schemas.openxmlformats.org/presentationml/2006/main">
+  <p:cSld>
+    <p:spTree>
+      <p:nvGrpSpPr>
+        <p:cNvPr id="1" name=""/>
+        <p:cNvGrpSpPr/>
+        <p:nvPr/>
+      </p:nvGrpSpPr>
+      <p:grpSpPr>
+        <a:xfrm>
+          <a:off x="0" y="0"/>
+          <a:ext cx="0" cy="0"/>
+          <a:chOff x="0" y="0"/>
+          <a:chExt cx="0" cy="0"/>
+        </a:xfrm>
+      </p:grpSpPr>
+      <p:sp>
+        <p:nvSpPr>
+          <p:cNvPr id="2" name="Slide Image Placeholder 1"/>
+          <p:cNvSpPr>
+            <a:spLocks noGrp="1" noRot="1" noChangeAspect="1"/>
+          </p:cNvSpPr>
+          <p:nvPr>
+            <p:ph type="sldImg"/>
+          </p:nvPr>
+        </p:nvSpPr>
+        <p:spPr/>
+      </p:sp>
+      <p:sp>
+        <p:nvSpPr>
+          <p:cNvPr id="3" name="Notes Placeholder 2"/>
+          <p:cNvSpPr>
+            <a:spLocks noGrp="1"/>
+          </p:cNvSpPr>
+          <p:nvPr>
+            <p:ph type="body" idx="1"/>
+          </p:nvPr>
+        </p:nvSpPr>
+        <p:spPr/>
+        <p:txBody>
+          <a:bodyPr/>
+          <a:lstStyle/>
+          <a:p>
+            <a:r>
+              <a:rPr lang="en-US" dirty="0" smtClean="0"/>
+              <a:t>RISC-</a:t>
+            </a:r>
+            <a:r>
+              <a:rPr lang="en-US" baseline="0" dirty="0" smtClean="0"/>
+              <a:t> RNA induced silencing complex. </a:t>
+            </a:r>
+          </a:p>
+          <a:p>
+            <a:r>
+              <a:rPr lang="en-US" baseline="0" dirty="0" err="1" smtClean="0"/>
+              <a:t>Risc</a:t>
+            </a:r>
+            <a:r>
+              <a:rPr lang="en-US" baseline="0" dirty="0" smtClean="0"/>
+              <a:t> associated proteins: </a:t>
+            </a:r>
+            <a:r>
+              <a:rPr lang="en-US" baseline="0" dirty="0" err="1" smtClean="0"/>
+              <a:t>argonates</a:t>
+            </a:r>
+            <a:r>
+              <a:rPr lang="en-US" baseline="0" dirty="0" smtClean="0"/>
+              <a:t>, Dicer, </a:t>
+            </a:r>
+            <a:endParaRPr lang="en-AU" dirty="0"/>
+          </a:p>
+        </p:txBody>
+      </p:sp>
+      <p:sp>
+        <p:nvSpPr>
+          <p:cNvPr id="4" name="Slide Number Placeholder 3"/>
+          <p:cNvSpPr>
+            <a:spLocks noGrp="1"/>
+          </p:cNvSpPr>
+          <p:nvPr>
+            <p:ph type="sldNum" sz="quarter" idx="10"/>
+          </p:nvPr>
+        </p:nvSpPr>
+        <p:spPr/>
+        <p:txBody>
+          <a:bodyPr/>
+          <a:lstStyle/>
+          <a:p>
+            <a:fld id="{50E92962-0362-434D-A7A6-86BA87293389}" type="slidenum">
+              <a:rPr lang="en-AU" smtClean="0"/>
+              <a:t>2</a:t>
+            </a:fld>
+            <a:endParaRPr lang="en-AU"/>
+          </a:p>
+        </p:txBody>
+      </p:sp>
+    </p:spTree>
+    <p:extLst>
+      <p:ext uri="{BB962C8B-B14F-4D97-AF65-F5344CB8AC3E}">
+        <p14:creationId xmlns:p14="http://schemas.microsoft.com/office/powerpoint/2010/main" val="229328601"/>
+      </p:ext>
+    </p:extLst>
+  </p:cSld>
+  <p:clrMapOvr>
+    <a:masterClrMapping/>
+  </p:clrMapOvr>
+</p:notes>
+</file>
+
 <file path=ppt/slideLayouts/slideLayout1.xml><?xml version="1.0" encoding="utf-8"?>
 <p:sldLayout xmlns:a="http://schemas.openxmlformats.org/drawingml/2006/main" xmlns:r="http://schemas.openxmlformats.org/officeDocument/2006/relationships" xmlns:p="http://schemas.openxmlformats.org/presentationml/2006/main" type="title" preserve="1">
   <p:cSld name="Title Slide">
@@ -166,7 +629,7 @@
               <a:rPr lang="en-US" smtClean="0"/>
               <a:t>Click to edit Master title style</a:t>
             </a:r>
-            <a:endParaRPr lang="en-AU"/>
+            <a:endParaRPr lang="en-US" dirty="0"/>
           </a:p>
         </p:txBody>
       </p:sp>
@@ -231,7 +694,7 @@
               <a:rPr lang="en-US" smtClean="0"/>
               <a:t>Click to edit Master subtitle style</a:t>
             </a:r>
-            <a:endParaRPr lang="en-AU"/>
+            <a:endParaRPr lang="en-US" dirty="0"/>
           </a:p>
         </p:txBody>
       </p:sp>
@@ -252,7 +715,7 @@
           <a:p>
             <a:fld id="{D006A5F5-722B-4365-93E1-21E835194C29}" type="datetimeFigureOut">
               <a:rPr lang="en-AU" smtClean="0"/>
-              <a:t>10/03/2016</a:t>
+              <a:t>11/03/2016</a:t>
             </a:fld>
             <a:endParaRPr lang="en-AU"/>
           </a:p>
@@ -303,7 +766,7 @@
     </p:spTree>
     <p:extLst>
       <p:ext uri="{BB962C8B-B14F-4D97-AF65-F5344CB8AC3E}">
-        <p14:creationId xmlns:p14="http://schemas.microsoft.com/office/powerpoint/2010/main" val="3096014269"/>
+        <p14:creationId xmlns:p14="http://schemas.microsoft.com/office/powerpoint/2010/main" val="1982143282"/>
       </p:ext>
     </p:extLst>
   </p:cSld>
@@ -349,7 +812,7 @@
               <a:rPr lang="en-US" smtClean="0"/>
               <a:t>Click to edit Master title style</a:t>
             </a:r>
-            <a:endParaRPr lang="en-AU"/>
+            <a:endParaRPr lang="en-US" dirty="0"/>
           </a:p>
         </p:txBody>
       </p:sp>
@@ -401,7 +864,7 @@
               <a:rPr lang="en-US" smtClean="0"/>
               <a:t>Fifth level</a:t>
             </a:r>
-            <a:endParaRPr lang="en-AU"/>
+            <a:endParaRPr lang="en-US" dirty="0"/>
           </a:p>
         </p:txBody>
       </p:sp>
@@ -422,7 +885,7 @@
           <a:p>
             <a:fld id="{D006A5F5-722B-4365-93E1-21E835194C29}" type="datetimeFigureOut">
               <a:rPr lang="en-AU" smtClean="0"/>
-              <a:t>10/03/2016</a:t>
+              <a:t>11/03/2016</a:t>
             </a:fld>
             <a:endParaRPr lang="en-AU"/>
           </a:p>
@@ -473,7 +936,7 @@
     </p:spTree>
     <p:extLst>
       <p:ext uri="{BB962C8B-B14F-4D97-AF65-F5344CB8AC3E}">
-        <p14:creationId xmlns:p14="http://schemas.microsoft.com/office/powerpoint/2010/main" val="4077102631"/>
+        <p14:creationId xmlns:p14="http://schemas.microsoft.com/office/powerpoint/2010/main" val="84823846"/>
       </p:ext>
     </p:extLst>
   </p:cSld>
@@ -524,7 +987,7 @@
               <a:rPr lang="en-US" smtClean="0"/>
               <a:t>Click to edit Master title style</a:t>
             </a:r>
-            <a:endParaRPr lang="en-AU"/>
+            <a:endParaRPr lang="en-US" dirty="0"/>
           </a:p>
         </p:txBody>
       </p:sp>
@@ -581,7 +1044,7 @@
               <a:rPr lang="en-US" smtClean="0"/>
               <a:t>Fifth level</a:t>
             </a:r>
-            <a:endParaRPr lang="en-AU"/>
+            <a:endParaRPr lang="en-US" dirty="0"/>
           </a:p>
         </p:txBody>
       </p:sp>
@@ -602,7 +1065,7 @@
           <a:p>
             <a:fld id="{D006A5F5-722B-4365-93E1-21E835194C29}" type="datetimeFigureOut">
               <a:rPr lang="en-AU" smtClean="0"/>
-              <a:t>10/03/2016</a:t>
+              <a:t>11/03/2016</a:t>
             </a:fld>
             <a:endParaRPr lang="en-AU"/>
           </a:p>
@@ -653,7 +1116,7 @@
     </p:spTree>
     <p:extLst>
       <p:ext uri="{BB962C8B-B14F-4D97-AF65-F5344CB8AC3E}">
-        <p14:creationId xmlns:p14="http://schemas.microsoft.com/office/powerpoint/2010/main" val="2566415195"/>
+        <p14:creationId xmlns:p14="http://schemas.microsoft.com/office/powerpoint/2010/main" val="592777557"/>
       </p:ext>
     </p:extLst>
   </p:cSld>
@@ -699,7 +1162,7 @@
               <a:rPr lang="en-US" smtClean="0"/>
               <a:t>Click to edit Master title style</a:t>
             </a:r>
-            <a:endParaRPr lang="en-AU"/>
+            <a:endParaRPr lang="en-US" dirty="0"/>
           </a:p>
         </p:txBody>
       </p:sp>
@@ -751,7 +1214,7 @@
               <a:rPr lang="en-US" smtClean="0"/>
               <a:t>Fifth level</a:t>
             </a:r>
-            <a:endParaRPr lang="en-AU"/>
+            <a:endParaRPr lang="en-US" dirty="0"/>
           </a:p>
         </p:txBody>
       </p:sp>
@@ -772,7 +1235,7 @@
           <a:p>
             <a:fld id="{D006A5F5-722B-4365-93E1-21E835194C29}" type="datetimeFigureOut">
               <a:rPr lang="en-AU" smtClean="0"/>
-              <a:t>10/03/2016</a:t>
+              <a:t>11/03/2016</a:t>
             </a:fld>
             <a:endParaRPr lang="en-AU"/>
           </a:p>
@@ -823,7 +1286,7 @@
     </p:spTree>
     <p:extLst>
       <p:ext uri="{BB962C8B-B14F-4D97-AF65-F5344CB8AC3E}">
-        <p14:creationId xmlns:p14="http://schemas.microsoft.com/office/powerpoint/2010/main" val="2058620230"/>
+        <p14:creationId xmlns:p14="http://schemas.microsoft.com/office/powerpoint/2010/main" val="3633788771"/>
       </p:ext>
     </p:extLst>
   </p:cSld>
@@ -878,7 +1341,7 @@
               <a:rPr lang="en-US" smtClean="0"/>
               <a:t>Click to edit Master title style</a:t>
             </a:r>
-            <a:endParaRPr lang="en-AU"/>
+            <a:endParaRPr lang="en-US" dirty="0"/>
           </a:p>
         </p:txBody>
       </p:sp>
@@ -1018,7 +1481,7 @@
           <a:p>
             <a:fld id="{D006A5F5-722B-4365-93E1-21E835194C29}" type="datetimeFigureOut">
               <a:rPr lang="en-AU" smtClean="0"/>
-              <a:t>10/03/2016</a:t>
+              <a:t>11/03/2016</a:t>
             </a:fld>
             <a:endParaRPr lang="en-AU"/>
           </a:p>
@@ -1069,7 +1532,7 @@
     </p:spTree>
     <p:extLst>
       <p:ext uri="{BB962C8B-B14F-4D97-AF65-F5344CB8AC3E}">
-        <p14:creationId xmlns:p14="http://schemas.microsoft.com/office/powerpoint/2010/main" val="3788153028"/>
+        <p14:creationId xmlns:p14="http://schemas.microsoft.com/office/powerpoint/2010/main" val="1920431947"/>
       </p:ext>
     </p:extLst>
   </p:cSld>
@@ -1115,7 +1578,7 @@
               <a:rPr lang="en-US" smtClean="0"/>
               <a:t>Click to edit Master title style</a:t>
             </a:r>
-            <a:endParaRPr lang="en-AU"/>
+            <a:endParaRPr lang="en-US" dirty="0"/>
           </a:p>
         </p:txBody>
       </p:sp>
@@ -1172,7 +1635,7 @@
               <a:rPr lang="en-US" smtClean="0"/>
               <a:t>Fifth level</a:t>
             </a:r>
-            <a:endParaRPr lang="en-AU"/>
+            <a:endParaRPr lang="en-US" dirty="0"/>
           </a:p>
         </p:txBody>
       </p:sp>
@@ -1229,7 +1692,7 @@
               <a:rPr lang="en-US" smtClean="0"/>
               <a:t>Fifth level</a:t>
             </a:r>
-            <a:endParaRPr lang="en-AU"/>
+            <a:endParaRPr lang="en-US" dirty="0"/>
           </a:p>
         </p:txBody>
       </p:sp>
@@ -1250,7 +1713,7 @@
           <a:p>
             <a:fld id="{D006A5F5-722B-4365-93E1-21E835194C29}" type="datetimeFigureOut">
               <a:rPr lang="en-AU" smtClean="0"/>
-              <a:t>10/03/2016</a:t>
+              <a:t>11/03/2016</a:t>
             </a:fld>
             <a:endParaRPr lang="en-AU"/>
           </a:p>
@@ -1301,7 +1764,7 @@
     </p:spTree>
     <p:extLst>
       <p:ext uri="{BB962C8B-B14F-4D97-AF65-F5344CB8AC3E}">
-        <p14:creationId xmlns:p14="http://schemas.microsoft.com/office/powerpoint/2010/main" val="3400641152"/>
+        <p14:creationId xmlns:p14="http://schemas.microsoft.com/office/powerpoint/2010/main" val="3299498057"/>
       </p:ext>
     </p:extLst>
   </p:cSld>
@@ -1352,7 +1815,7 @@
               <a:rPr lang="en-US" smtClean="0"/>
               <a:t>Click to edit Master title style</a:t>
             </a:r>
-            <a:endParaRPr lang="en-AU"/>
+            <a:endParaRPr lang="en-US" dirty="0"/>
           </a:p>
         </p:txBody>
       </p:sp>
@@ -1474,7 +1937,7 @@
               <a:rPr lang="en-US" smtClean="0"/>
               <a:t>Fifth level</a:t>
             </a:r>
-            <a:endParaRPr lang="en-AU"/>
+            <a:endParaRPr lang="en-US" dirty="0"/>
           </a:p>
         </p:txBody>
       </p:sp>
@@ -1596,7 +2059,7 @@
               <a:rPr lang="en-US" smtClean="0"/>
               <a:t>Fifth level</a:t>
             </a:r>
-            <a:endParaRPr lang="en-AU"/>
+            <a:endParaRPr lang="en-US" dirty="0"/>
           </a:p>
         </p:txBody>
       </p:sp>
@@ -1617,7 +2080,7 @@
           <a:p>
             <a:fld id="{D006A5F5-722B-4365-93E1-21E835194C29}" type="datetimeFigureOut">
               <a:rPr lang="en-AU" smtClean="0"/>
-              <a:t>10/03/2016</a:t>
+              <a:t>11/03/2016</a:t>
             </a:fld>
             <a:endParaRPr lang="en-AU"/>
           </a:p>
@@ -1668,7 +2131,7 @@
     </p:spTree>
     <p:extLst>
       <p:ext uri="{BB962C8B-B14F-4D97-AF65-F5344CB8AC3E}">
-        <p14:creationId xmlns:p14="http://schemas.microsoft.com/office/powerpoint/2010/main" val="1750908529"/>
+        <p14:creationId xmlns:p14="http://schemas.microsoft.com/office/powerpoint/2010/main" val="2691395456"/>
       </p:ext>
     </p:extLst>
   </p:cSld>
@@ -1714,7 +2177,7 @@
               <a:rPr lang="en-US" smtClean="0"/>
               <a:t>Click to edit Master title style</a:t>
             </a:r>
-            <a:endParaRPr lang="en-AU"/>
+            <a:endParaRPr lang="en-US" dirty="0"/>
           </a:p>
         </p:txBody>
       </p:sp>
@@ -1735,7 +2198,7 @@
           <a:p>
             <a:fld id="{D006A5F5-722B-4365-93E1-21E835194C29}" type="datetimeFigureOut">
               <a:rPr lang="en-AU" smtClean="0"/>
-              <a:t>10/03/2016</a:t>
+              <a:t>11/03/2016</a:t>
             </a:fld>
             <a:endParaRPr lang="en-AU"/>
           </a:p>
@@ -1786,7 +2249,7 @@
     </p:spTree>
     <p:extLst>
       <p:ext uri="{BB962C8B-B14F-4D97-AF65-F5344CB8AC3E}">
-        <p14:creationId xmlns:p14="http://schemas.microsoft.com/office/powerpoint/2010/main" val="1137707624"/>
+        <p14:creationId xmlns:p14="http://schemas.microsoft.com/office/powerpoint/2010/main" val="3280918638"/>
       </p:ext>
     </p:extLst>
   </p:cSld>
@@ -1830,7 +2293,7 @@
           <a:p>
             <a:fld id="{D006A5F5-722B-4365-93E1-21E835194C29}" type="datetimeFigureOut">
               <a:rPr lang="en-AU" smtClean="0"/>
-              <a:t>10/03/2016</a:t>
+              <a:t>11/03/2016</a:t>
             </a:fld>
             <a:endParaRPr lang="en-AU"/>
           </a:p>
@@ -1881,7 +2344,7 @@
     </p:spTree>
     <p:extLst>
       <p:ext uri="{BB962C8B-B14F-4D97-AF65-F5344CB8AC3E}">
-        <p14:creationId xmlns:p14="http://schemas.microsoft.com/office/powerpoint/2010/main" val="1089360153"/>
+        <p14:creationId xmlns:p14="http://schemas.microsoft.com/office/powerpoint/2010/main" val="1870152098"/>
       </p:ext>
     </p:extLst>
   </p:cSld>
@@ -1936,7 +2399,7 @@
               <a:rPr lang="en-US" smtClean="0"/>
               <a:t>Click to edit Master title style</a:t>
             </a:r>
-            <a:endParaRPr lang="en-AU"/>
+            <a:endParaRPr lang="en-US" dirty="0"/>
           </a:p>
         </p:txBody>
       </p:sp>
@@ -2021,7 +2484,7 @@
               <a:rPr lang="en-US" smtClean="0"/>
               <a:t>Fifth level</a:t>
             </a:r>
-            <a:endParaRPr lang="en-AU"/>
+            <a:endParaRPr lang="en-US" dirty="0"/>
           </a:p>
         </p:txBody>
       </p:sp>
@@ -2107,7 +2570,7 @@
           <a:p>
             <a:fld id="{D006A5F5-722B-4365-93E1-21E835194C29}" type="datetimeFigureOut">
               <a:rPr lang="en-AU" smtClean="0"/>
-              <a:t>10/03/2016</a:t>
+              <a:t>11/03/2016</a:t>
             </a:fld>
             <a:endParaRPr lang="en-AU"/>
           </a:p>
@@ -2158,7 +2621,7 @@
     </p:spTree>
     <p:extLst>
       <p:ext uri="{BB962C8B-B14F-4D97-AF65-F5344CB8AC3E}">
-        <p14:creationId xmlns:p14="http://schemas.microsoft.com/office/powerpoint/2010/main" val="3614229694"/>
+        <p14:creationId xmlns:p14="http://schemas.microsoft.com/office/powerpoint/2010/main" val="4064130818"/>
       </p:ext>
     </p:extLst>
   </p:cSld>
@@ -2213,7 +2676,7 @@
               <a:rPr lang="en-US" smtClean="0"/>
               <a:t>Click to edit Master title style</a:t>
             </a:r>
-            <a:endParaRPr lang="en-AU"/>
+            <a:endParaRPr lang="en-US" dirty="0"/>
           </a:p>
         </p:txBody>
       </p:sp>
@@ -2221,7 +2684,7 @@
         <p:nvSpPr>
           <p:cNvPr id="3" name="Picture Placeholder 2"/>
           <p:cNvSpPr>
-            <a:spLocks noGrp="1"/>
+            <a:spLocks noGrp="1" noChangeAspect="1"/>
           </p:cNvSpPr>
           <p:nvPr>
             <p:ph type="pic" idx="1"/>
@@ -2234,7 +2697,7 @@
           </a:xfrm>
         </p:spPr>
         <p:txBody>
-          <a:bodyPr/>
+          <a:bodyPr anchor="t"/>
           <a:lstStyle>
             <a:lvl1pPr marL="0" indent="0">
               <a:buNone/>
@@ -2274,7 +2737,11 @@
             </a:lvl9pPr>
           </a:lstStyle>
           <a:p>
-            <a:endParaRPr lang="en-AU"/>
+            <a:r>
+              <a:rPr lang="en-US" smtClean="0"/>
+              <a:t>Click icon to add picture</a:t>
+            </a:r>
+            <a:endParaRPr lang="en-US" dirty="0"/>
           </a:p>
         </p:txBody>
       </p:sp>
@@ -2360,7 +2827,7 @@
           <a:p>
             <a:fld id="{D006A5F5-722B-4365-93E1-21E835194C29}" type="datetimeFigureOut">
               <a:rPr lang="en-AU" smtClean="0"/>
-              <a:t>10/03/2016</a:t>
+              <a:t>11/03/2016</a:t>
             </a:fld>
             <a:endParaRPr lang="en-AU"/>
           </a:p>
@@ -2411,7 +2878,7 @@
     </p:spTree>
     <p:extLst>
       <p:ext uri="{BB962C8B-B14F-4D97-AF65-F5344CB8AC3E}">
-        <p14:creationId xmlns:p14="http://schemas.microsoft.com/office/powerpoint/2010/main" val="223721479"/>
+        <p14:creationId xmlns:p14="http://schemas.microsoft.com/office/powerpoint/2010/main" val="2388877112"/>
       </p:ext>
     </p:extLst>
   </p:cSld>
@@ -2472,7 +2939,7 @@
               <a:rPr lang="en-US" smtClean="0"/>
               <a:t>Click to edit Master title style</a:t>
             </a:r>
-            <a:endParaRPr lang="en-AU"/>
+            <a:endParaRPr lang="en-US" dirty="0"/>
           </a:p>
         </p:txBody>
       </p:sp>
@@ -2534,7 +3001,7 @@
               <a:rPr lang="en-US" smtClean="0"/>
               <a:t>Fifth level</a:t>
             </a:r>
-            <a:endParaRPr lang="en-AU"/>
+            <a:endParaRPr lang="en-US" dirty="0"/>
           </a:p>
         </p:txBody>
       </p:sp>
@@ -2573,7 +3040,7 @@
           <a:p>
             <a:fld id="{D006A5F5-722B-4365-93E1-21E835194C29}" type="datetimeFigureOut">
               <a:rPr lang="en-AU" smtClean="0"/>
-              <a:t>10/03/2016</a:t>
+              <a:t>11/03/2016</a:t>
             </a:fld>
             <a:endParaRPr lang="en-AU"/>
           </a:p>
@@ -2660,23 +3127,23 @@
     </p:spTree>
     <p:extLst>
       <p:ext uri="{BB962C8B-B14F-4D97-AF65-F5344CB8AC3E}">
-        <p14:creationId xmlns:p14="http://schemas.microsoft.com/office/powerpoint/2010/main" val="2289568033"/>
+        <p14:creationId xmlns:p14="http://schemas.microsoft.com/office/powerpoint/2010/main" val="179922930"/>
       </p:ext>
     </p:extLst>
   </p:cSld>
-  <p:clrMap bg1="lt1" tx1="dk1" bg2="lt2" tx2="dk2" accent1="accent1" accent2="accent2" accent3="accent3" accent4="accent4" accent5="accent5" accent6="accent6" hlink="hlink" folHlink="folHlink"/>
+  <p:clrMap bg1="dk1" tx1="lt1" bg2="dk2" tx2="lt2" accent1="accent1" accent2="accent2" accent3="accent3" accent4="accent4" accent5="accent5" accent6="accent6" hlink="hlink" folHlink="folHlink"/>
   <p:sldLayoutIdLst>
-    <p:sldLayoutId id="2147483649" r:id="rId1"/>
-    <p:sldLayoutId id="2147483650" r:id="rId2"/>
-    <p:sldLayoutId id="2147483651" r:id="rId3"/>
-    <p:sldLayoutId id="2147483652" r:id="rId4"/>
-    <p:sldLayoutId id="2147483653" r:id="rId5"/>
-    <p:sldLayoutId id="2147483654" r:id="rId6"/>
-    <p:sldLayoutId id="2147483655" r:id="rId7"/>
-    <p:sldLayoutId id="2147483656" r:id="rId8"/>
-    <p:sldLayoutId id="2147483657" r:id="rId9"/>
-    <p:sldLayoutId id="2147483658" r:id="rId10"/>
-    <p:sldLayoutId id="2147483659" r:id="rId11"/>
+    <p:sldLayoutId id="2147483661" r:id="rId1"/>
+    <p:sldLayoutId id="2147483662" r:id="rId2"/>
+    <p:sldLayoutId id="2147483663" r:id="rId3"/>
+    <p:sldLayoutId id="2147483664" r:id="rId4"/>
+    <p:sldLayoutId id="2147483665" r:id="rId5"/>
+    <p:sldLayoutId id="2147483666" r:id="rId6"/>
+    <p:sldLayoutId id="2147483667" r:id="rId7"/>
+    <p:sldLayoutId id="2147483668" r:id="rId8"/>
+    <p:sldLayoutId id="2147483669" r:id="rId9"/>
+    <p:sldLayoutId id="2147483670" r:id="rId10"/>
+    <p:sldLayoutId id="2147483671" r:id="rId11"/>
   </p:sldLayoutIdLst>
   <p:txStyles>
     <p:titleStyle>
@@ -2964,6 +3431,20 @@
 <file path=ppt/slides/slide1.xml><?xml version="1.0" encoding="utf-8"?>
 <p:sld xmlns:a="http://schemas.openxmlformats.org/drawingml/2006/main" xmlns:r="http://schemas.openxmlformats.org/officeDocument/2006/relationships" xmlns:p="http://schemas.openxmlformats.org/presentationml/2006/main">
   <p:cSld>
+    <p:bg>
+      <p:bgPr>
+        <a:blipFill dpi="0" rotWithShape="1">
+          <a:blip r:embed="rId2">
+            <a:lum/>
+          </a:blip>
+          <a:srcRect/>
+          <a:stretch>
+            <a:fillRect t="-31000" b="-31000"/>
+          </a:stretch>
+        </a:blipFill>
+        <a:effectLst/>
+      </p:bgPr>
+    </p:bg>
     <p:spTree>
       <p:nvGrpSpPr>
         <p:cNvPr id="1" name=""/>
@@ -3013,9 +3494,54 @@
         </p:nvSpPr>
         <p:spPr/>
         <p:txBody>
-          <a:bodyPr/>
-          <a:lstStyle/>
-          <a:p>
+          <a:bodyPr>
+            <a:normAutofit lnSpcReduction="10000"/>
+          </a:bodyPr>
+          <a:lstStyle/>
+          <a:p>
+            <a:pPr algn="l"/>
+            <a:r>
+              <a:rPr lang="en-US" dirty="0" smtClean="0"/>
+              <a:t>Harley Robinson</a:t>
+            </a:r>
+          </a:p>
+          <a:p>
+            <a:pPr algn="l"/>
+            <a:endParaRPr lang="en-US" dirty="0"/>
+          </a:p>
+          <a:p>
+            <a:pPr algn="l"/>
+            <a:r>
+              <a:rPr lang="en-US" dirty="0" smtClean="0"/>
+              <a:t>Supervisor: </a:t>
+            </a:r>
+            <a:r>
+              <a:rPr lang="en-US" dirty="0" err="1" smtClean="0"/>
+              <a:t>Dr</a:t>
+            </a:r>
+            <a:r>
+              <a:rPr lang="en-US" dirty="0" smtClean="0"/>
+              <a:t> Michelle Hill</a:t>
+            </a:r>
+          </a:p>
+          <a:p>
+            <a:pPr algn="l"/>
+            <a:r>
+              <a:rPr lang="en-US" dirty="0" smtClean="0"/>
+              <a:t>Co-supervisor: </a:t>
+            </a:r>
+            <a:r>
+              <a:rPr lang="en-US" dirty="0" err="1" smtClean="0"/>
+              <a:t>Dr</a:t>
+            </a:r>
+            <a:r>
+              <a:rPr lang="en-US" dirty="0" smtClean="0"/>
+              <a:t> Alex </a:t>
+            </a:r>
+            <a:r>
+              <a:rPr lang="en-US" dirty="0" err="1" smtClean="0"/>
+              <a:t>Cristino</a:t>
+            </a:r>
             <a:endParaRPr lang="en-AU" dirty="0"/>
           </a:p>
         </p:txBody>
@@ -3139,35 +3665,167 @@
           <a:p>
             <a:r>
               <a:rPr lang="en-US" dirty="0" smtClean="0"/>
-              <a:t>MicroRNAs</a:t>
+              <a:t>microRNAs</a:t>
             </a:r>
             <a:endParaRPr lang="en-AU" dirty="0"/>
           </a:p>
         </p:txBody>
       </p:sp>
-      <p:sp>
-        <p:nvSpPr>
-          <p:cNvPr id="3" name="Content Placeholder 2"/>
-          <p:cNvSpPr>
-            <a:spLocks noGrp="1"/>
-          </p:cNvSpPr>
+      <p:pic>
+        <p:nvPicPr>
+          <p:cNvPr id="6" name="Content Placeholder 5"/>
+          <p:cNvPicPr>
+            <a:picLocks noGrp="1" noChangeAspect="1"/>
+          </p:cNvPicPr>
           <p:nvPr>
             <p:ph idx="1"/>
           </p:nvPr>
-        </p:nvSpPr>
-        <p:spPr/>
-        <p:txBody>
-          <a:bodyPr/>
-          <a:lstStyle/>
-          <a:p>
-            <a:endParaRPr lang="en-AU"/>
+        </p:nvPicPr>
+        <p:blipFill>
+          <a:blip r:embed="rId3"/>
+          <a:stretch>
+            <a:fillRect/>
+          </a:stretch>
+        </p:blipFill>
+        <p:spPr>
+          <a:xfrm>
+            <a:off x="7462156" y="1065186"/>
+            <a:ext cx="3891644" cy="5026707"/>
+          </a:xfrm>
+          <a:prstGeom prst="rect">
+            <a:avLst/>
+          </a:prstGeom>
+        </p:spPr>
+      </p:pic>
+      <p:sp>
+        <p:nvSpPr>
+          <p:cNvPr id="7" name="TextBox 6"/>
+          <p:cNvSpPr txBox="1"/>
+          <p:nvPr/>
+        </p:nvSpPr>
+        <p:spPr>
+          <a:xfrm>
+            <a:off x="620486" y="1690688"/>
+            <a:ext cx="5747657" cy="4353499"/>
+          </a:xfrm>
+          <a:prstGeom prst="rect">
+            <a:avLst/>
+          </a:prstGeom>
+          <a:noFill/>
+        </p:spPr>
+        <p:txBody>
+          <a:bodyPr wrap="square" rtlCol="0">
+            <a:spAutoFit/>
+          </a:bodyPr>
+          <a:lstStyle/>
+          <a:p>
+            <a:pPr marL="342900" indent="-342900">
+              <a:lnSpc>
+                <a:spcPct val="150000"/>
+              </a:lnSpc>
+              <a:buFontTx/>
+              <a:buChar char="-"/>
+            </a:pPr>
+            <a:r>
+              <a:rPr lang="en-US" sz="2000" dirty="0" smtClean="0"/>
+              <a:t>Usually range between 17-24 nucleotides long.</a:t>
+            </a:r>
+          </a:p>
+          <a:p>
+            <a:pPr marL="342900" indent="-342900">
+              <a:buFontTx/>
+              <a:buChar char="-"/>
+            </a:pPr>
+            <a:endParaRPr lang="en-US" sz="2000" dirty="0" smtClean="0"/>
+          </a:p>
+          <a:p>
+            <a:pPr marL="342900" indent="-342900">
+              <a:lnSpc>
+                <a:spcPct val="150000"/>
+              </a:lnSpc>
+              <a:buFontTx/>
+              <a:buChar char="-"/>
+            </a:pPr>
+            <a:r>
+              <a:rPr lang="en-US" sz="2000" dirty="0" smtClean="0"/>
+              <a:t>Binding to target mRNA decreases protein function by RISC inhibition and degradation</a:t>
+            </a:r>
+          </a:p>
+          <a:p>
+            <a:endParaRPr lang="en-US" sz="2000" dirty="0" smtClean="0"/>
+          </a:p>
+          <a:p>
+            <a:pPr marL="342900" indent="-342900">
+              <a:lnSpc>
+                <a:spcPct val="150000"/>
+              </a:lnSpc>
+              <a:buFontTx/>
+              <a:buChar char="-"/>
+            </a:pPr>
+            <a:r>
+              <a:rPr lang="en-US" sz="2000" dirty="0" smtClean="0"/>
+              <a:t>Export of microRNAs (</a:t>
+            </a:r>
+            <a:r>
+              <a:rPr lang="en-US" sz="2000" dirty="0" err="1" smtClean="0"/>
+              <a:t>miRs</a:t>
+            </a:r>
+            <a:r>
+              <a:rPr lang="en-US" sz="2000" dirty="0" smtClean="0"/>
+              <a:t>) regulates pathways in the recipient cells attributed to:</a:t>
+            </a:r>
+          </a:p>
+          <a:p>
+            <a:pPr marL="800100" lvl="1" indent="-342900">
+              <a:lnSpc>
+                <a:spcPct val="150000"/>
+              </a:lnSpc>
+              <a:buFontTx/>
+              <a:buChar char="-"/>
+            </a:pPr>
+            <a:r>
+              <a:rPr lang="en-US" sz="2000" dirty="0" smtClean="0"/>
+              <a:t> Cardiac homeostasis</a:t>
+            </a:r>
+          </a:p>
+          <a:p>
+            <a:pPr marL="800100" lvl="1" indent="-342900">
+              <a:lnSpc>
+                <a:spcPct val="150000"/>
+              </a:lnSpc>
+              <a:buFontTx/>
+              <a:buChar char="-"/>
+            </a:pPr>
+            <a:r>
+              <a:rPr lang="en-US" sz="2000" dirty="0" smtClean="0"/>
+              <a:t>Diabetes</a:t>
+            </a:r>
+            <a:endParaRPr lang="en-US" sz="2000" dirty="0"/>
+          </a:p>
+          <a:p>
+            <a:pPr marL="800100" lvl="1" indent="-342900">
+              <a:lnSpc>
+                <a:spcPct val="150000"/>
+              </a:lnSpc>
+              <a:buFontTx/>
+              <a:buChar char="-"/>
+            </a:pPr>
+            <a:r>
+              <a:rPr lang="en-US" sz="2000" dirty="0"/>
+              <a:t>C</a:t>
+            </a:r>
+            <a:r>
+              <a:rPr lang="en-US" sz="2000" dirty="0" smtClean="0"/>
+              <a:t>ancer metastasis </a:t>
+            </a:r>
+            <a:endParaRPr lang="en-AU" sz="2000" dirty="0"/>
           </a:p>
         </p:txBody>
       </p:sp>
     </p:spTree>
     <p:extLst>
       <p:ext uri="{BB962C8B-B14F-4D97-AF65-F5344CB8AC3E}">
-        <p14:creationId xmlns:p14="http://schemas.microsoft.com/office/powerpoint/2010/main" val="2807720801"/>
+        <p14:creationId xmlns:p14="http://schemas.microsoft.com/office/powerpoint/2010/main" val="3347801924"/>
       </p:ext>
     </p:extLst>
   </p:cSld>
@@ -3229,10 +3887,90 @@
         </p:nvSpPr>
         <p:spPr/>
         <p:txBody>
-          <a:bodyPr/>
-          <a:lstStyle/>
-          <a:p>
-            <a:endParaRPr lang="en-AU"/>
+          <a:bodyPr>
+            <a:normAutofit/>
+          </a:bodyPr>
+          <a:lstStyle/>
+          <a:p>
+            <a:pPr>
+              <a:buFontTx/>
+              <a:buChar char="-"/>
+            </a:pPr>
+            <a:r>
+              <a:rPr lang="en-US" sz="2000" dirty="0" smtClean="0"/>
+              <a:t>Composed of </a:t>
+            </a:r>
+            <a:r>
+              <a:rPr lang="en-US" sz="2000" dirty="0" err="1"/>
+              <a:t>m</a:t>
+            </a:r>
+            <a:r>
+              <a:rPr lang="en-US" sz="2000" dirty="0" err="1" smtClean="0"/>
+              <a:t>icrovesicles</a:t>
+            </a:r>
+            <a:r>
+              <a:rPr lang="en-US" sz="2000" dirty="0" smtClean="0"/>
+              <a:t> and exosomes.     </a:t>
+            </a:r>
+          </a:p>
+          <a:p>
+            <a:pPr>
+              <a:lnSpc>
+                <a:spcPct val="100000"/>
+              </a:lnSpc>
+              <a:buFontTx/>
+              <a:buChar char="-"/>
+            </a:pPr>
+            <a:endParaRPr lang="en-US" sz="2000" dirty="0"/>
+          </a:p>
+          <a:p>
+            <a:pPr>
+              <a:buFontTx/>
+              <a:buChar char="-"/>
+            </a:pPr>
+            <a:r>
+              <a:rPr lang="en-US" sz="2000" dirty="0" smtClean="0"/>
+              <a:t>Surface contains homing proteins to allow fo</a:t>
+            </a:r>
+            <a:r>
+              <a:rPr lang="en-US" sz="2000" dirty="0" smtClean="0"/>
+              <a:t>r cell specific delivery </a:t>
+            </a:r>
+            <a:endParaRPr lang="en-US" sz="2000" dirty="0"/>
+          </a:p>
+          <a:p>
+            <a:pPr marL="0" indent="0">
+              <a:lnSpc>
+                <a:spcPct val="100000"/>
+              </a:lnSpc>
+              <a:buNone/>
+            </a:pPr>
+            <a:endParaRPr lang="en-US" sz="2000" dirty="0" smtClean="0"/>
+          </a:p>
+          <a:p>
+            <a:pPr>
+              <a:buFontTx/>
+              <a:buChar char="-"/>
+            </a:pPr>
+            <a:r>
+              <a:rPr lang="en-US" sz="2000" dirty="0" smtClean="0"/>
+              <a:t>Contents regulates processes in other cells. </a:t>
+            </a:r>
+          </a:p>
+          <a:p>
+            <a:pPr>
+              <a:buFontTx/>
+              <a:buChar char="-"/>
+            </a:pPr>
+            <a:r>
+              <a:rPr lang="en-US" sz="2000" dirty="0" smtClean="0"/>
+              <a:t>Protein sorting </a:t>
+            </a:r>
+            <a:r>
+              <a:rPr lang="en-US" sz="2000" dirty="0" smtClean="0"/>
+              <a:t>                                                                                                                               </a:t>
+            </a:r>
+            <a:endParaRPr lang="en-AU" sz="2000" dirty="0"/>
           </a:p>
         </p:txBody>
       </p:sp>
@@ -3682,6 +4420,267 @@
 </file>
 
 <file path=ppt/theme/theme1.xml><?xml version="1.0" encoding="utf-8"?>
+<a:theme xmlns:a="http://schemas.openxmlformats.org/drawingml/2006/main" name="Office Theme">
+  <a:themeElements>
+    <a:clrScheme name="Office Theme">
+      <a:dk1>
+        <a:sysClr val="windowText" lastClr="000000"/>
+      </a:dk1>
+      <a:lt1>
+        <a:sysClr val="window" lastClr="FFFFFF"/>
+      </a:lt1>
+      <a:dk2>
+        <a:srgbClr val="44546A"/>
+      </a:dk2>
+      <a:lt2>
+        <a:srgbClr val="E7E6E6"/>
+      </a:lt2>
+      <a:accent1>
+        <a:srgbClr val="29AF8C"/>
+      </a:accent1>
+      <a:accent2>
+        <a:srgbClr val="97BE49"/>
+      </a:accent2>
+      <a:accent3>
+        <a:srgbClr val="3D9CCC"/>
+      </a:accent3>
+      <a:accent4>
+        <a:srgbClr val="7C60C6"/>
+      </a:accent4>
+      <a:accent5>
+        <a:srgbClr val="C9492C"/>
+      </a:accent5>
+      <a:accent6>
+        <a:srgbClr val="D58C2E"/>
+      </a:accent6>
+      <a:hlink>
+        <a:srgbClr val="0563C1"/>
+      </a:hlink>
+      <a:folHlink>
+        <a:srgbClr val="954F72"/>
+      </a:folHlink>
+    </a:clrScheme>
+    <a:fontScheme name="Office Theme">
+      <a:majorFont>
+        <a:latin typeface="Calibri Light" panose="020F0302020204030204"/>
+        <a:ea typeface=""/>
+        <a:cs typeface=""/>
+        <a:font script="Jpan" typeface="ＭＳ Ｐゴシック"/>
+        <a:font script="Hang" typeface="맑은 고딕"/>
+        <a:font script="Hans" typeface="宋体"/>
+        <a:font script="Hant" typeface="新細明體"/>
+        <a:font script="Arab" typeface="Times New Roman"/>
+        <a:font script="Hebr" typeface="Times New Roman"/>
+        <a:font script="Thai" typeface="Angsana New"/>
+        <a:font script="Ethi" typeface="Nyala"/>
+        <a:font script="Beng" typeface="Vrinda"/>
+        <a:font script="Gujr" typeface="Shruti"/>
+        <a:font script="Khmr" typeface="MoolBoran"/>
+        <a:font script="Knda" typeface="Tunga"/>
+        <a:font script="Guru" typeface="Raavi"/>
+        <a:font script="Cans" typeface="Euphemia"/>
+        <a:font script="Cher" typeface="Plantagenet Cherokee"/>
+        <a:font script="Yiii" typeface="Microsoft Yi Baiti"/>
+        <a:font script="Tibt" typeface="Microsoft Himalaya"/>
+        <a:font script="Thaa" typeface="MV Boli"/>
+        <a:font script="Deva" typeface="Mangal"/>
+        <a:font script="Telu" typeface="Gautami"/>
+        <a:font script="Taml" typeface="Latha"/>
+        <a:font script="Syrc" typeface="Estrangelo Edessa"/>
+        <a:font script="Orya" typeface="Kalinga"/>
+        <a:font script="Mlym" typeface="Kartika"/>
+        <a:font script="Laoo" typeface="DokChampa"/>
+        <a:font script="Sinh" typeface="Iskoola Pota"/>
+        <a:font script="Mong" typeface="Mongolian Baiti"/>
+        <a:font script="Viet" typeface="Times New Roman"/>
+        <a:font script="Uigh" typeface="Microsoft Uighur"/>
+        <a:font script="Geor" typeface="Sylfaen"/>
+      </a:majorFont>
+      <a:minorFont>
+        <a:latin typeface="Calibri" panose="020F0502020204030204"/>
+        <a:ea typeface=""/>
+        <a:cs typeface=""/>
+        <a:font script="Jpan" typeface="ＭＳ Ｐゴシック"/>
+        <a:font script="Hang" typeface="맑은 고딕"/>
+        <a:font script="Hans" typeface="宋体"/>
+        <a:font script="Hant" typeface="新細明體"/>
+        <a:font script="Arab" typeface="Arial"/>
+        <a:font script="Hebr" typeface="Arial"/>
+        <a:font script="Thai" typeface="Cordia New"/>
+        <a:font script="Ethi" typeface="Nyala"/>
+        <a:font script="Beng" typeface="Vrinda"/>
+        <a:font script="Gujr" typeface="Shruti"/>
+        <a:font script="Khmr" typeface="DaunPenh"/>
+        <a:font script="Knda" typeface="Tunga"/>
+        <a:font script="Guru" typeface="Raavi"/>
+        <a:font script="Cans" typeface="Euphemia"/>
+        <a:font script="Cher" typeface="Plantagenet Cherokee"/>
+        <a:font script="Yiii" typeface="Microsoft Yi Baiti"/>
+        <a:font script="Tibt" typeface="Microsoft Himalaya"/>
+        <a:font script="Thaa" typeface="MV Boli"/>
+        <a:font script="Deva" typeface="Mangal"/>
+        <a:font script="Telu" typeface="Gautami"/>
+        <a:font script="Taml" typeface="Latha"/>
+        <a:font script="Syrc" typeface="Estrangelo Edessa"/>
+        <a:font script="Orya" typeface="Kalinga"/>
+        <a:font script="Mlym" typeface="Kartika"/>
+        <a:font script="Laoo" typeface="DokChampa"/>
+        <a:font script="Sinh" typeface="Iskoola Pota"/>
+        <a:font script="Mong" typeface="Mongolian Baiti"/>
+        <a:font script="Viet" typeface="Arial"/>
+        <a:font script="Uigh" typeface="Microsoft Uighur"/>
+        <a:font script="Geor" typeface="Sylfaen"/>
+      </a:minorFont>
+    </a:fontScheme>
+    <a:fmtScheme name="Office Theme">
+      <a:fillStyleLst>
+        <a:solidFill>
+          <a:schemeClr val="phClr"/>
+        </a:solidFill>
+        <a:gradFill rotWithShape="1">
+          <a:gsLst>
+            <a:gs pos="0">
+              <a:schemeClr val="phClr">
+                <a:lumMod val="110000"/>
+                <a:satMod val="105000"/>
+                <a:tint val="67000"/>
+              </a:schemeClr>
+            </a:gs>
+            <a:gs pos="50000">
+              <a:schemeClr val="phClr">
+                <a:lumMod val="105000"/>
+                <a:satMod val="103000"/>
+                <a:tint val="73000"/>
+              </a:schemeClr>
+            </a:gs>
+            <a:gs pos="100000">
+              <a:schemeClr val="phClr">
+                <a:lumMod val="105000"/>
+                <a:satMod val="109000"/>
+                <a:tint val="81000"/>
+              </a:schemeClr>
+            </a:gs>
+          </a:gsLst>
+          <a:lin ang="5400000" scaled="0"/>
+        </a:gradFill>
+        <a:gradFill rotWithShape="1">
+          <a:gsLst>
+            <a:gs pos="0">
+              <a:schemeClr val="phClr">
+                <a:satMod val="103000"/>
+                <a:lumMod val="102000"/>
+                <a:tint val="94000"/>
+              </a:schemeClr>
+            </a:gs>
+            <a:gs pos="50000">
+              <a:schemeClr val="phClr">
+                <a:satMod val="110000"/>
+                <a:lumMod val="100000"/>
+                <a:shade val="100000"/>
+              </a:schemeClr>
+            </a:gs>
+            <a:gs pos="100000">
+              <a:schemeClr val="phClr">
+                <a:lumMod val="99000"/>
+                <a:satMod val="120000"/>
+                <a:shade val="78000"/>
+              </a:schemeClr>
+            </a:gs>
+          </a:gsLst>
+          <a:lin ang="5400000" scaled="0"/>
+        </a:gradFill>
+      </a:fillStyleLst>
+      <a:lnStyleLst>
+        <a:ln w="6350" cap="flat" cmpd="sng" algn="ctr">
+          <a:solidFill>
+            <a:schemeClr val="phClr"/>
+          </a:solidFill>
+          <a:prstDash val="solid"/>
+          <a:miter lim="800000"/>
+        </a:ln>
+        <a:ln w="12700" cap="flat" cmpd="sng" algn="ctr">
+          <a:solidFill>
+            <a:schemeClr val="phClr"/>
+          </a:solidFill>
+          <a:prstDash val="solid"/>
+          <a:miter lim="800000"/>
+        </a:ln>
+        <a:ln w="19050" cap="flat" cmpd="sng" algn="ctr">
+          <a:solidFill>
+            <a:schemeClr val="phClr"/>
+          </a:solidFill>
+          <a:prstDash val="solid"/>
+          <a:miter lim="800000"/>
+        </a:ln>
+      </a:lnStyleLst>
+      <a:effectStyleLst>
+        <a:effectStyle>
+          <a:effectLst/>
+        </a:effectStyle>
+        <a:effectStyle>
+          <a:effectLst/>
+        </a:effectStyle>
+        <a:effectStyle>
+          <a:effectLst>
+            <a:outerShdw blurRad="57150" dist="19050" dir="5400000" algn="ctr" rotWithShape="0">
+              <a:srgbClr val="000000">
+                <a:alpha val="63000"/>
+              </a:srgbClr>
+            </a:outerShdw>
+          </a:effectLst>
+        </a:effectStyle>
+      </a:effectStyleLst>
+      <a:bgFillStyleLst>
+        <a:solidFill>
+          <a:schemeClr val="phClr"/>
+        </a:solidFill>
+        <a:solidFill>
+          <a:schemeClr val="phClr">
+            <a:tint val="95000"/>
+            <a:satMod val="170000"/>
+          </a:schemeClr>
+        </a:solidFill>
+        <a:gradFill rotWithShape="1">
+          <a:gsLst>
+            <a:gs pos="0">
+              <a:schemeClr val="phClr">
+                <a:tint val="93000"/>
+                <a:satMod val="150000"/>
+                <a:shade val="98000"/>
+                <a:lumMod val="102000"/>
+              </a:schemeClr>
+            </a:gs>
+            <a:gs pos="50000">
+              <a:schemeClr val="phClr">
+                <a:tint val="98000"/>
+                <a:satMod val="130000"/>
+                <a:shade val="90000"/>
+                <a:lumMod val="103000"/>
+              </a:schemeClr>
+            </a:gs>
+            <a:gs pos="100000">
+              <a:schemeClr val="phClr">
+                <a:shade val="63000"/>
+                <a:satMod val="120000"/>
+              </a:schemeClr>
+            </a:gs>
+          </a:gsLst>
+          <a:lin ang="5400000" scaled="0"/>
+        </a:gradFill>
+      </a:bgFillStyleLst>
+    </a:fmtScheme>
+  </a:themeElements>
+  <a:objectDefaults/>
+  <a:extraClrSchemeLst/>
+  <a:extLst>
+    <a:ext uri="{05A4C25C-085E-4340-85A3-A5531E510DB2}">
+      <thm15:themeFamily xmlns:thm15="http://schemas.microsoft.com/office/thememl/2012/main" name="Office Theme" id="{62F939B6-93AF-4DB8-9C6B-D6C7DFDC589F}" vid="{3E4F19A7-A959-40BB-972C-4880BAF8EB09}"/>
+    </a:ext>
+  </a:extLst>
+</a:theme>
+</file>
+
+<file path=ppt/theme/theme2.xml><?xml version="1.0" encoding="utf-8"?>
 <a:theme xmlns:a="http://schemas.openxmlformats.org/drawingml/2006/main" name="Office Theme">
   <a:themeElements>
     <a:clrScheme name="Office">

--- a/BackgroundInfo/Selective export of microRNA via extracellular vesicles.pptx
+++ b/BackgroundInfo/Selective export of microRNA via extracellular vesicles.pptx
@@ -5,7 +5,7 @@
     <p:sldMasterId id="2147483660" r:id="rId1"/>
   </p:sldMasterIdLst>
   <p:notesMasterIdLst>
-    <p:notesMasterId r:id="rId12"/>
+    <p:notesMasterId r:id="rId16"/>
   </p:notesMasterIdLst>
   <p:sldIdLst>
     <p:sldId id="256" r:id="rId2"/>
@@ -14,10 +14,14 @@
     <p:sldId id="259" r:id="rId5"/>
     <p:sldId id="260" r:id="rId6"/>
     <p:sldId id="261" r:id="rId7"/>
-    <p:sldId id="262" r:id="rId8"/>
-    <p:sldId id="263" r:id="rId9"/>
-    <p:sldId id="264" r:id="rId10"/>
-    <p:sldId id="265" r:id="rId11"/>
+    <p:sldId id="263" r:id="rId8"/>
+    <p:sldId id="264" r:id="rId9"/>
+    <p:sldId id="265" r:id="rId10"/>
+    <p:sldId id="267" r:id="rId11"/>
+    <p:sldId id="268" r:id="rId12"/>
+    <p:sldId id="269" r:id="rId13"/>
+    <p:sldId id="270" r:id="rId14"/>
+    <p:sldId id="271" r:id="rId15"/>
   </p:sldIdLst>
   <p:sldSz cx="12192000" cy="6858000"/>
   <p:notesSz cx="6858000" cy="9144000"/>
@@ -206,7 +210,7 @@
           <a:p>
             <a:fld id="{0B21FBDF-C287-422C-92BB-131BF3E59FE0}" type="datetimeFigureOut">
               <a:rPr lang="en-AU" smtClean="0"/>
-              <a:t>11/03/2016</a:t>
+              <a:t>12/03/2016</a:t>
             </a:fld>
             <a:endParaRPr lang="en-AU"/>
           </a:p>
@@ -715,7 +719,7 @@
           <a:p>
             <a:fld id="{D006A5F5-722B-4365-93E1-21E835194C29}" type="datetimeFigureOut">
               <a:rPr lang="en-AU" smtClean="0"/>
-              <a:t>11/03/2016</a:t>
+              <a:t>12/03/2016</a:t>
             </a:fld>
             <a:endParaRPr lang="en-AU"/>
           </a:p>
@@ -885,7 +889,7 @@
           <a:p>
             <a:fld id="{D006A5F5-722B-4365-93E1-21E835194C29}" type="datetimeFigureOut">
               <a:rPr lang="en-AU" smtClean="0"/>
-              <a:t>11/03/2016</a:t>
+              <a:t>12/03/2016</a:t>
             </a:fld>
             <a:endParaRPr lang="en-AU"/>
           </a:p>
@@ -1065,7 +1069,7 @@
           <a:p>
             <a:fld id="{D006A5F5-722B-4365-93E1-21E835194C29}" type="datetimeFigureOut">
               <a:rPr lang="en-AU" smtClean="0"/>
-              <a:t>11/03/2016</a:t>
+              <a:t>12/03/2016</a:t>
             </a:fld>
             <a:endParaRPr lang="en-AU"/>
           </a:p>
@@ -1235,7 +1239,7 @@
           <a:p>
             <a:fld id="{D006A5F5-722B-4365-93E1-21E835194C29}" type="datetimeFigureOut">
               <a:rPr lang="en-AU" smtClean="0"/>
-              <a:t>11/03/2016</a:t>
+              <a:t>12/03/2016</a:t>
             </a:fld>
             <a:endParaRPr lang="en-AU"/>
           </a:p>
@@ -1481,7 +1485,7 @@
           <a:p>
             <a:fld id="{D006A5F5-722B-4365-93E1-21E835194C29}" type="datetimeFigureOut">
               <a:rPr lang="en-AU" smtClean="0"/>
-              <a:t>11/03/2016</a:t>
+              <a:t>12/03/2016</a:t>
             </a:fld>
             <a:endParaRPr lang="en-AU"/>
           </a:p>
@@ -1713,7 +1717,7 @@
           <a:p>
             <a:fld id="{D006A5F5-722B-4365-93E1-21E835194C29}" type="datetimeFigureOut">
               <a:rPr lang="en-AU" smtClean="0"/>
-              <a:t>11/03/2016</a:t>
+              <a:t>12/03/2016</a:t>
             </a:fld>
             <a:endParaRPr lang="en-AU"/>
           </a:p>
@@ -2080,7 +2084,7 @@
           <a:p>
             <a:fld id="{D006A5F5-722B-4365-93E1-21E835194C29}" type="datetimeFigureOut">
               <a:rPr lang="en-AU" smtClean="0"/>
-              <a:t>11/03/2016</a:t>
+              <a:t>12/03/2016</a:t>
             </a:fld>
             <a:endParaRPr lang="en-AU"/>
           </a:p>
@@ -2198,7 +2202,7 @@
           <a:p>
             <a:fld id="{D006A5F5-722B-4365-93E1-21E835194C29}" type="datetimeFigureOut">
               <a:rPr lang="en-AU" smtClean="0"/>
-              <a:t>11/03/2016</a:t>
+              <a:t>12/03/2016</a:t>
             </a:fld>
             <a:endParaRPr lang="en-AU"/>
           </a:p>
@@ -2293,7 +2297,7 @@
           <a:p>
             <a:fld id="{D006A5F5-722B-4365-93E1-21E835194C29}" type="datetimeFigureOut">
               <a:rPr lang="en-AU" smtClean="0"/>
-              <a:t>11/03/2016</a:t>
+              <a:t>12/03/2016</a:t>
             </a:fld>
             <a:endParaRPr lang="en-AU"/>
           </a:p>
@@ -2570,7 +2574,7 @@
           <a:p>
             <a:fld id="{D006A5F5-722B-4365-93E1-21E835194C29}" type="datetimeFigureOut">
               <a:rPr lang="en-AU" smtClean="0"/>
-              <a:t>11/03/2016</a:t>
+              <a:t>12/03/2016</a:t>
             </a:fld>
             <a:endParaRPr lang="en-AU"/>
           </a:p>
@@ -2827,7 +2831,7 @@
           <a:p>
             <a:fld id="{D006A5F5-722B-4365-93E1-21E835194C29}" type="datetimeFigureOut">
               <a:rPr lang="en-AU" smtClean="0"/>
-              <a:t>11/03/2016</a:t>
+              <a:t>12/03/2016</a:t>
             </a:fld>
             <a:endParaRPr lang="en-AU"/>
           </a:p>
@@ -3040,7 +3044,7 @@
           <a:p>
             <a:fld id="{D006A5F5-722B-4365-93E1-21E835194C29}" type="datetimeFigureOut">
               <a:rPr lang="en-AU" smtClean="0"/>
-              <a:t>11/03/2016</a:t>
+              <a:t>12/03/2016</a:t>
             </a:fld>
             <a:endParaRPr lang="en-AU"/>
           </a:p>
@@ -3588,40 +3592,404 @@
         </p:nvSpPr>
         <p:spPr/>
         <p:txBody>
-          <a:bodyPr/>
-          <a:lstStyle/>
-          <a:p>
-            <a:r>
-              <a:rPr lang="en-US" smtClean="0"/>
-              <a:t>Bioinformatics </a:t>
-            </a:r>
+          <a:bodyPr>
+            <a:normAutofit/>
+          </a:bodyPr>
+          <a:lstStyle/>
+          <a:p>
+            <a:r>
+              <a:rPr lang="en-AU" sz="4000" dirty="0" smtClean="0"/>
+              <a:t>Aim 2: Identify candidate </a:t>
+            </a:r>
+            <a:r>
+              <a:rPr lang="en-AU" sz="4000" dirty="0" err="1" smtClean="0"/>
+              <a:t>miR</a:t>
+            </a:r>
+            <a:r>
+              <a:rPr lang="en-AU" sz="4000" dirty="0" smtClean="0"/>
+              <a:t> binding proteins.</a:t>
+            </a:r>
+            <a:endParaRPr lang="en-AU" sz="4000" dirty="0"/>
+          </a:p>
+        </p:txBody>
+      </p:sp>
+      <p:sp>
+        <p:nvSpPr>
+          <p:cNvPr id="3" name="Content Placeholder 2"/>
+          <p:cNvSpPr>
+            <a:spLocks noGrp="1"/>
+          </p:cNvSpPr>
+          <p:nvPr>
+            <p:ph idx="1"/>
+          </p:nvPr>
+        </p:nvSpPr>
+        <p:spPr/>
+        <p:txBody>
+          <a:bodyPr/>
+          <a:lstStyle/>
+          <a:p>
+            <a:pPr marL="0" indent="0">
+              <a:buNone/>
+            </a:pPr>
+            <a:r>
+              <a:rPr lang="en-AU" sz="2400" dirty="0" smtClean="0"/>
+              <a:t>Method 1: Computational analysis. </a:t>
+            </a:r>
+          </a:p>
+          <a:p>
+            <a:pPr>
+              <a:buFontTx/>
+              <a:buChar char="-"/>
+            </a:pPr>
+            <a:r>
+              <a:rPr lang="en-AU" sz="2400" dirty="0" smtClean="0"/>
+              <a:t>Previous proteomics data collected for the lipid raft, plasma membrane, EVs and total </a:t>
+            </a:r>
+            <a:r>
+              <a:rPr lang="en-AU" sz="2400" dirty="0" err="1" smtClean="0"/>
+              <a:t>secretome</a:t>
+            </a:r>
+            <a:endParaRPr lang="en-AU" sz="2400" dirty="0"/>
+          </a:p>
+          <a:p>
+            <a:pPr>
+              <a:buFontTx/>
+              <a:buChar char="-"/>
+            </a:pPr>
+            <a:endParaRPr lang="en-AU" sz="2400" dirty="0" smtClean="0"/>
+          </a:p>
+          <a:p>
+            <a:pPr>
+              <a:buFontTx/>
+              <a:buChar char="-"/>
+            </a:pPr>
             <a:endParaRPr lang="en-AU" dirty="0"/>
-          </a:p>
-        </p:txBody>
-      </p:sp>
-      <p:sp>
-        <p:nvSpPr>
-          <p:cNvPr id="3" name="Content Placeholder 2"/>
-          <p:cNvSpPr>
-            <a:spLocks noGrp="1"/>
-          </p:cNvSpPr>
-          <p:nvPr>
-            <p:ph idx="1"/>
-          </p:nvPr>
-        </p:nvSpPr>
-        <p:spPr/>
-        <p:txBody>
-          <a:bodyPr/>
-          <a:lstStyle/>
-          <a:p>
-            <a:endParaRPr lang="en-AU"/>
           </a:p>
         </p:txBody>
       </p:sp>
     </p:spTree>
     <p:extLst>
       <p:ext uri="{BB962C8B-B14F-4D97-AF65-F5344CB8AC3E}">
-        <p14:creationId xmlns:p14="http://schemas.microsoft.com/office/powerpoint/2010/main" val="4287831108"/>
+        <p14:creationId xmlns:p14="http://schemas.microsoft.com/office/powerpoint/2010/main" val="347616013"/>
+      </p:ext>
+    </p:extLst>
+  </p:cSld>
+  <p:clrMapOvr>
+    <a:masterClrMapping/>
+  </p:clrMapOvr>
+</p:sld>
+</file>
+
+<file path=ppt/slides/slide11.xml><?xml version="1.0" encoding="utf-8"?>
+<p:sld xmlns:a="http://schemas.openxmlformats.org/drawingml/2006/main" xmlns:r="http://schemas.openxmlformats.org/officeDocument/2006/relationships" xmlns:p="http://schemas.openxmlformats.org/presentationml/2006/main">
+  <p:cSld>
+    <p:spTree>
+      <p:nvGrpSpPr>
+        <p:cNvPr id="1" name=""/>
+        <p:cNvGrpSpPr/>
+        <p:nvPr/>
+      </p:nvGrpSpPr>
+      <p:grpSpPr>
+        <a:xfrm>
+          <a:off x="0" y="0"/>
+          <a:ext cx="0" cy="0"/>
+          <a:chOff x="0" y="0"/>
+          <a:chExt cx="0" cy="0"/>
+        </a:xfrm>
+      </p:grpSpPr>
+      <p:sp>
+        <p:nvSpPr>
+          <p:cNvPr id="2" name="Title 1"/>
+          <p:cNvSpPr>
+            <a:spLocks noGrp="1"/>
+          </p:cNvSpPr>
+          <p:nvPr>
+            <p:ph type="title"/>
+          </p:nvPr>
+        </p:nvSpPr>
+        <p:spPr/>
+        <p:txBody>
+          <a:bodyPr/>
+          <a:lstStyle/>
+          <a:p>
+            <a:r>
+              <a:rPr lang="en-AU" dirty="0" smtClean="0"/>
+              <a:t>Aim 2: cont.</a:t>
+            </a:r>
+            <a:endParaRPr lang="en-AU" dirty="0"/>
+          </a:p>
+        </p:txBody>
+      </p:sp>
+      <p:sp>
+        <p:nvSpPr>
+          <p:cNvPr id="3" name="Content Placeholder 2"/>
+          <p:cNvSpPr>
+            <a:spLocks noGrp="1"/>
+          </p:cNvSpPr>
+          <p:nvPr>
+            <p:ph idx="1"/>
+          </p:nvPr>
+        </p:nvSpPr>
+        <p:spPr/>
+        <p:txBody>
+          <a:bodyPr/>
+          <a:lstStyle/>
+          <a:p>
+            <a:pPr marL="0" indent="0">
+              <a:buNone/>
+            </a:pPr>
+            <a:r>
+              <a:rPr lang="en-AU" dirty="0" smtClean="0"/>
+              <a:t>Method 2: Motif discovery. </a:t>
+            </a:r>
+            <a:endParaRPr lang="en-AU" dirty="0"/>
+          </a:p>
+        </p:txBody>
+      </p:sp>
+    </p:spTree>
+    <p:extLst>
+      <p:ext uri="{BB962C8B-B14F-4D97-AF65-F5344CB8AC3E}">
+        <p14:creationId xmlns:p14="http://schemas.microsoft.com/office/powerpoint/2010/main" val="1417229470"/>
+      </p:ext>
+    </p:extLst>
+  </p:cSld>
+  <p:clrMapOvr>
+    <a:masterClrMapping/>
+  </p:clrMapOvr>
+</p:sld>
+</file>
+
+<file path=ppt/slides/slide12.xml><?xml version="1.0" encoding="utf-8"?>
+<p:sld xmlns:a="http://schemas.openxmlformats.org/drawingml/2006/main" xmlns:r="http://schemas.openxmlformats.org/officeDocument/2006/relationships" xmlns:p="http://schemas.openxmlformats.org/presentationml/2006/main">
+  <p:cSld>
+    <p:spTree>
+      <p:nvGrpSpPr>
+        <p:cNvPr id="1" name=""/>
+        <p:cNvGrpSpPr/>
+        <p:nvPr/>
+      </p:nvGrpSpPr>
+      <p:grpSpPr>
+        <a:xfrm>
+          <a:off x="0" y="0"/>
+          <a:ext cx="0" cy="0"/>
+          <a:chOff x="0" y="0"/>
+          <a:chExt cx="0" cy="0"/>
+        </a:xfrm>
+      </p:grpSpPr>
+      <p:sp>
+        <p:nvSpPr>
+          <p:cNvPr id="2" name="Title 1"/>
+          <p:cNvSpPr>
+            <a:spLocks noGrp="1"/>
+          </p:cNvSpPr>
+          <p:nvPr>
+            <p:ph type="title"/>
+          </p:nvPr>
+        </p:nvSpPr>
+        <p:spPr/>
+        <p:txBody>
+          <a:bodyPr/>
+          <a:lstStyle/>
+          <a:p>
+            <a:r>
+              <a:rPr lang="en-AU" dirty="0" smtClean="0"/>
+              <a:t>Aim 3: verification of </a:t>
+            </a:r>
+            <a:r>
+              <a:rPr lang="en-AU" dirty="0" err="1" smtClean="0"/>
+              <a:t>miR</a:t>
+            </a:r>
+            <a:r>
+              <a:rPr lang="en-AU" dirty="0" smtClean="0"/>
+              <a:t> Candidate. </a:t>
+            </a:r>
+            <a:endParaRPr lang="en-AU" dirty="0"/>
+          </a:p>
+        </p:txBody>
+      </p:sp>
+      <p:sp>
+        <p:nvSpPr>
+          <p:cNvPr id="3" name="Content Placeholder 2"/>
+          <p:cNvSpPr>
+            <a:spLocks noGrp="1"/>
+          </p:cNvSpPr>
+          <p:nvPr>
+            <p:ph idx="1"/>
+          </p:nvPr>
+        </p:nvSpPr>
+        <p:spPr/>
+        <p:txBody>
+          <a:bodyPr/>
+          <a:lstStyle/>
+          <a:p>
+            <a:pPr marL="0" indent="0">
+              <a:buNone/>
+            </a:pPr>
+            <a:r>
+              <a:rPr lang="en-AU" dirty="0" smtClean="0"/>
+              <a:t>Method 1: Pull down assay</a:t>
+            </a:r>
+            <a:endParaRPr lang="en-AU" dirty="0"/>
+          </a:p>
+        </p:txBody>
+      </p:sp>
+    </p:spTree>
+    <p:extLst>
+      <p:ext uri="{BB962C8B-B14F-4D97-AF65-F5344CB8AC3E}">
+        <p14:creationId xmlns:p14="http://schemas.microsoft.com/office/powerpoint/2010/main" val="2939433656"/>
+      </p:ext>
+    </p:extLst>
+  </p:cSld>
+  <p:clrMapOvr>
+    <a:masterClrMapping/>
+  </p:clrMapOvr>
+</p:sld>
+</file>
+
+<file path=ppt/slides/slide13.xml><?xml version="1.0" encoding="utf-8"?>
+<p:sld xmlns:a="http://schemas.openxmlformats.org/drawingml/2006/main" xmlns:r="http://schemas.openxmlformats.org/officeDocument/2006/relationships" xmlns:p="http://schemas.openxmlformats.org/presentationml/2006/main">
+  <p:cSld>
+    <p:spTree>
+      <p:nvGrpSpPr>
+        <p:cNvPr id="1" name=""/>
+        <p:cNvGrpSpPr/>
+        <p:nvPr/>
+      </p:nvGrpSpPr>
+      <p:grpSpPr>
+        <a:xfrm>
+          <a:off x="0" y="0"/>
+          <a:ext cx="0" cy="0"/>
+          <a:chOff x="0" y="0"/>
+          <a:chExt cx="0" cy="0"/>
+        </a:xfrm>
+      </p:grpSpPr>
+      <p:sp>
+        <p:nvSpPr>
+          <p:cNvPr id="2" name="Title 1"/>
+          <p:cNvSpPr>
+            <a:spLocks noGrp="1"/>
+          </p:cNvSpPr>
+          <p:nvPr>
+            <p:ph type="title"/>
+          </p:nvPr>
+        </p:nvSpPr>
+        <p:spPr/>
+        <p:txBody>
+          <a:bodyPr/>
+          <a:lstStyle/>
+          <a:p>
+            <a:r>
+              <a:rPr lang="en-AU" dirty="0" smtClean="0"/>
+              <a:t>Aim 3: Cont. </a:t>
+            </a:r>
+            <a:endParaRPr lang="en-AU" dirty="0"/>
+          </a:p>
+        </p:txBody>
+      </p:sp>
+      <p:sp>
+        <p:nvSpPr>
+          <p:cNvPr id="3" name="Content Placeholder 2"/>
+          <p:cNvSpPr>
+            <a:spLocks noGrp="1"/>
+          </p:cNvSpPr>
+          <p:nvPr>
+            <p:ph idx="1"/>
+          </p:nvPr>
+        </p:nvSpPr>
+        <p:spPr/>
+        <p:txBody>
+          <a:bodyPr>
+            <a:normAutofit/>
+          </a:bodyPr>
+          <a:lstStyle/>
+          <a:p>
+            <a:pPr marL="0" indent="0">
+              <a:buNone/>
+            </a:pPr>
+            <a:r>
+              <a:rPr lang="en-AU" sz="2400" dirty="0" smtClean="0"/>
+              <a:t>Method 2: Co-localisation by Immunofluorescence Confocal Microscopy</a:t>
+            </a:r>
+            <a:endParaRPr lang="en-AU" sz="2400" dirty="0"/>
+          </a:p>
+        </p:txBody>
+      </p:sp>
+    </p:spTree>
+    <p:extLst>
+      <p:ext uri="{BB962C8B-B14F-4D97-AF65-F5344CB8AC3E}">
+        <p14:creationId xmlns:p14="http://schemas.microsoft.com/office/powerpoint/2010/main" val="1357200671"/>
+      </p:ext>
+    </p:extLst>
+  </p:cSld>
+  <p:clrMapOvr>
+    <a:masterClrMapping/>
+  </p:clrMapOvr>
+</p:sld>
+</file>
+
+<file path=ppt/slides/slide14.xml><?xml version="1.0" encoding="utf-8"?>
+<p:sld xmlns:a="http://schemas.openxmlformats.org/drawingml/2006/main" xmlns:r="http://schemas.openxmlformats.org/officeDocument/2006/relationships" xmlns:p="http://schemas.openxmlformats.org/presentationml/2006/main">
+  <p:cSld>
+    <p:spTree>
+      <p:nvGrpSpPr>
+        <p:cNvPr id="1" name=""/>
+        <p:cNvGrpSpPr/>
+        <p:nvPr/>
+      </p:nvGrpSpPr>
+      <p:grpSpPr>
+        <a:xfrm>
+          <a:off x="0" y="0"/>
+          <a:ext cx="0" cy="0"/>
+          <a:chOff x="0" y="0"/>
+          <a:chExt cx="0" cy="0"/>
+        </a:xfrm>
+      </p:grpSpPr>
+      <p:sp>
+        <p:nvSpPr>
+          <p:cNvPr id="2" name="Title 1"/>
+          <p:cNvSpPr>
+            <a:spLocks noGrp="1"/>
+          </p:cNvSpPr>
+          <p:nvPr>
+            <p:ph type="title"/>
+          </p:nvPr>
+        </p:nvSpPr>
+        <p:spPr/>
+        <p:txBody>
+          <a:bodyPr/>
+          <a:lstStyle/>
+          <a:p>
+            <a:r>
+              <a:rPr lang="en-AU" dirty="0" smtClean="0"/>
+              <a:t>Significance: Cancer</a:t>
+            </a:r>
+            <a:endParaRPr lang="en-AU" dirty="0"/>
+          </a:p>
+        </p:txBody>
+      </p:sp>
+      <p:sp>
+        <p:nvSpPr>
+          <p:cNvPr id="3" name="Content Placeholder 2"/>
+          <p:cNvSpPr>
+            <a:spLocks noGrp="1"/>
+          </p:cNvSpPr>
+          <p:nvPr>
+            <p:ph idx="1"/>
+          </p:nvPr>
+        </p:nvSpPr>
+        <p:spPr/>
+        <p:txBody>
+          <a:bodyPr/>
+          <a:lstStyle/>
+          <a:p>
+            <a:endParaRPr lang="en-AU"/>
+          </a:p>
+        </p:txBody>
+      </p:sp>
+    </p:spTree>
+    <p:extLst>
+      <p:ext uri="{BB962C8B-B14F-4D97-AF65-F5344CB8AC3E}">
+        <p14:creationId xmlns:p14="http://schemas.microsoft.com/office/powerpoint/2010/main" val="601627985"/>
       </p:ext>
     </p:extLst>
   </p:cSld>
@@ -3706,7 +4074,7 @@
         <p:spPr>
           <a:xfrm>
             <a:off x="620486" y="1690688"/>
-            <a:ext cx="5747657" cy="4353499"/>
+            <a:ext cx="5747657" cy="4555093"/>
           </a:xfrm>
           <a:prstGeom prst="rect">
             <a:avLst/>
@@ -3728,8 +4096,9 @@
             </a:pPr>
             <a:r>
               <a:rPr lang="en-US" sz="2000" dirty="0" smtClean="0"/>
-              <a:t>Usually range between 17-24 nucleotides long.</a:t>
-            </a:r>
+              <a:t>Important for regulatory mechanisms. </a:t>
+            </a:r>
+            <a:endParaRPr lang="en-US" sz="2000" dirty="0" smtClean="0"/>
           </a:p>
           <a:p>
             <a:pPr marL="342900" indent="-342900">
@@ -3748,7 +4117,19 @@
             </a:pPr>
             <a:r>
               <a:rPr lang="en-US" sz="2000" dirty="0" smtClean="0"/>
-              <a:t>Binding to target mRNA decreases protein function by RISC inhibition and degradation</a:t>
+              <a:t>Binding </a:t>
+            </a:r>
+            <a:r>
+              <a:rPr lang="en-US" sz="2000" dirty="0" smtClean="0"/>
+              <a:t>to target mRNA decreases protein </a:t>
+            </a:r>
+            <a:r>
+              <a:rPr lang="en-US" sz="2000" dirty="0" smtClean="0"/>
+              <a:t>	function </a:t>
+            </a:r>
+            <a:r>
+              <a:rPr lang="en-US" sz="2000" dirty="0" smtClean="0"/>
+              <a:t>by RISC inhibition and degradation</a:t>
             </a:r>
           </a:p>
           <a:p>
@@ -3862,11 +4243,17 @@
             <p:ph type="title"/>
           </p:nvPr>
         </p:nvSpPr>
-        <p:spPr/>
-        <p:txBody>
-          <a:bodyPr/>
-          <a:lstStyle/>
-          <a:p>
+        <p:spPr>
+          <a:xfrm>
+            <a:off x="838200" y="207963"/>
+            <a:ext cx="10515600" cy="1325563"/>
+          </a:xfrm>
+        </p:spPr>
+        <p:txBody>
+          <a:bodyPr/>
+          <a:lstStyle/>
+          <a:p>
+            <a:pPr algn="ctr"/>
             <a:r>
               <a:rPr lang="en-US" dirty="0" smtClean="0"/>
               <a:t>Extracellular vesicles</a:t>
@@ -3885,7 +4272,12 @@
             <p:ph idx="1"/>
           </p:nvPr>
         </p:nvSpPr>
-        <p:spPr/>
+        <p:spPr>
+          <a:xfrm>
+            <a:off x="5908075" y="1713333"/>
+            <a:ext cx="6038850" cy="4351338"/>
+          </a:xfrm>
+        </p:spPr>
         <p:txBody>
           <a:bodyPr>
             <a:normAutofit/>
@@ -3897,19 +4289,19 @@
               <a:buChar char="-"/>
             </a:pPr>
             <a:r>
-              <a:rPr lang="en-US" sz="2000" dirty="0" smtClean="0"/>
+              <a:rPr lang="en-US" sz="2400" dirty="0" smtClean="0"/>
               <a:t>Composed of </a:t>
             </a:r>
             <a:r>
-              <a:rPr lang="en-US" sz="2000" dirty="0" err="1"/>
+              <a:rPr lang="en-US" sz="2400" dirty="0" err="1"/>
               <a:t>m</a:t>
             </a:r>
             <a:r>
-              <a:rPr lang="en-US" sz="2000" dirty="0" err="1" smtClean="0"/>
+              <a:rPr lang="en-US" sz="2400" dirty="0" err="1" smtClean="0"/>
               <a:t>icrovesicles</a:t>
             </a:r>
             <a:r>
-              <a:rPr lang="en-US" sz="2000" dirty="0" smtClean="0"/>
+              <a:rPr lang="en-US" sz="2400" dirty="0" smtClean="0"/>
               <a:t> and exosomes.     </a:t>
             </a:r>
           </a:p>
@@ -3921,7 +4313,7 @@
               <a:buFontTx/>
               <a:buChar char="-"/>
             </a:pPr>
-            <a:endParaRPr lang="en-US" sz="2000" dirty="0"/>
+            <a:endParaRPr lang="en-US" sz="2400" dirty="0"/>
           </a:p>
           <a:p>
             <a:pPr>
@@ -3929,33 +4321,29 @@
               <a:buChar char="-"/>
             </a:pPr>
             <a:r>
-              <a:rPr lang="en-US" sz="2000" dirty="0" smtClean="0"/>
-              <a:t>Surface contains homing proteins to allow fo</a:t>
-            </a:r>
-            <a:r>
-              <a:rPr lang="en-US" sz="2000" dirty="0" smtClean="0"/>
-              <a:t>r cell specific delivery </a:t>
-            </a:r>
-            <a:endParaRPr lang="en-US" sz="2000" dirty="0"/>
-          </a:p>
-          <a:p>
-            <a:pPr marL="0" indent="0">
-              <a:lnSpc>
-                <a:spcPct val="100000"/>
-              </a:lnSpc>
-              <a:buNone/>
-            </a:pPr>
-            <a:endParaRPr lang="en-US" sz="2000" dirty="0" smtClean="0"/>
+              <a:rPr lang="en-US" sz="2400" dirty="0" smtClean="0"/>
+              <a:t>Content regulate </a:t>
+            </a:r>
+            <a:r>
+              <a:rPr lang="en-US" sz="2400" dirty="0"/>
+              <a:t>processes in </a:t>
+            </a:r>
+            <a:r>
+              <a:rPr lang="en-US" sz="2400" dirty="0" smtClean="0"/>
+              <a:t>recipient </a:t>
+            </a:r>
+            <a:r>
+              <a:rPr lang="en-US" sz="2400" dirty="0"/>
+              <a:t>cells. </a:t>
+            </a:r>
+            <a:endParaRPr lang="en-US" sz="2400" dirty="0" smtClean="0"/>
           </a:p>
           <a:p>
             <a:pPr>
               <a:buFontTx/>
               <a:buChar char="-"/>
             </a:pPr>
-            <a:r>
-              <a:rPr lang="en-US" sz="2000" dirty="0" smtClean="0"/>
-              <a:t>Contents regulates processes in other cells. </a:t>
-            </a:r>
+            <a:endParaRPr lang="en-US" sz="2400" dirty="0"/>
           </a:p>
           <a:p>
             <a:pPr>
@@ -3963,17 +4351,78 @@
               <a:buChar char="-"/>
             </a:pPr>
             <a:r>
-              <a:rPr lang="en-US" sz="2000" dirty="0" smtClean="0"/>
-              <a:t>Protein sorting </a:t>
-            </a:r>
-            <a:r>
-              <a:rPr lang="en-US" sz="2000" dirty="0" smtClean="0"/>
-              <a:t>                                                                                                                               </a:t>
-            </a:r>
-            <a:endParaRPr lang="en-AU" sz="2000" dirty="0"/>
-          </a:p>
-        </p:txBody>
-      </p:sp>
+              <a:rPr lang="en-US" sz="2400" dirty="0" smtClean="0"/>
+              <a:t>Surface </a:t>
+            </a:r>
+            <a:r>
+              <a:rPr lang="en-US" sz="2400" dirty="0" smtClean="0"/>
+              <a:t>contains homing proteins to allow for </a:t>
+            </a:r>
+            <a:endParaRPr lang="en-US" sz="2400" dirty="0" smtClean="0"/>
+          </a:p>
+          <a:p>
+            <a:pPr marL="0" indent="0">
+              <a:buNone/>
+            </a:pPr>
+            <a:r>
+              <a:rPr lang="en-US" sz="2400" dirty="0" smtClean="0"/>
+              <a:t>	cell </a:t>
+            </a:r>
+            <a:r>
+              <a:rPr lang="en-US" sz="2400" dirty="0" smtClean="0"/>
+              <a:t>specific delivery </a:t>
+            </a:r>
+          </a:p>
+          <a:p>
+            <a:pPr>
+              <a:buFontTx/>
+              <a:buChar char="-"/>
+            </a:pPr>
+            <a:endParaRPr lang="en-US" sz="2400" dirty="0"/>
+          </a:p>
+          <a:p>
+            <a:pPr>
+              <a:buFontTx/>
+              <a:buChar char="-"/>
+            </a:pPr>
+            <a:r>
+              <a:rPr lang="en-US" sz="2400" dirty="0" smtClean="0"/>
+              <a:t>Important for intercellular communication. </a:t>
+            </a:r>
+            <a:endParaRPr lang="en-US" sz="2400" dirty="0" smtClean="0"/>
+          </a:p>
+        </p:txBody>
+      </p:sp>
+      <p:pic>
+        <p:nvPicPr>
+          <p:cNvPr id="5" name="Picture 4"/>
+          <p:cNvPicPr>
+            <a:picLocks noChangeAspect="1"/>
+          </p:cNvPicPr>
+          <p:nvPr/>
+        </p:nvPicPr>
+        <p:blipFill>
+          <a:blip r:embed="rId2">
+            <a:extLst>
+              <a:ext uri="{28A0092B-C50C-407E-A947-70E740481C1C}">
+                <a14:useLocalDpi xmlns:a14="http://schemas.microsoft.com/office/drawing/2010/main" val="0"/>
+              </a:ext>
+            </a:extLst>
+          </a:blip>
+          <a:stretch>
+            <a:fillRect/>
+          </a:stretch>
+        </p:blipFill>
+        <p:spPr>
+          <a:xfrm>
+            <a:off x="838200" y="1426764"/>
+            <a:ext cx="4553228" cy="4924475"/>
+          </a:xfrm>
+          <a:prstGeom prst="rect">
+            <a:avLst/>
+          </a:prstGeom>
+        </p:spPr>
+      </p:pic>
     </p:spTree>
     <p:extLst>
       <p:ext uri="{BB962C8B-B14F-4D97-AF65-F5344CB8AC3E}">
@@ -4021,7 +4470,11 @@
           <a:p>
             <a:r>
               <a:rPr lang="en-US" dirty="0" smtClean="0"/>
-              <a:t>Current Cargo Loading Mechanisms: miRNA</a:t>
+              <a:t>Current Cargo Loading </a:t>
+            </a:r>
+            <a:r>
+              <a:rPr lang="en-US" dirty="0" smtClean="0"/>
+              <a:t>Mechanisms.</a:t>
             </a:r>
             <a:endParaRPr lang="en-AU" dirty="0"/>
           </a:p>
@@ -4039,10 +4492,141 @@
         </p:nvSpPr>
         <p:spPr/>
         <p:txBody>
-          <a:bodyPr/>
-          <a:lstStyle/>
-          <a:p>
-            <a:endParaRPr lang="en-AU"/>
+          <a:bodyPr>
+            <a:normAutofit/>
+          </a:bodyPr>
+          <a:lstStyle/>
+          <a:p>
+            <a:pPr marL="0" indent="0">
+              <a:buNone/>
+            </a:pPr>
+            <a:r>
+              <a:rPr lang="en-AU" sz="2400" dirty="0" smtClean="0"/>
+              <a:t>Protein </a:t>
+            </a:r>
+            <a:r>
+              <a:rPr lang="en-AU" sz="2400" dirty="0"/>
+              <a:t>l</a:t>
+            </a:r>
+            <a:r>
+              <a:rPr lang="en-AU" sz="2400" dirty="0" smtClean="0"/>
+              <a:t>oading mechanisms: </a:t>
+            </a:r>
+          </a:p>
+          <a:p>
+            <a:pPr marL="0" indent="0">
+              <a:buNone/>
+            </a:pPr>
+            <a:r>
+              <a:rPr lang="en-AU" sz="2400" dirty="0"/>
+              <a:t>	</a:t>
+            </a:r>
+            <a:r>
+              <a:rPr lang="en-AU" sz="2400" dirty="0" smtClean="0"/>
+              <a:t>-Well characterised </a:t>
+            </a:r>
+          </a:p>
+          <a:p>
+            <a:pPr marL="0" indent="0">
+              <a:buNone/>
+            </a:pPr>
+            <a:r>
+              <a:rPr lang="en-AU" sz="2400" dirty="0"/>
+              <a:t>	</a:t>
+            </a:r>
+            <a:r>
+              <a:rPr lang="en-AU" sz="2400" dirty="0" smtClean="0"/>
+              <a:t>- ESCRT complex </a:t>
+            </a:r>
+          </a:p>
+          <a:p>
+            <a:pPr marL="0" indent="0">
+              <a:buNone/>
+            </a:pPr>
+            <a:r>
+              <a:rPr lang="en-AU" sz="2400" dirty="0"/>
+              <a:t>	</a:t>
+            </a:r>
+            <a:r>
+              <a:rPr lang="en-AU" sz="2400" dirty="0" smtClean="0"/>
+              <a:t>- </a:t>
+            </a:r>
+            <a:r>
+              <a:rPr lang="en-AU" sz="2400" dirty="0" err="1" smtClean="0"/>
+              <a:t>Tetraspanins</a:t>
+            </a:r>
+            <a:endParaRPr lang="en-AU" sz="2400" dirty="0" smtClean="0"/>
+          </a:p>
+          <a:p>
+            <a:pPr marL="0" indent="0">
+              <a:buNone/>
+            </a:pPr>
+            <a:endParaRPr lang="en-AU" sz="2400" dirty="0" smtClean="0"/>
+          </a:p>
+          <a:p>
+            <a:pPr marL="0" indent="0">
+              <a:buNone/>
+            </a:pPr>
+            <a:r>
+              <a:rPr lang="en-AU" sz="2400" dirty="0" smtClean="0"/>
+              <a:t>MicroRNAs:</a:t>
+            </a:r>
+          </a:p>
+          <a:p>
+            <a:pPr marL="0" indent="0">
+              <a:buNone/>
+            </a:pPr>
+            <a:r>
+              <a:rPr lang="en-AU" sz="2400" dirty="0"/>
+              <a:t>	</a:t>
+            </a:r>
+            <a:r>
+              <a:rPr lang="en-AU" sz="2400" dirty="0" smtClean="0"/>
+              <a:t>- Little information known regarding sorting. </a:t>
+            </a:r>
+            <a:endParaRPr lang="en-AU" sz="2400" dirty="0" smtClean="0"/>
+          </a:p>
+          <a:p>
+            <a:pPr marL="0" indent="0">
+              <a:buNone/>
+            </a:pPr>
+            <a:r>
+              <a:rPr lang="en-AU" sz="2400" dirty="0"/>
+              <a:t>	</a:t>
+            </a:r>
+            <a:r>
+              <a:rPr lang="en-AU" sz="2400" dirty="0" smtClean="0"/>
+              <a:t>-</a:t>
+            </a:r>
+            <a:r>
+              <a:rPr lang="en-AU" sz="2400" dirty="0" err="1" smtClean="0"/>
+              <a:t>Sumoylated</a:t>
+            </a:r>
+            <a:r>
+              <a:rPr lang="en-AU" sz="2400" dirty="0" smtClean="0"/>
+              <a:t> </a:t>
+            </a:r>
+            <a:r>
+              <a:rPr lang="en-AU" sz="2400" dirty="0" err="1" smtClean="0"/>
+              <a:t>hnRNP</a:t>
+            </a:r>
+            <a:r>
+              <a:rPr lang="en-AU" sz="2400" dirty="0" smtClean="0"/>
+              <a:t> A2B1</a:t>
+            </a:r>
+            <a:endParaRPr lang="en-AU" sz="2400" dirty="0" smtClean="0"/>
+          </a:p>
+          <a:p>
+            <a:pPr marL="0" indent="0">
+              <a:buNone/>
+            </a:pPr>
+            <a:endParaRPr lang="en-AU" sz="2400" dirty="0"/>
+          </a:p>
+          <a:p>
+            <a:pPr marL="0" indent="0">
+              <a:buNone/>
+            </a:pPr>
+            <a:endParaRPr lang="en-AU" sz="2400" dirty="0"/>
           </a:p>
         </p:txBody>
       </p:sp>
@@ -4109,12 +4693,97 @@
             <p:ph idx="1"/>
           </p:nvPr>
         </p:nvSpPr>
-        <p:spPr/>
-        <p:txBody>
-          <a:bodyPr/>
-          <a:lstStyle/>
-          <a:p>
-            <a:endParaRPr lang="en-AU" dirty="0"/>
+        <p:spPr>
+          <a:xfrm>
+            <a:off x="838200" y="1557338"/>
+            <a:ext cx="10515600" cy="4619625"/>
+          </a:xfrm>
+        </p:spPr>
+        <p:txBody>
+          <a:bodyPr>
+            <a:normAutofit/>
+          </a:bodyPr>
+          <a:lstStyle/>
+          <a:p>
+            <a:pPr marL="0" indent="0">
+              <a:buNone/>
+            </a:pPr>
+            <a:r>
+              <a:rPr lang="en-AU" sz="2400" dirty="0" smtClean="0"/>
+              <a:t> Increased Caveolin-1 expression, without </a:t>
+            </a:r>
+            <a:r>
+              <a:rPr lang="en-AU" sz="2400" dirty="0" err="1" smtClean="0"/>
+              <a:t>Cavins</a:t>
+            </a:r>
+            <a:r>
+              <a:rPr lang="en-AU" sz="2400" dirty="0" smtClean="0"/>
+              <a:t>.</a:t>
+            </a:r>
+          </a:p>
+          <a:p>
+            <a:pPr marL="0" indent="0">
+              <a:buNone/>
+            </a:pPr>
+            <a:endParaRPr lang="en-AU" sz="2400" dirty="0" smtClean="0"/>
+          </a:p>
+          <a:p>
+            <a:pPr marL="0" indent="0">
+              <a:buNone/>
+            </a:pPr>
+            <a:r>
+              <a:rPr lang="en-AU" sz="2400" dirty="0" smtClean="0"/>
+              <a:t>Caveolin-1 is a cholesterol transporter</a:t>
+            </a:r>
+          </a:p>
+          <a:p>
+            <a:pPr marL="0" indent="0">
+              <a:buNone/>
+            </a:pPr>
+            <a:endParaRPr lang="en-AU" sz="2400" dirty="0" smtClean="0"/>
+          </a:p>
+          <a:p>
+            <a:pPr marL="0" indent="0">
+              <a:buNone/>
+            </a:pPr>
+            <a:r>
+              <a:rPr lang="en-AU" sz="2400" dirty="0" smtClean="0"/>
+              <a:t>When accompanied by Cavin-1, it will form </a:t>
+            </a:r>
+          </a:p>
+          <a:p>
+            <a:pPr marL="0" indent="0">
+              <a:buNone/>
+            </a:pPr>
+            <a:r>
+              <a:rPr lang="en-AU" sz="2400" dirty="0" smtClean="0"/>
+              <a:t>	</a:t>
+            </a:r>
+            <a:r>
+              <a:rPr lang="en-AU" sz="2400" dirty="0" err="1" smtClean="0"/>
+              <a:t>caveolae</a:t>
+            </a:r>
+            <a:r>
+              <a:rPr lang="en-AU" sz="2400" dirty="0" smtClean="0"/>
+              <a:t>, required for Endocytosis. </a:t>
+            </a:r>
+            <a:endParaRPr lang="en-AU" sz="2400" dirty="0"/>
+          </a:p>
+          <a:p>
+            <a:pPr marL="0" indent="0">
+              <a:buNone/>
+            </a:pPr>
+            <a:endParaRPr lang="en-AU" sz="2400" dirty="0" smtClean="0"/>
+          </a:p>
+          <a:p>
+            <a:pPr marL="0" indent="0">
+              <a:buNone/>
+            </a:pPr>
+            <a:r>
+              <a:rPr lang="en-AU" sz="2400" dirty="0" smtClean="0"/>
+              <a:t>Caveolin-1 is a proposed biomarker for cancer.</a:t>
+            </a:r>
+            <a:endParaRPr lang="en-AU" sz="2400" dirty="0" smtClean="0"/>
           </a:p>
         </p:txBody>
       </p:sp>
@@ -4186,7 +4855,33 @@
           <a:bodyPr/>
           <a:lstStyle/>
           <a:p>
-            <a:endParaRPr lang="en-AU"/>
+            <a:pPr marL="0" indent="0">
+              <a:buNone/>
+            </a:pPr>
+            <a:r>
+              <a:rPr lang="en-AU" dirty="0"/>
+              <a:t>Introduction of Cavin-1 results in modulated </a:t>
+            </a:r>
+          </a:p>
+          <a:p>
+            <a:pPr marL="0" indent="0">
+              <a:buNone/>
+            </a:pPr>
+            <a:r>
+              <a:rPr lang="en-AU" dirty="0"/>
+              <a:t>cholesterol re-distribution, EV protein content and </a:t>
+            </a:r>
+            <a:r>
+              <a:rPr lang="en-AU" dirty="0" err="1"/>
+              <a:t>miR</a:t>
+            </a:r>
+            <a:r>
+              <a:rPr lang="en-AU" dirty="0"/>
+              <a:t> content. </a:t>
+            </a:r>
+          </a:p>
+          <a:p>
+            <a:endParaRPr lang="en-AU" dirty="0"/>
           </a:p>
         </p:txBody>
       </p:sp>
@@ -4237,7 +4932,7 @@
           <a:p>
             <a:r>
               <a:rPr lang="en-US" dirty="0" smtClean="0"/>
-              <a:t>miRNA, caveolin, cavins</a:t>
+              <a:t>Hypotheses and Aims:</a:t>
             </a:r>
             <a:endParaRPr lang="en-AU" dirty="0"/>
           </a:p>
@@ -4253,19 +4948,122 @@
             <p:ph idx="1"/>
           </p:nvPr>
         </p:nvSpPr>
-        <p:spPr/>
-        <p:txBody>
-          <a:bodyPr/>
-          <a:lstStyle/>
-          <a:p>
-            <a:endParaRPr lang="en-AU" dirty="0"/>
+        <p:spPr>
+          <a:xfrm>
+            <a:off x="838200" y="1690688"/>
+            <a:ext cx="10515600" cy="4619625"/>
+          </a:xfrm>
+        </p:spPr>
+        <p:txBody>
+          <a:bodyPr>
+            <a:normAutofit/>
+          </a:bodyPr>
+          <a:lstStyle/>
+          <a:p>
+            <a:pPr marL="0" indent="0">
+              <a:buNone/>
+            </a:pPr>
+            <a:r>
+              <a:rPr lang="en-AU" sz="2400" dirty="0" smtClean="0"/>
+              <a:t>We hypothesise that the introduction of Cavin-1 to a PC3 model will modify the EV </a:t>
+            </a:r>
+            <a:r>
+              <a:rPr lang="en-AU" sz="2400" dirty="0" err="1" smtClean="0"/>
+              <a:t>miR</a:t>
+            </a:r>
+            <a:r>
+              <a:rPr lang="en-AU" sz="2400" dirty="0" smtClean="0"/>
+              <a:t> content due to a modification of RNA binding protein. </a:t>
+            </a:r>
+          </a:p>
+          <a:p>
+            <a:pPr marL="0" indent="0">
+              <a:buNone/>
+            </a:pPr>
+            <a:endParaRPr lang="en-AU" sz="2400" dirty="0"/>
+          </a:p>
+          <a:p>
+            <a:pPr marL="0" indent="0">
+              <a:buNone/>
+            </a:pPr>
+            <a:r>
+              <a:rPr lang="en-AU" sz="2400" dirty="0" smtClean="0"/>
+              <a:t>Aims:</a:t>
+            </a:r>
+          </a:p>
+          <a:p>
+            <a:pPr marL="0" indent="0">
+              <a:buNone/>
+            </a:pPr>
+            <a:r>
+              <a:rPr lang="en-AU" sz="2400" dirty="0" smtClean="0"/>
+              <a:t>	- Identify the </a:t>
+            </a:r>
+            <a:r>
+              <a:rPr lang="en-AU" sz="2400" dirty="0" err="1" smtClean="0"/>
+              <a:t>miRs</a:t>
+            </a:r>
+            <a:r>
+              <a:rPr lang="en-AU" sz="2400" dirty="0" smtClean="0"/>
+              <a:t> that are selectively exported</a:t>
+            </a:r>
+          </a:p>
+          <a:p>
+            <a:pPr marL="0" indent="0">
+              <a:buNone/>
+            </a:pPr>
+            <a:r>
+              <a:rPr lang="en-AU" sz="2400" dirty="0"/>
+              <a:t>	</a:t>
+            </a:r>
+            <a:r>
+              <a:rPr lang="en-AU" sz="2400" dirty="0" smtClean="0"/>
+              <a:t>- Identify RNA-binding proteins correlated to the </a:t>
+            </a:r>
+            <a:r>
+              <a:rPr lang="en-AU" sz="2400" dirty="0" err="1" smtClean="0"/>
+              <a:t>miR</a:t>
+            </a:r>
+            <a:r>
+              <a:rPr lang="en-AU" sz="2400" dirty="0" smtClean="0"/>
+              <a:t> export</a:t>
+            </a:r>
+          </a:p>
+          <a:p>
+            <a:pPr marL="0" indent="0">
+              <a:buNone/>
+            </a:pPr>
+            <a:r>
+              <a:rPr lang="en-AU" sz="2400" dirty="0"/>
+              <a:t>	</a:t>
+            </a:r>
+            <a:r>
+              <a:rPr lang="en-AU" sz="2400" dirty="0" smtClean="0"/>
+              <a:t>- Verify candidate </a:t>
+            </a:r>
+            <a:r>
+              <a:rPr lang="en-AU" sz="2400" dirty="0" err="1" smtClean="0"/>
+              <a:t>miR</a:t>
+            </a:r>
+            <a:r>
+              <a:rPr lang="en-AU" sz="2400" dirty="0" smtClean="0"/>
+              <a:t> escort proteins ability to bind to </a:t>
+            </a:r>
+            <a:r>
+              <a:rPr lang="en-AU" sz="2400" dirty="0" err="1" smtClean="0"/>
+              <a:t>miRs</a:t>
+            </a:r>
+            <a:r>
+              <a:rPr lang="en-AU" sz="2400" dirty="0" smtClean="0"/>
+              <a:t> and transport 		to EVs.</a:t>
+            </a:r>
           </a:p>
         </p:txBody>
       </p:sp>
     </p:spTree>
     <p:extLst>
       <p:ext uri="{BB962C8B-B14F-4D97-AF65-F5344CB8AC3E}">
-        <p14:creationId xmlns:p14="http://schemas.microsoft.com/office/powerpoint/2010/main" val="184740536"/>
+        <p14:creationId xmlns:p14="http://schemas.microsoft.com/office/powerpoint/2010/main" val="2339122931"/>
       </p:ext>
     </p:extLst>
   </p:cSld>
@@ -4309,7 +5107,19 @@
           <a:p>
             <a:r>
               <a:rPr lang="en-US" dirty="0" smtClean="0"/>
-              <a:t>Hypotheses and Aims:</a:t>
+              <a:t>Aim 1: Analysis </a:t>
+            </a:r>
+            <a:r>
+              <a:rPr lang="en-US" dirty="0" smtClean="0"/>
+              <a:t>of </a:t>
+            </a:r>
+            <a:r>
+              <a:rPr lang="en-US" dirty="0" err="1" smtClean="0"/>
+              <a:t>miRNA</a:t>
+            </a:r>
+            <a:r>
+              <a:rPr lang="en-US" dirty="0" smtClean="0"/>
+              <a:t> export</a:t>
             </a:r>
             <a:endParaRPr lang="en-AU" dirty="0"/>
           </a:p>
@@ -4327,17 +5137,82 @@
         </p:nvSpPr>
         <p:spPr/>
         <p:txBody>
-          <a:bodyPr/>
-          <a:lstStyle/>
-          <a:p>
-            <a:endParaRPr lang="en-AU" dirty="0"/>
+          <a:bodyPr>
+            <a:normAutofit/>
+          </a:bodyPr>
+          <a:lstStyle/>
+          <a:p>
+            <a:pPr marL="0" indent="0">
+              <a:buNone/>
+            </a:pPr>
+            <a:r>
+              <a:rPr lang="en-AU" sz="2400" dirty="0" smtClean="0"/>
+              <a:t>Method 1: </a:t>
+            </a:r>
+            <a:r>
+              <a:rPr lang="en-AU" sz="2400" dirty="0" err="1" smtClean="0"/>
+              <a:t>Bioinformatic</a:t>
+            </a:r>
+            <a:r>
+              <a:rPr lang="en-AU" sz="2400" dirty="0" smtClean="0"/>
+              <a:t>  Analysis. </a:t>
+            </a:r>
+            <a:endParaRPr lang="en-AU" sz="2400" dirty="0" smtClean="0"/>
+          </a:p>
+          <a:p>
+            <a:r>
+              <a:rPr lang="en-AU" sz="2400" dirty="0" smtClean="0"/>
+              <a:t>Previous </a:t>
+            </a:r>
+            <a:r>
+              <a:rPr lang="en-AU" sz="2400" dirty="0" err="1" smtClean="0"/>
+              <a:t>miRNA-seq</a:t>
+            </a:r>
+            <a:r>
+              <a:rPr lang="en-AU" sz="2400" dirty="0" smtClean="0"/>
+              <a:t> data compiled for cell and EV fraction of PC3 GFP cells and PC3 cavin-1 transfected cells. </a:t>
+            </a:r>
+          </a:p>
+          <a:p>
+            <a:r>
+              <a:rPr lang="en-AU" sz="2400" dirty="0" smtClean="0"/>
+              <a:t>Using R packages to find fold change differences between Cavin-1 and GFP</a:t>
+            </a:r>
+            <a:endParaRPr lang="en-AU" sz="2400" dirty="0"/>
+          </a:p>
+          <a:p>
+            <a:r>
+              <a:rPr lang="en-AU" sz="2400" dirty="0" smtClean="0"/>
+              <a:t>Compar</a:t>
+            </a:r>
+            <a:r>
+              <a:rPr lang="en-AU" sz="2400" dirty="0" smtClean="0"/>
+              <a:t>e cavin-1 </a:t>
+            </a:r>
+            <a:r>
+              <a:rPr lang="en-AU" sz="2400" dirty="0" err="1" smtClean="0"/>
+              <a:t>vs</a:t>
+            </a:r>
+            <a:r>
+              <a:rPr lang="en-AU" sz="2400" dirty="0" smtClean="0"/>
+              <a:t> GFP between cell and EV to find differentially exported </a:t>
+            </a:r>
+            <a:r>
+              <a:rPr lang="en-AU" sz="2400" dirty="0" err="1" smtClean="0"/>
+              <a:t>miRs</a:t>
+            </a:r>
+            <a:r>
+              <a:rPr lang="en-AU" sz="2400" dirty="0" smtClean="0"/>
+              <a:t>. </a:t>
+            </a:r>
+            <a:endParaRPr lang="en-AU" sz="2400" dirty="0"/>
           </a:p>
         </p:txBody>
       </p:sp>
     </p:spTree>
     <p:extLst>
       <p:ext uri="{BB962C8B-B14F-4D97-AF65-F5344CB8AC3E}">
-        <p14:creationId xmlns:p14="http://schemas.microsoft.com/office/powerpoint/2010/main" val="2339122931"/>
+        <p14:creationId xmlns:p14="http://schemas.microsoft.com/office/powerpoint/2010/main" val="3986726622"/>
       </p:ext>
     </p:extLst>
   </p:cSld>
@@ -4381,7 +5256,15 @@
           <a:p>
             <a:r>
               <a:rPr lang="en-US" dirty="0" smtClean="0"/>
-              <a:t>Aim 1: Analysis of miRNA export</a:t>
+              <a:t>Aim 1: Analysis of </a:t>
+            </a:r>
+            <a:r>
+              <a:rPr lang="en-US" dirty="0" err="1" smtClean="0"/>
+              <a:t>miRNA</a:t>
+            </a:r>
+            <a:r>
+              <a:rPr lang="en-US" dirty="0" smtClean="0"/>
+              <a:t> export. Cont. </a:t>
             </a:r>
             <a:endParaRPr lang="en-AU" dirty="0"/>
           </a:p>
@@ -4402,14 +5285,67 @@
           <a:bodyPr/>
           <a:lstStyle/>
           <a:p>
+            <a:pPr marL="0" indent="0">
+              <a:buNone/>
+            </a:pPr>
+            <a:r>
+              <a:rPr lang="en-AU" dirty="0" smtClean="0"/>
+              <a:t>Method 2: RT-</a:t>
+            </a:r>
+            <a:r>
+              <a:rPr lang="en-AU" dirty="0" err="1" smtClean="0"/>
+              <a:t>qPCR</a:t>
+            </a:r>
+            <a:endParaRPr lang="en-AU" dirty="0" smtClean="0"/>
+          </a:p>
+          <a:p>
+            <a:pPr marL="0" indent="0">
+              <a:buNone/>
+            </a:pPr>
+            <a:endParaRPr lang="en-AU" dirty="0" smtClean="0"/>
+          </a:p>
+          <a:p>
+            <a:pPr marL="0" indent="0">
+              <a:buNone/>
+            </a:pPr>
             <a:endParaRPr lang="en-AU" dirty="0"/>
           </a:p>
         </p:txBody>
       </p:sp>
+      <p:pic>
+        <p:nvPicPr>
+          <p:cNvPr id="15" name="Picture 14"/>
+          <p:cNvPicPr>
+            <a:picLocks noChangeAspect="1"/>
+          </p:cNvPicPr>
+          <p:nvPr/>
+        </p:nvPicPr>
+        <p:blipFill>
+          <a:blip r:embed="rId2">
+            <a:extLst>
+              <a:ext uri="{28A0092B-C50C-407E-A947-70E740481C1C}">
+                <a14:useLocalDpi xmlns:a14="http://schemas.microsoft.com/office/drawing/2010/main" val="0"/>
+              </a:ext>
+            </a:extLst>
+          </a:blip>
+          <a:stretch>
+            <a:fillRect/>
+          </a:stretch>
+        </p:blipFill>
+        <p:spPr>
+          <a:xfrm>
+            <a:off x="1132239" y="2900362"/>
+            <a:ext cx="9507185" cy="1543051"/>
+          </a:xfrm>
+          <a:prstGeom prst="rect">
+            <a:avLst/>
+          </a:prstGeom>
+        </p:spPr>
+      </p:pic>
     </p:spTree>
     <p:extLst>
       <p:ext uri="{BB962C8B-B14F-4D97-AF65-F5344CB8AC3E}">
-        <p14:creationId xmlns:p14="http://schemas.microsoft.com/office/powerpoint/2010/main" val="3986726622"/>
+        <p14:creationId xmlns:p14="http://schemas.microsoft.com/office/powerpoint/2010/main" val="4287831108"/>
       </p:ext>
     </p:extLst>
   </p:cSld>

--- a/BackgroundInfo/Selective export of microRNA via extracellular vesicles.pptx
+++ b/BackgroundInfo/Selective export of microRNA via extracellular vesicles.pptx
@@ -210,7 +210,7 @@
           <a:p>
             <a:fld id="{0B21FBDF-C287-422C-92BB-131BF3E59FE0}" type="datetimeFigureOut">
               <a:rPr lang="en-AU" smtClean="0"/>
-              <a:t>12/03/2016</a:t>
+              <a:t>14/03/2016</a:t>
             </a:fld>
             <a:endParaRPr lang="en-AU"/>
           </a:p>
@@ -588,6 +588,213 @@
 </p:notes>
 </file>
 
+<file path=ppt/notesSlides/notesSlide2.xml><?xml version="1.0" encoding="utf-8"?>
+<p:notes xmlns:a="http://schemas.openxmlformats.org/drawingml/2006/main" xmlns:r="http://schemas.openxmlformats.org/officeDocument/2006/relationships" xmlns:p="http://schemas.openxmlformats.org/presentationml/2006/main">
+  <p:cSld>
+    <p:spTree>
+      <p:nvGrpSpPr>
+        <p:cNvPr id="1" name=""/>
+        <p:cNvGrpSpPr/>
+        <p:nvPr/>
+      </p:nvGrpSpPr>
+      <p:grpSpPr>
+        <a:xfrm>
+          <a:off x="0" y="0"/>
+          <a:ext cx="0" cy="0"/>
+          <a:chOff x="0" y="0"/>
+          <a:chExt cx="0" cy="0"/>
+        </a:xfrm>
+      </p:grpSpPr>
+      <p:sp>
+        <p:nvSpPr>
+          <p:cNvPr id="2" name="Slide Image Placeholder 1"/>
+          <p:cNvSpPr>
+            <a:spLocks noGrp="1" noRot="1" noChangeAspect="1"/>
+          </p:cNvSpPr>
+          <p:nvPr>
+            <p:ph type="sldImg"/>
+          </p:nvPr>
+        </p:nvSpPr>
+        <p:spPr/>
+      </p:sp>
+      <p:sp>
+        <p:nvSpPr>
+          <p:cNvPr id="3" name="Notes Placeholder 2"/>
+          <p:cNvSpPr>
+            <a:spLocks noGrp="1"/>
+          </p:cNvSpPr>
+          <p:nvPr>
+            <p:ph type="body" idx="1"/>
+          </p:nvPr>
+        </p:nvSpPr>
+        <p:spPr/>
+        <p:txBody>
+          <a:bodyPr/>
+          <a:lstStyle/>
+          <a:p>
+            <a:r>
+              <a:rPr lang="en-US" dirty="0" err="1" smtClean="0"/>
+              <a:t>hnRNP</a:t>
+            </a:r>
+            <a:r>
+              <a:rPr lang="en-US" dirty="0" smtClean="0"/>
+              <a:t>- 30 </a:t>
+            </a:r>
+            <a:r>
+              <a:rPr lang="en-US" dirty="0" err="1" smtClean="0"/>
+              <a:t>exoMiRS</a:t>
+            </a:r>
+            <a:r>
+              <a:rPr lang="en-US" baseline="0" dirty="0" smtClean="0"/>
+              <a:t> out of 2587 total</a:t>
+            </a:r>
+            <a:endParaRPr lang="en-AU" dirty="0"/>
+          </a:p>
+        </p:txBody>
+      </p:sp>
+      <p:sp>
+        <p:nvSpPr>
+          <p:cNvPr id="4" name="Slide Number Placeholder 3"/>
+          <p:cNvSpPr>
+            <a:spLocks noGrp="1"/>
+          </p:cNvSpPr>
+          <p:nvPr>
+            <p:ph type="sldNum" sz="quarter" idx="10"/>
+          </p:nvPr>
+        </p:nvSpPr>
+        <p:spPr/>
+        <p:txBody>
+          <a:bodyPr/>
+          <a:lstStyle/>
+          <a:p>
+            <a:fld id="{50E92962-0362-434D-A7A6-86BA87293389}" type="slidenum">
+              <a:rPr lang="en-AU" smtClean="0"/>
+              <a:t>4</a:t>
+            </a:fld>
+            <a:endParaRPr lang="en-AU"/>
+          </a:p>
+        </p:txBody>
+      </p:sp>
+    </p:spTree>
+    <p:extLst>
+      <p:ext uri="{BB962C8B-B14F-4D97-AF65-F5344CB8AC3E}">
+        <p14:creationId xmlns:p14="http://schemas.microsoft.com/office/powerpoint/2010/main" val="3413222392"/>
+      </p:ext>
+    </p:extLst>
+  </p:cSld>
+  <p:clrMapOvr>
+    <a:masterClrMapping/>
+  </p:clrMapOvr>
+</p:notes>
+</file>
+
+<file path=ppt/notesSlides/notesSlide3.xml><?xml version="1.0" encoding="utf-8"?>
+<p:notes xmlns:a="http://schemas.openxmlformats.org/drawingml/2006/main" xmlns:r="http://schemas.openxmlformats.org/officeDocument/2006/relationships" xmlns:p="http://schemas.openxmlformats.org/presentationml/2006/main">
+  <p:cSld>
+    <p:spTree>
+      <p:nvGrpSpPr>
+        <p:cNvPr id="1" name=""/>
+        <p:cNvGrpSpPr/>
+        <p:nvPr/>
+      </p:nvGrpSpPr>
+      <p:grpSpPr>
+        <a:xfrm>
+          <a:off x="0" y="0"/>
+          <a:ext cx="0" cy="0"/>
+          <a:chOff x="0" y="0"/>
+          <a:chExt cx="0" cy="0"/>
+        </a:xfrm>
+      </p:grpSpPr>
+      <p:sp>
+        <p:nvSpPr>
+          <p:cNvPr id="2" name="Slide Image Placeholder 1"/>
+          <p:cNvSpPr>
+            <a:spLocks noGrp="1" noRot="1" noChangeAspect="1"/>
+          </p:cNvSpPr>
+          <p:nvPr>
+            <p:ph type="sldImg"/>
+          </p:nvPr>
+        </p:nvSpPr>
+        <p:spPr/>
+      </p:sp>
+      <p:sp>
+        <p:nvSpPr>
+          <p:cNvPr id="3" name="Notes Placeholder 2"/>
+          <p:cNvSpPr>
+            <a:spLocks noGrp="1"/>
+          </p:cNvSpPr>
+          <p:nvPr>
+            <p:ph type="body" idx="1"/>
+          </p:nvPr>
+        </p:nvSpPr>
+        <p:spPr/>
+        <p:txBody>
+          <a:bodyPr/>
+          <a:lstStyle/>
+          <a:p>
+            <a:pPr marL="0" marR="0" indent="0" algn="l" defTabSz="914400" rtl="0" eaLnBrk="1" fontAlgn="auto" latinLnBrk="0" hangingPunct="1">
+              <a:lnSpc>
+                <a:spcPct val="100000"/>
+              </a:lnSpc>
+              <a:spcBef>
+                <a:spcPts val="0"/>
+              </a:spcBef>
+              <a:spcAft>
+                <a:spcPts val="0"/>
+              </a:spcAft>
+              <a:buClrTx/>
+              <a:buSzTx/>
+              <a:buFontTx/>
+              <a:buNone/>
+              <a:tabLst/>
+              <a:defRPr/>
+            </a:pPr>
+            <a:r>
+              <a:rPr lang="en-AU" sz="1200" dirty="0" smtClean="0"/>
+              <a:t>GO:0003723</a:t>
+            </a:r>
+          </a:p>
+          <a:p>
+            <a:endParaRPr lang="en-AU" dirty="0"/>
+          </a:p>
+        </p:txBody>
+      </p:sp>
+      <p:sp>
+        <p:nvSpPr>
+          <p:cNvPr id="4" name="Slide Number Placeholder 3"/>
+          <p:cNvSpPr>
+            <a:spLocks noGrp="1"/>
+          </p:cNvSpPr>
+          <p:nvPr>
+            <p:ph type="sldNum" sz="quarter" idx="10"/>
+          </p:nvPr>
+        </p:nvSpPr>
+        <p:spPr/>
+        <p:txBody>
+          <a:bodyPr/>
+          <a:lstStyle/>
+          <a:p>
+            <a:fld id="{50E92962-0362-434D-A7A6-86BA87293389}" type="slidenum">
+              <a:rPr lang="en-AU" smtClean="0"/>
+              <a:t>10</a:t>
+            </a:fld>
+            <a:endParaRPr lang="en-AU"/>
+          </a:p>
+        </p:txBody>
+      </p:sp>
+    </p:spTree>
+    <p:extLst>
+      <p:ext uri="{BB962C8B-B14F-4D97-AF65-F5344CB8AC3E}">
+        <p14:creationId xmlns:p14="http://schemas.microsoft.com/office/powerpoint/2010/main" val="3382151156"/>
+      </p:ext>
+    </p:extLst>
+  </p:cSld>
+  <p:clrMapOvr>
+    <a:masterClrMapping/>
+  </p:clrMapOvr>
+</p:notes>
+</file>
+
 <file path=ppt/slideLayouts/slideLayout1.xml><?xml version="1.0" encoding="utf-8"?>
 <p:sldLayout xmlns:a="http://schemas.openxmlformats.org/drawingml/2006/main" xmlns:r="http://schemas.openxmlformats.org/officeDocument/2006/relationships" xmlns:p="http://schemas.openxmlformats.org/presentationml/2006/main" type="title" preserve="1">
   <p:cSld name="Title Slide">
@@ -719,7 +926,7 @@
           <a:p>
             <a:fld id="{D006A5F5-722B-4365-93E1-21E835194C29}" type="datetimeFigureOut">
               <a:rPr lang="en-AU" smtClean="0"/>
-              <a:t>12/03/2016</a:t>
+              <a:t>14/03/2016</a:t>
             </a:fld>
             <a:endParaRPr lang="en-AU"/>
           </a:p>
@@ -889,7 +1096,7 @@
           <a:p>
             <a:fld id="{D006A5F5-722B-4365-93E1-21E835194C29}" type="datetimeFigureOut">
               <a:rPr lang="en-AU" smtClean="0"/>
-              <a:t>12/03/2016</a:t>
+              <a:t>14/03/2016</a:t>
             </a:fld>
             <a:endParaRPr lang="en-AU"/>
           </a:p>
@@ -1069,7 +1276,7 @@
           <a:p>
             <a:fld id="{D006A5F5-722B-4365-93E1-21E835194C29}" type="datetimeFigureOut">
               <a:rPr lang="en-AU" smtClean="0"/>
-              <a:t>12/03/2016</a:t>
+              <a:t>14/03/2016</a:t>
             </a:fld>
             <a:endParaRPr lang="en-AU"/>
           </a:p>
@@ -1239,7 +1446,7 @@
           <a:p>
             <a:fld id="{D006A5F5-722B-4365-93E1-21E835194C29}" type="datetimeFigureOut">
               <a:rPr lang="en-AU" smtClean="0"/>
-              <a:t>12/03/2016</a:t>
+              <a:t>14/03/2016</a:t>
             </a:fld>
             <a:endParaRPr lang="en-AU"/>
           </a:p>
@@ -1485,7 +1692,7 @@
           <a:p>
             <a:fld id="{D006A5F5-722B-4365-93E1-21E835194C29}" type="datetimeFigureOut">
               <a:rPr lang="en-AU" smtClean="0"/>
-              <a:t>12/03/2016</a:t>
+              <a:t>14/03/2016</a:t>
             </a:fld>
             <a:endParaRPr lang="en-AU"/>
           </a:p>
@@ -1717,7 +1924,7 @@
           <a:p>
             <a:fld id="{D006A5F5-722B-4365-93E1-21E835194C29}" type="datetimeFigureOut">
               <a:rPr lang="en-AU" smtClean="0"/>
-              <a:t>12/03/2016</a:t>
+              <a:t>14/03/2016</a:t>
             </a:fld>
             <a:endParaRPr lang="en-AU"/>
           </a:p>
@@ -2084,7 +2291,7 @@
           <a:p>
             <a:fld id="{D006A5F5-722B-4365-93E1-21E835194C29}" type="datetimeFigureOut">
               <a:rPr lang="en-AU" smtClean="0"/>
-              <a:t>12/03/2016</a:t>
+              <a:t>14/03/2016</a:t>
             </a:fld>
             <a:endParaRPr lang="en-AU"/>
           </a:p>
@@ -2202,7 +2409,7 @@
           <a:p>
             <a:fld id="{D006A5F5-722B-4365-93E1-21E835194C29}" type="datetimeFigureOut">
               <a:rPr lang="en-AU" smtClean="0"/>
-              <a:t>12/03/2016</a:t>
+              <a:t>14/03/2016</a:t>
             </a:fld>
             <a:endParaRPr lang="en-AU"/>
           </a:p>
@@ -2297,7 +2504,7 @@
           <a:p>
             <a:fld id="{D006A5F5-722B-4365-93E1-21E835194C29}" type="datetimeFigureOut">
               <a:rPr lang="en-AU" smtClean="0"/>
-              <a:t>12/03/2016</a:t>
+              <a:t>14/03/2016</a:t>
             </a:fld>
             <a:endParaRPr lang="en-AU"/>
           </a:p>
@@ -2574,7 +2781,7 @@
           <a:p>
             <a:fld id="{D006A5F5-722B-4365-93E1-21E835194C29}" type="datetimeFigureOut">
               <a:rPr lang="en-AU" smtClean="0"/>
-              <a:t>12/03/2016</a:t>
+              <a:t>14/03/2016</a:t>
             </a:fld>
             <a:endParaRPr lang="en-AU"/>
           </a:p>
@@ -2831,7 +3038,7 @@
           <a:p>
             <a:fld id="{D006A5F5-722B-4365-93E1-21E835194C29}" type="datetimeFigureOut">
               <a:rPr lang="en-AU" smtClean="0"/>
-              <a:t>12/03/2016</a:t>
+              <a:t>14/03/2016</a:t>
             </a:fld>
             <a:endParaRPr lang="en-AU"/>
           </a:p>
@@ -3044,7 +3251,7 @@
           <a:p>
             <a:fld id="{D006A5F5-722B-4365-93E1-21E835194C29}" type="datetimeFigureOut">
               <a:rPr lang="en-AU" smtClean="0"/>
-              <a:t>12/03/2016</a:t>
+              <a:t>14/03/2016</a:t>
             </a:fld>
             <a:endParaRPr lang="en-AU"/>
           </a:p>
@@ -3623,50 +3830,104 @@
             <p:ph idx="1"/>
           </p:nvPr>
         </p:nvSpPr>
-        <p:spPr/>
-        <p:txBody>
-          <a:bodyPr/>
+        <p:spPr>
+          <a:xfrm>
+            <a:off x="838200" y="1825625"/>
+            <a:ext cx="5729216" cy="4351338"/>
+          </a:xfrm>
+        </p:spPr>
+        <p:txBody>
+          <a:bodyPr>
+            <a:normAutofit/>
+          </a:bodyPr>
           <a:lstStyle/>
           <a:p>
             <a:pPr marL="0" indent="0">
               <a:buNone/>
             </a:pPr>
             <a:r>
-              <a:rPr lang="en-AU" sz="2400" dirty="0" smtClean="0"/>
+              <a:rPr lang="en-AU" sz="2200" dirty="0" smtClean="0"/>
               <a:t>Method 1: Computational analysis. </a:t>
             </a:r>
           </a:p>
           <a:p>
             <a:pPr>
-              <a:buFontTx/>
-              <a:buChar char="-"/>
+              <a:lnSpc>
+                <a:spcPct val="100000"/>
+              </a:lnSpc>
             </a:pPr>
             <a:r>
-              <a:rPr lang="en-AU" sz="2400" dirty="0" smtClean="0"/>
-              <a:t>Previous proteomics data collected for the lipid raft, plasma membrane, EVs and total </a:t>
-            </a:r>
-            <a:r>
-              <a:rPr lang="en-AU" sz="2400" dirty="0" err="1" smtClean="0"/>
-              <a:t>secretome</a:t>
-            </a:r>
-            <a:endParaRPr lang="en-AU" sz="2400" dirty="0"/>
+              <a:rPr lang="en-AU" sz="2200" dirty="0" smtClean="0"/>
+              <a:t>Previous proteomics data collected for the lipid raft, plasma </a:t>
+            </a:r>
+            <a:r>
+              <a:rPr lang="en-AU" sz="2200" dirty="0" smtClean="0"/>
+              <a:t>membrane and EVs using tandem mass spectrometry for PC3 GFP and PC3 cavin-1 cells. </a:t>
+            </a:r>
           </a:p>
           <a:p>
             <a:pPr>
-              <a:buFontTx/>
-              <a:buChar char="-"/>
+              <a:lnSpc>
+                <a:spcPct val="150000"/>
+              </a:lnSpc>
             </a:pPr>
-            <a:endParaRPr lang="en-AU" sz="2400" dirty="0" smtClean="0"/>
+            <a:r>
+              <a:rPr lang="en-US" sz="2200" dirty="0" smtClean="0"/>
+              <a:t>Identifying proteins enriched in the EV fraction correlating to an increase of </a:t>
+            </a:r>
+            <a:r>
+              <a:rPr lang="en-US" sz="2200" dirty="0" err="1" smtClean="0"/>
+              <a:t>miR</a:t>
+            </a:r>
+            <a:r>
+              <a:rPr lang="en-US" sz="2200" dirty="0" smtClean="0"/>
+              <a:t> export.</a:t>
+            </a:r>
           </a:p>
           <a:p>
             <a:pPr>
-              <a:buFontTx/>
-              <a:buChar char="-"/>
+              <a:lnSpc>
+                <a:spcPct val="150000"/>
+              </a:lnSpc>
             </a:pPr>
+            <a:r>
+              <a:rPr lang="en-US" sz="2200" dirty="0" smtClean="0"/>
+              <a:t>Perform Gene Ontology analyses to identify molecular function: RNA-binding ability. </a:t>
+            </a:r>
             <a:endParaRPr lang="en-AU" dirty="0"/>
           </a:p>
         </p:txBody>
       </p:sp>
+      <p:pic>
+        <p:nvPicPr>
+          <p:cNvPr id="7" name="Picture 6"/>
+          <p:cNvPicPr>
+            <a:picLocks noChangeAspect="1"/>
+          </p:cNvPicPr>
+          <p:nvPr/>
+        </p:nvPicPr>
+        <p:blipFill>
+          <a:blip r:embed="rId3">
+            <a:extLst>
+              <a:ext uri="{28A0092B-C50C-407E-A947-70E740481C1C}">
+                <a14:useLocalDpi xmlns:a14="http://schemas.microsoft.com/office/drawing/2010/main" val="0"/>
+              </a:ext>
+            </a:extLst>
+          </a:blip>
+          <a:stretch>
+            <a:fillRect/>
+          </a:stretch>
+        </p:blipFill>
+        <p:spPr>
+          <a:xfrm>
+            <a:off x="6632153" y="2222784"/>
+            <a:ext cx="5239481" cy="2962688"/>
+          </a:xfrm>
+          <a:prstGeom prst="rect">
+            <a:avLst/>
+          </a:prstGeom>
+        </p:spPr>
+      </p:pic>
     </p:spTree>
     <p:extLst>
       <p:ext uri="{BB962C8B-B14F-4D97-AF65-F5344CB8AC3E}">
@@ -3709,14 +3970,36 @@
         </p:nvSpPr>
         <p:spPr/>
         <p:txBody>
-          <a:bodyPr/>
-          <a:lstStyle/>
-          <a:p>
-            <a:r>
-              <a:rPr lang="en-AU" dirty="0" smtClean="0"/>
-              <a:t>Aim 2: cont.</a:t>
-            </a:r>
-            <a:endParaRPr lang="en-AU" dirty="0"/>
+          <a:bodyPr>
+            <a:normAutofit/>
+          </a:bodyPr>
+          <a:lstStyle/>
+          <a:p>
+            <a:r>
+              <a:rPr lang="en-AU" sz="3600" dirty="0" smtClean="0"/>
+              <a:t>Aim 2: </a:t>
+            </a:r>
+            <a:r>
+              <a:rPr lang="en-AU" sz="3600" dirty="0"/>
+              <a:t>Identify candidate </a:t>
+            </a:r>
+            <a:r>
+              <a:rPr lang="en-AU" sz="3600" dirty="0" err="1"/>
+              <a:t>miR</a:t>
+            </a:r>
+            <a:r>
+              <a:rPr lang="en-AU" sz="3600" dirty="0"/>
+              <a:t> binding proteins</a:t>
+            </a:r>
+            <a:r>
+              <a:rPr lang="en-AU" sz="3600" dirty="0" smtClean="0"/>
+              <a:t>. cont</a:t>
+            </a:r>
+            <a:r>
+              <a:rPr lang="en-AU" sz="3600" dirty="0" smtClean="0"/>
+              <a:t>.</a:t>
+            </a:r>
+            <a:endParaRPr lang="en-AU" sz="3600" dirty="0"/>
           </a:p>
         </p:txBody>
       </p:sp>
@@ -3730,22 +4013,315 @@
             <p:ph idx="1"/>
           </p:nvPr>
         </p:nvSpPr>
-        <p:spPr/>
-        <p:txBody>
-          <a:bodyPr/>
+        <p:spPr>
+          <a:xfrm>
+            <a:off x="838200" y="1485760"/>
+            <a:ext cx="10515600" cy="4351338"/>
+          </a:xfrm>
+        </p:spPr>
+        <p:txBody>
+          <a:bodyPr numCol="2">
+            <a:normAutofit/>
+          </a:bodyPr>
           <a:lstStyle/>
           <a:p>
             <a:pPr marL="0" indent="0">
               <a:buNone/>
             </a:pPr>
             <a:r>
-              <a:rPr lang="en-AU" dirty="0" smtClean="0"/>
+              <a:rPr lang="en-AU" sz="2400" dirty="0" smtClean="0"/>
               <a:t>Method 2: Motif discovery. </a:t>
             </a:r>
-            <a:endParaRPr lang="en-AU" dirty="0"/>
-          </a:p>
-        </p:txBody>
-      </p:sp>
+            <a:endParaRPr lang="en-AU" sz="2400" dirty="0" smtClean="0"/>
+          </a:p>
+          <a:p>
+            <a:pPr marL="0" indent="0">
+              <a:buNone/>
+            </a:pPr>
+            <a:endParaRPr lang="en-AU" sz="2400" dirty="0" smtClean="0"/>
+          </a:p>
+          <a:p>
+            <a:pPr marL="0" indent="0">
+              <a:buNone/>
+            </a:pPr>
+            <a:r>
+              <a:rPr lang="en-US" sz="2400" dirty="0"/>
+              <a:t> </a:t>
+            </a:r>
+            <a:r>
+              <a:rPr lang="en-US" sz="2400" dirty="0" smtClean="0"/>
+              <a:t>- Literature search for known binding 	motif of candidate protein. </a:t>
+            </a:r>
+          </a:p>
+          <a:p>
+            <a:pPr marL="0" indent="0">
+              <a:buNone/>
+            </a:pPr>
+            <a:endParaRPr lang="en-US" sz="2400" dirty="0" smtClean="0"/>
+          </a:p>
+          <a:p>
+            <a:pPr marL="0" indent="0">
+              <a:buNone/>
+            </a:pPr>
+            <a:endParaRPr lang="en-US" sz="2400" dirty="0"/>
+          </a:p>
+          <a:p>
+            <a:pPr marL="0" indent="0">
+              <a:buNone/>
+            </a:pPr>
+            <a:endParaRPr lang="en-US" sz="2400" dirty="0" smtClean="0"/>
+          </a:p>
+          <a:p>
+            <a:pPr marL="0" indent="0">
+              <a:buNone/>
+            </a:pPr>
+            <a:endParaRPr lang="en-US" sz="2400" dirty="0"/>
+          </a:p>
+          <a:p>
+            <a:pPr marL="0" indent="0">
+              <a:buNone/>
+            </a:pPr>
+            <a:endParaRPr lang="en-US" sz="2400" dirty="0" smtClean="0"/>
+          </a:p>
+          <a:p>
+            <a:pPr marL="0" indent="0">
+              <a:buNone/>
+            </a:pPr>
+            <a:endParaRPr lang="en-US" sz="2400" dirty="0"/>
+          </a:p>
+          <a:p>
+            <a:pPr marL="0" indent="0">
+              <a:buNone/>
+            </a:pPr>
+            <a:endParaRPr lang="en-US" sz="2400" dirty="0" smtClean="0"/>
+          </a:p>
+          <a:p>
+            <a:pPr marL="0" indent="0">
+              <a:buNone/>
+            </a:pPr>
+            <a:r>
+              <a:rPr lang="en-US" sz="2400" dirty="0" smtClean="0"/>
+              <a:t>Alternatively…</a:t>
+            </a:r>
+          </a:p>
+          <a:p>
+            <a:pPr>
+              <a:buFontTx/>
+              <a:buChar char="-"/>
+            </a:pPr>
+            <a:r>
+              <a:rPr lang="en-US" sz="2400" dirty="0" smtClean="0"/>
+              <a:t>Gibbs sampling to find shared motif in exported miRNAs</a:t>
+            </a:r>
+          </a:p>
+          <a:p>
+            <a:pPr marL="0" indent="0">
+              <a:buNone/>
+            </a:pPr>
+            <a:r>
+              <a:rPr lang="en-US" sz="2400" dirty="0" smtClean="0"/>
+              <a:t>	- probability based algorithm.</a:t>
+            </a:r>
+          </a:p>
+          <a:p>
+            <a:pPr marL="0" indent="0">
+              <a:buNone/>
+            </a:pPr>
+            <a:r>
+              <a:rPr lang="en-US" sz="2400" dirty="0"/>
+              <a:t>	</a:t>
+            </a:r>
+            <a:endParaRPr lang="en-US" sz="2400" dirty="0"/>
+          </a:p>
+          <a:p>
+            <a:pPr marL="0" indent="0">
+              <a:buNone/>
+            </a:pPr>
+            <a:r>
+              <a:rPr lang="en-US" sz="2400" dirty="0" smtClean="0"/>
+              <a:t>Expect a motif shared between all the exported miRNAs. </a:t>
+            </a:r>
+            <a:endParaRPr lang="en-AU" sz="2400" dirty="0"/>
+          </a:p>
+        </p:txBody>
+      </p:sp>
+      <p:pic>
+        <p:nvPicPr>
+          <p:cNvPr id="4" name="Picture 3"/>
+          <p:cNvPicPr>
+            <a:picLocks noChangeAspect="1"/>
+          </p:cNvPicPr>
+          <p:nvPr/>
+        </p:nvPicPr>
+        <p:blipFill>
+          <a:blip r:embed="rId2"/>
+          <a:stretch>
+            <a:fillRect/>
+          </a:stretch>
+        </p:blipFill>
+        <p:spPr>
+          <a:xfrm>
+            <a:off x="2389415" y="3276430"/>
+            <a:ext cx="1474722" cy="1449727"/>
+          </a:xfrm>
+          <a:prstGeom prst="rect">
+            <a:avLst/>
+          </a:prstGeom>
+        </p:spPr>
+      </p:pic>
+      <p:sp>
+        <p:nvSpPr>
+          <p:cNvPr id="9" name="TextBox 8"/>
+          <p:cNvSpPr txBox="1"/>
+          <p:nvPr/>
+        </p:nvSpPr>
+        <p:spPr>
+          <a:xfrm>
+            <a:off x="933139" y="5128394"/>
+            <a:ext cx="4387274" cy="646331"/>
+          </a:xfrm>
+          <a:prstGeom prst="rect">
+            <a:avLst/>
+          </a:prstGeom>
+          <a:noFill/>
+        </p:spPr>
+        <p:txBody>
+          <a:bodyPr wrap="square" rtlCol="0">
+            <a:spAutoFit/>
+          </a:bodyPr>
+          <a:lstStyle/>
+          <a:p>
+            <a:pPr lvl="0"/>
+            <a:r>
+              <a:rPr lang="en-US" altLang="en-US" dirty="0" smtClean="0">
+                <a:latin typeface="+mj-lt"/>
+              </a:rPr>
+              <a:t>miR-198; GGUCCAGAGG</a:t>
+            </a:r>
+            <a:r>
+              <a:rPr lang="en-US" altLang="en-US" dirty="0" smtClean="0">
+                <a:solidFill>
+                  <a:srgbClr val="FF0000"/>
+                </a:solidFill>
+                <a:latin typeface="+mj-lt"/>
+              </a:rPr>
+              <a:t>GGAG</a:t>
+            </a:r>
+            <a:r>
+              <a:rPr lang="en-US" altLang="en-US" dirty="0" smtClean="0">
+                <a:latin typeface="+mj-lt"/>
+              </a:rPr>
+              <a:t>AUAGGUUC</a:t>
+            </a:r>
+            <a:endParaRPr lang="en-AU" altLang="en-US" dirty="0" smtClean="0"/>
+          </a:p>
+          <a:p>
+            <a:r>
+              <a:rPr lang="en-US" altLang="en-US" dirty="0" smtClean="0">
+                <a:latin typeface="+mj-lt"/>
+              </a:rPr>
+              <a:t>miR-887; CUUG</a:t>
+            </a:r>
+            <a:r>
+              <a:rPr lang="en-US" altLang="en-US" dirty="0" smtClean="0">
+                <a:solidFill>
+                  <a:srgbClr val="FF0000"/>
+                </a:solidFill>
+                <a:latin typeface="+mj-lt"/>
+              </a:rPr>
+              <a:t>GGAG</a:t>
+            </a:r>
+            <a:r>
+              <a:rPr lang="en-US" altLang="en-US" dirty="0" smtClean="0">
+                <a:latin typeface="+mj-lt"/>
+              </a:rPr>
+              <a:t>CCCUGUUAGACUC</a:t>
+            </a:r>
+            <a:r>
+              <a:rPr lang="en-US" altLang="en-US" sz="1400" dirty="0" smtClean="0">
+                <a:latin typeface="+mj-lt"/>
+              </a:rPr>
+              <a:t> </a:t>
+            </a:r>
+            <a:r>
+              <a:rPr lang="en-US" altLang="en-US" dirty="0" smtClean="0">
+                <a:latin typeface="+mj-lt"/>
+              </a:rPr>
+              <a:t>                     </a:t>
+            </a:r>
+          </a:p>
+        </p:txBody>
+      </p:sp>
+      <p:cxnSp>
+        <p:nvCxnSpPr>
+          <p:cNvPr id="12" name="Straight Connector 11"/>
+          <p:cNvCxnSpPr/>
+          <p:nvPr/>
+        </p:nvCxnSpPr>
+        <p:spPr>
+          <a:xfrm flipH="1">
+            <a:off x="2041071" y="4726157"/>
+            <a:ext cx="348344" cy="402237"/>
+          </a:xfrm>
+          <a:prstGeom prst="line">
+            <a:avLst/>
+          </a:prstGeom>
+          <a:ln>
+            <a:solidFill>
+              <a:srgbClr val="FF0000"/>
+            </a:solidFill>
+          </a:ln>
+        </p:spPr>
+        <p:style>
+          <a:lnRef idx="1">
+            <a:schemeClr val="accent1"/>
+          </a:lnRef>
+          <a:fillRef idx="0">
+            <a:schemeClr val="accent1"/>
+          </a:fillRef>
+          <a:effectRef idx="0">
+            <a:schemeClr val="accent1"/>
+          </a:effectRef>
+          <a:fontRef idx="minor">
+            <a:schemeClr val="tx1"/>
+          </a:fontRef>
+        </p:style>
+      </p:cxnSp>
+      <p:cxnSp>
+        <p:nvCxnSpPr>
+          <p:cNvPr id="14" name="Straight Connector 13"/>
+          <p:cNvCxnSpPr/>
+          <p:nvPr/>
+        </p:nvCxnSpPr>
+        <p:spPr>
+          <a:xfrm>
+            <a:off x="3864137" y="4726157"/>
+            <a:ext cx="348344" cy="402237"/>
+          </a:xfrm>
+          <a:prstGeom prst="line">
+            <a:avLst/>
+          </a:prstGeom>
+          <a:ln>
+            <a:solidFill>
+              <a:srgbClr val="FF0000"/>
+            </a:solidFill>
+          </a:ln>
+        </p:spPr>
+        <p:style>
+          <a:lnRef idx="1">
+            <a:schemeClr val="accent1"/>
+          </a:lnRef>
+          <a:fillRef idx="0">
+            <a:schemeClr val="accent1"/>
+          </a:fillRef>
+          <a:effectRef idx="0">
+            <a:schemeClr val="accent1"/>
+          </a:effectRef>
+          <a:fontRef idx="minor">
+            <a:schemeClr val="tx1"/>
+          </a:fontRef>
+        </p:style>
+      </p:cxnSp>
     </p:spTree>
     <p:extLst>
       <p:ext uri="{BB962C8B-B14F-4D97-AF65-F5344CB8AC3E}">
@@ -4074,7 +4650,7 @@
         <p:spPr>
           <a:xfrm>
             <a:off x="620486" y="1690688"/>
-            <a:ext cx="5747657" cy="4555093"/>
+            <a:ext cx="6169928" cy="4555093"/>
           </a:xfrm>
           <a:prstGeom prst="rect">
             <a:avLst/>
@@ -4091,12 +4667,16 @@
               <a:lnSpc>
                 <a:spcPct val="150000"/>
               </a:lnSpc>
-              <a:buFontTx/>
-              <a:buChar char="-"/>
+              <a:buFont typeface="Arial" panose="020B0604020202020204" pitchFamily="34" charset="0"/>
+              <a:buChar char="•"/>
             </a:pPr>
             <a:r>
               <a:rPr lang="en-US" sz="2000" dirty="0" smtClean="0"/>
-              <a:t>Important for regulatory mechanisms. </a:t>
+              <a:t>Important </a:t>
+            </a:r>
+            <a:r>
+              <a:rPr lang="en-US" sz="2000" dirty="0" smtClean="0"/>
+              <a:t>regulatory mechanism</a:t>
             </a:r>
             <a:endParaRPr lang="en-US" sz="2000" dirty="0" smtClean="0"/>
           </a:p>
@@ -4112,20 +4692,16 @@
               <a:lnSpc>
                 <a:spcPct val="150000"/>
               </a:lnSpc>
-              <a:buFontTx/>
-              <a:buChar char="-"/>
+              <a:buFont typeface="Arial" panose="020B0604020202020204" pitchFamily="34" charset="0"/>
+              <a:buChar char="•"/>
             </a:pPr>
             <a:r>
               <a:rPr lang="en-US" sz="2000" dirty="0" smtClean="0"/>
-              <a:t>Binding </a:t>
+              <a:t>Binding to target mRNA decreases </a:t>
             </a:r>
             <a:r>
               <a:rPr lang="en-US" sz="2000" dirty="0" smtClean="0"/>
-              <a:t>to target mRNA decreases protein </a:t>
-            </a:r>
-            <a:r>
-              <a:rPr lang="en-US" sz="2000" dirty="0" smtClean="0"/>
-              <a:t>	function </a:t>
+              <a:t>protein function </a:t>
             </a:r>
             <a:r>
               <a:rPr lang="en-US" sz="2000" dirty="0" smtClean="0"/>
@@ -4140,8 +4716,8 @@
               <a:lnSpc>
                 <a:spcPct val="150000"/>
               </a:lnSpc>
-              <a:buFontTx/>
-              <a:buChar char="-"/>
+              <a:buFont typeface="Arial" panose="020B0604020202020204" pitchFamily="34" charset="0"/>
+              <a:buChar char="•"/>
             </a:pPr>
             <a:r>
               <a:rPr lang="en-US" sz="2000" dirty="0" smtClean="0"/>
@@ -4153,7 +4729,11 @@
             </a:r>
             <a:r>
               <a:rPr lang="en-US" sz="2000" dirty="0" smtClean="0"/>
-              <a:t>) regulates pathways in the recipient cells attributed to:</a:t>
+              <a:t>, miRNAs) </a:t>
+            </a:r>
+            <a:r>
+              <a:rPr lang="en-US" sz="2000" dirty="0" smtClean="0"/>
+              <a:t>regulates pathways in the recipient cells attributed to:</a:t>
             </a:r>
           </a:p>
           <a:p>
@@ -4284,10 +4864,6 @@
           </a:bodyPr>
           <a:lstStyle/>
           <a:p>
-            <a:pPr>
-              <a:buFontTx/>
-              <a:buChar char="-"/>
-            </a:pPr>
             <a:r>
               <a:rPr lang="en-US" sz="2400" dirty="0" smtClean="0"/>
               <a:t>Composed of </a:t>
@@ -4316,10 +4892,6 @@
             <a:endParaRPr lang="en-US" sz="2400" dirty="0"/>
           </a:p>
           <a:p>
-            <a:pPr>
-              <a:buFontTx/>
-              <a:buChar char="-"/>
-            </a:pPr>
             <a:r>
               <a:rPr lang="en-US" sz="2400" dirty="0" smtClean="0"/>
               <a:t>Content regulate </a:t>
@@ -4346,27 +4918,13 @@
             <a:endParaRPr lang="en-US" sz="2400" dirty="0"/>
           </a:p>
           <a:p>
-            <a:pPr>
-              <a:buFontTx/>
-              <a:buChar char="-"/>
-            </a:pPr>
             <a:r>
               <a:rPr lang="en-US" sz="2400" dirty="0" smtClean="0"/>
-              <a:t>Surface </a:t>
+              <a:t>Surface contains homing proteins to allow </a:t>
             </a:r>
             <a:r>
               <a:rPr lang="en-US" sz="2400" dirty="0" smtClean="0"/>
-              <a:t>contains homing proteins to allow for </a:t>
-            </a:r>
-            <a:endParaRPr lang="en-US" sz="2400" dirty="0" smtClean="0"/>
-          </a:p>
-          <a:p>
-            <a:pPr marL="0" indent="0">
-              <a:buNone/>
-            </a:pPr>
-            <a:r>
-              <a:rPr lang="en-US" sz="2400" dirty="0" smtClean="0"/>
-              <a:t>	cell </a:t>
+              <a:t>for cell </a:t>
             </a:r>
             <a:r>
               <a:rPr lang="en-US" sz="2400" dirty="0" smtClean="0"/>
@@ -4381,15 +4939,10 @@
             <a:endParaRPr lang="en-US" sz="2400" dirty="0"/>
           </a:p>
           <a:p>
-            <a:pPr>
-              <a:buFontTx/>
-              <a:buChar char="-"/>
-            </a:pPr>
             <a:r>
               <a:rPr lang="en-US" sz="2400" dirty="0" smtClean="0"/>
               <a:t>Important for intercellular communication. </a:t>
             </a:r>
-            <a:endParaRPr lang="en-US" sz="2400" dirty="0" smtClean="0"/>
           </a:p>
         </p:txBody>
       </p:sp>
@@ -4470,7 +5023,15 @@
           <a:p>
             <a:r>
               <a:rPr lang="en-US" dirty="0" smtClean="0"/>
-              <a:t>Current Cargo Loading </a:t>
+              <a:t>Current </a:t>
+            </a:r>
+            <a:r>
+              <a:rPr lang="en-US" dirty="0" smtClean="0"/>
+              <a:t>miRNA Cargo </a:t>
+            </a:r>
+            <a:r>
+              <a:rPr lang="en-US" dirty="0" smtClean="0"/>
+              <a:t>Loading </a:t>
             </a:r>
             <a:r>
               <a:rPr lang="en-US" dirty="0" smtClean="0"/>
@@ -4490,113 +5051,72 @@
             <p:ph idx="1"/>
           </p:nvPr>
         </p:nvSpPr>
-        <p:spPr/>
+        <p:spPr>
+          <a:xfrm>
+            <a:off x="838200" y="1825625"/>
+            <a:ext cx="6588318" cy="4351338"/>
+          </a:xfrm>
+        </p:spPr>
         <p:txBody>
           <a:bodyPr>
-            <a:normAutofit/>
+            <a:normAutofit lnSpcReduction="10000"/>
           </a:bodyPr>
           <a:lstStyle/>
           <a:p>
-            <a:pPr marL="0" indent="0">
-              <a:buNone/>
+            <a:pPr>
+              <a:lnSpc>
+                <a:spcPct val="150000"/>
+              </a:lnSpc>
             </a:pPr>
             <a:r>
               <a:rPr lang="en-AU" sz="2400" dirty="0" smtClean="0"/>
-              <a:t>Protein </a:t>
-            </a:r>
-            <a:r>
-              <a:rPr lang="en-AU" sz="2400" dirty="0"/>
-              <a:t>l</a:t>
+              <a:t>Little </a:t>
             </a:r>
             <a:r>
               <a:rPr lang="en-AU" sz="2400" dirty="0" smtClean="0"/>
-              <a:t>oading mechanisms: </a:t>
-            </a:r>
-          </a:p>
-          <a:p>
-            <a:pPr marL="0" indent="0">
-              <a:buNone/>
+              <a:t>information known regarding sorting. </a:t>
+            </a:r>
+          </a:p>
+          <a:p>
+            <a:pPr>
+              <a:lnSpc>
+                <a:spcPct val="150000"/>
+              </a:lnSpc>
             </a:pPr>
             <a:r>
-              <a:rPr lang="en-AU" sz="2400" dirty="0"/>
-              <a:t>	</a:t>
-            </a:r>
+              <a:rPr lang="en-US" sz="2400" dirty="0" smtClean="0"/>
+              <a:t>Indication </a:t>
+            </a:r>
+            <a:r>
+              <a:rPr lang="en-US" sz="2400" dirty="0"/>
+              <a:t>of ceramide </a:t>
+            </a:r>
+            <a:r>
+              <a:rPr lang="en-US" sz="2400" dirty="0" smtClean="0"/>
+              <a:t>dependency</a:t>
+            </a:r>
+          </a:p>
+          <a:p>
+            <a:pPr>
+              <a:lnSpc>
+                <a:spcPct val="150000"/>
+              </a:lnSpc>
+            </a:pPr>
+            <a:r>
+              <a:rPr lang="en-US" sz="2400" dirty="0" smtClean="0"/>
+              <a:t>ESCRT-independent</a:t>
+            </a:r>
+            <a:endParaRPr lang="en-AU" sz="2400" dirty="0"/>
+          </a:p>
+          <a:p>
+            <a:pPr>
+              <a:lnSpc>
+                <a:spcPct val="100000"/>
+              </a:lnSpc>
+            </a:pPr>
             <a:r>
               <a:rPr lang="en-AU" sz="2400" dirty="0" smtClean="0"/>
-              <a:t>-Well characterised </a:t>
-            </a:r>
-          </a:p>
-          <a:p>
-            <a:pPr marL="0" indent="0">
-              <a:buNone/>
-            </a:pPr>
-            <a:r>
-              <a:rPr lang="en-AU" sz="2400" dirty="0"/>
-              <a:t>	</a:t>
-            </a:r>
-            <a:r>
-              <a:rPr lang="en-AU" sz="2400" dirty="0" smtClean="0"/>
-              <a:t>- ESCRT complex </a:t>
-            </a:r>
-          </a:p>
-          <a:p>
-            <a:pPr marL="0" indent="0">
-              <a:buNone/>
-            </a:pPr>
-            <a:r>
-              <a:rPr lang="en-AU" sz="2400" dirty="0"/>
-              <a:t>	</a:t>
-            </a:r>
-            <a:r>
-              <a:rPr lang="en-AU" sz="2400" dirty="0" smtClean="0"/>
-              <a:t>- </a:t>
-            </a:r>
-            <a:r>
-              <a:rPr lang="en-AU" sz="2400" dirty="0" err="1" smtClean="0"/>
-              <a:t>Tetraspanins</a:t>
-            </a:r>
-            <a:endParaRPr lang="en-AU" sz="2400" dirty="0" smtClean="0"/>
-          </a:p>
-          <a:p>
-            <a:pPr marL="0" indent="0">
-              <a:buNone/>
-            </a:pPr>
-            <a:endParaRPr lang="en-AU" sz="2400" dirty="0" smtClean="0"/>
-          </a:p>
-          <a:p>
-            <a:pPr marL="0" indent="0">
-              <a:buNone/>
-            </a:pPr>
-            <a:r>
-              <a:rPr lang="en-AU" sz="2400" dirty="0" smtClean="0"/>
-              <a:t>MicroRNAs:</a:t>
-            </a:r>
-          </a:p>
-          <a:p>
-            <a:pPr marL="0" indent="0">
-              <a:buNone/>
-            </a:pPr>
-            <a:r>
-              <a:rPr lang="en-AU" sz="2400" dirty="0"/>
-              <a:t>	</a:t>
-            </a:r>
-            <a:r>
-              <a:rPr lang="en-AU" sz="2400" dirty="0" smtClean="0"/>
-              <a:t>- Little information known regarding sorting. </a:t>
-            </a:r>
-            <a:endParaRPr lang="en-AU" sz="2400" dirty="0" smtClean="0"/>
-          </a:p>
-          <a:p>
-            <a:pPr marL="0" indent="0">
-              <a:buNone/>
-            </a:pPr>
-            <a:r>
-              <a:rPr lang="en-AU" sz="2400" dirty="0"/>
-              <a:t>	</a:t>
-            </a:r>
-            <a:r>
-              <a:rPr lang="en-AU" sz="2400" dirty="0" smtClean="0"/>
-              <a:t>-</a:t>
+              <a:t>RNA-binding protein: </a:t>
             </a:r>
             <a:r>
               <a:rPr lang="en-AU" sz="2400" dirty="0" err="1" smtClean="0"/>
@@ -4612,7 +5132,18 @@
             </a:r>
             <a:r>
               <a:rPr lang="en-AU" sz="2400" dirty="0" smtClean="0"/>
-              <a:t> A2B1</a:t>
+              <a:t> A2B1 involved in export to EVs</a:t>
+            </a:r>
+          </a:p>
+          <a:p>
+            <a:pPr>
+              <a:lnSpc>
+                <a:spcPct val="150000"/>
+              </a:lnSpc>
+            </a:pPr>
+            <a:r>
+              <a:rPr lang="en-US" sz="2400" dirty="0" smtClean="0"/>
+              <a:t>Regulation and binding partners are still unknown. </a:t>
             </a:r>
             <a:endParaRPr lang="en-AU" sz="2400" dirty="0" smtClean="0"/>
           </a:p>
@@ -4620,7 +5151,11 @@
             <a:pPr marL="0" indent="0">
               <a:buNone/>
             </a:pPr>
-            <a:endParaRPr lang="en-AU" sz="2400" dirty="0"/>
+            <a:r>
+              <a:rPr lang="en-US" sz="2400" dirty="0" smtClean="0"/>
+              <a:t>	</a:t>
+            </a:r>
+            <a:endParaRPr lang="en-AU" sz="2400" dirty="0" smtClean="0"/>
           </a:p>
           <a:p>
             <a:pPr marL="0" indent="0">
@@ -4696,7 +5231,7 @@
         <p:spPr>
           <a:xfrm>
             <a:off x="838200" y="1557338"/>
-            <a:ext cx="10515600" cy="4619625"/>
+            <a:ext cx="6643977" cy="4619625"/>
           </a:xfrm>
         </p:spPr>
         <p:txBody>
@@ -4705,20 +5240,13 @@
           </a:bodyPr>
           <a:lstStyle/>
           <a:p>
-            <a:pPr marL="0" indent="0">
-              <a:buNone/>
-            </a:pPr>
             <a:r>
               <a:rPr lang="en-AU" sz="2400" dirty="0" smtClean="0"/>
-              <a:t> Increased Caveolin-1 expression, without </a:t>
-            </a:r>
-            <a:r>
-              <a:rPr lang="en-AU" sz="2400" dirty="0" err="1" smtClean="0"/>
-              <a:t>Cavins</a:t>
+              <a:t>Increased </a:t>
             </a:r>
             <a:r>
               <a:rPr lang="en-AU" sz="2400" dirty="0" smtClean="0"/>
-              <a:t>.</a:t>
+              <a:t>Caveolin-1 expression, without Cavins.</a:t>
             </a:r>
           </a:p>
           <a:p>
@@ -4728,9 +5256,6 @@
             <a:endParaRPr lang="en-AU" sz="2400" dirty="0" smtClean="0"/>
           </a:p>
           <a:p>
-            <a:pPr marL="0" indent="0">
-              <a:buNone/>
-            </a:pPr>
             <a:r>
               <a:rPr lang="en-AU" sz="2400" dirty="0" smtClean="0"/>
               <a:t>Caveolin-1 is a cholesterol transporter</a:t>
@@ -4743,29 +5268,25 @@
             <a:endParaRPr lang="en-AU" sz="2400" dirty="0" smtClean="0"/>
           </a:p>
           <a:p>
-            <a:pPr marL="0" indent="0">
-              <a:buNone/>
-            </a:pPr>
             <a:r>
               <a:rPr lang="en-AU" sz="2400" dirty="0" smtClean="0"/>
               <a:t>When accompanied by Cavin-1, it will form </a:t>
             </a:r>
-          </a:p>
-          <a:p>
-            <a:pPr marL="0" indent="0">
-              <a:buNone/>
-            </a:pPr>
             <a:r>
               <a:rPr lang="en-AU" sz="2400" dirty="0" smtClean="0"/>
-              <a:t>	</a:t>
-            </a:r>
-            <a:r>
-              <a:rPr lang="en-AU" sz="2400" dirty="0" err="1" smtClean="0"/>
               <a:t>caveolae</a:t>
             </a:r>
             <a:r>
               <a:rPr lang="en-AU" sz="2400" dirty="0" smtClean="0"/>
-              <a:t>, required for Endocytosis. </a:t>
+              <a:t>, </a:t>
+            </a:r>
+            <a:r>
+              <a:rPr lang="en-AU" sz="2400" dirty="0" smtClean="0"/>
+              <a:t>utilised in Endocytosis</a:t>
+            </a:r>
+            <a:r>
+              <a:rPr lang="en-AU" sz="2400" dirty="0" smtClean="0"/>
+              <a:t>. </a:t>
             </a:r>
             <a:endParaRPr lang="en-AU" sz="2400" dirty="0"/>
           </a:p>
@@ -4776,14 +5297,10 @@
             <a:endParaRPr lang="en-AU" sz="2400" dirty="0" smtClean="0"/>
           </a:p>
           <a:p>
-            <a:pPr marL="0" indent="0">
-              <a:buNone/>
-            </a:pPr>
             <a:r>
               <a:rPr lang="en-AU" sz="2400" dirty="0" smtClean="0"/>
               <a:t>Caveolin-1 is a proposed biomarker for cancer.</a:t>
             </a:r>
-            <a:endParaRPr lang="en-AU" sz="2400" dirty="0" smtClean="0"/>
           </a:p>
         </p:txBody>
       </p:sp>
@@ -4827,7 +5344,12 @@
             <p:ph type="title"/>
           </p:nvPr>
         </p:nvSpPr>
-        <p:spPr/>
+        <p:spPr>
+          <a:xfrm>
+            <a:off x="838200" y="124473"/>
+            <a:ext cx="10515600" cy="1325563"/>
+          </a:xfrm>
+        </p:spPr>
         <p:txBody>
           <a:bodyPr/>
           <a:lstStyle/>
@@ -4850,41 +5372,167 @@
             <p:ph idx="1"/>
           </p:nvPr>
         </p:nvSpPr>
-        <p:spPr/>
-        <p:txBody>
-          <a:bodyPr/>
+        <p:spPr>
+          <a:xfrm>
+            <a:off x="838200" y="1143001"/>
+            <a:ext cx="10515600" cy="5290456"/>
+          </a:xfrm>
+        </p:spPr>
+        <p:txBody>
+          <a:bodyPr>
+            <a:normAutofit/>
+          </a:bodyPr>
           <a:lstStyle/>
           <a:p>
             <a:pPr marL="0" indent="0">
               <a:buNone/>
             </a:pPr>
             <a:r>
-              <a:rPr lang="en-AU" dirty="0"/>
-              <a:t>Introduction of Cavin-1 results in modulated </a:t>
-            </a:r>
+              <a:rPr lang="en-AU" sz="2200" dirty="0" smtClean="0"/>
+              <a:t>- </a:t>
+            </a:r>
+            <a:r>
+              <a:rPr lang="en-AU" sz="2200" dirty="0" smtClean="0"/>
+              <a:t>Introduction </a:t>
+            </a:r>
+            <a:r>
+              <a:rPr lang="en-AU" sz="2200" dirty="0"/>
+              <a:t>of Cavin-1 results in modulated </a:t>
+            </a:r>
+            <a:r>
+              <a:rPr lang="en-AU" sz="2200" dirty="0" smtClean="0"/>
+              <a:t>cholesterol </a:t>
+            </a:r>
+            <a:r>
+              <a:rPr lang="en-AU" sz="2200" dirty="0"/>
+              <a:t>re-distribution, EV protein content and </a:t>
+            </a:r>
+            <a:r>
+              <a:rPr lang="en-AU" sz="2200" dirty="0" err="1"/>
+              <a:t>miR</a:t>
+            </a:r>
+            <a:r>
+              <a:rPr lang="en-AU" sz="2200" dirty="0"/>
+              <a:t> content. </a:t>
+            </a:r>
+            <a:endParaRPr lang="en-AU" sz="2200" dirty="0" smtClean="0"/>
           </a:p>
           <a:p>
             <a:pPr marL="0" indent="0">
               <a:buNone/>
             </a:pPr>
-            <a:r>
-              <a:rPr lang="en-AU" dirty="0"/>
-              <a:t>cholesterol re-distribution, EV protein content and </a:t>
-            </a:r>
-            <a:r>
-              <a:rPr lang="en-AU" dirty="0" err="1"/>
-              <a:t>miR</a:t>
-            </a:r>
-            <a:r>
-              <a:rPr lang="en-AU" dirty="0"/>
-              <a:t> content. </a:t>
-            </a:r>
+            <a:endParaRPr lang="en-US" sz="2200" dirty="0" smtClean="0"/>
+          </a:p>
+          <a:p>
+            <a:pPr marL="0" indent="0">
+              <a:buNone/>
+            </a:pPr>
+            <a:endParaRPr lang="en-US" sz="2200" dirty="0" smtClean="0"/>
+          </a:p>
+          <a:p>
+            <a:pPr marL="0" indent="0">
+              <a:buNone/>
+            </a:pPr>
+            <a:endParaRPr lang="en-US" sz="2200" dirty="0" smtClean="0"/>
+          </a:p>
+          <a:p>
+            <a:pPr marL="0" indent="0">
+              <a:buNone/>
+            </a:pPr>
+            <a:endParaRPr lang="en-US" sz="2200" dirty="0" smtClean="0"/>
+          </a:p>
+          <a:p>
+            <a:pPr marL="0" indent="0">
+              <a:buNone/>
+            </a:pPr>
+            <a:endParaRPr lang="en-US" sz="2200" dirty="0" smtClean="0"/>
+          </a:p>
+          <a:p>
+            <a:pPr marL="0" indent="0">
+              <a:buNone/>
+            </a:pPr>
+            <a:endParaRPr lang="en-US" sz="2200" dirty="0"/>
+          </a:p>
+          <a:p>
+            <a:pPr>
+              <a:buFontTx/>
+              <a:buChar char="-"/>
+            </a:pPr>
+            <a:r>
+              <a:rPr lang="en-US" sz="2200" dirty="0" smtClean="0"/>
+              <a:t>Cholesterol and ceramide are enriched with lipid </a:t>
+            </a:r>
+            <a:r>
+              <a:rPr lang="en-US" sz="2200" dirty="0" err="1" smtClean="0"/>
+              <a:t>microdomains</a:t>
+            </a:r>
+            <a:r>
+              <a:rPr lang="en-US" sz="2200" dirty="0" smtClean="0"/>
+              <a:t> (raft) found on the surface of EVs. </a:t>
+            </a:r>
+          </a:p>
+          <a:p>
+            <a:pPr>
+              <a:lnSpc>
+                <a:spcPct val="150000"/>
+              </a:lnSpc>
+              <a:buFontTx/>
+              <a:buChar char="-"/>
+            </a:pPr>
+            <a:r>
+              <a:rPr lang="en-US" sz="2200" dirty="0" smtClean="0"/>
+              <a:t>RNA-binding proteins appear to be enriched within lipid rafts.</a:t>
+            </a:r>
+          </a:p>
+          <a:p>
+            <a:pPr>
+              <a:lnSpc>
+                <a:spcPct val="150000"/>
+              </a:lnSpc>
+              <a:buFontTx/>
+              <a:buChar char="-"/>
+            </a:pPr>
+            <a:r>
+              <a:rPr lang="en-US" sz="2200" dirty="0" smtClean="0"/>
+              <a:t>Hereby,  modulation of miRNA export could be lipid raft dependent. </a:t>
+            </a:r>
+            <a:endParaRPr lang="en-AU" sz="2200" dirty="0"/>
           </a:p>
           <a:p>
             <a:endParaRPr lang="en-AU" dirty="0"/>
           </a:p>
         </p:txBody>
       </p:sp>
+      <p:pic>
+        <p:nvPicPr>
+          <p:cNvPr id="4" name="Picture 3"/>
+          <p:cNvPicPr>
+            <a:picLocks noChangeAspect="1"/>
+          </p:cNvPicPr>
+          <p:nvPr/>
+        </p:nvPicPr>
+        <p:blipFill>
+          <a:blip r:embed="rId2">
+            <a:extLst>
+              <a:ext uri="{28A0092B-C50C-407E-A947-70E740481C1C}">
+                <a14:useLocalDpi xmlns:a14="http://schemas.microsoft.com/office/drawing/2010/main" val="0"/>
+              </a:ext>
+            </a:extLst>
+          </a:blip>
+          <a:stretch>
+            <a:fillRect/>
+          </a:stretch>
+        </p:blipFill>
+        <p:spPr>
+          <a:xfrm>
+            <a:off x="1288741" y="1902163"/>
+            <a:ext cx="8998259" cy="2430757"/>
+          </a:xfrm>
+          <a:prstGeom prst="rect">
+            <a:avLst/>
+          </a:prstGeom>
+        </p:spPr>
+      </p:pic>
     </p:spTree>
     <p:extLst>
       <p:ext uri="{BB962C8B-B14F-4D97-AF65-F5344CB8AC3E}">
@@ -4950,8 +5598,8 @@
         </p:nvSpPr>
         <p:spPr>
           <a:xfrm>
-            <a:off x="838200" y="1690688"/>
-            <a:ext cx="10515600" cy="4619625"/>
+            <a:off x="838200" y="1586039"/>
+            <a:ext cx="10515600" cy="3981281"/>
           </a:xfrm>
         </p:spPr>
         <p:txBody>
@@ -4965,22 +5613,26 @@
             </a:pPr>
             <a:r>
               <a:rPr lang="en-AU" sz="2400" dirty="0" smtClean="0"/>
-              <a:t>We hypothesise that the introduction of Cavin-1 to a PC3 model will modify the EV </a:t>
-            </a:r>
-            <a:r>
-              <a:rPr lang="en-AU" sz="2400" dirty="0" err="1" smtClean="0"/>
-              <a:t>miR</a:t>
+              <a:t>It is hypothesised </a:t>
             </a:r>
             <a:r>
               <a:rPr lang="en-AU" sz="2400" dirty="0" smtClean="0"/>
-              <a:t> content due to a modification of RNA binding protein. </a:t>
+              <a:t>that the introduction of Cavin-1 to a PC3 model will modify the EV </a:t>
+            </a:r>
+            <a:r>
+              <a:rPr lang="en-AU" sz="2400" dirty="0" smtClean="0"/>
+              <a:t>miRNA </a:t>
+            </a:r>
+            <a:r>
+              <a:rPr lang="en-AU" sz="2400" dirty="0" smtClean="0"/>
+              <a:t>content due to a modification of RNA binding protein. </a:t>
             </a:r>
           </a:p>
           <a:p>
             <a:pPr marL="0" indent="0">
               <a:buNone/>
             </a:pPr>
-            <a:endParaRPr lang="en-AU" sz="2400" dirty="0"/>
+            <a:endParaRPr lang="en-AU" sz="2400" dirty="0" smtClean="0"/>
           </a:p>
           <a:p>
             <a:pPr marL="0" indent="0">
@@ -4988,74 +5640,84 @@
             </a:pPr>
             <a:r>
               <a:rPr lang="en-AU" sz="2400" dirty="0" smtClean="0"/>
-              <a:t>Aims:</a:t>
-            </a:r>
-          </a:p>
-          <a:p>
-            <a:pPr marL="0" indent="0">
-              <a:buNone/>
-            </a:pPr>
+              <a:t>Aims</a:t>
+            </a:r>
             <a:r>
               <a:rPr lang="en-AU" sz="2400" dirty="0" smtClean="0"/>
-              <a:t>	- Identify the </a:t>
-            </a:r>
-            <a:r>
-              <a:rPr lang="en-AU" sz="2400" dirty="0" err="1" smtClean="0"/>
-              <a:t>miRs</a:t>
-            </a:r>
+              <a:t>:</a:t>
+            </a:r>
+          </a:p>
+          <a:p>
+            <a:pPr marL="542925" indent="-276225"/>
             <a:r>
               <a:rPr lang="en-AU" sz="2400" dirty="0" smtClean="0"/>
-              <a:t> that are selectively exported</a:t>
-            </a:r>
-          </a:p>
-          <a:p>
-            <a:pPr marL="0" indent="0">
-              <a:buNone/>
-            </a:pPr>
-            <a:r>
-              <a:rPr lang="en-AU" sz="2400" dirty="0"/>
-              <a:t>	</a:t>
+              <a:t>Identify </a:t>
             </a:r>
             <a:r>
               <a:rPr lang="en-AU" sz="2400" dirty="0" smtClean="0"/>
-              <a:t>- Identify RNA-binding proteins correlated to the </a:t>
-            </a:r>
-            <a:r>
-              <a:rPr lang="en-AU" sz="2400" dirty="0" err="1" smtClean="0"/>
-              <a:t>miR</a:t>
+              <a:t>the </a:t>
             </a:r>
             <a:r>
               <a:rPr lang="en-AU" sz="2400" dirty="0" smtClean="0"/>
-              <a:t> export</a:t>
-            </a:r>
-          </a:p>
-          <a:p>
-            <a:pPr marL="0" indent="0">
-              <a:buNone/>
-            </a:pPr>
-            <a:r>
-              <a:rPr lang="en-AU" sz="2400" dirty="0"/>
-              <a:t>	</a:t>
+              <a:t>miRNAs </a:t>
             </a:r>
             <a:r>
               <a:rPr lang="en-AU" sz="2400" dirty="0" smtClean="0"/>
-              <a:t>- Verify candidate </a:t>
-            </a:r>
-            <a:r>
-              <a:rPr lang="en-AU" sz="2400" dirty="0" err="1" smtClean="0"/>
-              <a:t>miR</a:t>
-            </a:r>
+              <a:t>that are selectively exported</a:t>
+            </a:r>
+          </a:p>
+          <a:p>
+            <a:pPr marL="542925" indent="-276225"/>
             <a:r>
               <a:rPr lang="en-AU" sz="2400" dirty="0" smtClean="0"/>
-              <a:t> escort proteins ability to bind to </a:t>
-            </a:r>
-            <a:r>
-              <a:rPr lang="en-AU" sz="2400" dirty="0" err="1" smtClean="0"/>
-              <a:t>miRs</a:t>
+              <a:t>Identify </a:t>
             </a:r>
             <a:r>
               <a:rPr lang="en-AU" sz="2400" dirty="0" smtClean="0"/>
-              <a:t> and transport 		to EVs.</a:t>
+              <a:t>RNA-binding proteins correlated to the </a:t>
+            </a:r>
+            <a:r>
+              <a:rPr lang="en-AU" sz="2400" dirty="0" smtClean="0"/>
+              <a:t>miRNA </a:t>
+            </a:r>
+            <a:r>
+              <a:rPr lang="en-AU" sz="2400" dirty="0" smtClean="0"/>
+              <a:t>export</a:t>
+            </a:r>
+          </a:p>
+          <a:p>
+            <a:pPr marL="542925" indent="-276225"/>
+            <a:r>
+              <a:rPr lang="en-AU" sz="2400" dirty="0" smtClean="0"/>
+              <a:t>Verify </a:t>
+            </a:r>
+            <a:r>
+              <a:rPr lang="en-AU" sz="2400" dirty="0" smtClean="0"/>
+              <a:t>candidate </a:t>
+            </a:r>
+            <a:r>
+              <a:rPr lang="en-AU" sz="2400" dirty="0" smtClean="0"/>
+              <a:t>miRNA </a:t>
+            </a:r>
+            <a:r>
+              <a:rPr lang="en-AU" sz="2400" dirty="0" smtClean="0"/>
+              <a:t>escort proteins ability to bind to </a:t>
+            </a:r>
+            <a:r>
+              <a:rPr lang="en-AU" sz="2400" dirty="0" smtClean="0"/>
+              <a:t>miRNAs </a:t>
+            </a:r>
+            <a:r>
+              <a:rPr lang="en-AU" sz="2400" dirty="0" smtClean="0"/>
+              <a:t>and transport </a:t>
+            </a:r>
+            <a:r>
+              <a:rPr lang="en-AU" sz="2400" dirty="0" smtClean="0"/>
+              <a:t>to </a:t>
+            </a:r>
+            <a:r>
+              <a:rPr lang="en-AU" sz="2400" dirty="0" smtClean="0"/>
+              <a:t>EVs.</a:t>
             </a:r>
           </a:p>
         </p:txBody>
@@ -5107,11 +5769,7 @@
           <a:p>
             <a:r>
               <a:rPr lang="en-US" dirty="0" smtClean="0"/>
-              <a:t>Aim 1: Analysis </a:t>
-            </a:r>
-            <a:r>
-              <a:rPr lang="en-US" dirty="0" smtClean="0"/>
-              <a:t>of </a:t>
+              <a:t>Aim 1: Analysis of </a:t>
             </a:r>
             <a:r>
               <a:rPr lang="en-US" dirty="0" err="1" smtClean="0"/>
@@ -5135,7 +5793,12 @@
             <p:ph idx="1"/>
           </p:nvPr>
         </p:nvSpPr>
-        <p:spPr/>
+        <p:spPr>
+          <a:xfrm>
+            <a:off x="838200" y="1825625"/>
+            <a:ext cx="10830515" cy="4351338"/>
+          </a:xfrm>
+        </p:spPr>
         <p:txBody>
           <a:bodyPr>
             <a:normAutofit/>
@@ -5146,69 +5809,936 @@
               <a:buNone/>
             </a:pPr>
             <a:r>
-              <a:rPr lang="en-AU" sz="2400" dirty="0" smtClean="0"/>
+              <a:rPr lang="en-AU" sz="2200" dirty="0" smtClean="0"/>
               <a:t>Method 1: </a:t>
             </a:r>
             <a:r>
-              <a:rPr lang="en-AU" sz="2400" dirty="0" err="1" smtClean="0"/>
+              <a:rPr lang="en-AU" sz="2200" dirty="0" err="1" smtClean="0"/>
               <a:t>Bioinformatic</a:t>
             </a:r>
             <a:r>
-              <a:rPr lang="en-AU" sz="2400" dirty="0" smtClean="0"/>
+              <a:rPr lang="en-AU" sz="2200" dirty="0" smtClean="0"/>
               <a:t>  Analysis. </a:t>
             </a:r>
-            <a:endParaRPr lang="en-AU" sz="2400" dirty="0" smtClean="0"/>
-          </a:p>
-          <a:p>
-            <a:r>
-              <a:rPr lang="en-AU" sz="2400" dirty="0" smtClean="0"/>
-              <a:t>Previous </a:t>
-            </a:r>
-            <a:r>
-              <a:rPr lang="en-AU" sz="2400" dirty="0" err="1" smtClean="0"/>
-              <a:t>miRNA-seq</a:t>
-            </a:r>
-            <a:r>
-              <a:rPr lang="en-AU" sz="2400" dirty="0" smtClean="0"/>
+          </a:p>
+          <a:p>
+            <a:r>
+              <a:rPr lang="en-AU" sz="2200" dirty="0" smtClean="0"/>
+              <a:t>Previous miRNA-</a:t>
+            </a:r>
+            <a:r>
+              <a:rPr lang="en-AU" sz="2200" dirty="0" err="1" smtClean="0"/>
+              <a:t>seq</a:t>
+            </a:r>
+            <a:r>
+              <a:rPr lang="en-AU" sz="2200" dirty="0" smtClean="0"/>
               <a:t> data compiled for cell and EV fraction of PC3 GFP cells and PC3 cavin-1 transfected cells. </a:t>
             </a:r>
-          </a:p>
-          <a:p>
-            <a:r>
-              <a:rPr lang="en-AU" sz="2400" dirty="0" smtClean="0"/>
-              <a:t>Using R packages to find fold change differences between Cavin-1 and GFP</a:t>
-            </a:r>
-            <a:endParaRPr lang="en-AU" sz="2400" dirty="0"/>
-          </a:p>
-          <a:p>
-            <a:r>
-              <a:rPr lang="en-AU" sz="2400" dirty="0" smtClean="0"/>
-              <a:t>Compar</a:t>
-            </a:r>
-            <a:r>
-              <a:rPr lang="en-AU" sz="2400" dirty="0" smtClean="0"/>
-              <a:t>e cavin-1 </a:t>
-            </a:r>
-            <a:r>
-              <a:rPr lang="en-AU" sz="2400" dirty="0" err="1" smtClean="0"/>
-              <a:t>vs</a:t>
-            </a:r>
-            <a:r>
-              <a:rPr lang="en-AU" sz="2400" dirty="0" smtClean="0"/>
-              <a:t> GFP between cell and EV to find differentially exported </a:t>
-            </a:r>
-            <a:r>
-              <a:rPr lang="en-AU" sz="2400" dirty="0" err="1" smtClean="0"/>
+            <a:endParaRPr lang="en-AU" sz="2200" dirty="0" smtClean="0"/>
+          </a:p>
+          <a:p>
+            <a:pPr marL="0" indent="0">
+              <a:buNone/>
+            </a:pPr>
+            <a:endParaRPr lang="en-AU" sz="2200" dirty="0" smtClean="0"/>
+          </a:p>
+          <a:p>
+            <a:r>
+              <a:rPr lang="en-AU" sz="2200" dirty="0" smtClean="0"/>
+              <a:t>Using R packages to find fold change differences between Cavin-1 and </a:t>
+            </a:r>
+            <a:r>
+              <a:rPr lang="en-AU" sz="2200" dirty="0" smtClean="0"/>
+              <a:t>GFP</a:t>
+            </a:r>
+          </a:p>
+          <a:p>
+            <a:endParaRPr lang="en-AU" sz="2200" dirty="0" smtClean="0"/>
+          </a:p>
+          <a:p>
+            <a:pPr>
+              <a:lnSpc>
+                <a:spcPct val="100000"/>
+              </a:lnSpc>
+            </a:pPr>
+            <a:endParaRPr lang="en-US" sz="2200" dirty="0" smtClean="0"/>
+          </a:p>
+          <a:p>
+            <a:pPr marL="0" indent="0">
+              <a:lnSpc>
+                <a:spcPct val="100000"/>
+              </a:lnSpc>
+              <a:buNone/>
+            </a:pPr>
+            <a:endParaRPr lang="en-AU" sz="2200" dirty="0"/>
+          </a:p>
+          <a:p>
+            <a:r>
+              <a:rPr lang="en-AU" sz="2200" dirty="0" smtClean="0"/>
+              <a:t>Compare </a:t>
+            </a:r>
+            <a:r>
+              <a:rPr lang="en-AU" sz="2200" dirty="0" smtClean="0"/>
+              <a:t>FC of cavin-1/GFP </a:t>
+            </a:r>
+            <a:r>
+              <a:rPr lang="en-AU" sz="2200" dirty="0" smtClean="0"/>
+              <a:t>between cell and EV to find differentially exported </a:t>
+            </a:r>
+            <a:r>
+              <a:rPr lang="en-AU" sz="2200" dirty="0" err="1" smtClean="0"/>
               <a:t>miRs</a:t>
             </a:r>
             <a:r>
-              <a:rPr lang="en-AU" sz="2400" dirty="0" smtClean="0"/>
+              <a:rPr lang="en-AU" sz="2200" dirty="0" smtClean="0"/>
               <a:t>. </a:t>
             </a:r>
-            <a:endParaRPr lang="en-AU" sz="2400" dirty="0"/>
-          </a:p>
-        </p:txBody>
-      </p:sp>
+            <a:endParaRPr lang="en-AU" sz="2200" dirty="0"/>
+          </a:p>
+        </p:txBody>
+      </p:sp>
+      <p:graphicFrame>
+        <p:nvGraphicFramePr>
+          <p:cNvPr id="4" name="Table 3"/>
+          <p:cNvGraphicFramePr>
+            <a:graphicFrameLocks noGrp="1"/>
+          </p:cNvGraphicFramePr>
+          <p:nvPr>
+            <p:extLst>
+              <p:ext uri="{D42A27DB-BD31-4B8C-83A1-F6EECF244321}">
+                <p14:modId xmlns:p14="http://schemas.microsoft.com/office/powerpoint/2010/main" val="2394409672"/>
+              </p:ext>
+            </p:extLst>
+          </p:nvPr>
+        </p:nvGraphicFramePr>
+        <p:xfrm>
+          <a:off x="2037507" y="4191675"/>
+          <a:ext cx="7551554" cy="668655"/>
+        </p:xfrm>
+        <a:graphic>
+          <a:graphicData uri="http://schemas.openxmlformats.org/drawingml/2006/table">
+            <a:tbl>
+              <a:tblPr>
+                <a:tableStyleId>{2D5ABB26-0587-4C30-8999-92F81FD0307C}</a:tableStyleId>
+              </a:tblPr>
+              <a:tblGrid>
+                <a:gridCol w="473759"/>
+                <a:gridCol w="1339594"/>
+                <a:gridCol w="980085"/>
+                <a:gridCol w="1441803"/>
+                <a:gridCol w="1094547"/>
+                <a:gridCol w="718807"/>
+                <a:gridCol w="718807"/>
+                <a:gridCol w="784152"/>
+              </a:tblGrid>
+              <a:tr h="218653">
+                <a:tc>
+                  <a:txBody>
+                    <a:bodyPr/>
+                    <a:lstStyle/>
+                    <a:p>
+                      <a:pPr algn="l" fontAlgn="b"/>
+                      <a:endParaRPr lang="en-AU" sz="1400" b="0" i="0" u="none" strike="noStrike" dirty="0">
+                        <a:solidFill>
+                          <a:schemeClr val="bg1"/>
+                        </a:solidFill>
+                        <a:effectLst/>
+                        <a:latin typeface="Times New Roman" panose="02020603050405020304" pitchFamily="18" charset="0"/>
+                        <a:cs typeface="Times New Roman" panose="02020603050405020304" pitchFamily="18" charset="0"/>
+                      </a:endParaRPr>
+                    </a:p>
+                  </a:txBody>
+                  <a:tcPr marL="9525" marR="9525" marT="9525" marB="0" anchor="b">
+                    <a:solidFill>
+                      <a:schemeClr val="tx1"/>
+                    </a:solidFill>
+                  </a:tcPr>
+                </a:tc>
+                <a:tc>
+                  <a:txBody>
+                    <a:bodyPr/>
+                    <a:lstStyle/>
+                    <a:p>
+                      <a:pPr algn="l" fontAlgn="b"/>
+                      <a:r>
+                        <a:rPr lang="en-AU" sz="1400" u="none" strike="noStrike" dirty="0">
+                          <a:solidFill>
+                            <a:schemeClr val="bg1"/>
+                          </a:solidFill>
+                          <a:effectLst/>
+                        </a:rPr>
+                        <a:t>microRNA</a:t>
+                      </a:r>
+                      <a:endParaRPr lang="en-AU" sz="1400" b="0" i="0" u="none" strike="noStrike" dirty="0">
+                        <a:solidFill>
+                          <a:schemeClr val="bg1"/>
+                        </a:solidFill>
+                        <a:effectLst/>
+                        <a:latin typeface="Times New Roman" panose="02020603050405020304" pitchFamily="18" charset="0"/>
+                        <a:cs typeface="Times New Roman" panose="02020603050405020304" pitchFamily="18" charset="0"/>
+                      </a:endParaRPr>
+                    </a:p>
+                  </a:txBody>
+                  <a:tcPr marL="9525" marR="9525" marT="9525" marB="0" anchor="b">
+                    <a:solidFill>
+                      <a:schemeClr val="tx1"/>
+                    </a:solidFill>
+                  </a:tcPr>
+                </a:tc>
+                <a:tc>
+                  <a:txBody>
+                    <a:bodyPr/>
+                    <a:lstStyle/>
+                    <a:p>
+                      <a:pPr algn="l" fontAlgn="b"/>
+                      <a:r>
+                        <a:rPr lang="en-AU" sz="1400" u="none" strike="noStrike" dirty="0" err="1">
+                          <a:solidFill>
+                            <a:schemeClr val="bg1"/>
+                          </a:solidFill>
+                          <a:effectLst/>
+                        </a:rPr>
+                        <a:t>baseMean</a:t>
+                      </a:r>
+                      <a:endParaRPr lang="en-AU" sz="1400" b="0" i="0" u="none" strike="noStrike" dirty="0">
+                        <a:solidFill>
+                          <a:schemeClr val="bg1"/>
+                        </a:solidFill>
+                        <a:effectLst/>
+                        <a:latin typeface="Times New Roman" panose="02020603050405020304" pitchFamily="18" charset="0"/>
+                        <a:cs typeface="Times New Roman" panose="02020603050405020304" pitchFamily="18" charset="0"/>
+                      </a:endParaRPr>
+                    </a:p>
+                  </a:txBody>
+                  <a:tcPr marL="9525" marR="9525" marT="9525" marB="0" anchor="b">
+                    <a:solidFill>
+                      <a:schemeClr val="tx1"/>
+                    </a:solidFill>
+                  </a:tcPr>
+                </a:tc>
+                <a:tc>
+                  <a:txBody>
+                    <a:bodyPr/>
+                    <a:lstStyle/>
+                    <a:p>
+                      <a:pPr algn="l" fontAlgn="b"/>
+                      <a:r>
+                        <a:rPr lang="en-AU" sz="1400" u="none" strike="noStrike" dirty="0">
+                          <a:solidFill>
+                            <a:schemeClr val="bg1"/>
+                          </a:solidFill>
+                          <a:effectLst/>
+                        </a:rPr>
+                        <a:t>log2FoldChange</a:t>
+                      </a:r>
+                      <a:endParaRPr lang="en-AU" sz="1400" b="0" i="0" u="none" strike="noStrike" dirty="0">
+                        <a:solidFill>
+                          <a:schemeClr val="bg1"/>
+                        </a:solidFill>
+                        <a:effectLst/>
+                        <a:latin typeface="Times New Roman" panose="02020603050405020304" pitchFamily="18" charset="0"/>
+                        <a:cs typeface="Times New Roman" panose="02020603050405020304" pitchFamily="18" charset="0"/>
+                      </a:endParaRPr>
+                    </a:p>
+                  </a:txBody>
+                  <a:tcPr marL="9525" marR="9525" marT="9525" marB="0" anchor="b">
+                    <a:solidFill>
+                      <a:schemeClr val="bg1">
+                        <a:lumMod val="50000"/>
+                        <a:lumOff val="50000"/>
+                      </a:schemeClr>
+                    </a:solidFill>
+                  </a:tcPr>
+                </a:tc>
+                <a:tc>
+                  <a:txBody>
+                    <a:bodyPr/>
+                    <a:lstStyle/>
+                    <a:p>
+                      <a:pPr algn="l" fontAlgn="b"/>
+                      <a:r>
+                        <a:rPr lang="en-AU" sz="1400" u="none" strike="noStrike">
+                          <a:solidFill>
+                            <a:schemeClr val="bg1"/>
+                          </a:solidFill>
+                          <a:effectLst/>
+                        </a:rPr>
+                        <a:t>lfcSE</a:t>
+                      </a:r>
+                      <a:endParaRPr lang="en-AU" sz="1400" b="0" i="0" u="none" strike="noStrike">
+                        <a:solidFill>
+                          <a:schemeClr val="bg1"/>
+                        </a:solidFill>
+                        <a:effectLst/>
+                        <a:latin typeface="Times New Roman" panose="02020603050405020304" pitchFamily="18" charset="0"/>
+                        <a:cs typeface="Times New Roman" panose="02020603050405020304" pitchFamily="18" charset="0"/>
+                      </a:endParaRPr>
+                    </a:p>
+                  </a:txBody>
+                  <a:tcPr marL="9525" marR="9525" marT="9525" marB="0" anchor="b">
+                    <a:solidFill>
+                      <a:schemeClr val="tx1"/>
+                    </a:solidFill>
+                  </a:tcPr>
+                </a:tc>
+                <a:tc>
+                  <a:txBody>
+                    <a:bodyPr/>
+                    <a:lstStyle/>
+                    <a:p>
+                      <a:pPr algn="l" fontAlgn="b"/>
+                      <a:r>
+                        <a:rPr lang="en-AU" sz="1400" u="none" strike="noStrike">
+                          <a:solidFill>
+                            <a:schemeClr val="bg1"/>
+                          </a:solidFill>
+                          <a:effectLst/>
+                        </a:rPr>
+                        <a:t>stat</a:t>
+                      </a:r>
+                      <a:endParaRPr lang="en-AU" sz="1400" b="0" i="0" u="none" strike="noStrike">
+                        <a:solidFill>
+                          <a:schemeClr val="bg1"/>
+                        </a:solidFill>
+                        <a:effectLst/>
+                        <a:latin typeface="Times New Roman" panose="02020603050405020304" pitchFamily="18" charset="0"/>
+                        <a:cs typeface="Times New Roman" panose="02020603050405020304" pitchFamily="18" charset="0"/>
+                      </a:endParaRPr>
+                    </a:p>
+                  </a:txBody>
+                  <a:tcPr marL="9525" marR="9525" marT="9525" marB="0" anchor="b">
+                    <a:solidFill>
+                      <a:schemeClr val="tx1"/>
+                    </a:solidFill>
+                  </a:tcPr>
+                </a:tc>
+                <a:tc>
+                  <a:txBody>
+                    <a:bodyPr/>
+                    <a:lstStyle/>
+                    <a:p>
+                      <a:pPr algn="l" fontAlgn="b"/>
+                      <a:r>
+                        <a:rPr lang="en-AU" sz="1400" u="none" strike="noStrike">
+                          <a:solidFill>
+                            <a:schemeClr val="bg1"/>
+                          </a:solidFill>
+                          <a:effectLst/>
+                        </a:rPr>
+                        <a:t>pvalue</a:t>
+                      </a:r>
+                      <a:endParaRPr lang="en-AU" sz="1400" b="0" i="0" u="none" strike="noStrike">
+                        <a:solidFill>
+                          <a:schemeClr val="bg1"/>
+                        </a:solidFill>
+                        <a:effectLst/>
+                        <a:latin typeface="Times New Roman" panose="02020603050405020304" pitchFamily="18" charset="0"/>
+                        <a:cs typeface="Times New Roman" panose="02020603050405020304" pitchFamily="18" charset="0"/>
+                      </a:endParaRPr>
+                    </a:p>
+                  </a:txBody>
+                  <a:tcPr marL="9525" marR="9525" marT="9525" marB="0" anchor="b">
+                    <a:solidFill>
+                      <a:schemeClr val="tx1"/>
+                    </a:solidFill>
+                  </a:tcPr>
+                </a:tc>
+                <a:tc>
+                  <a:txBody>
+                    <a:bodyPr/>
+                    <a:lstStyle/>
+                    <a:p>
+                      <a:pPr algn="l" fontAlgn="b"/>
+                      <a:r>
+                        <a:rPr lang="en-AU" sz="1400" u="none" strike="noStrike" dirty="0" err="1">
+                          <a:solidFill>
+                            <a:schemeClr val="bg1"/>
+                          </a:solidFill>
+                          <a:effectLst/>
+                        </a:rPr>
+                        <a:t>padj</a:t>
+                      </a:r>
+                      <a:endParaRPr lang="en-AU" sz="1400" b="0" i="0" u="none" strike="noStrike" dirty="0">
+                        <a:solidFill>
+                          <a:schemeClr val="bg1"/>
+                        </a:solidFill>
+                        <a:effectLst/>
+                        <a:latin typeface="Times New Roman" panose="02020603050405020304" pitchFamily="18" charset="0"/>
+                        <a:cs typeface="Times New Roman" panose="02020603050405020304" pitchFamily="18" charset="0"/>
+                      </a:endParaRPr>
+                    </a:p>
+                  </a:txBody>
+                  <a:tcPr marL="9525" marR="9525" marT="9525" marB="0" anchor="b">
+                    <a:solidFill>
+                      <a:schemeClr val="tx1"/>
+                    </a:solidFill>
+                  </a:tcPr>
+                </a:tc>
+              </a:tr>
+              <a:tr h="218653">
+                <a:tc>
+                  <a:txBody>
+                    <a:bodyPr/>
+                    <a:lstStyle/>
+                    <a:p>
+                      <a:pPr algn="l" fontAlgn="b"/>
+                      <a:r>
+                        <a:rPr lang="en-AU" sz="1400" u="none" strike="noStrike">
+                          <a:solidFill>
+                            <a:schemeClr val="bg1"/>
+                          </a:solidFill>
+                          <a:effectLst/>
+                        </a:rPr>
+                        <a:t>Cell</a:t>
+                      </a:r>
+                      <a:endParaRPr lang="en-AU" sz="1400" b="0" i="0" u="none" strike="noStrike">
+                        <a:solidFill>
+                          <a:schemeClr val="bg1"/>
+                        </a:solidFill>
+                        <a:effectLst/>
+                        <a:latin typeface="Times New Roman" panose="02020603050405020304" pitchFamily="18" charset="0"/>
+                        <a:cs typeface="Times New Roman" panose="02020603050405020304" pitchFamily="18" charset="0"/>
+                      </a:endParaRPr>
+                    </a:p>
+                  </a:txBody>
+                  <a:tcPr marL="9525" marR="9525" marT="9525" marB="0" anchor="b">
+                    <a:solidFill>
+                      <a:schemeClr val="tx1"/>
+                    </a:solidFill>
+                  </a:tcPr>
+                </a:tc>
+                <a:tc>
+                  <a:txBody>
+                    <a:bodyPr/>
+                    <a:lstStyle/>
+                    <a:p>
+                      <a:pPr algn="l" fontAlgn="b"/>
+                      <a:r>
+                        <a:rPr lang="en-AU" sz="1400" u="none" strike="noStrike" dirty="0" err="1">
+                          <a:solidFill>
+                            <a:schemeClr val="bg1"/>
+                          </a:solidFill>
+                          <a:effectLst/>
+                        </a:rPr>
+                        <a:t>hsa</a:t>
+                      </a:r>
+                      <a:r>
+                        <a:rPr lang="en-AU" sz="1400" u="none" strike="noStrike" dirty="0">
+                          <a:solidFill>
+                            <a:schemeClr val="bg1"/>
+                          </a:solidFill>
+                          <a:effectLst/>
+                        </a:rPr>
+                        <a:t>-</a:t>
+                      </a:r>
+                      <a:r>
+                        <a:rPr lang="en-AU" sz="1400" u="none" strike="noStrike" dirty="0" err="1">
+                          <a:solidFill>
+                            <a:schemeClr val="bg1"/>
+                          </a:solidFill>
+                          <a:effectLst/>
+                        </a:rPr>
+                        <a:t>miR</a:t>
+                      </a:r>
+                      <a:r>
+                        <a:rPr lang="en-AU" sz="1400" u="none" strike="noStrike" dirty="0">
+                          <a:solidFill>
+                            <a:schemeClr val="bg1"/>
+                          </a:solidFill>
+                          <a:effectLst/>
+                        </a:rPr>
+                        <a:t>-X</a:t>
+                      </a:r>
+                      <a:endParaRPr lang="en-AU" sz="1400" b="0" i="0" u="none" strike="noStrike" dirty="0">
+                        <a:solidFill>
+                          <a:schemeClr val="bg1"/>
+                        </a:solidFill>
+                        <a:effectLst/>
+                        <a:latin typeface="Times New Roman" panose="02020603050405020304" pitchFamily="18" charset="0"/>
+                        <a:cs typeface="Times New Roman" panose="02020603050405020304" pitchFamily="18" charset="0"/>
+                      </a:endParaRPr>
+                    </a:p>
+                  </a:txBody>
+                  <a:tcPr marL="9525" marR="9525" marT="9525" marB="0" anchor="b">
+                    <a:solidFill>
+                      <a:schemeClr val="tx1"/>
+                    </a:solidFill>
+                  </a:tcPr>
+                </a:tc>
+                <a:tc>
+                  <a:txBody>
+                    <a:bodyPr/>
+                    <a:lstStyle/>
+                    <a:p>
+                      <a:pPr algn="r" fontAlgn="b"/>
+                      <a:r>
+                        <a:rPr lang="en-AU" sz="1400" u="none" strike="noStrike" dirty="0">
+                          <a:solidFill>
+                            <a:schemeClr val="bg1"/>
+                          </a:solidFill>
+                          <a:effectLst/>
+                        </a:rPr>
+                        <a:t>58.297218</a:t>
+                      </a:r>
+                      <a:endParaRPr lang="en-AU" sz="1400" b="0" i="0" u="none" strike="noStrike" dirty="0">
+                        <a:solidFill>
+                          <a:schemeClr val="bg1"/>
+                        </a:solidFill>
+                        <a:effectLst/>
+                        <a:latin typeface="Times New Roman" panose="02020603050405020304" pitchFamily="18" charset="0"/>
+                        <a:cs typeface="Times New Roman" panose="02020603050405020304" pitchFamily="18" charset="0"/>
+                      </a:endParaRPr>
+                    </a:p>
+                  </a:txBody>
+                  <a:tcPr marL="9525" marR="9525" marT="9525" marB="0" anchor="b">
+                    <a:solidFill>
+                      <a:schemeClr val="tx1"/>
+                    </a:solidFill>
+                  </a:tcPr>
+                </a:tc>
+                <a:tc>
+                  <a:txBody>
+                    <a:bodyPr/>
+                    <a:lstStyle/>
+                    <a:p>
+                      <a:pPr algn="r" fontAlgn="b"/>
+                      <a:r>
+                        <a:rPr lang="en-AU" sz="1400" u="none" strike="noStrike" dirty="0">
+                          <a:solidFill>
+                            <a:schemeClr val="bg1"/>
+                          </a:solidFill>
+                          <a:effectLst/>
+                        </a:rPr>
+                        <a:t>2.229358867</a:t>
+                      </a:r>
+                      <a:endParaRPr lang="en-AU" sz="1400" b="0" i="0" u="none" strike="noStrike" dirty="0">
+                        <a:solidFill>
+                          <a:schemeClr val="bg1"/>
+                        </a:solidFill>
+                        <a:effectLst/>
+                        <a:latin typeface="Times New Roman" panose="02020603050405020304" pitchFamily="18" charset="0"/>
+                        <a:cs typeface="Times New Roman" panose="02020603050405020304" pitchFamily="18" charset="0"/>
+                      </a:endParaRPr>
+                    </a:p>
+                  </a:txBody>
+                  <a:tcPr marL="9525" marR="9525" marT="9525" marB="0" anchor="b">
+                    <a:solidFill>
+                      <a:schemeClr val="bg1">
+                        <a:lumMod val="50000"/>
+                        <a:lumOff val="50000"/>
+                      </a:schemeClr>
+                    </a:solidFill>
+                  </a:tcPr>
+                </a:tc>
+                <a:tc>
+                  <a:txBody>
+                    <a:bodyPr/>
+                    <a:lstStyle/>
+                    <a:p>
+                      <a:pPr algn="r" fontAlgn="b"/>
+                      <a:r>
+                        <a:rPr lang="en-AU" sz="1400" u="none" strike="noStrike" dirty="0">
+                          <a:solidFill>
+                            <a:schemeClr val="bg1"/>
+                          </a:solidFill>
+                          <a:effectLst/>
+                        </a:rPr>
+                        <a:t>0.471440906</a:t>
+                      </a:r>
+                      <a:endParaRPr lang="en-AU" sz="1400" b="0" i="0" u="none" strike="noStrike" dirty="0">
+                        <a:solidFill>
+                          <a:schemeClr val="bg1"/>
+                        </a:solidFill>
+                        <a:effectLst/>
+                        <a:latin typeface="Times New Roman" panose="02020603050405020304" pitchFamily="18" charset="0"/>
+                        <a:cs typeface="Times New Roman" panose="02020603050405020304" pitchFamily="18" charset="0"/>
+                      </a:endParaRPr>
+                    </a:p>
+                  </a:txBody>
+                  <a:tcPr marL="9525" marR="9525" marT="9525" marB="0" anchor="b">
+                    <a:solidFill>
+                      <a:schemeClr val="tx1"/>
+                    </a:solidFill>
+                  </a:tcPr>
+                </a:tc>
+                <a:tc>
+                  <a:txBody>
+                    <a:bodyPr/>
+                    <a:lstStyle/>
+                    <a:p>
+                      <a:pPr algn="r" fontAlgn="b"/>
+                      <a:r>
+                        <a:rPr lang="en-AU" sz="1400" u="none" strike="noStrike" dirty="0">
+                          <a:solidFill>
+                            <a:schemeClr val="bg1"/>
+                          </a:solidFill>
+                          <a:effectLst/>
+                        </a:rPr>
+                        <a:t>4.72882</a:t>
+                      </a:r>
+                      <a:endParaRPr lang="en-AU" sz="1400" b="0" i="0" u="none" strike="noStrike" dirty="0">
+                        <a:solidFill>
+                          <a:schemeClr val="bg1"/>
+                        </a:solidFill>
+                        <a:effectLst/>
+                        <a:latin typeface="Times New Roman" panose="02020603050405020304" pitchFamily="18" charset="0"/>
+                        <a:cs typeface="Times New Roman" panose="02020603050405020304" pitchFamily="18" charset="0"/>
+                      </a:endParaRPr>
+                    </a:p>
+                  </a:txBody>
+                  <a:tcPr marL="9525" marR="9525" marT="9525" marB="0" anchor="b">
+                    <a:solidFill>
+                      <a:schemeClr val="tx1"/>
+                    </a:solidFill>
+                  </a:tcPr>
+                </a:tc>
+                <a:tc>
+                  <a:txBody>
+                    <a:bodyPr/>
+                    <a:lstStyle/>
+                    <a:p>
+                      <a:pPr algn="r" fontAlgn="b"/>
+                      <a:r>
+                        <a:rPr lang="en-AU" sz="1400" u="none" strike="noStrike" dirty="0">
+                          <a:solidFill>
+                            <a:schemeClr val="bg1"/>
+                          </a:solidFill>
+                          <a:effectLst/>
+                        </a:rPr>
+                        <a:t>2.26E-06</a:t>
+                      </a:r>
+                      <a:endParaRPr lang="en-AU" sz="1400" b="0" i="0" u="none" strike="noStrike" dirty="0">
+                        <a:solidFill>
+                          <a:schemeClr val="bg1"/>
+                        </a:solidFill>
+                        <a:effectLst/>
+                        <a:latin typeface="Times New Roman" panose="02020603050405020304" pitchFamily="18" charset="0"/>
+                        <a:cs typeface="Times New Roman" panose="02020603050405020304" pitchFamily="18" charset="0"/>
+                      </a:endParaRPr>
+                    </a:p>
+                  </a:txBody>
+                  <a:tcPr marL="9525" marR="9525" marT="9525" marB="0" anchor="b">
+                    <a:solidFill>
+                      <a:schemeClr val="tx1"/>
+                    </a:solidFill>
+                  </a:tcPr>
+                </a:tc>
+                <a:tc>
+                  <a:txBody>
+                    <a:bodyPr/>
+                    <a:lstStyle/>
+                    <a:p>
+                      <a:pPr algn="r" fontAlgn="b"/>
+                      <a:r>
+                        <a:rPr lang="en-AU" sz="1400" u="none" strike="noStrike" dirty="0">
+                          <a:solidFill>
+                            <a:schemeClr val="bg1"/>
+                          </a:solidFill>
+                          <a:effectLst/>
+                        </a:rPr>
+                        <a:t>0.000276</a:t>
+                      </a:r>
+                      <a:endParaRPr lang="en-AU" sz="1400" b="0" i="0" u="none" strike="noStrike" dirty="0">
+                        <a:solidFill>
+                          <a:schemeClr val="bg1"/>
+                        </a:solidFill>
+                        <a:effectLst/>
+                        <a:latin typeface="Times New Roman" panose="02020603050405020304" pitchFamily="18" charset="0"/>
+                        <a:cs typeface="Times New Roman" panose="02020603050405020304" pitchFamily="18" charset="0"/>
+                      </a:endParaRPr>
+                    </a:p>
+                  </a:txBody>
+                  <a:tcPr marL="9525" marR="9525" marT="9525" marB="0" anchor="b">
+                    <a:solidFill>
+                      <a:schemeClr val="tx1"/>
+                    </a:solidFill>
+                  </a:tcPr>
+                </a:tc>
+              </a:tr>
+              <a:tr h="218653">
+                <a:tc>
+                  <a:txBody>
+                    <a:bodyPr/>
+                    <a:lstStyle/>
+                    <a:p>
+                      <a:pPr algn="l" fontAlgn="b"/>
+                      <a:r>
+                        <a:rPr lang="en-AU" sz="1400" u="none" strike="noStrike">
+                          <a:solidFill>
+                            <a:schemeClr val="bg1"/>
+                          </a:solidFill>
+                          <a:effectLst/>
+                        </a:rPr>
+                        <a:t>EV</a:t>
+                      </a:r>
+                      <a:endParaRPr lang="en-AU" sz="1400" b="0" i="0" u="none" strike="noStrike">
+                        <a:solidFill>
+                          <a:schemeClr val="bg1"/>
+                        </a:solidFill>
+                        <a:effectLst/>
+                        <a:latin typeface="Times New Roman" panose="02020603050405020304" pitchFamily="18" charset="0"/>
+                        <a:cs typeface="Times New Roman" panose="02020603050405020304" pitchFamily="18" charset="0"/>
+                      </a:endParaRPr>
+                    </a:p>
+                  </a:txBody>
+                  <a:tcPr marL="9525" marR="9525" marT="9525" marB="0" anchor="b">
+                    <a:solidFill>
+                      <a:schemeClr val="tx1"/>
+                    </a:solidFill>
+                  </a:tcPr>
+                </a:tc>
+                <a:tc>
+                  <a:txBody>
+                    <a:bodyPr/>
+                    <a:lstStyle/>
+                    <a:p>
+                      <a:pPr algn="l" fontAlgn="b"/>
+                      <a:r>
+                        <a:rPr lang="en-AU" sz="1400" u="none" strike="noStrike" dirty="0" err="1">
+                          <a:solidFill>
+                            <a:schemeClr val="bg1"/>
+                          </a:solidFill>
+                          <a:effectLst/>
+                        </a:rPr>
+                        <a:t>hsa</a:t>
+                      </a:r>
+                      <a:r>
+                        <a:rPr lang="en-AU" sz="1400" u="none" strike="noStrike" dirty="0">
+                          <a:solidFill>
+                            <a:schemeClr val="bg1"/>
+                          </a:solidFill>
+                          <a:effectLst/>
+                        </a:rPr>
+                        <a:t>-</a:t>
+                      </a:r>
+                      <a:r>
+                        <a:rPr lang="en-AU" sz="1400" u="none" strike="noStrike" dirty="0" err="1">
+                          <a:solidFill>
+                            <a:schemeClr val="bg1"/>
+                          </a:solidFill>
+                          <a:effectLst/>
+                        </a:rPr>
+                        <a:t>miR</a:t>
+                      </a:r>
+                      <a:r>
+                        <a:rPr lang="en-AU" sz="1400" u="none" strike="noStrike" dirty="0">
+                          <a:solidFill>
+                            <a:schemeClr val="bg1"/>
+                          </a:solidFill>
+                          <a:effectLst/>
+                        </a:rPr>
+                        <a:t>-X</a:t>
+                      </a:r>
+                      <a:endParaRPr lang="en-AU" sz="1400" b="0" i="0" u="none" strike="noStrike" dirty="0">
+                        <a:solidFill>
+                          <a:schemeClr val="bg1"/>
+                        </a:solidFill>
+                        <a:effectLst/>
+                        <a:latin typeface="Times New Roman" panose="02020603050405020304" pitchFamily="18" charset="0"/>
+                        <a:cs typeface="Times New Roman" panose="02020603050405020304" pitchFamily="18" charset="0"/>
+                      </a:endParaRPr>
+                    </a:p>
+                  </a:txBody>
+                  <a:tcPr marL="9525" marR="9525" marT="9525" marB="0" anchor="b">
+                    <a:solidFill>
+                      <a:schemeClr val="tx1"/>
+                    </a:solidFill>
+                  </a:tcPr>
+                </a:tc>
+                <a:tc>
+                  <a:txBody>
+                    <a:bodyPr/>
+                    <a:lstStyle/>
+                    <a:p>
+                      <a:pPr algn="r" fontAlgn="b"/>
+                      <a:r>
+                        <a:rPr lang="en-AU" sz="1400" u="none" strike="noStrike" dirty="0">
+                          <a:solidFill>
+                            <a:schemeClr val="bg1"/>
+                          </a:solidFill>
+                          <a:effectLst/>
+                        </a:rPr>
+                        <a:t>22.9440875</a:t>
+                      </a:r>
+                      <a:endParaRPr lang="en-AU" sz="1400" b="0" i="0" u="none" strike="noStrike" dirty="0">
+                        <a:solidFill>
+                          <a:schemeClr val="bg1"/>
+                        </a:solidFill>
+                        <a:effectLst/>
+                        <a:latin typeface="Times New Roman" panose="02020603050405020304" pitchFamily="18" charset="0"/>
+                        <a:cs typeface="Times New Roman" panose="02020603050405020304" pitchFamily="18" charset="0"/>
+                      </a:endParaRPr>
+                    </a:p>
+                  </a:txBody>
+                  <a:tcPr marL="9525" marR="9525" marT="9525" marB="0" anchor="b">
+                    <a:solidFill>
+                      <a:schemeClr val="tx1"/>
+                    </a:solidFill>
+                  </a:tcPr>
+                </a:tc>
+                <a:tc>
+                  <a:txBody>
+                    <a:bodyPr/>
+                    <a:lstStyle/>
+                    <a:p>
+                      <a:pPr algn="r" fontAlgn="b"/>
+                      <a:r>
+                        <a:rPr lang="en-AU" sz="1400" u="none" strike="noStrike" dirty="0">
+                          <a:solidFill>
+                            <a:schemeClr val="bg1"/>
+                          </a:solidFill>
+                          <a:effectLst/>
+                        </a:rPr>
+                        <a:t>5.311894876</a:t>
+                      </a:r>
+                      <a:endParaRPr lang="en-AU" sz="1400" b="0" i="0" u="none" strike="noStrike" dirty="0">
+                        <a:solidFill>
+                          <a:schemeClr val="bg1"/>
+                        </a:solidFill>
+                        <a:effectLst/>
+                        <a:latin typeface="Times New Roman" panose="02020603050405020304" pitchFamily="18" charset="0"/>
+                        <a:cs typeface="Times New Roman" panose="02020603050405020304" pitchFamily="18" charset="0"/>
+                      </a:endParaRPr>
+                    </a:p>
+                  </a:txBody>
+                  <a:tcPr marL="9525" marR="9525" marT="9525" marB="0" anchor="b">
+                    <a:solidFill>
+                      <a:schemeClr val="bg1">
+                        <a:lumMod val="50000"/>
+                        <a:lumOff val="50000"/>
+                      </a:schemeClr>
+                    </a:solidFill>
+                  </a:tcPr>
+                </a:tc>
+                <a:tc>
+                  <a:txBody>
+                    <a:bodyPr/>
+                    <a:lstStyle/>
+                    <a:p>
+                      <a:pPr algn="r" fontAlgn="b"/>
+                      <a:r>
+                        <a:rPr lang="en-AU" sz="1400" u="none" strike="noStrike" dirty="0">
+                          <a:solidFill>
+                            <a:schemeClr val="bg1"/>
+                          </a:solidFill>
+                          <a:effectLst/>
+                        </a:rPr>
+                        <a:t>0.562070815</a:t>
+                      </a:r>
+                      <a:endParaRPr lang="en-AU" sz="1400" b="0" i="0" u="none" strike="noStrike" dirty="0">
+                        <a:solidFill>
+                          <a:schemeClr val="bg1"/>
+                        </a:solidFill>
+                        <a:effectLst/>
+                        <a:latin typeface="Times New Roman" panose="02020603050405020304" pitchFamily="18" charset="0"/>
+                        <a:cs typeface="Times New Roman" panose="02020603050405020304" pitchFamily="18" charset="0"/>
+                      </a:endParaRPr>
+                    </a:p>
+                  </a:txBody>
+                  <a:tcPr marL="9525" marR="9525" marT="9525" marB="0" anchor="b">
+                    <a:solidFill>
+                      <a:schemeClr val="tx1"/>
+                    </a:solidFill>
+                  </a:tcPr>
+                </a:tc>
+                <a:tc>
+                  <a:txBody>
+                    <a:bodyPr/>
+                    <a:lstStyle/>
+                    <a:p>
+                      <a:pPr algn="r" fontAlgn="b"/>
+                      <a:r>
+                        <a:rPr lang="en-AU" sz="1400" u="none" strike="noStrike" dirty="0">
+                          <a:solidFill>
+                            <a:schemeClr val="bg1"/>
+                          </a:solidFill>
+                          <a:effectLst/>
+                        </a:rPr>
+                        <a:t>9.45058</a:t>
+                      </a:r>
+                      <a:endParaRPr lang="en-AU" sz="1400" b="0" i="0" u="none" strike="noStrike" dirty="0">
+                        <a:solidFill>
+                          <a:schemeClr val="bg1"/>
+                        </a:solidFill>
+                        <a:effectLst/>
+                        <a:latin typeface="Times New Roman" panose="02020603050405020304" pitchFamily="18" charset="0"/>
+                        <a:cs typeface="Times New Roman" panose="02020603050405020304" pitchFamily="18" charset="0"/>
+                      </a:endParaRPr>
+                    </a:p>
+                  </a:txBody>
+                  <a:tcPr marL="9525" marR="9525" marT="9525" marB="0" anchor="b">
+                    <a:solidFill>
+                      <a:schemeClr val="tx1"/>
+                    </a:solidFill>
+                  </a:tcPr>
+                </a:tc>
+                <a:tc>
+                  <a:txBody>
+                    <a:bodyPr/>
+                    <a:lstStyle/>
+                    <a:p>
+                      <a:pPr algn="r" fontAlgn="b"/>
+                      <a:r>
+                        <a:rPr lang="en-AU" sz="1400" u="none" strike="noStrike" dirty="0">
+                          <a:solidFill>
+                            <a:schemeClr val="bg1"/>
+                          </a:solidFill>
+                          <a:effectLst/>
+                        </a:rPr>
+                        <a:t>3.90E-05</a:t>
+                      </a:r>
+                      <a:endParaRPr lang="en-AU" sz="1400" b="0" i="0" u="none" strike="noStrike" dirty="0">
+                        <a:solidFill>
+                          <a:schemeClr val="bg1"/>
+                        </a:solidFill>
+                        <a:effectLst/>
+                        <a:latin typeface="Times New Roman" panose="02020603050405020304" pitchFamily="18" charset="0"/>
+                        <a:cs typeface="Times New Roman" panose="02020603050405020304" pitchFamily="18" charset="0"/>
+                      </a:endParaRPr>
+                    </a:p>
+                  </a:txBody>
+                  <a:tcPr marL="9525" marR="9525" marT="9525" marB="0" anchor="b">
+                    <a:solidFill>
+                      <a:schemeClr val="tx1"/>
+                    </a:solidFill>
+                  </a:tcPr>
+                </a:tc>
+                <a:tc>
+                  <a:txBody>
+                    <a:bodyPr/>
+                    <a:lstStyle/>
+                    <a:p>
+                      <a:pPr algn="r" fontAlgn="b"/>
+                      <a:r>
+                        <a:rPr lang="en-AU" sz="1400" u="none" strike="noStrike" dirty="0">
+                          <a:solidFill>
+                            <a:schemeClr val="bg1"/>
+                          </a:solidFill>
+                          <a:effectLst/>
+                        </a:rPr>
+                        <a:t>0.002001</a:t>
+                      </a:r>
+                      <a:endParaRPr lang="en-AU" sz="1400" b="0" i="0" u="none" strike="noStrike" dirty="0">
+                        <a:solidFill>
+                          <a:schemeClr val="bg1"/>
+                        </a:solidFill>
+                        <a:effectLst/>
+                        <a:latin typeface="Times New Roman" panose="02020603050405020304" pitchFamily="18" charset="0"/>
+                        <a:cs typeface="Times New Roman" panose="02020603050405020304" pitchFamily="18" charset="0"/>
+                      </a:endParaRPr>
+                    </a:p>
+                  </a:txBody>
+                  <a:tcPr marL="9525" marR="9525" marT="9525" marB="0" anchor="b">
+                    <a:solidFill>
+                      <a:schemeClr val="tx1"/>
+                    </a:solidFill>
+                  </a:tcPr>
+                </a:tc>
+              </a:tr>
+            </a:tbl>
+          </a:graphicData>
+        </a:graphic>
+      </p:graphicFrame>
     </p:spTree>
     <p:extLst>
       <p:ext uri="{BB962C8B-B14F-4D97-AF65-F5344CB8AC3E}">
@@ -5342,6 +6872,265 @@
           </a:prstGeom>
         </p:spPr>
       </p:pic>
+      <p:cxnSp>
+        <p:nvCxnSpPr>
+          <p:cNvPr id="7" name="Straight Arrow Connector 6"/>
+          <p:cNvCxnSpPr/>
+          <p:nvPr/>
+        </p:nvCxnSpPr>
+        <p:spPr>
+          <a:xfrm>
+            <a:off x="4001730" y="4494293"/>
+            <a:ext cx="0" cy="492729"/>
+          </a:xfrm>
+          <a:prstGeom prst="straightConnector1">
+            <a:avLst/>
+          </a:prstGeom>
+          <a:ln>
+            <a:solidFill>
+              <a:schemeClr val="tx1"/>
+            </a:solidFill>
+            <a:tailEnd type="triangle"/>
+          </a:ln>
+        </p:spPr>
+        <p:style>
+          <a:lnRef idx="1">
+            <a:schemeClr val="accent6"/>
+          </a:lnRef>
+          <a:fillRef idx="0">
+            <a:schemeClr val="accent6"/>
+          </a:fillRef>
+          <a:effectRef idx="0">
+            <a:schemeClr val="accent6"/>
+          </a:effectRef>
+          <a:fontRef idx="minor">
+            <a:schemeClr val="tx1"/>
+          </a:fontRef>
+        </p:style>
+      </p:cxnSp>
+      <p:sp>
+        <p:nvSpPr>
+          <p:cNvPr id="8" name="TextBox 7"/>
+          <p:cNvSpPr txBox="1"/>
+          <p:nvPr/>
+        </p:nvSpPr>
+        <p:spPr>
+          <a:xfrm>
+            <a:off x="3309643" y="4987022"/>
+            <a:ext cx="1405321" cy="584775"/>
+          </a:xfrm>
+          <a:prstGeom prst="rect">
+            <a:avLst/>
+          </a:prstGeom>
+          <a:noFill/>
+        </p:spPr>
+        <p:txBody>
+          <a:bodyPr wrap="none" rtlCol="0">
+            <a:spAutoFit/>
+          </a:bodyPr>
+          <a:lstStyle/>
+          <a:p>
+            <a:r>
+              <a:rPr lang="en-US" sz="1600" dirty="0" smtClean="0"/>
+              <a:t>Using </a:t>
+            </a:r>
+            <a:r>
+              <a:rPr lang="en-US" sz="1600" dirty="0" err="1"/>
+              <a:t>m</a:t>
+            </a:r>
+            <a:r>
+              <a:rPr lang="en-US" sz="1600" dirty="0" err="1" smtClean="0"/>
+              <a:t>iRvana</a:t>
+            </a:r>
+            <a:endParaRPr lang="en-US" sz="1600" dirty="0" smtClean="0"/>
+          </a:p>
+          <a:p>
+            <a:r>
+              <a:rPr lang="en-US" sz="1600" dirty="0"/>
+              <a:t> </a:t>
+            </a:r>
+            <a:r>
+              <a:rPr lang="en-US" sz="1600" dirty="0" smtClean="0"/>
+              <a:t>        kit</a:t>
+            </a:r>
+            <a:endParaRPr lang="en-AU" sz="1600" dirty="0"/>
+          </a:p>
+        </p:txBody>
+      </p:sp>
+      <p:sp>
+        <p:nvSpPr>
+          <p:cNvPr id="9" name="TextBox 8"/>
+          <p:cNvSpPr txBox="1"/>
+          <p:nvPr/>
+        </p:nvSpPr>
+        <p:spPr>
+          <a:xfrm>
+            <a:off x="5907186" y="4951887"/>
+            <a:ext cx="2278587" cy="584775"/>
+          </a:xfrm>
+          <a:prstGeom prst="rect">
+            <a:avLst/>
+          </a:prstGeom>
+          <a:noFill/>
+        </p:spPr>
+        <p:txBody>
+          <a:bodyPr wrap="square" rtlCol="0">
+            <a:spAutoFit/>
+          </a:bodyPr>
+          <a:lstStyle/>
+          <a:p>
+            <a:pPr marL="285750" indent="-285750">
+              <a:buFont typeface="Arial" panose="020B0604020202020204" pitchFamily="34" charset="0"/>
+              <a:buChar char="•"/>
+            </a:pPr>
+            <a:r>
+              <a:rPr lang="en-US" sz="1600" dirty="0" smtClean="0"/>
+              <a:t>Addition of poly-A tail</a:t>
+            </a:r>
+          </a:p>
+          <a:p>
+            <a:pPr marL="285750" indent="-285750">
+              <a:buFont typeface="Arial" panose="020B0604020202020204" pitchFamily="34" charset="0"/>
+              <a:buChar char="•"/>
+            </a:pPr>
+            <a:r>
+              <a:rPr lang="en-US" sz="1600" dirty="0" smtClean="0"/>
+              <a:t>cDNA conversion  </a:t>
+            </a:r>
+            <a:endParaRPr lang="en-AU" sz="1600" dirty="0"/>
+          </a:p>
+        </p:txBody>
+      </p:sp>
+      <p:cxnSp>
+        <p:nvCxnSpPr>
+          <p:cNvPr id="11" name="Straight Arrow Connector 10"/>
+          <p:cNvCxnSpPr/>
+          <p:nvPr/>
+        </p:nvCxnSpPr>
+        <p:spPr>
+          <a:xfrm>
+            <a:off x="7544693" y="4459158"/>
+            <a:ext cx="0" cy="492729"/>
+          </a:xfrm>
+          <a:prstGeom prst="straightConnector1">
+            <a:avLst/>
+          </a:prstGeom>
+          <a:ln>
+            <a:solidFill>
+              <a:schemeClr val="tx1"/>
+            </a:solidFill>
+            <a:tailEnd type="triangle"/>
+          </a:ln>
+        </p:spPr>
+        <p:style>
+          <a:lnRef idx="1">
+            <a:schemeClr val="accent6"/>
+          </a:lnRef>
+          <a:fillRef idx="0">
+            <a:schemeClr val="accent6"/>
+          </a:fillRef>
+          <a:effectRef idx="0">
+            <a:schemeClr val="accent6"/>
+          </a:effectRef>
+          <a:fontRef idx="minor">
+            <a:schemeClr val="tx1"/>
+          </a:fontRef>
+        </p:style>
+      </p:cxnSp>
+      <p:sp>
+        <p:nvSpPr>
+          <p:cNvPr id="10" name="TextBox 9"/>
+          <p:cNvSpPr txBox="1"/>
+          <p:nvPr/>
+        </p:nvSpPr>
+        <p:spPr>
+          <a:xfrm>
+            <a:off x="8502014" y="4951887"/>
+            <a:ext cx="2268485" cy="1323439"/>
+          </a:xfrm>
+          <a:prstGeom prst="rect">
+            <a:avLst/>
+          </a:prstGeom>
+          <a:noFill/>
+        </p:spPr>
+        <p:txBody>
+          <a:bodyPr wrap="square" rtlCol="0">
+            <a:spAutoFit/>
+          </a:bodyPr>
+          <a:lstStyle/>
+          <a:p>
+            <a:pPr marL="285750" indent="-285750">
+              <a:buFont typeface="Arial" panose="020B0604020202020204" pitchFamily="34" charset="0"/>
+              <a:buChar char="•"/>
+            </a:pPr>
+            <a:r>
+              <a:rPr lang="en-US" sz="1600" dirty="0" smtClean="0"/>
+              <a:t>Average triplicates</a:t>
+            </a:r>
+          </a:p>
+          <a:p>
+            <a:pPr marL="285750" indent="-285750">
+              <a:buFont typeface="Arial" panose="020B0604020202020204" pitchFamily="34" charset="0"/>
+              <a:buChar char="•"/>
+            </a:pPr>
+            <a:r>
+              <a:rPr lang="en-US" sz="1600" dirty="0"/>
+              <a:t>C</a:t>
+            </a:r>
+            <a:r>
+              <a:rPr lang="en-US" sz="1600" dirty="0" smtClean="0"/>
+              <a:t>ompare GFP to Cavin-1 to find Fold Change  </a:t>
+            </a:r>
+          </a:p>
+          <a:p>
+            <a:pPr marL="285750" indent="-285750">
+              <a:buFont typeface="Arial" panose="020B0604020202020204" pitchFamily="34" charset="0"/>
+              <a:buChar char="•"/>
+            </a:pPr>
+            <a:r>
+              <a:rPr lang="en-US" sz="1600" dirty="0" smtClean="0"/>
+              <a:t>T-Test</a:t>
+            </a:r>
+            <a:endParaRPr lang="en-AU" sz="1600" dirty="0"/>
+          </a:p>
+        </p:txBody>
+      </p:sp>
+      <p:cxnSp>
+        <p:nvCxnSpPr>
+          <p:cNvPr id="13" name="Straight Arrow Connector 12"/>
+          <p:cNvCxnSpPr/>
+          <p:nvPr/>
+        </p:nvCxnSpPr>
+        <p:spPr>
+          <a:xfrm>
+            <a:off x="9428788" y="4494293"/>
+            <a:ext cx="0" cy="492729"/>
+          </a:xfrm>
+          <a:prstGeom prst="straightConnector1">
+            <a:avLst/>
+          </a:prstGeom>
+          <a:ln>
+            <a:solidFill>
+              <a:schemeClr val="tx1"/>
+            </a:solidFill>
+            <a:tailEnd type="triangle"/>
+          </a:ln>
+        </p:spPr>
+        <p:style>
+          <a:lnRef idx="1">
+            <a:schemeClr val="accent6"/>
+          </a:lnRef>
+          <a:fillRef idx="0">
+            <a:schemeClr val="accent6"/>
+          </a:fillRef>
+          <a:effectRef idx="0">
+            <a:schemeClr val="accent6"/>
+          </a:effectRef>
+          <a:fontRef idx="minor">
+            <a:schemeClr val="tx1"/>
+          </a:fontRef>
+        </p:style>
+      </p:cxnSp>
     </p:spTree>
     <p:extLst>
       <p:ext uri="{BB962C8B-B14F-4D97-AF65-F5344CB8AC3E}">

--- a/BackgroundInfo/Selective export of microRNA via extracellular vesicles.pptx
+++ b/BackgroundInfo/Selective export of microRNA via extracellular vesicles.pptx
@@ -795,6 +795,90 @@
 </p:notes>
 </file>
 
+<file path=ppt/notesSlides/notesSlide4.xml><?xml version="1.0" encoding="utf-8"?>
+<p:notes xmlns:a="http://schemas.openxmlformats.org/drawingml/2006/main" xmlns:r="http://schemas.openxmlformats.org/officeDocument/2006/relationships" xmlns:p="http://schemas.openxmlformats.org/presentationml/2006/main">
+  <p:cSld>
+    <p:spTree>
+      <p:nvGrpSpPr>
+        <p:cNvPr id="1" name=""/>
+        <p:cNvGrpSpPr/>
+        <p:nvPr/>
+      </p:nvGrpSpPr>
+      <p:grpSpPr>
+        <a:xfrm>
+          <a:off x="0" y="0"/>
+          <a:ext cx="0" cy="0"/>
+          <a:chOff x="0" y="0"/>
+          <a:chExt cx="0" cy="0"/>
+        </a:xfrm>
+      </p:grpSpPr>
+      <p:sp>
+        <p:nvSpPr>
+          <p:cNvPr id="2" name="Slide Image Placeholder 1"/>
+          <p:cNvSpPr>
+            <a:spLocks noGrp="1" noRot="1" noChangeAspect="1"/>
+          </p:cNvSpPr>
+          <p:nvPr>
+            <p:ph type="sldImg"/>
+          </p:nvPr>
+        </p:nvSpPr>
+        <p:spPr/>
+      </p:sp>
+      <p:sp>
+        <p:nvSpPr>
+          <p:cNvPr id="3" name="Notes Placeholder 2"/>
+          <p:cNvSpPr>
+            <a:spLocks noGrp="1"/>
+          </p:cNvSpPr>
+          <p:nvPr>
+            <p:ph type="body" idx="1"/>
+          </p:nvPr>
+        </p:nvSpPr>
+        <p:spPr/>
+        <p:txBody>
+          <a:bodyPr/>
+          <a:lstStyle/>
+          <a:p>
+            <a:endParaRPr lang="en-AU" dirty="0"/>
+          </a:p>
+        </p:txBody>
+      </p:sp>
+      <p:sp>
+        <p:nvSpPr>
+          <p:cNvPr id="4" name="Slide Number Placeholder 3"/>
+          <p:cNvSpPr>
+            <a:spLocks noGrp="1"/>
+          </p:cNvSpPr>
+          <p:nvPr>
+            <p:ph type="sldNum" sz="quarter" idx="10"/>
+          </p:nvPr>
+        </p:nvSpPr>
+        <p:spPr/>
+        <p:txBody>
+          <a:bodyPr/>
+          <a:lstStyle/>
+          <a:p>
+            <a:fld id="{50E92962-0362-434D-A7A6-86BA87293389}" type="slidenum">
+              <a:rPr lang="en-AU" smtClean="0"/>
+              <a:t>11</a:t>
+            </a:fld>
+            <a:endParaRPr lang="en-AU"/>
+          </a:p>
+        </p:txBody>
+      </p:sp>
+    </p:spTree>
+    <p:extLst>
+      <p:ext uri="{BB962C8B-B14F-4D97-AF65-F5344CB8AC3E}">
+        <p14:creationId xmlns:p14="http://schemas.microsoft.com/office/powerpoint/2010/main" val="4140009915"/>
+      </p:ext>
+    </p:extLst>
+  </p:cSld>
+  <p:clrMapOvr>
+    <a:masterClrMapping/>
+  </p:clrMapOvr>
+</p:notes>
+</file>
+
 <file path=ppt/slideLayouts/slideLayout1.xml><?xml version="1.0" encoding="utf-8"?>
 <p:sldLayout xmlns:a="http://schemas.openxmlformats.org/drawingml/2006/main" xmlns:r="http://schemas.openxmlformats.org/officeDocument/2006/relationships" xmlns:p="http://schemas.openxmlformats.org/presentationml/2006/main" type="title" preserve="1">
   <p:cSld name="Title Slide">
@@ -3103,9 +3187,18 @@
 <p:sldMaster xmlns:a="http://schemas.openxmlformats.org/drawingml/2006/main" xmlns:r="http://schemas.openxmlformats.org/officeDocument/2006/relationships" xmlns:p="http://schemas.openxmlformats.org/presentationml/2006/main">
   <p:cSld>
     <p:bg>
-      <p:bgRef idx="1001">
-        <a:schemeClr val="bg1"/>
-      </p:bgRef>
+      <p:bgPr>
+        <a:blipFill dpi="0" rotWithShape="1">
+          <a:blip r:embed="rId13">
+            <a:lum/>
+          </a:blip>
+          <a:srcRect/>
+          <a:stretch>
+            <a:fillRect b="-14000"/>
+          </a:stretch>
+        </a:blipFill>
+        <a:effectLst/>
+      </p:bgPr>
     </p:bg>
     <p:spTree>
       <p:nvGrpSpPr>
@@ -3767,6 +3860,13 @@
   <p:clrMapOvr>
     <a:masterClrMapping/>
   </p:clrMapOvr>
+  <p:timing>
+    <p:tnLst>
+      <p:par>
+        <p:cTn id="1" dur="indefinite" restart="never" nodeType="tmRoot"/>
+      </p:par>
+    </p:tnLst>
+  </p:timing>
 </p:sld>
 </file>
 
@@ -3805,18 +3905,34 @@
           <a:lstStyle/>
           <a:p>
             <a:r>
-              <a:rPr lang="en-AU" sz="4000" dirty="0" smtClean="0"/>
+              <a:rPr lang="en-AU" sz="4000" b="1" dirty="0" smtClean="0">
+                <a:solidFill>
+                  <a:schemeClr val="bg1"/>
+                </a:solidFill>
+              </a:rPr>
               <a:t>Aim 2: Identify candidate </a:t>
             </a:r>
             <a:r>
-              <a:rPr lang="en-AU" sz="4000" dirty="0" err="1" smtClean="0"/>
+              <a:rPr lang="en-AU" sz="4000" b="1" dirty="0" err="1" smtClean="0">
+                <a:solidFill>
+                  <a:schemeClr val="bg1"/>
+                </a:solidFill>
+              </a:rPr>
               <a:t>miR</a:t>
             </a:r>
             <a:r>
-              <a:rPr lang="en-AU" sz="4000" dirty="0" smtClean="0"/>
+              <a:rPr lang="en-AU" sz="4000" b="1" dirty="0" smtClean="0">
+                <a:solidFill>
+                  <a:schemeClr val="bg1"/>
+                </a:solidFill>
+              </a:rPr>
               <a:t> binding proteins.</a:t>
             </a:r>
-            <a:endParaRPr lang="en-AU" sz="4000" dirty="0"/>
+            <a:endParaRPr lang="en-AU" sz="4000" b="1" dirty="0">
+              <a:solidFill>
+                <a:schemeClr val="bg1"/>
+              </a:solidFill>
+            </a:endParaRPr>
           </a:p>
         </p:txBody>
       </p:sp>
@@ -3832,13 +3948,13 @@
         </p:nvSpPr>
         <p:spPr>
           <a:xfrm>
-            <a:off x="838200" y="1825625"/>
-            <a:ext cx="5729216" cy="4351338"/>
+            <a:off x="838200" y="1583140"/>
+            <a:ext cx="5729216" cy="4593823"/>
           </a:xfrm>
         </p:spPr>
         <p:txBody>
           <a:bodyPr>
-            <a:normAutofit/>
+            <a:normAutofit lnSpcReduction="10000"/>
           </a:bodyPr>
           <a:lstStyle/>
           <a:p>
@@ -3849,6 +3965,13 @@
               <a:rPr lang="en-AU" sz="2200" dirty="0" smtClean="0"/>
               <a:t>Method 1: Computational analysis. </a:t>
             </a:r>
+            <a:endParaRPr lang="en-AU" sz="2200" dirty="0" smtClean="0"/>
+          </a:p>
+          <a:p>
+            <a:pPr marL="0" indent="0">
+              <a:buNone/>
+            </a:pPr>
+            <a:endParaRPr lang="en-AU" sz="2200" dirty="0" smtClean="0"/>
           </a:p>
           <a:p>
             <a:pPr>
@@ -3858,17 +3981,23 @@
             </a:pPr>
             <a:r>
               <a:rPr lang="en-AU" sz="2200" dirty="0" smtClean="0"/>
-              <a:t>Previous proteomics data collected for the lipid raft, plasma </a:t>
-            </a:r>
-            <a:r>
-              <a:rPr lang="en-AU" sz="2200" dirty="0" smtClean="0"/>
-              <a:t>membrane and EVs using tandem mass spectrometry for PC3 GFP and PC3 cavin-1 cells. </a:t>
-            </a:r>
+              <a:t>Previous proteomics data collected for the lipid raft, plasma membrane and EVs using tandem mass spectrometry for PC3 GFP and PC3 cavin-1 cells. </a:t>
+            </a:r>
+            <a:endParaRPr lang="en-AU" sz="2200" dirty="0" smtClean="0"/>
+          </a:p>
+          <a:p>
+            <a:pPr marL="0" indent="0">
+              <a:lnSpc>
+                <a:spcPct val="100000"/>
+              </a:lnSpc>
+              <a:buNone/>
+            </a:pPr>
+            <a:endParaRPr lang="en-AU" sz="2200" dirty="0" smtClean="0"/>
           </a:p>
           <a:p>
             <a:pPr>
               <a:lnSpc>
-                <a:spcPct val="150000"/>
+                <a:spcPct val="100000"/>
               </a:lnSpc>
             </a:pPr>
             <a:r>
@@ -3881,13 +4010,25 @@
             </a:r>
             <a:r>
               <a:rPr lang="en-US" sz="2200" dirty="0" smtClean="0"/>
-              <a:t> export.</a:t>
+              <a:t> export</a:t>
+            </a:r>
+            <a:r>
+              <a:rPr lang="en-US" sz="2200" dirty="0" smtClean="0"/>
+              <a:t>.</a:t>
             </a:r>
           </a:p>
           <a:p>
             <a:pPr>
               <a:lnSpc>
-                <a:spcPct val="150000"/>
+                <a:spcPct val="100000"/>
+              </a:lnSpc>
+            </a:pPr>
+            <a:endParaRPr lang="en-US" sz="2200" dirty="0" smtClean="0"/>
+          </a:p>
+          <a:p>
+            <a:pPr>
+              <a:lnSpc>
+                <a:spcPct val="100000"/>
               </a:lnSpc>
             </a:pPr>
             <a:r>
@@ -3938,6 +4079,13 @@
   <p:clrMapOvr>
     <a:masterClrMapping/>
   </p:clrMapOvr>
+  <p:timing>
+    <p:tnLst>
+      <p:par>
+        <p:cTn id="1" dur="indefinite" restart="never" nodeType="tmRoot"/>
+      </p:par>
+    </p:tnLst>
+  </p:timing>
 </p:sld>
 </file>
 
@@ -3976,30 +4124,50 @@
           <a:lstStyle/>
           <a:p>
             <a:r>
-              <a:rPr lang="en-AU" sz="3600" dirty="0" smtClean="0"/>
+              <a:rPr lang="en-AU" sz="3600" b="1" dirty="0" smtClean="0">
+                <a:solidFill>
+                  <a:schemeClr val="bg1"/>
+                </a:solidFill>
+              </a:rPr>
               <a:t>Aim 2: </a:t>
             </a:r>
             <a:r>
-              <a:rPr lang="en-AU" sz="3600" dirty="0"/>
+              <a:rPr lang="en-AU" sz="3600" b="1" dirty="0">
+                <a:solidFill>
+                  <a:schemeClr val="bg1"/>
+                </a:solidFill>
+              </a:rPr>
               <a:t>Identify candidate </a:t>
             </a:r>
             <a:r>
-              <a:rPr lang="en-AU" sz="3600" dirty="0" err="1"/>
+              <a:rPr lang="en-AU" sz="3600" b="1" dirty="0" err="1">
+                <a:solidFill>
+                  <a:schemeClr val="bg1"/>
+                </a:solidFill>
+              </a:rPr>
               <a:t>miR</a:t>
             </a:r>
             <a:r>
-              <a:rPr lang="en-AU" sz="3600" dirty="0"/>
+              <a:rPr lang="en-AU" sz="3600" b="1" dirty="0">
+                <a:solidFill>
+                  <a:schemeClr val="bg1"/>
+                </a:solidFill>
+              </a:rPr>
               <a:t> binding proteins</a:t>
             </a:r>
             <a:r>
-              <a:rPr lang="en-AU" sz="3600" dirty="0" smtClean="0"/>
-              <a:t>. cont</a:t>
-            </a:r>
-            <a:r>
-              <a:rPr lang="en-AU" sz="3600" dirty="0" smtClean="0"/>
-              <a:t>.</a:t>
-            </a:r>
-            <a:endParaRPr lang="en-AU" sz="3600" dirty="0"/>
+              <a:rPr lang="en-AU" sz="3600" b="1" dirty="0" smtClean="0">
+                <a:solidFill>
+                  <a:schemeClr val="bg1"/>
+                </a:solidFill>
+              </a:rPr>
+              <a:t>. cont.</a:t>
+            </a:r>
+            <a:endParaRPr lang="en-AU" sz="3600" b="1" dirty="0">
+              <a:solidFill>
+                <a:schemeClr val="bg1"/>
+              </a:solidFill>
+            </a:endParaRPr>
           </a:p>
         </p:txBody>
       </p:sp>
@@ -4032,7 +4200,6 @@
               <a:rPr lang="en-AU" sz="2400" dirty="0" smtClean="0"/>
               <a:t>Method 2: Motif discovery. </a:t>
             </a:r>
-            <a:endParaRPr lang="en-AU" sz="2400" dirty="0" smtClean="0"/>
           </a:p>
           <a:p>
             <a:pPr marL="0" indent="0">
@@ -4041,16 +4208,17 @@
             <a:endParaRPr lang="en-AU" sz="2400" dirty="0" smtClean="0"/>
           </a:p>
           <a:p>
-            <a:pPr marL="0" indent="0">
-              <a:buNone/>
-            </a:pPr>
             <a:r>
               <a:rPr lang="en-US" sz="2400" dirty="0"/>
               <a:t> </a:t>
             </a:r>
             <a:r>
               <a:rPr lang="en-US" sz="2400" dirty="0" smtClean="0"/>
-              <a:t>- Literature search for known binding 	motif of candidate protein. </a:t>
+              <a:t> </a:t>
+            </a:r>
+            <a:r>
+              <a:rPr lang="en-US" sz="2400" dirty="0" smtClean="0"/>
+              <a:t>Literature search for known binding 	motif of candidate protein. </a:t>
             </a:r>
           </a:p>
           <a:p>
@@ -4105,33 +4273,34 @@
             </a:r>
           </a:p>
           <a:p>
-            <a:pPr>
-              <a:buFontTx/>
-              <a:buChar char="-"/>
-            </a:pPr>
             <a:r>
               <a:rPr lang="en-US" sz="2400" dirty="0" smtClean="0"/>
               <a:t>Gibbs sampling to find shared motif in exported miRNAs</a:t>
             </a:r>
           </a:p>
           <a:p>
-            <a:pPr marL="0" indent="0">
-              <a:buNone/>
-            </a:pPr>
-            <a:r>
-              <a:rPr lang="en-US" sz="2400" dirty="0" smtClean="0"/>
-              <a:t>	- probability based algorithm.</a:t>
-            </a:r>
-          </a:p>
-          <a:p>
-            <a:pPr marL="0" indent="0">
-              <a:buNone/>
-            </a:pPr>
+            <a:pPr marL="627063" indent="0"/>
             <a:r>
               <a:rPr lang="en-US" sz="2400" dirty="0"/>
               <a:t>	</a:t>
             </a:r>
-            <a:endParaRPr lang="en-US" sz="2400" dirty="0"/>
+            <a:r>
+              <a:rPr lang="en-US" sz="2400" dirty="0" smtClean="0"/>
+              <a:t>Probability </a:t>
+            </a:r>
+            <a:r>
+              <a:rPr lang="en-US" sz="2400" dirty="0" smtClean="0"/>
+              <a:t>based algorithm.</a:t>
+            </a:r>
+          </a:p>
+          <a:p>
+            <a:pPr marL="0" indent="0">
+              <a:buNone/>
+            </a:pPr>
+            <a:r>
+              <a:rPr lang="en-US" sz="2400" dirty="0"/>
+              <a:t>	</a:t>
+            </a:r>
           </a:p>
           <a:p>
             <a:pPr marL="0" indent="0">
@@ -4154,7 +4323,7 @@
           <p:nvPr/>
         </p:nvPicPr>
         <p:blipFill>
-          <a:blip r:embed="rId2"/>
+          <a:blip r:embed="rId3"/>
           <a:stretch>
             <a:fillRect/>
           </a:stretch>
@@ -4332,6 +4501,13 @@
   <p:clrMapOvr>
     <a:masterClrMapping/>
   </p:clrMapOvr>
+  <p:timing>
+    <p:tnLst>
+      <p:par>
+        <p:cTn id="1" dur="indefinite" restart="never" nodeType="tmRoot"/>
+      </p:par>
+    </p:tnLst>
+  </p:timing>
 </p:sld>
 </file>
 
@@ -4368,43 +4544,84 @@
           <a:lstStyle/>
           <a:p>
             <a:r>
+              <a:rPr lang="en-AU" b="1" dirty="0" smtClean="0">
+                <a:solidFill>
+                  <a:schemeClr val="bg1"/>
+                </a:solidFill>
+              </a:rPr>
+              <a:t>Aim 3: </a:t>
+            </a:r>
+            <a:r>
+              <a:rPr lang="en-AU" b="1" dirty="0" smtClean="0">
+                <a:solidFill>
+                  <a:schemeClr val="bg1"/>
+                </a:solidFill>
+              </a:rPr>
+              <a:t>Verification </a:t>
+            </a:r>
+            <a:r>
+              <a:rPr lang="en-AU" b="1" dirty="0" smtClean="0">
+                <a:solidFill>
+                  <a:schemeClr val="bg1"/>
+                </a:solidFill>
+              </a:rPr>
+              <a:t>of </a:t>
+            </a:r>
+            <a:r>
+              <a:rPr lang="en-AU" b="1" dirty="0" err="1" smtClean="0">
+                <a:solidFill>
+                  <a:schemeClr val="bg1"/>
+                </a:solidFill>
+              </a:rPr>
+              <a:t>miR</a:t>
+            </a:r>
+            <a:r>
+              <a:rPr lang="en-AU" b="1" dirty="0" smtClean="0">
+                <a:solidFill>
+                  <a:schemeClr val="bg1"/>
+                </a:solidFill>
+              </a:rPr>
+              <a:t> Candidate. </a:t>
+            </a:r>
+            <a:endParaRPr lang="en-AU" b="1" dirty="0">
+              <a:solidFill>
+                <a:schemeClr val="bg1"/>
+              </a:solidFill>
+            </a:endParaRPr>
+          </a:p>
+        </p:txBody>
+      </p:sp>
+      <p:sp>
+        <p:nvSpPr>
+          <p:cNvPr id="3" name="Content Placeholder 2"/>
+          <p:cNvSpPr>
+            <a:spLocks noGrp="1"/>
+          </p:cNvSpPr>
+          <p:nvPr>
+            <p:ph idx="1"/>
+          </p:nvPr>
+        </p:nvSpPr>
+        <p:spPr/>
+        <p:txBody>
+          <a:bodyPr/>
+          <a:lstStyle/>
+          <a:p>
+            <a:pPr marL="0" indent="0">
+              <a:buNone/>
+            </a:pPr>
+            <a:r>
               <a:rPr lang="en-AU" dirty="0" smtClean="0"/>
-              <a:t>Aim 3: verification of </a:t>
-            </a:r>
-            <a:r>
-              <a:rPr lang="en-AU" dirty="0" err="1" smtClean="0"/>
-              <a:t>miR</a:t>
+              <a:t>Method 1: Pull down </a:t>
             </a:r>
             <a:r>
               <a:rPr lang="en-AU" dirty="0" smtClean="0"/>
-              <a:t> Candidate. </a:t>
-            </a:r>
-            <a:endParaRPr lang="en-AU" dirty="0"/>
-          </a:p>
-        </p:txBody>
-      </p:sp>
-      <p:sp>
-        <p:nvSpPr>
-          <p:cNvPr id="3" name="Content Placeholder 2"/>
-          <p:cNvSpPr>
-            <a:spLocks noGrp="1"/>
-          </p:cNvSpPr>
-          <p:nvPr>
-            <p:ph idx="1"/>
-          </p:nvPr>
-        </p:nvSpPr>
-        <p:spPr/>
-        <p:txBody>
-          <a:bodyPr/>
-          <a:lstStyle/>
+              <a:t>assay</a:t>
+            </a:r>
+          </a:p>
           <a:p>
             <a:pPr marL="0" indent="0">
               <a:buNone/>
             </a:pPr>
-            <a:r>
-              <a:rPr lang="en-AU" dirty="0" smtClean="0"/>
-              <a:t>Method 1: Pull down assay</a:t>
-            </a:r>
             <a:endParaRPr lang="en-AU" dirty="0"/>
           </a:p>
         </p:txBody>
@@ -4419,6 +4636,13 @@
   <p:clrMapOvr>
     <a:masterClrMapping/>
   </p:clrMapOvr>
+  <p:timing>
+    <p:tnLst>
+      <p:par>
+        <p:cTn id="1" dur="indefinite" restart="never" nodeType="tmRoot"/>
+      </p:par>
+    </p:tnLst>
+  </p:timing>
 </p:sld>
 </file>
 
@@ -4455,10 +4679,58 @@
           <a:lstStyle/>
           <a:p>
             <a:r>
-              <a:rPr lang="en-AU" dirty="0" smtClean="0"/>
-              <a:t>Aim 3: Cont. </a:t>
-            </a:r>
-            <a:endParaRPr lang="en-AU" dirty="0"/>
+              <a:rPr lang="en-AU" b="1" dirty="0" smtClean="0">
+                <a:solidFill>
+                  <a:schemeClr val="bg1"/>
+                </a:solidFill>
+              </a:rPr>
+              <a:t>Aim 3: </a:t>
+            </a:r>
+            <a:r>
+              <a:rPr lang="en-AU" b="1" dirty="0">
+                <a:solidFill>
+                  <a:schemeClr val="bg1"/>
+                </a:solidFill>
+              </a:rPr>
+              <a:t>Verification of </a:t>
+            </a:r>
+            <a:r>
+              <a:rPr lang="en-AU" b="1" dirty="0" err="1">
+                <a:solidFill>
+                  <a:schemeClr val="bg1"/>
+                </a:solidFill>
+              </a:rPr>
+              <a:t>miR</a:t>
+            </a:r>
+            <a:r>
+              <a:rPr lang="en-AU" b="1" dirty="0">
+                <a:solidFill>
+                  <a:schemeClr val="bg1"/>
+                </a:solidFill>
+              </a:rPr>
+              <a:t> </a:t>
+            </a:r>
+            <a:r>
+              <a:rPr lang="en-AU" b="1" dirty="0" smtClean="0">
+                <a:solidFill>
+                  <a:schemeClr val="bg1"/>
+                </a:solidFill>
+              </a:rPr>
+              <a:t>Candidate. Cont</a:t>
+            </a:r>
+            <a:r>
+              <a:rPr lang="en-AU" b="1" dirty="0" smtClean="0">
+                <a:solidFill>
+                  <a:schemeClr val="bg1"/>
+                </a:solidFill>
+              </a:rPr>
+              <a:t>. </a:t>
+            </a:r>
+            <a:endParaRPr lang="en-AU" b="1" dirty="0">
+              <a:solidFill>
+                <a:schemeClr val="bg1"/>
+              </a:solidFill>
+            </a:endParaRPr>
           </a:p>
         </p:txBody>
       </p:sp>
@@ -4500,6 +4772,13 @@
   <p:clrMapOvr>
     <a:masterClrMapping/>
   </p:clrMapOvr>
+  <p:timing>
+    <p:tnLst>
+      <p:par>
+        <p:cTn id="1" dur="indefinite" restart="never" nodeType="tmRoot"/>
+      </p:par>
+    </p:tnLst>
+  </p:timing>
 </p:sld>
 </file>
 
@@ -4536,10 +4815,18 @@
           <a:lstStyle/>
           <a:p>
             <a:r>
-              <a:rPr lang="en-AU" dirty="0" smtClean="0"/>
-              <a:t>Significance: Cancer</a:t>
-            </a:r>
-            <a:endParaRPr lang="en-AU" dirty="0"/>
+              <a:rPr lang="en-AU" b="1" dirty="0" smtClean="0">
+                <a:solidFill>
+                  <a:schemeClr val="bg1"/>
+                </a:solidFill>
+              </a:rPr>
+              <a:t>Significance</a:t>
+            </a:r>
+            <a:endParaRPr lang="en-AU" b="1" dirty="0">
+              <a:solidFill>
+                <a:schemeClr val="bg1"/>
+              </a:solidFill>
+            </a:endParaRPr>
           </a:p>
         </p:txBody>
       </p:sp>
@@ -4572,6 +4859,13 @@
   <p:clrMapOvr>
     <a:masterClrMapping/>
   </p:clrMapOvr>
+  <p:timing>
+    <p:tnLst>
+      <p:par>
+        <p:cTn id="1" dur="indefinite" restart="never" nodeType="tmRoot"/>
+      </p:par>
+    </p:tnLst>
+  </p:timing>
 </p:sld>
 </file>
 
@@ -4602,16 +4896,30 @@
             <p:ph type="title"/>
           </p:nvPr>
         </p:nvSpPr>
-        <p:spPr/>
+        <p:spPr>
+          <a:xfrm>
+            <a:off x="-327547" y="457531"/>
+            <a:ext cx="11400430" cy="1215310"/>
+          </a:xfrm>
+          <a:noFill/>
+        </p:spPr>
         <p:txBody>
           <a:bodyPr/>
           <a:lstStyle/>
           <a:p>
             <a:r>
-              <a:rPr lang="en-US" dirty="0" smtClean="0"/>
-              <a:t>microRNAs</a:t>
-            </a:r>
-            <a:endParaRPr lang="en-AU" dirty="0"/>
+              <a:rPr lang="en-US" b="1" dirty="0" smtClean="0">
+                <a:solidFill>
+                  <a:schemeClr val="bg1"/>
+                </a:solidFill>
+              </a:rPr>
+              <a:t>	microRNAs</a:t>
+            </a:r>
+            <a:endParaRPr lang="en-AU" b="1" dirty="0">
+              <a:solidFill>
+                <a:schemeClr val="bg1"/>
+              </a:solidFill>
+            </a:endParaRPr>
           </a:p>
         </p:txBody>
       </p:sp>
@@ -4672,13 +4980,8 @@
             </a:pPr>
             <a:r>
               <a:rPr lang="en-US" sz="2000" dirty="0" smtClean="0"/>
-              <a:t>Important </a:t>
-            </a:r>
-            <a:r>
-              <a:rPr lang="en-US" sz="2000" dirty="0" smtClean="0"/>
-              <a:t>regulatory mechanism</a:t>
-            </a:r>
-            <a:endParaRPr lang="en-US" sz="2000" dirty="0" smtClean="0"/>
+              <a:t>Important regulatory mechanism</a:t>
+            </a:r>
           </a:p>
           <a:p>
             <a:pPr marL="342900" indent="-342900">
@@ -4697,15 +5000,7 @@
             </a:pPr>
             <a:r>
               <a:rPr lang="en-US" sz="2000" dirty="0" smtClean="0"/>
-              <a:t>Binding to target mRNA decreases </a:t>
-            </a:r>
-            <a:r>
-              <a:rPr lang="en-US" sz="2000" dirty="0" smtClean="0"/>
-              <a:t>protein function </a:t>
-            </a:r>
-            <a:r>
-              <a:rPr lang="en-US" sz="2000" dirty="0" smtClean="0"/>
-              <a:t>by RISC inhibition and degradation</a:t>
+              <a:t>Binding to target mRNA decreases protein function by RISC inhibition and degradation</a:t>
             </a:r>
           </a:p>
           <a:p>
@@ -4729,11 +5024,7 @@
             </a:r>
             <a:r>
               <a:rPr lang="en-US" sz="2000" dirty="0" smtClean="0"/>
-              <a:t>, miRNAs) </a:t>
-            </a:r>
-            <a:r>
-              <a:rPr lang="en-US" sz="2000" dirty="0" smtClean="0"/>
-              <a:t>regulates pathways in the recipient cells attributed to:</a:t>
+              <a:t>, miRNAs) regulates pathways in the recipient cells attributed to:</a:t>
             </a:r>
           </a:p>
           <a:p>
@@ -4793,6 +5084,13 @@
   <p:clrMapOvr>
     <a:masterClrMapping/>
   </p:clrMapOvr>
+  <p:timing>
+    <p:tnLst>
+      <p:par>
+        <p:cTn id="1" dur="indefinite" restart="never" nodeType="tmRoot"/>
+      </p:par>
+    </p:tnLst>
+  </p:timing>
 </p:sld>
 </file>
 
@@ -4835,10 +5133,18 @@
           <a:p>
             <a:pPr algn="ctr"/>
             <a:r>
-              <a:rPr lang="en-US" dirty="0" smtClean="0"/>
+              <a:rPr lang="en-US" b="1" dirty="0" smtClean="0">
+                <a:solidFill>
+                  <a:schemeClr val="bg1"/>
+                </a:solidFill>
+              </a:rPr>
               <a:t>Extracellular vesicles</a:t>
             </a:r>
-            <a:endParaRPr lang="en-AU" dirty="0"/>
+            <a:endParaRPr lang="en-AU" b="1" dirty="0">
+              <a:solidFill>
+                <a:schemeClr val="bg1"/>
+              </a:solidFill>
+            </a:endParaRPr>
           </a:p>
         </p:txBody>
       </p:sp>
@@ -4920,15 +5226,7 @@
           <a:p>
             <a:r>
               <a:rPr lang="en-US" sz="2400" dirty="0" smtClean="0"/>
-              <a:t>Surface contains homing proteins to allow </a:t>
-            </a:r>
-            <a:r>
-              <a:rPr lang="en-US" sz="2400" dirty="0" smtClean="0"/>
-              <a:t>for cell </a:t>
-            </a:r>
-            <a:r>
-              <a:rPr lang="en-US" sz="2400" dirty="0" smtClean="0"/>
-              <a:t>specific delivery </a:t>
+              <a:t>Surface contains homing proteins to allow for cell specific delivery </a:t>
             </a:r>
           </a:p>
           <a:p>
@@ -4986,6 +5284,13 @@
   <p:clrMapOvr>
     <a:masterClrMapping/>
   </p:clrMapOvr>
+  <p:timing>
+    <p:tnLst>
+      <p:par>
+        <p:cTn id="1" dur="indefinite" restart="never" nodeType="tmRoot"/>
+      </p:par>
+    </p:tnLst>
+  </p:timing>
 </p:sld>
 </file>
 
@@ -5016,28 +5321,29 @@
             <p:ph type="title"/>
           </p:nvPr>
         </p:nvSpPr>
-        <p:spPr/>
+        <p:spPr>
+          <a:xfrm>
+            <a:off x="368643" y="290985"/>
+            <a:ext cx="10515600" cy="1325563"/>
+          </a:xfrm>
+        </p:spPr>
         <p:txBody>
           <a:bodyPr/>
           <a:lstStyle/>
           <a:p>
             <a:r>
-              <a:rPr lang="en-US" dirty="0" smtClean="0"/>
-              <a:t>Current </a:t>
-            </a:r>
-            <a:r>
-              <a:rPr lang="en-US" dirty="0" smtClean="0"/>
-              <a:t>miRNA Cargo </a:t>
-            </a:r>
-            <a:r>
-              <a:rPr lang="en-US" dirty="0" smtClean="0"/>
-              <a:t>Loading </a:t>
-            </a:r>
-            <a:r>
-              <a:rPr lang="en-US" dirty="0" smtClean="0"/>
-              <a:t>Mechanisms.</a:t>
-            </a:r>
-            <a:endParaRPr lang="en-AU" dirty="0"/>
+              <a:rPr lang="en-US" b="1" dirty="0" smtClean="0">
+                <a:solidFill>
+                  <a:schemeClr val="bg1"/>
+                </a:solidFill>
+              </a:rPr>
+              <a:t>Current miRNA Cargo Loading Mechanisms.</a:t>
+            </a:r>
+            <a:endParaRPr lang="en-AU" b="1" dirty="0">
+              <a:solidFill>
+                <a:schemeClr val="bg1"/>
+              </a:solidFill>
+            </a:endParaRPr>
           </a:p>
         </p:txBody>
       </p:sp>
@@ -5054,14 +5360,50 @@
         <p:spPr>
           <a:xfrm>
             <a:off x="838200" y="1825625"/>
-            <a:ext cx="6588318" cy="4351338"/>
+            <a:ext cx="6432880" cy="4351338"/>
           </a:xfrm>
         </p:spPr>
         <p:txBody>
           <a:bodyPr>
-            <a:normAutofit lnSpcReduction="10000"/>
+            <a:normAutofit/>
           </a:bodyPr>
           <a:lstStyle/>
+          <a:p>
+            <a:pPr marL="0" indent="0">
+              <a:lnSpc>
+                <a:spcPct val="100000"/>
+              </a:lnSpc>
+              <a:buNone/>
+            </a:pPr>
+            <a:r>
+              <a:rPr lang="en-AU" sz="2400" dirty="0" smtClean="0"/>
+              <a:t>Little information known </a:t>
+            </a:r>
+            <a:r>
+              <a:rPr lang="en-AU" sz="2400" dirty="0" smtClean="0"/>
+              <a:t>regarding </a:t>
+            </a:r>
+          </a:p>
+          <a:p>
+            <a:pPr marL="0" indent="0">
+              <a:lnSpc>
+                <a:spcPct val="100000"/>
+              </a:lnSpc>
+              <a:buNone/>
+            </a:pPr>
+            <a:r>
+              <a:rPr lang="en-AU" sz="2400" dirty="0"/>
+              <a:t>	</a:t>
+            </a:r>
+            <a:r>
+              <a:rPr lang="en-AU" sz="2400" dirty="0" smtClean="0"/>
+              <a:t>sorting</a:t>
+            </a:r>
+            <a:r>
+              <a:rPr lang="en-AU" sz="2400" dirty="0" smtClean="0"/>
+              <a:t>. </a:t>
+            </a:r>
+          </a:p>
           <a:p>
             <a:pPr>
               <a:lnSpc>
@@ -5069,13 +5411,18 @@
               </a:lnSpc>
             </a:pPr>
             <a:r>
-              <a:rPr lang="en-AU" sz="2400" dirty="0" smtClean="0"/>
-              <a:t>Little </a:t>
-            </a:r>
-            <a:r>
-              <a:rPr lang="en-AU" sz="2400" dirty="0" smtClean="0"/>
-              <a:t>information known regarding sorting. </a:t>
-            </a:r>
+              <a:rPr lang="en-US" sz="2400" dirty="0" err="1"/>
+              <a:t>C</a:t>
+            </a:r>
+            <a:r>
+              <a:rPr lang="en-US" sz="2400" dirty="0" err="1" smtClean="0"/>
+              <a:t>eramide</a:t>
+            </a:r>
+            <a:r>
+              <a:rPr lang="en-US" sz="2400" dirty="0" smtClean="0"/>
+              <a:t> dependent</a:t>
+            </a:r>
+            <a:endParaRPr lang="en-US" sz="2400" dirty="0" smtClean="0"/>
           </a:p>
           <a:p>
             <a:pPr>
@@ -5085,25 +5432,6 @@
             </a:pPr>
             <a:r>
               <a:rPr lang="en-US" sz="2400" dirty="0" smtClean="0"/>
-              <a:t>Indication </a:t>
-            </a:r>
-            <a:r>
-              <a:rPr lang="en-US" sz="2400" dirty="0"/>
-              <a:t>of ceramide </a:t>
-            </a:r>
-            <a:r>
-              <a:rPr lang="en-US" sz="2400" dirty="0" smtClean="0"/>
-              <a:t>dependency</a:t>
-            </a:r>
-          </a:p>
-          <a:p>
-            <a:pPr>
-              <a:lnSpc>
-                <a:spcPct val="150000"/>
-              </a:lnSpc>
-            </a:pPr>
-            <a:r>
-              <a:rPr lang="en-US" sz="2400" dirty="0" smtClean="0"/>
               <a:t>ESCRT-independent</a:t>
             </a:r>
             <a:endParaRPr lang="en-AU" sz="2400" dirty="0"/>
@@ -5138,12 +5466,20 @@
           <a:p>
             <a:pPr>
               <a:lnSpc>
-                <a:spcPct val="150000"/>
+                <a:spcPct val="110000"/>
               </a:lnSpc>
             </a:pPr>
             <a:r>
               <a:rPr lang="en-US" sz="2400" dirty="0" smtClean="0"/>
-              <a:t>Regulation and binding partners are still unknown. </a:t>
+              <a:t>Regulation and binding partners are </a:t>
+            </a:r>
+            <a:r>
+              <a:rPr lang="en-US" sz="2400" dirty="0" smtClean="0"/>
+              <a:t>still unknown</a:t>
+            </a:r>
+            <a:r>
+              <a:rPr lang="en-US" sz="2400" dirty="0" smtClean="0"/>
+              <a:t>. </a:t>
             </a:r>
             <a:endParaRPr lang="en-AU" sz="2400" dirty="0" smtClean="0"/>
           </a:p>
@@ -5151,10 +5487,6 @@
             <a:pPr marL="0" indent="0">
               <a:buNone/>
             </a:pPr>
-            <a:r>
-              <a:rPr lang="en-US" sz="2400" dirty="0" smtClean="0"/>
-              <a:t>	</a:t>
-            </a:r>
             <a:endParaRPr lang="en-AU" sz="2400" dirty="0" smtClean="0"/>
           </a:p>
           <a:p>
@@ -5165,6 +5497,60 @@
           </a:p>
         </p:txBody>
       </p:sp>
+      <p:pic>
+        <p:nvPicPr>
+          <p:cNvPr id="6" name="Picture 5"/>
+          <p:cNvPicPr>
+            <a:picLocks noChangeAspect="1"/>
+          </p:cNvPicPr>
+          <p:nvPr/>
+        </p:nvPicPr>
+        <p:blipFill>
+          <a:blip r:embed="rId3">
+            <a:extLst>
+              <a:ext uri="{28A0092B-C50C-407E-A947-70E740481C1C}">
+                <a14:useLocalDpi xmlns:a14="http://schemas.microsoft.com/office/drawing/2010/main" val="0"/>
+              </a:ext>
+            </a:extLst>
+          </a:blip>
+          <a:stretch>
+            <a:fillRect/>
+          </a:stretch>
+        </p:blipFill>
+        <p:spPr>
+          <a:xfrm>
+            <a:off x="7918589" y="1825625"/>
+            <a:ext cx="3613163" cy="3600530"/>
+          </a:xfrm>
+          <a:prstGeom prst="rect">
+            <a:avLst/>
+          </a:prstGeom>
+        </p:spPr>
+      </p:pic>
+      <p:pic>
+        <p:nvPicPr>
+          <p:cNvPr id="7" name="Picture 6"/>
+          <p:cNvPicPr>
+            <a:picLocks noChangeAspect="1"/>
+          </p:cNvPicPr>
+          <p:nvPr/>
+        </p:nvPicPr>
+        <p:blipFill>
+          <a:blip r:embed="rId4"/>
+          <a:stretch>
+            <a:fillRect/>
+          </a:stretch>
+        </p:blipFill>
+        <p:spPr>
+          <a:xfrm>
+            <a:off x="5517261" y="1825625"/>
+            <a:ext cx="2292146" cy="2056831"/>
+          </a:xfrm>
+          <a:prstGeom prst="rect">
+            <a:avLst/>
+          </a:prstGeom>
+        </p:spPr>
+      </p:pic>
     </p:spTree>
     <p:extLst>
       <p:ext uri="{BB962C8B-B14F-4D97-AF65-F5344CB8AC3E}">
@@ -5175,6 +5561,13 @@
   <p:clrMapOvr>
     <a:masterClrMapping/>
   </p:clrMapOvr>
+  <p:timing>
+    <p:tnLst>
+      <p:par>
+        <p:cTn id="1" dur="indefinite" restart="never" nodeType="tmRoot"/>
+      </p:par>
+    </p:tnLst>
+  </p:timing>
 </p:sld>
 </file>
 
@@ -5211,10 +5604,18 @@
           <a:lstStyle/>
           <a:p>
             <a:r>
-              <a:rPr lang="en-US" dirty="0" smtClean="0"/>
+              <a:rPr lang="en-US" b="1" dirty="0" smtClean="0">
+                <a:solidFill>
+                  <a:schemeClr val="bg1"/>
+                </a:solidFill>
+              </a:rPr>
               <a:t>Advanced Prostate Cancer Cell Line: PC3</a:t>
             </a:r>
-            <a:endParaRPr lang="en-AU" dirty="0"/>
+            <a:endParaRPr lang="en-AU" b="1" dirty="0">
+              <a:solidFill>
+                <a:schemeClr val="bg1"/>
+              </a:solidFill>
+            </a:endParaRPr>
           </a:p>
         </p:txBody>
       </p:sp>
@@ -5230,7 +5631,7 @@
         </p:nvSpPr>
         <p:spPr>
           <a:xfrm>
-            <a:off x="838200" y="1557338"/>
+            <a:off x="838200" y="1690688"/>
             <a:ext cx="6643977" cy="4619625"/>
           </a:xfrm>
         </p:spPr>
@@ -5242,11 +5643,7 @@
           <a:p>
             <a:r>
               <a:rPr lang="en-AU" sz="2400" dirty="0" smtClean="0"/>
-              <a:t>Increased </a:t>
-            </a:r>
-            <a:r>
-              <a:rPr lang="en-AU" sz="2400" dirty="0" smtClean="0"/>
-              <a:t>Caveolin-1 expression, without Cavins.</a:t>
+              <a:t>Increased Caveolin-1 expression, without Cavins.</a:t>
             </a:r>
           </a:p>
           <a:p>
@@ -5270,23 +5667,7 @@
           <a:p>
             <a:r>
               <a:rPr lang="en-AU" sz="2400" dirty="0" smtClean="0"/>
-              <a:t>When accompanied by Cavin-1, it will form </a:t>
-            </a:r>
-            <a:r>
-              <a:rPr lang="en-AU" sz="2400" dirty="0" smtClean="0"/>
-              <a:t>caveolae</a:t>
-            </a:r>
-            <a:r>
-              <a:rPr lang="en-AU" sz="2400" dirty="0" smtClean="0"/>
-              <a:t>, </a:t>
-            </a:r>
-            <a:r>
-              <a:rPr lang="en-AU" sz="2400" dirty="0" smtClean="0"/>
-              <a:t>utilised in Endocytosis</a:t>
-            </a:r>
-            <a:r>
-              <a:rPr lang="en-AU" sz="2400" dirty="0" smtClean="0"/>
-              <a:t>. </a:t>
+              <a:t>When accompanied by Cavin-1, it will form caveolae, utilised in Endocytosis. </a:t>
             </a:r>
             <a:endParaRPr lang="en-AU" sz="2400" dirty="0"/>
           </a:p>
@@ -5314,6 +5695,13 @@
   <p:clrMapOvr>
     <a:masterClrMapping/>
   </p:clrMapOvr>
+  <p:timing>
+    <p:tnLst>
+      <p:par>
+        <p:cTn id="1" dur="indefinite" restart="never" nodeType="tmRoot"/>
+      </p:par>
+    </p:tnLst>
+  </p:timing>
 </p:sld>
 </file>
 
@@ -5346,7 +5734,7 @@
         </p:nvSpPr>
         <p:spPr>
           <a:xfrm>
-            <a:off x="838200" y="124473"/>
+            <a:off x="838200" y="315541"/>
             <a:ext cx="10515600" cy="1325563"/>
           </a:xfrm>
         </p:spPr>
@@ -5355,10 +5743,18 @@
           <a:lstStyle/>
           <a:p>
             <a:r>
-              <a:rPr lang="en-US" dirty="0" smtClean="0"/>
+              <a:rPr lang="en-US" b="1" dirty="0" smtClean="0">
+                <a:solidFill>
+                  <a:schemeClr val="bg1"/>
+                </a:solidFill>
+              </a:rPr>
               <a:t>Cavins and lipid rafts</a:t>
             </a:r>
-            <a:endParaRPr lang="en-AU" dirty="0"/>
+            <a:endParaRPr lang="en-AU" b="1" dirty="0">
+              <a:solidFill>
+                <a:schemeClr val="bg1"/>
+              </a:solidFill>
+            </a:endParaRPr>
           </a:p>
         </p:txBody>
       </p:sp>
@@ -5374,13 +5770,13 @@
         </p:nvSpPr>
         <p:spPr>
           <a:xfrm>
-            <a:off x="838200" y="1143001"/>
-            <a:ext cx="10515600" cy="5290456"/>
+            <a:off x="838200" y="1450035"/>
+            <a:ext cx="10515600" cy="4983421"/>
           </a:xfrm>
         </p:spPr>
         <p:txBody>
           <a:bodyPr>
-            <a:normAutofit/>
+            <a:normAutofit lnSpcReduction="10000"/>
           </a:bodyPr>
           <a:lstStyle/>
           <a:p>
@@ -5389,11 +5785,7 @@
             </a:pPr>
             <a:r>
               <a:rPr lang="en-AU" sz="2200" dirty="0" smtClean="0"/>
-              <a:t>- </a:t>
-            </a:r>
-            <a:r>
-              <a:rPr lang="en-AU" sz="2200" dirty="0" smtClean="0"/>
-              <a:t>Introduction </a:t>
+              <a:t>- Introduction </a:t>
             </a:r>
             <a:r>
               <a:rPr lang="en-AU" sz="2200" dirty="0"/>
@@ -5511,7 +5903,7 @@
           </p:cNvPicPr>
           <p:nvPr/>
         </p:nvPicPr>
-        <p:blipFill>
+        <p:blipFill rotWithShape="1">
           <a:blip r:embed="rId2">
             <a:extLst>
               <a:ext uri="{28A0092B-C50C-407E-A947-70E740481C1C}">
@@ -5519,14 +5911,13 @@
               </a:ext>
             </a:extLst>
           </a:blip>
-          <a:stretch>
-            <a:fillRect/>
-          </a:stretch>
+          <a:srcRect b="8692"/>
+          <a:stretch/>
         </p:blipFill>
         <p:spPr>
           <a:xfrm>
-            <a:off x="1288741" y="1902163"/>
-            <a:ext cx="8998259" cy="2430757"/>
+            <a:off x="1302389" y="2161471"/>
+            <a:ext cx="8998259" cy="2219462"/>
           </a:xfrm>
           <a:prstGeom prst="rect">
             <a:avLst/>
@@ -5543,6 +5934,13 @@
   <p:clrMapOvr>
     <a:masterClrMapping/>
   </p:clrMapOvr>
+  <p:timing>
+    <p:tnLst>
+      <p:par>
+        <p:cTn id="1" dur="indefinite" restart="never" nodeType="tmRoot"/>
+      </p:par>
+    </p:tnLst>
+  </p:timing>
 </p:sld>
 </file>
 
@@ -5579,10 +5977,18 @@
           <a:lstStyle/>
           <a:p>
             <a:r>
-              <a:rPr lang="en-US" dirty="0" smtClean="0"/>
+              <a:rPr lang="en-US" b="1" dirty="0" smtClean="0">
+                <a:solidFill>
+                  <a:schemeClr val="bg1"/>
+                </a:solidFill>
+              </a:rPr>
               <a:t>Hypotheses and Aims:</a:t>
             </a:r>
-            <a:endParaRPr lang="en-AU" dirty="0"/>
+            <a:endParaRPr lang="en-AU" b="1" dirty="0">
+              <a:solidFill>
+                <a:schemeClr val="bg1"/>
+              </a:solidFill>
+            </a:endParaRPr>
           </a:p>
         </p:txBody>
       </p:sp>
@@ -5598,7 +6004,7 @@
         </p:nvSpPr>
         <p:spPr>
           <a:xfrm>
-            <a:off x="838200" y="1586039"/>
+            <a:off x="838200" y="1804403"/>
             <a:ext cx="10515600" cy="3981281"/>
           </a:xfrm>
         </p:spPr>
@@ -5613,19 +6019,7 @@
             </a:pPr>
             <a:r>
               <a:rPr lang="en-AU" sz="2400" dirty="0" smtClean="0"/>
-              <a:t>It is hypothesised </a:t>
-            </a:r>
-            <a:r>
-              <a:rPr lang="en-AU" sz="2400" dirty="0" smtClean="0"/>
-              <a:t>that the introduction of Cavin-1 to a PC3 model will modify the EV </a:t>
-            </a:r>
-            <a:r>
-              <a:rPr lang="en-AU" sz="2400" dirty="0" smtClean="0"/>
-              <a:t>miRNA </a:t>
-            </a:r>
-            <a:r>
-              <a:rPr lang="en-AU" sz="2400" dirty="0" smtClean="0"/>
-              <a:t>content due to a modification of RNA binding protein. </a:t>
+              <a:t>It is hypothesised that the introduction of Cavin-1 to a PC3 model will modify the EV miRNA content due to a modification of RNA binding protein. </a:t>
             </a:r>
           </a:p>
           <a:p>
@@ -5640,84 +6034,28 @@
             </a:pPr>
             <a:r>
               <a:rPr lang="en-AU" sz="2400" dirty="0" smtClean="0"/>
-              <a:t>Aims</a:t>
-            </a:r>
+              <a:t>Aims:</a:t>
+            </a:r>
+          </a:p>
+          <a:p>
+            <a:pPr marL="542925" indent="-276225"/>
             <a:r>
               <a:rPr lang="en-AU" sz="2400" dirty="0" smtClean="0"/>
-              <a:t>:</a:t>
+              <a:t>Identify the miRNAs that are selectively exported</a:t>
             </a:r>
           </a:p>
           <a:p>
             <a:pPr marL="542925" indent="-276225"/>
             <a:r>
               <a:rPr lang="en-AU" sz="2400" dirty="0" smtClean="0"/>
-              <a:t>Identify </a:t>
-            </a:r>
+              <a:t>Identify RNA-binding proteins correlated to the miRNA export</a:t>
+            </a:r>
+          </a:p>
+          <a:p>
+            <a:pPr marL="542925" indent="-276225"/>
             <a:r>
               <a:rPr lang="en-AU" sz="2400" dirty="0" smtClean="0"/>
-              <a:t>the </a:t>
-            </a:r>
-            <a:r>
-              <a:rPr lang="en-AU" sz="2400" dirty="0" smtClean="0"/>
-              <a:t>miRNAs </a:t>
-            </a:r>
-            <a:r>
-              <a:rPr lang="en-AU" sz="2400" dirty="0" smtClean="0"/>
-              <a:t>that are selectively exported</a:t>
-            </a:r>
-          </a:p>
-          <a:p>
-            <a:pPr marL="542925" indent="-276225"/>
-            <a:r>
-              <a:rPr lang="en-AU" sz="2400" dirty="0" smtClean="0"/>
-              <a:t>Identify </a:t>
-            </a:r>
-            <a:r>
-              <a:rPr lang="en-AU" sz="2400" dirty="0" smtClean="0"/>
-              <a:t>RNA-binding proteins correlated to the </a:t>
-            </a:r>
-            <a:r>
-              <a:rPr lang="en-AU" sz="2400" dirty="0" smtClean="0"/>
-              <a:t>miRNA </a:t>
-            </a:r>
-            <a:r>
-              <a:rPr lang="en-AU" sz="2400" dirty="0" smtClean="0"/>
-              <a:t>export</a:t>
-            </a:r>
-          </a:p>
-          <a:p>
-            <a:pPr marL="542925" indent="-276225"/>
-            <a:r>
-              <a:rPr lang="en-AU" sz="2400" dirty="0" smtClean="0"/>
-              <a:t>Verify </a:t>
-            </a:r>
-            <a:r>
-              <a:rPr lang="en-AU" sz="2400" dirty="0" smtClean="0"/>
-              <a:t>candidate </a:t>
-            </a:r>
-            <a:r>
-              <a:rPr lang="en-AU" sz="2400" dirty="0" smtClean="0"/>
-              <a:t>miRNA </a:t>
-            </a:r>
-            <a:r>
-              <a:rPr lang="en-AU" sz="2400" dirty="0" smtClean="0"/>
-              <a:t>escort proteins ability to bind to </a:t>
-            </a:r>
-            <a:r>
-              <a:rPr lang="en-AU" sz="2400" dirty="0" smtClean="0"/>
-              <a:t>miRNAs </a:t>
-            </a:r>
-            <a:r>
-              <a:rPr lang="en-AU" sz="2400" dirty="0" smtClean="0"/>
-              <a:t>and transport </a:t>
-            </a:r>
-            <a:r>
-              <a:rPr lang="en-AU" sz="2400" dirty="0" smtClean="0"/>
-              <a:t>to </a:t>
-            </a:r>
-            <a:r>
-              <a:rPr lang="en-AU" sz="2400" dirty="0" smtClean="0"/>
-              <a:t>EVs.</a:t>
+              <a:t>Verify candidate miRNA escort proteins ability to bind to miRNAs and transport to EVs.</a:t>
             </a:r>
           </a:p>
         </p:txBody>
@@ -5732,6 +6070,13 @@
   <p:clrMapOvr>
     <a:masterClrMapping/>
   </p:clrMapOvr>
+  <p:timing>
+    <p:tnLst>
+      <p:par>
+        <p:cTn id="1" dur="indefinite" restart="never" nodeType="tmRoot"/>
+      </p:par>
+    </p:tnLst>
+  </p:timing>
 </p:sld>
 </file>
 
@@ -5768,18 +6113,34 @@
           <a:lstStyle/>
           <a:p>
             <a:r>
-              <a:rPr lang="en-US" dirty="0" smtClean="0"/>
+              <a:rPr lang="en-US" b="1" dirty="0" smtClean="0">
+                <a:solidFill>
+                  <a:schemeClr val="bg1"/>
+                </a:solidFill>
+              </a:rPr>
               <a:t>Aim 1: Analysis of </a:t>
             </a:r>
             <a:r>
-              <a:rPr lang="en-US" dirty="0" err="1" smtClean="0"/>
+              <a:rPr lang="en-US" b="1" dirty="0" err="1" smtClean="0">
+                <a:solidFill>
+                  <a:schemeClr val="bg1"/>
+                </a:solidFill>
+              </a:rPr>
               <a:t>miRNA</a:t>
             </a:r>
             <a:r>
-              <a:rPr lang="en-US" dirty="0" smtClean="0"/>
+              <a:rPr lang="en-US" b="1" dirty="0" smtClean="0">
+                <a:solidFill>
+                  <a:schemeClr val="bg1"/>
+                </a:solidFill>
+              </a:rPr>
               <a:t> export</a:t>
             </a:r>
-            <a:endParaRPr lang="en-AU" dirty="0"/>
+            <a:endParaRPr lang="en-AU" b="1" dirty="0">
+              <a:solidFill>
+                <a:schemeClr val="bg1"/>
+              </a:solidFill>
+            </a:endParaRPr>
           </a:p>
         </p:txBody>
       </p:sp>
@@ -5834,7 +6195,6 @@
               <a:rPr lang="en-AU" sz="2200" dirty="0" smtClean="0"/>
               <a:t> data compiled for cell and EV fraction of PC3 GFP cells and PC3 cavin-1 transfected cells. </a:t>
             </a:r>
-            <a:endParaRPr lang="en-AU" sz="2200" dirty="0" smtClean="0"/>
           </a:p>
           <a:p>
             <a:pPr marL="0" indent="0">
@@ -5845,11 +6205,7 @@
           <a:p>
             <a:r>
               <a:rPr lang="en-AU" sz="2200" dirty="0" smtClean="0"/>
-              <a:t>Using R packages to find fold change differences between Cavin-1 and </a:t>
-            </a:r>
-            <a:r>
-              <a:rPr lang="en-AU" sz="2200" dirty="0" smtClean="0"/>
-              <a:t>GFP</a:t>
+              <a:t>Using R packages to find fold change differences between Cavin-1 and GFP</a:t>
             </a:r>
           </a:p>
           <a:p>
@@ -5875,15 +6231,7 @@
           <a:p>
             <a:r>
               <a:rPr lang="en-AU" sz="2200" dirty="0" smtClean="0"/>
-              <a:t>Compare </a:t>
-            </a:r>
-            <a:r>
-              <a:rPr lang="en-AU" sz="2200" dirty="0" smtClean="0"/>
-              <a:t>FC of cavin-1/GFP </a:t>
-            </a:r>
-            <a:r>
-              <a:rPr lang="en-AU" sz="2200" dirty="0" smtClean="0"/>
-              <a:t>between cell and EV to find differentially exported </a:t>
+              <a:t>Compare FC of cavin-1/GFP between cell and EV to find differentially exported </a:t>
             </a:r>
             <a:r>
               <a:rPr lang="en-AU" sz="2200" dirty="0" err="1" smtClean="0"/>
@@ -6749,6 +7097,13 @@
   <p:clrMapOvr>
     <a:masterClrMapping/>
   </p:clrMapOvr>
+  <p:timing>
+    <p:tnLst>
+      <p:par>
+        <p:cTn id="1" dur="indefinite" restart="never" nodeType="tmRoot"/>
+      </p:par>
+    </p:tnLst>
+  </p:timing>
 </p:sld>
 </file>
 
@@ -6785,18 +7140,34 @@
           <a:lstStyle/>
           <a:p>
             <a:r>
-              <a:rPr lang="en-US" dirty="0" smtClean="0"/>
+              <a:rPr lang="en-US" b="1" dirty="0" smtClean="0">
+                <a:solidFill>
+                  <a:schemeClr val="bg1"/>
+                </a:solidFill>
+              </a:rPr>
               <a:t>Aim 1: Analysis of </a:t>
             </a:r>
             <a:r>
-              <a:rPr lang="en-US" dirty="0" err="1" smtClean="0"/>
+              <a:rPr lang="en-US" b="1" dirty="0" err="1" smtClean="0">
+                <a:solidFill>
+                  <a:schemeClr val="bg1"/>
+                </a:solidFill>
+              </a:rPr>
               <a:t>miRNA</a:t>
             </a:r>
             <a:r>
-              <a:rPr lang="en-US" dirty="0" smtClean="0"/>
+              <a:rPr lang="en-US" b="1" dirty="0" smtClean="0">
+                <a:solidFill>
+                  <a:schemeClr val="bg1"/>
+                </a:solidFill>
+              </a:rPr>
               <a:t> export. Cont. </a:t>
             </a:r>
-            <a:endParaRPr lang="en-AU" dirty="0"/>
+            <a:endParaRPr lang="en-AU" b="1" dirty="0">
+              <a:solidFill>
+                <a:schemeClr val="bg1"/>
+              </a:solidFill>
+            </a:endParaRPr>
           </a:p>
         </p:txBody>
       </p:sp>
@@ -6880,8 +7251,8 @@
         </p:nvCxnSpPr>
         <p:spPr>
           <a:xfrm>
-            <a:off x="4001730" y="4494293"/>
-            <a:ext cx="0" cy="492729"/>
+            <a:off x="3800962" y="4494293"/>
+            <a:ext cx="539026" cy="457594"/>
           </a:xfrm>
           <a:prstGeom prst="straightConnector1">
             <a:avLst/>
@@ -6916,8 +7287,8 @@
         </p:nvSpPr>
         <p:spPr>
           <a:xfrm>
-            <a:off x="3309643" y="4987022"/>
-            <a:ext cx="1405321" cy="584775"/>
+            <a:off x="4179428" y="4971634"/>
+            <a:ext cx="981359" cy="338554"/>
           </a:xfrm>
           <a:prstGeom prst="rect">
             <a:avLst/>
@@ -6935,23 +7306,8 @@
               <a:t>Using </a:t>
             </a:r>
             <a:r>
-              <a:rPr lang="en-US" sz="1600" dirty="0" err="1"/>
-              <a:t>m</a:t>
-            </a:r>
-            <a:r>
-              <a:rPr lang="en-US" sz="1600" dirty="0" err="1" smtClean="0"/>
-              <a:t>iRvana</a:t>
-            </a:r>
-            <a:endParaRPr lang="en-US" sz="1600" dirty="0" smtClean="0"/>
-          </a:p>
-          <a:p>
-            <a:r>
-              <a:rPr lang="en-US" sz="1600" dirty="0"/>
-              <a:t> </a:t>
-            </a:r>
-            <a:r>
               <a:rPr lang="en-US" sz="1600" dirty="0" smtClean="0"/>
-              <a:t>        kit</a:t>
+              <a:t>kits</a:t>
             </a:r>
             <a:endParaRPr lang="en-AU" sz="1600" dirty="0"/>
           </a:p>
@@ -7131,6 +7487,42 @@
           </a:fontRef>
         </p:style>
       </p:cxnSp>
+      <p:cxnSp>
+        <p:nvCxnSpPr>
+          <p:cNvPr id="14" name="Straight Arrow Connector 13"/>
+          <p:cNvCxnSpPr/>
+          <p:nvPr/>
+        </p:nvCxnSpPr>
+        <p:spPr>
+          <a:xfrm flipH="1">
+            <a:off x="5060117" y="4509536"/>
+            <a:ext cx="530828" cy="439686"/>
+          </a:xfrm>
+          <a:prstGeom prst="straightConnector1">
+            <a:avLst/>
+          </a:prstGeom>
+          <a:ln>
+            <a:solidFill>
+              <a:schemeClr val="tx1"/>
+            </a:solidFill>
+            <a:tailEnd type="triangle"/>
+          </a:ln>
+        </p:spPr>
+        <p:style>
+          <a:lnRef idx="1">
+            <a:schemeClr val="accent6"/>
+          </a:lnRef>
+          <a:fillRef idx="0">
+            <a:schemeClr val="accent6"/>
+          </a:fillRef>
+          <a:effectRef idx="0">
+            <a:schemeClr val="accent6"/>
+          </a:effectRef>
+          <a:fontRef idx="minor">
+            <a:schemeClr val="tx1"/>
+          </a:fontRef>
+        </p:style>
+      </p:cxnSp>
     </p:spTree>
     <p:extLst>
       <p:ext uri="{BB962C8B-B14F-4D97-AF65-F5344CB8AC3E}">
@@ -7141,6 +7533,13 @@
   <p:clrMapOvr>
     <a:masterClrMapping/>
   </p:clrMapOvr>
+  <p:timing>
+    <p:tnLst>
+      <p:par>
+        <p:cTn id="1" dur="indefinite" restart="never" nodeType="tmRoot"/>
+      </p:par>
+    </p:tnLst>
+  </p:timing>
 </p:sld>
 </file>
 

--- a/BackgroundInfo/Selective export of microRNA via extracellular vesicles.pptx
+++ b/BackgroundInfo/Selective export of microRNA via extracellular vesicles.pptx
@@ -5,23 +5,24 @@
     <p:sldMasterId id="2147483660" r:id="rId1"/>
   </p:sldMasterIdLst>
   <p:notesMasterIdLst>
-    <p:notesMasterId r:id="rId16"/>
+    <p:notesMasterId r:id="rId17"/>
   </p:notesMasterIdLst>
   <p:sldIdLst>
     <p:sldId id="256" r:id="rId2"/>
     <p:sldId id="266" r:id="rId3"/>
     <p:sldId id="258" r:id="rId4"/>
     <p:sldId id="259" r:id="rId5"/>
-    <p:sldId id="260" r:id="rId6"/>
-    <p:sldId id="261" r:id="rId7"/>
-    <p:sldId id="263" r:id="rId8"/>
-    <p:sldId id="264" r:id="rId9"/>
-    <p:sldId id="265" r:id="rId10"/>
-    <p:sldId id="267" r:id="rId11"/>
-    <p:sldId id="268" r:id="rId12"/>
-    <p:sldId id="269" r:id="rId13"/>
-    <p:sldId id="270" r:id="rId14"/>
-    <p:sldId id="271" r:id="rId15"/>
+    <p:sldId id="272" r:id="rId6"/>
+    <p:sldId id="260" r:id="rId7"/>
+    <p:sldId id="261" r:id="rId8"/>
+    <p:sldId id="263" r:id="rId9"/>
+    <p:sldId id="264" r:id="rId10"/>
+    <p:sldId id="265" r:id="rId11"/>
+    <p:sldId id="267" r:id="rId12"/>
+    <p:sldId id="268" r:id="rId13"/>
+    <p:sldId id="269" r:id="rId14"/>
+    <p:sldId id="270" r:id="rId15"/>
+    <p:sldId id="271" r:id="rId16"/>
   </p:sldIdLst>
   <p:sldSz cx="12192000" cy="6858000"/>
   <p:notesSz cx="6858000" cy="9144000"/>
@@ -210,7 +211,7 @@
           <a:p>
             <a:fld id="{0B21FBDF-C287-422C-92BB-131BF3E59FE0}" type="datetimeFigureOut">
               <a:rPr lang="en-AU" smtClean="0"/>
-              <a:t>14/03/2016</a:t>
+              <a:t>15/03/2016</a:t>
             </a:fld>
             <a:endParaRPr lang="en-AU"/>
           </a:p>
@@ -776,7 +777,7 @@
           <a:p>
             <a:fld id="{50E92962-0362-434D-A7A6-86BA87293389}" type="slidenum">
               <a:rPr lang="en-AU" smtClean="0"/>
-              <a:t>10</a:t>
+              <a:t>11</a:t>
             </a:fld>
             <a:endParaRPr lang="en-AU"/>
           </a:p>
@@ -860,7 +861,7 @@
           <a:p>
             <a:fld id="{50E92962-0362-434D-A7A6-86BA87293389}" type="slidenum">
               <a:rPr lang="en-AU" smtClean="0"/>
-              <a:t>11</a:t>
+              <a:t>12</a:t>
             </a:fld>
             <a:endParaRPr lang="en-AU"/>
           </a:p>
@@ -1010,7 +1011,7 @@
           <a:p>
             <a:fld id="{D006A5F5-722B-4365-93E1-21E835194C29}" type="datetimeFigureOut">
               <a:rPr lang="en-AU" smtClean="0"/>
-              <a:t>14/03/2016</a:t>
+              <a:t>15/03/2016</a:t>
             </a:fld>
             <a:endParaRPr lang="en-AU"/>
           </a:p>
@@ -1180,7 +1181,7 @@
           <a:p>
             <a:fld id="{D006A5F5-722B-4365-93E1-21E835194C29}" type="datetimeFigureOut">
               <a:rPr lang="en-AU" smtClean="0"/>
-              <a:t>14/03/2016</a:t>
+              <a:t>15/03/2016</a:t>
             </a:fld>
             <a:endParaRPr lang="en-AU"/>
           </a:p>
@@ -1360,7 +1361,7 @@
           <a:p>
             <a:fld id="{D006A5F5-722B-4365-93E1-21E835194C29}" type="datetimeFigureOut">
               <a:rPr lang="en-AU" smtClean="0"/>
-              <a:t>14/03/2016</a:t>
+              <a:t>15/03/2016</a:t>
             </a:fld>
             <a:endParaRPr lang="en-AU"/>
           </a:p>
@@ -1530,7 +1531,7 @@
           <a:p>
             <a:fld id="{D006A5F5-722B-4365-93E1-21E835194C29}" type="datetimeFigureOut">
               <a:rPr lang="en-AU" smtClean="0"/>
-              <a:t>14/03/2016</a:t>
+              <a:t>15/03/2016</a:t>
             </a:fld>
             <a:endParaRPr lang="en-AU"/>
           </a:p>
@@ -1776,7 +1777,7 @@
           <a:p>
             <a:fld id="{D006A5F5-722B-4365-93E1-21E835194C29}" type="datetimeFigureOut">
               <a:rPr lang="en-AU" smtClean="0"/>
-              <a:t>14/03/2016</a:t>
+              <a:t>15/03/2016</a:t>
             </a:fld>
             <a:endParaRPr lang="en-AU"/>
           </a:p>
@@ -2008,7 +2009,7 @@
           <a:p>
             <a:fld id="{D006A5F5-722B-4365-93E1-21E835194C29}" type="datetimeFigureOut">
               <a:rPr lang="en-AU" smtClean="0"/>
-              <a:t>14/03/2016</a:t>
+              <a:t>15/03/2016</a:t>
             </a:fld>
             <a:endParaRPr lang="en-AU"/>
           </a:p>
@@ -2375,7 +2376,7 @@
           <a:p>
             <a:fld id="{D006A5F5-722B-4365-93E1-21E835194C29}" type="datetimeFigureOut">
               <a:rPr lang="en-AU" smtClean="0"/>
-              <a:t>14/03/2016</a:t>
+              <a:t>15/03/2016</a:t>
             </a:fld>
             <a:endParaRPr lang="en-AU"/>
           </a:p>
@@ -2493,7 +2494,7 @@
           <a:p>
             <a:fld id="{D006A5F5-722B-4365-93E1-21E835194C29}" type="datetimeFigureOut">
               <a:rPr lang="en-AU" smtClean="0"/>
-              <a:t>14/03/2016</a:t>
+              <a:t>15/03/2016</a:t>
             </a:fld>
             <a:endParaRPr lang="en-AU"/>
           </a:p>
@@ -2588,7 +2589,7 @@
           <a:p>
             <a:fld id="{D006A5F5-722B-4365-93E1-21E835194C29}" type="datetimeFigureOut">
               <a:rPr lang="en-AU" smtClean="0"/>
-              <a:t>14/03/2016</a:t>
+              <a:t>15/03/2016</a:t>
             </a:fld>
             <a:endParaRPr lang="en-AU"/>
           </a:p>
@@ -2865,7 +2866,7 @@
           <a:p>
             <a:fld id="{D006A5F5-722B-4365-93E1-21E835194C29}" type="datetimeFigureOut">
               <a:rPr lang="en-AU" smtClean="0"/>
-              <a:t>14/03/2016</a:t>
+              <a:t>15/03/2016</a:t>
             </a:fld>
             <a:endParaRPr lang="en-AU"/>
           </a:p>
@@ -3122,7 +3123,7 @@
           <a:p>
             <a:fld id="{D006A5F5-722B-4365-93E1-21E835194C29}" type="datetimeFigureOut">
               <a:rPr lang="en-AU" smtClean="0"/>
-              <a:t>14/03/2016</a:t>
+              <a:t>15/03/2016</a:t>
             </a:fld>
             <a:endParaRPr lang="en-AU"/>
           </a:p>
@@ -3344,7 +3345,7 @@
           <a:p>
             <a:fld id="{D006A5F5-722B-4365-93E1-21E835194C29}" type="datetimeFigureOut">
               <a:rPr lang="en-AU" smtClean="0"/>
-              <a:t>14/03/2016</a:t>
+              <a:t>15/03/2016</a:t>
             </a:fld>
             <a:endParaRPr lang="en-AU"/>
           </a:p>
@@ -3899,6 +3900,438 @@
         </p:nvSpPr>
         <p:spPr/>
         <p:txBody>
+          <a:bodyPr/>
+          <a:lstStyle/>
+          <a:p>
+            <a:r>
+              <a:rPr lang="en-US" b="1" dirty="0" smtClean="0">
+                <a:solidFill>
+                  <a:schemeClr val="bg1"/>
+                </a:solidFill>
+              </a:rPr>
+              <a:t>Aim 1: Analysis of </a:t>
+            </a:r>
+            <a:r>
+              <a:rPr lang="en-US" b="1" dirty="0" err="1" smtClean="0">
+                <a:solidFill>
+                  <a:schemeClr val="bg1"/>
+                </a:solidFill>
+              </a:rPr>
+              <a:t>miRNA</a:t>
+            </a:r>
+            <a:r>
+              <a:rPr lang="en-US" b="1" dirty="0" smtClean="0">
+                <a:solidFill>
+                  <a:schemeClr val="bg1"/>
+                </a:solidFill>
+              </a:rPr>
+              <a:t> export. Cont. </a:t>
+            </a:r>
+            <a:endParaRPr lang="en-AU" b="1" dirty="0">
+              <a:solidFill>
+                <a:schemeClr val="bg1"/>
+              </a:solidFill>
+            </a:endParaRPr>
+          </a:p>
+        </p:txBody>
+      </p:sp>
+      <p:sp>
+        <p:nvSpPr>
+          <p:cNvPr id="3" name="Content Placeholder 2"/>
+          <p:cNvSpPr>
+            <a:spLocks noGrp="1"/>
+          </p:cNvSpPr>
+          <p:nvPr>
+            <p:ph idx="1"/>
+          </p:nvPr>
+        </p:nvSpPr>
+        <p:spPr/>
+        <p:txBody>
+          <a:bodyPr/>
+          <a:lstStyle/>
+          <a:p>
+            <a:pPr marL="0" indent="0">
+              <a:buNone/>
+            </a:pPr>
+            <a:r>
+              <a:rPr lang="en-AU" dirty="0" smtClean="0"/>
+              <a:t>Method 2: RT-</a:t>
+            </a:r>
+            <a:r>
+              <a:rPr lang="en-AU" dirty="0" err="1" smtClean="0"/>
+              <a:t>qPCR</a:t>
+            </a:r>
+            <a:endParaRPr lang="en-AU" dirty="0" smtClean="0"/>
+          </a:p>
+          <a:p>
+            <a:pPr marL="0" indent="0">
+              <a:buNone/>
+            </a:pPr>
+            <a:endParaRPr lang="en-AU" dirty="0" smtClean="0"/>
+          </a:p>
+          <a:p>
+            <a:pPr marL="0" indent="0">
+              <a:buNone/>
+            </a:pPr>
+            <a:endParaRPr lang="en-AU" dirty="0"/>
+          </a:p>
+        </p:txBody>
+      </p:sp>
+      <p:pic>
+        <p:nvPicPr>
+          <p:cNvPr id="15" name="Picture 14"/>
+          <p:cNvPicPr>
+            <a:picLocks noChangeAspect="1"/>
+          </p:cNvPicPr>
+          <p:nvPr/>
+        </p:nvPicPr>
+        <p:blipFill>
+          <a:blip r:embed="rId2">
+            <a:extLst>
+              <a:ext uri="{28A0092B-C50C-407E-A947-70E740481C1C}">
+                <a14:useLocalDpi xmlns:a14="http://schemas.microsoft.com/office/drawing/2010/main" val="0"/>
+              </a:ext>
+            </a:extLst>
+          </a:blip>
+          <a:stretch>
+            <a:fillRect/>
+          </a:stretch>
+        </p:blipFill>
+        <p:spPr>
+          <a:xfrm>
+            <a:off x="1132239" y="2900362"/>
+            <a:ext cx="9507185" cy="1543051"/>
+          </a:xfrm>
+          <a:prstGeom prst="rect">
+            <a:avLst/>
+          </a:prstGeom>
+        </p:spPr>
+      </p:pic>
+      <p:cxnSp>
+        <p:nvCxnSpPr>
+          <p:cNvPr id="7" name="Straight Arrow Connector 6"/>
+          <p:cNvCxnSpPr/>
+          <p:nvPr/>
+        </p:nvCxnSpPr>
+        <p:spPr>
+          <a:xfrm>
+            <a:off x="3800962" y="4494293"/>
+            <a:ext cx="539026" cy="457594"/>
+          </a:xfrm>
+          <a:prstGeom prst="straightConnector1">
+            <a:avLst/>
+          </a:prstGeom>
+          <a:ln>
+            <a:solidFill>
+              <a:schemeClr val="tx1"/>
+            </a:solidFill>
+            <a:tailEnd type="triangle"/>
+          </a:ln>
+        </p:spPr>
+        <p:style>
+          <a:lnRef idx="1">
+            <a:schemeClr val="accent6"/>
+          </a:lnRef>
+          <a:fillRef idx="0">
+            <a:schemeClr val="accent6"/>
+          </a:fillRef>
+          <a:effectRef idx="0">
+            <a:schemeClr val="accent6"/>
+          </a:effectRef>
+          <a:fontRef idx="minor">
+            <a:schemeClr val="tx1"/>
+          </a:fontRef>
+        </p:style>
+      </p:cxnSp>
+      <p:sp>
+        <p:nvSpPr>
+          <p:cNvPr id="8" name="TextBox 7"/>
+          <p:cNvSpPr txBox="1"/>
+          <p:nvPr/>
+        </p:nvSpPr>
+        <p:spPr>
+          <a:xfrm>
+            <a:off x="4179428" y="4971634"/>
+            <a:ext cx="981359" cy="338554"/>
+          </a:xfrm>
+          <a:prstGeom prst="rect">
+            <a:avLst/>
+          </a:prstGeom>
+          <a:noFill/>
+        </p:spPr>
+        <p:txBody>
+          <a:bodyPr wrap="none" rtlCol="0">
+            <a:spAutoFit/>
+          </a:bodyPr>
+          <a:lstStyle/>
+          <a:p>
+            <a:r>
+              <a:rPr lang="en-US" sz="1600" dirty="0" smtClean="0"/>
+              <a:t>Using kits</a:t>
+            </a:r>
+            <a:endParaRPr lang="en-AU" sz="1600" dirty="0"/>
+          </a:p>
+        </p:txBody>
+      </p:sp>
+      <p:sp>
+        <p:nvSpPr>
+          <p:cNvPr id="9" name="TextBox 8"/>
+          <p:cNvSpPr txBox="1"/>
+          <p:nvPr/>
+        </p:nvSpPr>
+        <p:spPr>
+          <a:xfrm>
+            <a:off x="5907186" y="4951887"/>
+            <a:ext cx="2278587" cy="584775"/>
+          </a:xfrm>
+          <a:prstGeom prst="rect">
+            <a:avLst/>
+          </a:prstGeom>
+          <a:noFill/>
+        </p:spPr>
+        <p:txBody>
+          <a:bodyPr wrap="square" rtlCol="0">
+            <a:spAutoFit/>
+          </a:bodyPr>
+          <a:lstStyle/>
+          <a:p>
+            <a:pPr marL="285750" indent="-285750">
+              <a:buFont typeface="Arial" panose="020B0604020202020204" pitchFamily="34" charset="0"/>
+              <a:buChar char="•"/>
+            </a:pPr>
+            <a:r>
+              <a:rPr lang="en-US" sz="1600" dirty="0" smtClean="0"/>
+              <a:t>Addition of poly-A tail</a:t>
+            </a:r>
+          </a:p>
+          <a:p>
+            <a:pPr marL="285750" indent="-285750">
+              <a:buFont typeface="Arial" panose="020B0604020202020204" pitchFamily="34" charset="0"/>
+              <a:buChar char="•"/>
+            </a:pPr>
+            <a:r>
+              <a:rPr lang="en-US" sz="1600" dirty="0" smtClean="0"/>
+              <a:t>cDNA conversion  </a:t>
+            </a:r>
+            <a:endParaRPr lang="en-AU" sz="1600" dirty="0"/>
+          </a:p>
+        </p:txBody>
+      </p:sp>
+      <p:cxnSp>
+        <p:nvCxnSpPr>
+          <p:cNvPr id="11" name="Straight Arrow Connector 10"/>
+          <p:cNvCxnSpPr/>
+          <p:nvPr/>
+        </p:nvCxnSpPr>
+        <p:spPr>
+          <a:xfrm>
+            <a:off x="7544693" y="4459158"/>
+            <a:ext cx="0" cy="492729"/>
+          </a:xfrm>
+          <a:prstGeom prst="straightConnector1">
+            <a:avLst/>
+          </a:prstGeom>
+          <a:ln>
+            <a:solidFill>
+              <a:schemeClr val="tx1"/>
+            </a:solidFill>
+            <a:tailEnd type="triangle"/>
+          </a:ln>
+        </p:spPr>
+        <p:style>
+          <a:lnRef idx="1">
+            <a:schemeClr val="accent6"/>
+          </a:lnRef>
+          <a:fillRef idx="0">
+            <a:schemeClr val="accent6"/>
+          </a:fillRef>
+          <a:effectRef idx="0">
+            <a:schemeClr val="accent6"/>
+          </a:effectRef>
+          <a:fontRef idx="minor">
+            <a:schemeClr val="tx1"/>
+          </a:fontRef>
+        </p:style>
+      </p:cxnSp>
+      <p:sp>
+        <p:nvSpPr>
+          <p:cNvPr id="10" name="TextBox 9"/>
+          <p:cNvSpPr txBox="1"/>
+          <p:nvPr/>
+        </p:nvSpPr>
+        <p:spPr>
+          <a:xfrm>
+            <a:off x="8502014" y="4951887"/>
+            <a:ext cx="2268485" cy="1323439"/>
+          </a:xfrm>
+          <a:prstGeom prst="rect">
+            <a:avLst/>
+          </a:prstGeom>
+          <a:noFill/>
+        </p:spPr>
+        <p:txBody>
+          <a:bodyPr wrap="square" rtlCol="0">
+            <a:spAutoFit/>
+          </a:bodyPr>
+          <a:lstStyle/>
+          <a:p>
+            <a:pPr marL="285750" indent="-285750">
+              <a:buFont typeface="Arial" panose="020B0604020202020204" pitchFamily="34" charset="0"/>
+              <a:buChar char="•"/>
+            </a:pPr>
+            <a:r>
+              <a:rPr lang="en-US" sz="1600" dirty="0" smtClean="0"/>
+              <a:t>Average triplicates</a:t>
+            </a:r>
+          </a:p>
+          <a:p>
+            <a:pPr marL="285750" indent="-285750">
+              <a:buFont typeface="Arial" panose="020B0604020202020204" pitchFamily="34" charset="0"/>
+              <a:buChar char="•"/>
+            </a:pPr>
+            <a:r>
+              <a:rPr lang="en-US" sz="1600" dirty="0"/>
+              <a:t>C</a:t>
+            </a:r>
+            <a:r>
+              <a:rPr lang="en-US" sz="1600" dirty="0" smtClean="0"/>
+              <a:t>ompare GFP to Cavin-1 to find Fold Change  </a:t>
+            </a:r>
+          </a:p>
+          <a:p>
+            <a:pPr marL="285750" indent="-285750">
+              <a:buFont typeface="Arial" panose="020B0604020202020204" pitchFamily="34" charset="0"/>
+              <a:buChar char="•"/>
+            </a:pPr>
+            <a:r>
+              <a:rPr lang="en-US" sz="1600" dirty="0" smtClean="0"/>
+              <a:t>T-Test</a:t>
+            </a:r>
+            <a:endParaRPr lang="en-AU" sz="1600" dirty="0"/>
+          </a:p>
+        </p:txBody>
+      </p:sp>
+      <p:cxnSp>
+        <p:nvCxnSpPr>
+          <p:cNvPr id="13" name="Straight Arrow Connector 12"/>
+          <p:cNvCxnSpPr/>
+          <p:nvPr/>
+        </p:nvCxnSpPr>
+        <p:spPr>
+          <a:xfrm>
+            <a:off x="9428788" y="4494293"/>
+            <a:ext cx="0" cy="492729"/>
+          </a:xfrm>
+          <a:prstGeom prst="straightConnector1">
+            <a:avLst/>
+          </a:prstGeom>
+          <a:ln>
+            <a:solidFill>
+              <a:schemeClr val="tx1"/>
+            </a:solidFill>
+            <a:tailEnd type="triangle"/>
+          </a:ln>
+        </p:spPr>
+        <p:style>
+          <a:lnRef idx="1">
+            <a:schemeClr val="accent6"/>
+          </a:lnRef>
+          <a:fillRef idx="0">
+            <a:schemeClr val="accent6"/>
+          </a:fillRef>
+          <a:effectRef idx="0">
+            <a:schemeClr val="accent6"/>
+          </a:effectRef>
+          <a:fontRef idx="minor">
+            <a:schemeClr val="tx1"/>
+          </a:fontRef>
+        </p:style>
+      </p:cxnSp>
+      <p:cxnSp>
+        <p:nvCxnSpPr>
+          <p:cNvPr id="14" name="Straight Arrow Connector 13"/>
+          <p:cNvCxnSpPr/>
+          <p:nvPr/>
+        </p:nvCxnSpPr>
+        <p:spPr>
+          <a:xfrm flipH="1">
+            <a:off x="5060117" y="4509536"/>
+            <a:ext cx="530828" cy="439686"/>
+          </a:xfrm>
+          <a:prstGeom prst="straightConnector1">
+            <a:avLst/>
+          </a:prstGeom>
+          <a:ln>
+            <a:solidFill>
+              <a:schemeClr val="tx1"/>
+            </a:solidFill>
+            <a:tailEnd type="triangle"/>
+          </a:ln>
+        </p:spPr>
+        <p:style>
+          <a:lnRef idx="1">
+            <a:schemeClr val="accent6"/>
+          </a:lnRef>
+          <a:fillRef idx="0">
+            <a:schemeClr val="accent6"/>
+          </a:fillRef>
+          <a:effectRef idx="0">
+            <a:schemeClr val="accent6"/>
+          </a:effectRef>
+          <a:fontRef idx="minor">
+            <a:schemeClr val="tx1"/>
+          </a:fontRef>
+        </p:style>
+      </p:cxnSp>
+    </p:spTree>
+    <p:extLst>
+      <p:ext uri="{BB962C8B-B14F-4D97-AF65-F5344CB8AC3E}">
+        <p14:creationId xmlns:p14="http://schemas.microsoft.com/office/powerpoint/2010/main" val="4287831108"/>
+      </p:ext>
+    </p:extLst>
+  </p:cSld>
+  <p:clrMapOvr>
+    <a:masterClrMapping/>
+  </p:clrMapOvr>
+  <p:timing>
+    <p:tnLst>
+      <p:par>
+        <p:cTn id="1" dur="indefinite" restart="never" nodeType="tmRoot"/>
+      </p:par>
+    </p:tnLst>
+  </p:timing>
+</p:sld>
+</file>
+
+<file path=ppt/slides/slide11.xml><?xml version="1.0" encoding="utf-8"?>
+<p:sld xmlns:a="http://schemas.openxmlformats.org/drawingml/2006/main" xmlns:r="http://schemas.openxmlformats.org/officeDocument/2006/relationships" xmlns:p="http://schemas.openxmlformats.org/presentationml/2006/main">
+  <p:cSld>
+    <p:spTree>
+      <p:nvGrpSpPr>
+        <p:cNvPr id="1" name=""/>
+        <p:cNvGrpSpPr/>
+        <p:nvPr/>
+      </p:nvGrpSpPr>
+      <p:grpSpPr>
+        <a:xfrm>
+          <a:off x="0" y="0"/>
+          <a:ext cx="0" cy="0"/>
+          <a:chOff x="0" y="0"/>
+          <a:chExt cx="0" cy="0"/>
+        </a:xfrm>
+      </p:grpSpPr>
+      <p:sp>
+        <p:nvSpPr>
+          <p:cNvPr id="2" name="Title 1"/>
+          <p:cNvSpPr>
+            <a:spLocks noGrp="1"/>
+          </p:cNvSpPr>
+          <p:nvPr>
+            <p:ph type="title"/>
+          </p:nvPr>
+        </p:nvSpPr>
+        <p:spPr/>
+        <p:txBody>
           <a:bodyPr>
             <a:normAutofit/>
           </a:bodyPr>
@@ -3965,7 +4398,6 @@
               <a:rPr lang="en-AU" sz="2200" dirty="0" smtClean="0"/>
               <a:t>Method 1: Computational analysis. </a:t>
             </a:r>
-            <a:endParaRPr lang="en-AU" sz="2200" dirty="0" smtClean="0"/>
           </a:p>
           <a:p>
             <a:pPr marL="0" indent="0">
@@ -3981,9 +4413,16 @@
             </a:pPr>
             <a:r>
               <a:rPr lang="en-AU" sz="2200" dirty="0" smtClean="0"/>
-              <a:t>Previous proteomics data collected for the lipid raft, plasma membrane and EVs using tandem mass spectrometry for PC3 GFP and PC3 cavin-1 cells. </a:t>
-            </a:r>
-            <a:endParaRPr lang="en-AU" sz="2200" dirty="0" smtClean="0"/>
+              <a:t>Previous proteomics data collected for the lipid raft, </a:t>
+            </a:r>
+            <a:r>
+              <a:rPr lang="en-AU" sz="2200" dirty="0" smtClean="0"/>
+              <a:t>total </a:t>
+            </a:r>
+            <a:r>
+              <a:rPr lang="en-AU" sz="2200" dirty="0" smtClean="0"/>
+              <a:t>membrane and EVs using tandem mass spectrometry for PC3 GFP and PC3 cavin-1 cells. </a:t>
+            </a:r>
           </a:p>
           <a:p>
             <a:pPr marL="0" indent="0">
@@ -4010,11 +4449,7 @@
             </a:r>
             <a:r>
               <a:rPr lang="en-US" sz="2200" dirty="0" smtClean="0"/>
-              <a:t> export</a:t>
-            </a:r>
-            <a:r>
-              <a:rPr lang="en-US" sz="2200" dirty="0" smtClean="0"/>
-              <a:t>.</a:t>
+              <a:t> export.</a:t>
             </a:r>
           </a:p>
           <a:p>
@@ -4089,7 +4524,7 @@
 </p:sld>
 </file>
 
-<file path=ppt/slides/slide11.xml><?xml version="1.0" encoding="utf-8"?>
+<file path=ppt/slides/slide12.xml><?xml version="1.0" encoding="utf-8"?>
 <p:sld xmlns:a="http://schemas.openxmlformats.org/drawingml/2006/main" xmlns:r="http://schemas.openxmlformats.org/officeDocument/2006/relationships" xmlns:p="http://schemas.openxmlformats.org/presentationml/2006/main">
   <p:cSld>
     <p:spTree>
@@ -4214,11 +4649,7 @@
             </a:r>
             <a:r>
               <a:rPr lang="en-US" sz="2400" dirty="0" smtClean="0"/>
-              <a:t> </a:t>
-            </a:r>
-            <a:r>
-              <a:rPr lang="en-US" sz="2400" dirty="0" smtClean="0"/>
-              <a:t>Literature search for known binding 	motif of candidate protein. </a:t>
+              <a:t> Literature search for known binding 	motif of candidate protein. </a:t>
             </a:r>
           </a:p>
           <a:p>
@@ -4286,11 +4717,7 @@
             </a:r>
             <a:r>
               <a:rPr lang="en-US" sz="2400" dirty="0" smtClean="0"/>
-              <a:t>Probability </a:t>
-            </a:r>
-            <a:r>
-              <a:rPr lang="en-US" sz="2400" dirty="0" smtClean="0"/>
-              <a:t>based algorithm.</a:t>
+              <a:t>Probability based algorithm.</a:t>
             </a:r>
           </a:p>
           <a:p>
@@ -4511,7 +4938,7 @@
 </p:sld>
 </file>
 
-<file path=ppt/slides/slide12.xml><?xml version="1.0" encoding="utf-8"?>
+<file path=ppt/slides/slide13.xml><?xml version="1.0" encoding="utf-8"?>
 <p:sld xmlns:a="http://schemas.openxmlformats.org/drawingml/2006/main" xmlns:r="http://schemas.openxmlformats.org/officeDocument/2006/relationships" xmlns:p="http://schemas.openxmlformats.org/presentationml/2006/main">
   <p:cSld>
     <p:spTree>
@@ -4549,23 +4976,7 @@
                   <a:schemeClr val="bg1"/>
                 </a:solidFill>
               </a:rPr>
-              <a:t>Aim 3: </a:t>
-            </a:r>
-            <a:r>
-              <a:rPr lang="en-AU" b="1" dirty="0" smtClean="0">
-                <a:solidFill>
-                  <a:schemeClr val="bg1"/>
-                </a:solidFill>
-              </a:rPr>
-              <a:t>Verification </a:t>
-            </a:r>
-            <a:r>
-              <a:rPr lang="en-AU" b="1" dirty="0" smtClean="0">
-                <a:solidFill>
-                  <a:schemeClr val="bg1"/>
-                </a:solidFill>
-              </a:rPr>
-              <a:t>of </a:t>
+              <a:t>Aim 3: Verification of </a:t>
             </a:r>
             <a:r>
               <a:rPr lang="en-AU" b="1" dirty="0" err="1" smtClean="0">
@@ -4611,11 +5022,7 @@
             </a:pPr>
             <a:r>
               <a:rPr lang="en-AU" dirty="0" smtClean="0"/>
-              <a:t>Method 1: Pull down </a:t>
-            </a:r>
-            <a:r>
-              <a:rPr lang="en-AU" dirty="0" smtClean="0"/>
-              <a:t>assay</a:t>
+              <a:t>Method 1: Pull down assay</a:t>
             </a:r>
           </a:p>
           <a:p>
@@ -4626,6 +5033,30 @@
           </a:p>
         </p:txBody>
       </p:sp>
+      <p:pic>
+        <p:nvPicPr>
+          <p:cNvPr id="7" name="Picture 6"/>
+          <p:cNvPicPr>
+            <a:picLocks noChangeAspect="1"/>
+          </p:cNvPicPr>
+          <p:nvPr/>
+        </p:nvPicPr>
+        <p:blipFill>
+          <a:blip r:embed="rId2"/>
+          <a:stretch>
+            <a:fillRect/>
+          </a:stretch>
+        </p:blipFill>
+        <p:spPr>
+          <a:xfrm>
+            <a:off x="1123950" y="2397125"/>
+            <a:ext cx="9944100" cy="3914775"/>
+          </a:xfrm>
+          <a:prstGeom prst="rect">
+            <a:avLst/>
+          </a:prstGeom>
+        </p:spPr>
+      </p:pic>
     </p:spTree>
     <p:extLst>
       <p:ext uri="{BB962C8B-B14F-4D97-AF65-F5344CB8AC3E}">
@@ -4646,7 +5077,7 @@
 </p:sld>
 </file>
 
-<file path=ppt/slides/slide13.xml><?xml version="1.0" encoding="utf-8"?>
+<file path=ppt/slides/slide14.xml><?xml version="1.0" encoding="utf-8"?>
 <p:sld xmlns:a="http://schemas.openxmlformats.org/drawingml/2006/main" xmlns:r="http://schemas.openxmlformats.org/officeDocument/2006/relationships" xmlns:p="http://schemas.openxmlformats.org/presentationml/2006/main">
   <p:cSld>
     <p:spTree>
@@ -4673,7 +5104,12 @@
             <p:ph type="title"/>
           </p:nvPr>
         </p:nvSpPr>
-        <p:spPr/>
+        <p:spPr>
+          <a:xfrm>
+            <a:off x="838200" y="316999"/>
+            <a:ext cx="10515600" cy="1325563"/>
+          </a:xfrm>
+        </p:spPr>
         <p:txBody>
           <a:bodyPr/>
           <a:lstStyle/>
@@ -4716,15 +5152,7 @@
                   <a:schemeClr val="bg1"/>
                 </a:solidFill>
               </a:rPr>
-              <a:t>Candidate. Cont</a:t>
-            </a:r>
-            <a:r>
-              <a:rPr lang="en-AU" b="1" dirty="0" smtClean="0">
-                <a:solidFill>
-                  <a:schemeClr val="bg1"/>
-                </a:solidFill>
-              </a:rPr>
-              <a:t>. </a:t>
+              <a:t>Candidate. Cont. </a:t>
             </a:r>
             <a:endParaRPr lang="en-AU" b="1" dirty="0">
               <a:solidFill>
@@ -4759,6 +5187,91 @@
               <a:t>Method 2: Co-localisation by Immunofluorescence Confocal Microscopy</a:t>
             </a:r>
             <a:endParaRPr lang="en-AU" sz="2400" dirty="0"/>
+          </a:p>
+        </p:txBody>
+      </p:sp>
+      <p:pic>
+        <p:nvPicPr>
+          <p:cNvPr id="4" name="Picture 3"/>
+          <p:cNvPicPr>
+            <a:picLocks noChangeAspect="1"/>
+          </p:cNvPicPr>
+          <p:nvPr/>
+        </p:nvPicPr>
+        <p:blipFill>
+          <a:blip r:embed="rId2"/>
+          <a:stretch>
+            <a:fillRect/>
+          </a:stretch>
+        </p:blipFill>
+        <p:spPr>
+          <a:xfrm>
+            <a:off x="838200" y="2719638"/>
+            <a:ext cx="7315200" cy="3295650"/>
+          </a:xfrm>
+          <a:prstGeom prst="rect">
+            <a:avLst/>
+          </a:prstGeom>
+        </p:spPr>
+      </p:pic>
+      <p:sp>
+        <p:nvSpPr>
+          <p:cNvPr id="5" name="TextBox 4"/>
+          <p:cNvSpPr txBox="1"/>
+          <p:nvPr/>
+        </p:nvSpPr>
+        <p:spPr>
+          <a:xfrm>
+            <a:off x="8293769" y="3380804"/>
+            <a:ext cx="3633784" cy="1754326"/>
+          </a:xfrm>
+          <a:prstGeom prst="rect">
+            <a:avLst/>
+          </a:prstGeom>
+          <a:noFill/>
+        </p:spPr>
+        <p:txBody>
+          <a:bodyPr wrap="square" rtlCol="0">
+            <a:spAutoFit/>
+          </a:bodyPr>
+          <a:lstStyle/>
+          <a:p>
+            <a:pPr marL="285750" indent="-285750">
+              <a:buFont typeface="Arial" panose="020B0604020202020204" pitchFamily="34" charset="0"/>
+              <a:buChar char="•"/>
+            </a:pPr>
+            <a:r>
+              <a:rPr lang="en-US" dirty="0" smtClean="0"/>
+              <a:t>Cells transfected with biotinylated</a:t>
+            </a:r>
+            <a:r>
+              <a:rPr lang="en-AU" dirty="0" smtClean="0"/>
+              <a:t> miRNAs</a:t>
+            </a:r>
+          </a:p>
+          <a:p>
+            <a:pPr marL="285750" indent="-285750">
+              <a:buFont typeface="Arial" panose="020B0604020202020204" pitchFamily="34" charset="0"/>
+              <a:buChar char="•"/>
+            </a:pPr>
+            <a:endParaRPr lang="en-US" dirty="0"/>
+          </a:p>
+          <a:p>
+            <a:pPr marL="285750" indent="-285750">
+              <a:buFont typeface="Arial" panose="020B0604020202020204" pitchFamily="34" charset="0"/>
+              <a:buChar char="•"/>
+            </a:pPr>
+            <a:r>
+              <a:rPr lang="en-US" dirty="0" smtClean="0"/>
+              <a:t>Co-localized miRNA + protein will be visualized as yellow. </a:t>
+            </a:r>
+          </a:p>
+          <a:p>
+            <a:pPr marL="285750" indent="-285750">
+              <a:buFont typeface="Arial" panose="020B0604020202020204" pitchFamily="34" charset="0"/>
+              <a:buChar char="•"/>
+            </a:pPr>
+            <a:endParaRPr lang="en-US" dirty="0"/>
           </a:p>
         </p:txBody>
       </p:sp>
@@ -4782,7 +5295,7 @@
 </p:sld>
 </file>
 
-<file path=ppt/slides/slide14.xml><?xml version="1.0" encoding="utf-8"?>
+<file path=ppt/slides/slide15.xml><?xml version="1.0" encoding="utf-8"?>
 <p:sld xmlns:a="http://schemas.openxmlformats.org/drawingml/2006/main" xmlns:r="http://schemas.openxmlformats.org/officeDocument/2006/relationships" xmlns:p="http://schemas.openxmlformats.org/presentationml/2006/main">
   <p:cSld>
     <p:spTree>
@@ -4941,8 +5454,8 @@
         </p:blipFill>
         <p:spPr>
           <a:xfrm>
-            <a:off x="7462156" y="1065186"/>
-            <a:ext cx="3891644" cy="5026707"/>
+            <a:off x="7488106" y="1690688"/>
+            <a:ext cx="3584777" cy="4630337"/>
           </a:xfrm>
           <a:prstGeom prst="rect">
             <a:avLst/>
@@ -4958,7 +5471,7 @@
         <p:spPr>
           <a:xfrm>
             <a:off x="620486" y="1690688"/>
-            <a:ext cx="6169928" cy="4555093"/>
+            <a:ext cx="6597610" cy="4832092"/>
           </a:xfrm>
           <a:prstGeom prst="rect">
             <a:avLst/>
@@ -4979,16 +5492,21 @@
               <a:buChar char="•"/>
             </a:pPr>
             <a:r>
-              <a:rPr lang="en-US" sz="2000" dirty="0" smtClean="0"/>
-              <a:t>Important regulatory mechanism</a:t>
-            </a:r>
+              <a:rPr lang="en-US" sz="2200" dirty="0" smtClean="0"/>
+              <a:t>Important regulatory </a:t>
+            </a:r>
+            <a:r>
+              <a:rPr lang="en-US" sz="2200" dirty="0" smtClean="0"/>
+              <a:t>function</a:t>
+            </a:r>
+            <a:endParaRPr lang="en-US" sz="2200" dirty="0" smtClean="0"/>
           </a:p>
           <a:p>
             <a:pPr marL="342900" indent="-342900">
               <a:buFontTx/>
               <a:buChar char="-"/>
             </a:pPr>
-            <a:endParaRPr lang="en-US" sz="2000" dirty="0" smtClean="0"/>
+            <a:endParaRPr lang="en-US" sz="2200" dirty="0" smtClean="0"/>
           </a:p>
           <a:p>
             <a:pPr marL="342900" indent="-342900">
@@ -4999,12 +5517,12 @@
               <a:buChar char="•"/>
             </a:pPr>
             <a:r>
-              <a:rPr lang="en-US" sz="2000" dirty="0" smtClean="0"/>
+              <a:rPr lang="en-US" sz="2200" dirty="0" smtClean="0"/>
               <a:t>Binding to target mRNA decreases protein function by RISC inhibition and degradation</a:t>
             </a:r>
           </a:p>
           <a:p>
-            <a:endParaRPr lang="en-US" sz="2000" dirty="0" smtClean="0"/>
+            <a:endParaRPr lang="en-US" sz="2200" dirty="0" smtClean="0"/>
           </a:p>
           <a:p>
             <a:pPr marL="342900" indent="-342900">
@@ -5015,15 +5533,15 @@
               <a:buChar char="•"/>
             </a:pPr>
             <a:r>
-              <a:rPr lang="en-US" sz="2000" dirty="0" smtClean="0"/>
+              <a:rPr lang="en-US" sz="2200" dirty="0" smtClean="0"/>
               <a:t>Export of microRNAs (</a:t>
             </a:r>
             <a:r>
-              <a:rPr lang="en-US" sz="2000" dirty="0" err="1" smtClean="0"/>
+              <a:rPr lang="en-US" sz="2200" dirty="0" err="1" smtClean="0"/>
               <a:t>miRs</a:t>
             </a:r>
             <a:r>
-              <a:rPr lang="en-US" sz="2000" dirty="0" smtClean="0"/>
+              <a:rPr lang="en-US" sz="2200" dirty="0" smtClean="0"/>
               <a:t>, miRNAs) regulates pathways in the recipient cells attributed to:</a:t>
             </a:r>
           </a:p>
@@ -5036,7 +5554,7 @@
               <a:buChar char="-"/>
             </a:pPr>
             <a:r>
-              <a:rPr lang="en-US" sz="2000" dirty="0" smtClean="0"/>
+              <a:rPr lang="en-US" sz="2200" dirty="0" smtClean="0"/>
               <a:t> Cardiac homeostasis</a:t>
             </a:r>
           </a:p>
@@ -5049,10 +5567,10 @@
               <a:buChar char="-"/>
             </a:pPr>
             <a:r>
-              <a:rPr lang="en-US" sz="2000" dirty="0" smtClean="0"/>
+              <a:rPr lang="en-US" sz="2200" dirty="0" smtClean="0"/>
               <a:t>Diabetes</a:t>
             </a:r>
-            <a:endParaRPr lang="en-US" sz="2000" dirty="0"/>
+            <a:endParaRPr lang="en-US" sz="2200" dirty="0"/>
           </a:p>
           <a:p>
             <a:pPr marL="800100" lvl="1" indent="-342900">
@@ -5063,14 +5581,14 @@
               <a:buChar char="-"/>
             </a:pPr>
             <a:r>
-              <a:rPr lang="en-US" sz="2000" dirty="0"/>
+              <a:rPr lang="en-US" sz="2200" dirty="0"/>
               <a:t>C</a:t>
             </a:r>
             <a:r>
-              <a:rPr lang="en-US" sz="2000" dirty="0" smtClean="0"/>
+              <a:rPr lang="en-US" sz="2200" dirty="0" smtClean="0"/>
               <a:t>ancer metastasis </a:t>
             </a:r>
-            <a:endParaRPr lang="en-AU" sz="2000" dirty="0"/>
+            <a:endParaRPr lang="en-AU" sz="2200" dirty="0"/>
           </a:p>
         </p:txBody>
       </p:sp>
@@ -5138,7 +5656,15 @@
                   <a:schemeClr val="bg1"/>
                 </a:solidFill>
               </a:rPr>
-              <a:t>Extracellular vesicles</a:t>
+              <a:t>Extracellular </a:t>
+            </a:r>
+            <a:r>
+              <a:rPr lang="en-US" b="1" dirty="0" smtClean="0">
+                <a:solidFill>
+                  <a:schemeClr val="bg1"/>
+                </a:solidFill>
+              </a:rPr>
+              <a:t>Vesicles</a:t>
             </a:r>
             <a:endParaRPr lang="en-AU" b="1" dirty="0">
               <a:solidFill>
@@ -5160,7 +5686,7 @@
         </p:nvSpPr>
         <p:spPr>
           <a:xfrm>
-            <a:off x="5908075" y="1713333"/>
+            <a:off x="5884012" y="1820094"/>
             <a:ext cx="6038850" cy="4351338"/>
           </a:xfrm>
         </p:spPr>
@@ -5266,7 +5792,7 @@
         </p:blipFill>
         <p:spPr>
           <a:xfrm>
-            <a:off x="838200" y="1426764"/>
+            <a:off x="838200" y="1533526"/>
             <a:ext cx="4553228" cy="4924475"/>
           </a:xfrm>
           <a:prstGeom prst="rect">
@@ -5359,8 +5885,8 @@
         </p:nvSpPr>
         <p:spPr>
           <a:xfrm>
-            <a:off x="838200" y="1825625"/>
-            <a:ext cx="6432880" cy="4351338"/>
+            <a:off x="699767" y="2048136"/>
+            <a:ext cx="6870680" cy="3712445"/>
           </a:xfrm>
         </p:spPr>
         <p:txBody>
@@ -5368,74 +5894,6 @@
             <a:normAutofit/>
           </a:bodyPr>
           <a:lstStyle/>
-          <a:p>
-            <a:pPr marL="0" indent="0">
-              <a:lnSpc>
-                <a:spcPct val="100000"/>
-              </a:lnSpc>
-              <a:buNone/>
-            </a:pPr>
-            <a:r>
-              <a:rPr lang="en-AU" sz="2400" dirty="0" smtClean="0"/>
-              <a:t>Little information known </a:t>
-            </a:r>
-            <a:r>
-              <a:rPr lang="en-AU" sz="2400" dirty="0" smtClean="0"/>
-              <a:t>regarding </a:t>
-            </a:r>
-          </a:p>
-          <a:p>
-            <a:pPr marL="0" indent="0">
-              <a:lnSpc>
-                <a:spcPct val="100000"/>
-              </a:lnSpc>
-              <a:buNone/>
-            </a:pPr>
-            <a:r>
-              <a:rPr lang="en-AU" sz="2400" dirty="0"/>
-              <a:t>	</a:t>
-            </a:r>
-            <a:r>
-              <a:rPr lang="en-AU" sz="2400" dirty="0" smtClean="0"/>
-              <a:t>sorting</a:t>
-            </a:r>
-            <a:r>
-              <a:rPr lang="en-AU" sz="2400" dirty="0" smtClean="0"/>
-              <a:t>. </a:t>
-            </a:r>
-          </a:p>
-          <a:p>
-            <a:pPr>
-              <a:lnSpc>
-                <a:spcPct val="150000"/>
-              </a:lnSpc>
-            </a:pPr>
-            <a:r>
-              <a:rPr lang="en-US" sz="2400" dirty="0" err="1"/>
-              <a:t>C</a:t>
-            </a:r>
-            <a:r>
-              <a:rPr lang="en-US" sz="2400" dirty="0" err="1" smtClean="0"/>
-              <a:t>eramide</a:t>
-            </a:r>
-            <a:r>
-              <a:rPr lang="en-US" sz="2400" dirty="0" smtClean="0"/>
-              <a:t> dependent</a:t>
-            </a:r>
-            <a:endParaRPr lang="en-US" sz="2400" dirty="0" smtClean="0"/>
-          </a:p>
-          <a:p>
-            <a:pPr>
-              <a:lnSpc>
-                <a:spcPct val="150000"/>
-              </a:lnSpc>
-            </a:pPr>
-            <a:r>
-              <a:rPr lang="en-US" sz="2400" dirty="0" smtClean="0"/>
-              <a:t>ESCRT-independent</a:t>
-            </a:r>
-            <a:endParaRPr lang="en-AU" sz="2400" dirty="0"/>
-          </a:p>
           <a:p>
             <a:pPr>
               <a:lnSpc>
@@ -5443,25 +5901,72 @@
               </a:lnSpc>
             </a:pPr>
             <a:r>
-              <a:rPr lang="en-AU" sz="2400" dirty="0" smtClean="0"/>
-              <a:t>RNA-binding protein: </a:t>
-            </a:r>
-            <a:r>
-              <a:rPr lang="en-AU" sz="2400" dirty="0" err="1" smtClean="0"/>
+              <a:rPr lang="en-AU" dirty="0" smtClean="0"/>
+              <a:t>Previously considered non-selective</a:t>
+            </a:r>
+          </a:p>
+          <a:p>
+            <a:pPr lvl="1">
+              <a:lnSpc>
+                <a:spcPct val="100000"/>
+              </a:lnSpc>
+            </a:pPr>
+            <a:r>
+              <a:rPr lang="en-US" dirty="0" smtClean="0"/>
+              <a:t>miRNAs within EVs increase as the cell increases</a:t>
+            </a:r>
+          </a:p>
+          <a:p>
+            <a:pPr lvl="1">
+              <a:lnSpc>
+                <a:spcPct val="100000"/>
+              </a:lnSpc>
+            </a:pPr>
+            <a:r>
+              <a:rPr lang="en-US" dirty="0" smtClean="0"/>
+              <a:t>No longer considered true. </a:t>
+            </a:r>
+          </a:p>
+          <a:p>
+            <a:pPr marL="0" indent="0">
+              <a:lnSpc>
+                <a:spcPct val="100000"/>
+              </a:lnSpc>
+              <a:buNone/>
+            </a:pPr>
+            <a:endParaRPr lang="en-AU" dirty="0" smtClean="0"/>
+          </a:p>
+          <a:p>
+            <a:pPr>
+              <a:lnSpc>
+                <a:spcPct val="100000"/>
+              </a:lnSpc>
+            </a:pPr>
+            <a:r>
+              <a:rPr lang="en-AU" dirty="0" err="1" smtClean="0"/>
               <a:t>Sumoylated</a:t>
             </a:r>
             <a:r>
-              <a:rPr lang="en-AU" sz="2400" dirty="0" smtClean="0"/>
+              <a:rPr lang="en-AU" dirty="0" smtClean="0"/>
               <a:t> </a:t>
             </a:r>
             <a:r>
-              <a:rPr lang="en-AU" sz="2400" dirty="0" err="1" smtClean="0"/>
+              <a:rPr lang="en-AU" dirty="0" err="1" smtClean="0"/>
               <a:t>hnRNP</a:t>
             </a:r>
             <a:r>
-              <a:rPr lang="en-AU" sz="2400" dirty="0" smtClean="0"/>
-              <a:t> A2B1 involved in export to EVs</a:t>
-            </a:r>
+              <a:rPr lang="en-AU" dirty="0" smtClean="0"/>
+              <a:t> A2B1 involved in </a:t>
+            </a:r>
+            <a:r>
+              <a:rPr lang="en-AU" dirty="0" smtClean="0"/>
+              <a:t>miRNA </a:t>
+            </a:r>
+            <a:r>
+              <a:rPr lang="en-AU" dirty="0" smtClean="0"/>
+              <a:t>export via exosomes.</a:t>
+            </a:r>
+            <a:endParaRPr lang="en-US" dirty="0"/>
           </a:p>
           <a:p>
             <a:pPr>
@@ -5470,18 +5975,9 @@
               </a:lnSpc>
             </a:pPr>
             <a:r>
-              <a:rPr lang="en-US" sz="2400" dirty="0" smtClean="0"/>
-              <a:t>Regulation and binding partners are </a:t>
-            </a:r>
-            <a:r>
-              <a:rPr lang="en-US" sz="2400" dirty="0" smtClean="0"/>
-              <a:t>still unknown</a:t>
-            </a:r>
-            <a:r>
-              <a:rPr lang="en-US" sz="2400" dirty="0" smtClean="0"/>
-              <a:t>. </a:t>
-            </a:r>
-            <a:endParaRPr lang="en-AU" sz="2400" dirty="0" smtClean="0"/>
+              <a:rPr lang="en-US" dirty="0" smtClean="0"/>
+              <a:t>Regulation still unknown</a:t>
+            </a:r>
           </a:p>
           <a:p>
             <a:pPr marL="0" indent="0">
@@ -5499,52 +5995,22 @@
       </p:sp>
       <p:pic>
         <p:nvPicPr>
-          <p:cNvPr id="6" name="Picture 5"/>
+          <p:cNvPr id="5" name="Picture 4"/>
           <p:cNvPicPr>
             <a:picLocks noChangeAspect="1"/>
           </p:cNvPicPr>
           <p:nvPr/>
         </p:nvPicPr>
         <p:blipFill>
-          <a:blip r:embed="rId3">
-            <a:extLst>
-              <a:ext uri="{28A0092B-C50C-407E-A947-70E740481C1C}">
-                <a14:useLocalDpi xmlns:a14="http://schemas.microsoft.com/office/drawing/2010/main" val="0"/>
-              </a:ext>
-            </a:extLst>
-          </a:blip>
+          <a:blip r:embed="rId3"/>
           <a:stretch>
             <a:fillRect/>
           </a:stretch>
         </p:blipFill>
         <p:spPr>
           <a:xfrm>
-            <a:off x="7918589" y="1825625"/>
-            <a:ext cx="3613163" cy="3600530"/>
-          </a:xfrm>
-          <a:prstGeom prst="rect">
-            <a:avLst/>
-          </a:prstGeom>
-        </p:spPr>
-      </p:pic>
-      <p:pic>
-        <p:nvPicPr>
-          <p:cNvPr id="7" name="Picture 6"/>
-          <p:cNvPicPr>
-            <a:picLocks noChangeAspect="1"/>
-          </p:cNvPicPr>
-          <p:nvPr/>
-        </p:nvPicPr>
-        <p:blipFill>
-          <a:blip r:embed="rId4"/>
-          <a:stretch>
-            <a:fillRect/>
-          </a:stretch>
-        </p:blipFill>
-        <p:spPr>
-          <a:xfrm>
-            <a:off x="5517261" y="1825625"/>
-            <a:ext cx="2292146" cy="2056831"/>
+            <a:off x="7514298" y="1973180"/>
+            <a:ext cx="4122714" cy="3333455"/>
           </a:xfrm>
           <a:prstGeom prst="rect">
             <a:avLst/>
@@ -5598,7 +6064,12 @@
             <p:ph type="title"/>
           </p:nvPr>
         </p:nvSpPr>
-        <p:spPr/>
+        <p:spPr>
+          <a:xfrm>
+            <a:off x="838200" y="246592"/>
+            <a:ext cx="10515600" cy="1325563"/>
+          </a:xfrm>
+        </p:spPr>
         <p:txBody>
           <a:bodyPr/>
           <a:lstStyle/>
@@ -5609,7 +6080,7 @@
                   <a:schemeClr val="bg1"/>
                 </a:solidFill>
               </a:rPr>
-              <a:t>Advanced Prostate Cancer Cell Line: PC3</a:t>
+              <a:t>Lipid Rafts Affecting Cargo Sorting</a:t>
             </a:r>
             <a:endParaRPr lang="en-AU" b="1" dirty="0">
               <a:solidFill>
@@ -5631,77 +6102,131 @@
         </p:nvSpPr>
         <p:spPr>
           <a:xfrm>
-            <a:off x="838200" y="1690688"/>
-            <a:ext cx="6643977" cy="4619625"/>
+            <a:off x="838200" y="1825625"/>
+            <a:ext cx="10515600" cy="4351338"/>
           </a:xfrm>
         </p:spPr>
         <p:txBody>
-          <a:bodyPr>
-            <a:normAutofit/>
+          <a:bodyPr/>
+          <a:lstStyle/>
+          <a:p>
+            <a:r>
+              <a:rPr lang="en-US" sz="2400" dirty="0" smtClean="0"/>
+              <a:t>Sorting may be impacted by lipid raft composition. </a:t>
+            </a:r>
+          </a:p>
+          <a:p>
+            <a:r>
+              <a:rPr lang="en-US" sz="2400" dirty="0" smtClean="0"/>
+              <a:t>Both type of EVs contain cholesterol, sphingolipid and ceramide enriched </a:t>
+            </a:r>
+            <a:r>
+              <a:rPr lang="en-US" sz="2400" dirty="0" err="1" smtClean="0"/>
+              <a:t>microdomains</a:t>
+            </a:r>
+            <a:r>
+              <a:rPr lang="en-US" sz="2400" dirty="0" smtClean="0"/>
+              <a:t>. </a:t>
+            </a:r>
+          </a:p>
+          <a:p>
+            <a:pPr marL="0" indent="0">
+              <a:buNone/>
+            </a:pPr>
+            <a:endParaRPr lang="en-AU" sz="2400" dirty="0"/>
+          </a:p>
+        </p:txBody>
+      </p:sp>
+      <p:pic>
+        <p:nvPicPr>
+          <p:cNvPr id="4" name="Picture 3"/>
+          <p:cNvPicPr>
+            <a:picLocks noChangeAspect="1"/>
+          </p:cNvPicPr>
+          <p:nvPr/>
+        </p:nvPicPr>
+        <p:blipFill rotWithShape="1">
+          <a:blip r:embed="rId2"/>
+          <a:srcRect t="6617"/>
+          <a:stretch/>
+        </p:blipFill>
+        <p:spPr>
+          <a:xfrm>
+            <a:off x="838200" y="3349625"/>
+            <a:ext cx="3756918" cy="2593975"/>
+          </a:xfrm>
+          <a:prstGeom prst="rect">
+            <a:avLst/>
+          </a:prstGeom>
+        </p:spPr>
+      </p:pic>
+      <p:sp>
+        <p:nvSpPr>
+          <p:cNvPr id="5" name="TextBox 4"/>
+          <p:cNvSpPr txBox="1"/>
+          <p:nvPr/>
+        </p:nvSpPr>
+        <p:spPr>
+          <a:xfrm>
+            <a:off x="5113867" y="3584783"/>
+            <a:ext cx="6570134" cy="2277547"/>
+          </a:xfrm>
+          <a:prstGeom prst="rect">
+            <a:avLst/>
+          </a:prstGeom>
+          <a:noFill/>
+        </p:spPr>
+        <p:txBody>
+          <a:bodyPr wrap="square" rtlCol="0">
+            <a:spAutoFit/>
           </a:bodyPr>
           <a:lstStyle/>
           <a:p>
-            <a:r>
-              <a:rPr lang="en-AU" sz="2400" dirty="0" smtClean="0"/>
-              <a:t>Increased Caveolin-1 expression, without Cavins.</a:t>
-            </a:r>
-          </a:p>
-          <a:p>
-            <a:pPr marL="0" indent="0">
-              <a:buNone/>
+            <a:pPr marL="342900" indent="-342900">
+              <a:buFont typeface="Arial" panose="020B0604020202020204" pitchFamily="34" charset="0"/>
+              <a:buChar char="•"/>
             </a:pPr>
-            <a:endParaRPr lang="en-AU" sz="2400" dirty="0" smtClean="0"/>
-          </a:p>
-          <a:p>
-            <a:r>
-              <a:rPr lang="en-AU" sz="2400" dirty="0" smtClean="0"/>
-              <a:t>Caveolin-1 is a cholesterol transporter</a:t>
-            </a:r>
-          </a:p>
-          <a:p>
-            <a:pPr marL="0" indent="0">
-              <a:buNone/>
+            <a:r>
+              <a:rPr lang="en-US" sz="2400" dirty="0" smtClean="0"/>
+              <a:t>Depletion of cholesterol, ceramide and sphingolipid modified EV protein content. </a:t>
+            </a:r>
+          </a:p>
+          <a:p>
+            <a:pPr marL="342900" indent="-342900">
+              <a:buFont typeface="Arial" panose="020B0604020202020204" pitchFamily="34" charset="0"/>
+              <a:buChar char="•"/>
             </a:pPr>
-            <a:endParaRPr lang="en-AU" sz="2400" dirty="0" smtClean="0"/>
-          </a:p>
-          <a:p>
-            <a:r>
-              <a:rPr lang="en-AU" sz="2400" dirty="0" smtClean="0"/>
-              <a:t>When accompanied by Cavin-1, it will form caveolae, utilised in Endocytosis. </a:t>
-            </a:r>
-            <a:endParaRPr lang="en-AU" sz="2400" dirty="0"/>
-          </a:p>
-          <a:p>
-            <a:pPr marL="0" indent="0">
-              <a:buNone/>
+            <a:endParaRPr lang="en-US" sz="2400" dirty="0"/>
+          </a:p>
+          <a:p>
+            <a:pPr marL="342900" indent="-342900">
+              <a:buFont typeface="Arial" panose="020B0604020202020204" pitchFamily="34" charset="0"/>
+              <a:buChar char="•"/>
             </a:pPr>
-            <a:endParaRPr lang="en-AU" sz="2400" dirty="0" smtClean="0"/>
-          </a:p>
-          <a:p>
-            <a:r>
-              <a:rPr lang="en-AU" sz="2400" dirty="0" smtClean="0"/>
-              <a:t>Caveolin-1 is a proposed biomarker for cancer.</a:t>
-            </a:r>
+            <a:r>
+              <a:rPr lang="en-US" sz="2400" dirty="0" smtClean="0"/>
+              <a:t>Re-distribution of lipid raft cholesterol correlates to protein and miRNA EV content. </a:t>
+            </a:r>
+          </a:p>
+          <a:p>
+            <a:pPr marL="342900" indent="-342900">
+              <a:buFont typeface="Arial" panose="020B0604020202020204" pitchFamily="34" charset="0"/>
+              <a:buChar char="•"/>
+            </a:pPr>
+            <a:endParaRPr lang="en-AU" sz="2200" dirty="0"/>
           </a:p>
         </p:txBody>
       </p:sp>
     </p:spTree>
     <p:extLst>
       <p:ext uri="{BB962C8B-B14F-4D97-AF65-F5344CB8AC3E}">
-        <p14:creationId xmlns:p14="http://schemas.microsoft.com/office/powerpoint/2010/main" val="254767137"/>
+        <p14:creationId xmlns:p14="http://schemas.microsoft.com/office/powerpoint/2010/main" val="3489603271"/>
       </p:ext>
     </p:extLst>
   </p:cSld>
   <p:clrMapOvr>
     <a:masterClrMapping/>
   </p:clrMapOvr>
-  <p:timing>
-    <p:tnLst>
-      <p:par>
-        <p:cTn id="1" dur="indefinite" restart="never" nodeType="tmRoot"/>
-      </p:par>
-    </p:tnLst>
-  </p:timing>
 </p:sld>
 </file>
 
@@ -5732,12 +6257,7 @@
             <p:ph type="title"/>
           </p:nvPr>
         </p:nvSpPr>
-        <p:spPr>
-          <a:xfrm>
-            <a:off x="838200" y="315541"/>
-            <a:ext cx="10515600" cy="1325563"/>
-          </a:xfrm>
-        </p:spPr>
+        <p:spPr/>
         <p:txBody>
           <a:bodyPr/>
           <a:lstStyle/>
@@ -5748,7 +6268,7 @@
                   <a:schemeClr val="bg1"/>
                 </a:solidFill>
               </a:rPr>
-              <a:t>Cavins and lipid rafts</a:t>
+              <a:t>Advanced Prostate Cancer Cell Line: PC3</a:t>
             </a:r>
             <a:endParaRPr lang="en-AU" b="1" dirty="0">
               <a:solidFill>
@@ -5770,164 +6290,80 @@
         </p:nvSpPr>
         <p:spPr>
           <a:xfrm>
-            <a:off x="838200" y="1450035"/>
-            <a:ext cx="10515600" cy="4983421"/>
+            <a:off x="838200" y="1690688"/>
+            <a:ext cx="6643977" cy="4619625"/>
           </a:xfrm>
         </p:spPr>
         <p:txBody>
           <a:bodyPr>
-            <a:normAutofit lnSpcReduction="10000"/>
+            <a:normAutofit/>
           </a:bodyPr>
           <a:lstStyle/>
           <a:p>
+            <a:r>
+              <a:rPr lang="en-AU" sz="2400" dirty="0" smtClean="0"/>
+              <a:t>Increased Caveolin-1 </a:t>
+            </a:r>
+            <a:r>
+              <a:rPr lang="en-AU" sz="2400" dirty="0" smtClean="0"/>
+              <a:t>expression without </a:t>
+            </a:r>
+            <a:r>
+              <a:rPr lang="en-AU" sz="2400" dirty="0" smtClean="0"/>
+              <a:t>Cavins.</a:t>
+            </a:r>
+          </a:p>
+          <a:p>
             <a:pPr marL="0" indent="0">
               <a:buNone/>
             </a:pPr>
-            <a:r>
-              <a:rPr lang="en-AU" sz="2200" dirty="0" smtClean="0"/>
-              <a:t>- Introduction </a:t>
-            </a:r>
-            <a:r>
-              <a:rPr lang="en-AU" sz="2200" dirty="0"/>
-              <a:t>of Cavin-1 results in modulated </a:t>
-            </a:r>
-            <a:r>
-              <a:rPr lang="en-AU" sz="2200" dirty="0" smtClean="0"/>
-              <a:t>cholesterol </a:t>
-            </a:r>
-            <a:r>
-              <a:rPr lang="en-AU" sz="2200" dirty="0"/>
-              <a:t>re-distribution, EV protein content and </a:t>
-            </a:r>
-            <a:r>
-              <a:rPr lang="en-AU" sz="2200" dirty="0" err="1"/>
-              <a:t>miR</a:t>
-            </a:r>
-            <a:r>
-              <a:rPr lang="en-AU" sz="2200" dirty="0"/>
-              <a:t> content. </a:t>
-            </a:r>
-            <a:endParaRPr lang="en-AU" sz="2200" dirty="0" smtClean="0"/>
+            <a:endParaRPr lang="en-AU" sz="2400" dirty="0" smtClean="0"/>
+          </a:p>
+          <a:p>
+            <a:r>
+              <a:rPr lang="en-AU" sz="2400" dirty="0" smtClean="0"/>
+              <a:t>When </a:t>
+            </a:r>
+            <a:r>
+              <a:rPr lang="en-AU" sz="2400" dirty="0"/>
+              <a:t>accompanied by Cavin-1, it will form caveolae, utilised in Endocytosis. </a:t>
+            </a:r>
           </a:p>
           <a:p>
             <a:pPr marL="0" indent="0">
               <a:buNone/>
             </a:pPr>
-            <a:endParaRPr lang="en-US" sz="2200" dirty="0" smtClean="0"/>
+            <a:endParaRPr lang="en-AU" sz="2400" dirty="0" smtClean="0"/>
+          </a:p>
+          <a:p>
+            <a:r>
+              <a:rPr lang="en-AU" sz="2400" dirty="0" smtClean="0"/>
+              <a:t>Caveolin-1 is a cholesterol </a:t>
+            </a:r>
+            <a:r>
+              <a:rPr lang="en-AU" sz="2400" dirty="0" smtClean="0"/>
+              <a:t>transporter</a:t>
+            </a:r>
+            <a:endParaRPr lang="en-AU" sz="2400" dirty="0" smtClean="0"/>
           </a:p>
           <a:p>
             <a:pPr marL="0" indent="0">
               <a:buNone/>
             </a:pPr>
-            <a:endParaRPr lang="en-US" sz="2200" dirty="0" smtClean="0"/>
-          </a:p>
-          <a:p>
-            <a:pPr marL="0" indent="0">
-              <a:buNone/>
-            </a:pPr>
-            <a:endParaRPr lang="en-US" sz="2200" dirty="0" smtClean="0"/>
-          </a:p>
-          <a:p>
-            <a:pPr marL="0" indent="0">
-              <a:buNone/>
-            </a:pPr>
-            <a:endParaRPr lang="en-US" sz="2200" dirty="0" smtClean="0"/>
-          </a:p>
-          <a:p>
-            <a:pPr marL="0" indent="0">
-              <a:buNone/>
-            </a:pPr>
-            <a:endParaRPr lang="en-US" sz="2200" dirty="0" smtClean="0"/>
-          </a:p>
-          <a:p>
-            <a:pPr marL="0" indent="0">
-              <a:buNone/>
-            </a:pPr>
-            <a:endParaRPr lang="en-US" sz="2200" dirty="0"/>
-          </a:p>
-          <a:p>
-            <a:pPr>
-              <a:buFontTx/>
-              <a:buChar char="-"/>
-            </a:pPr>
-            <a:r>
-              <a:rPr lang="en-US" sz="2200" dirty="0" smtClean="0"/>
-              <a:t>Cholesterol and ceramide are enriched with lipid </a:t>
-            </a:r>
-            <a:r>
-              <a:rPr lang="en-US" sz="2200" dirty="0" err="1" smtClean="0"/>
-              <a:t>microdomains</a:t>
-            </a:r>
-            <a:r>
-              <a:rPr lang="en-US" sz="2200" dirty="0" smtClean="0"/>
-              <a:t> (raft) found on the surface of EVs. </a:t>
-            </a:r>
-          </a:p>
-          <a:p>
-            <a:pPr>
-              <a:lnSpc>
-                <a:spcPct val="150000"/>
-              </a:lnSpc>
-              <a:buFontTx/>
-              <a:buChar char="-"/>
-            </a:pPr>
-            <a:r>
-              <a:rPr lang="en-US" sz="2200" dirty="0" smtClean="0"/>
-              <a:t>RNA-binding proteins appear to be enriched within lipid rafts.</a:t>
-            </a:r>
-          </a:p>
-          <a:p>
-            <a:pPr>
-              <a:lnSpc>
-                <a:spcPct val="150000"/>
-              </a:lnSpc>
-              <a:buFontTx/>
-              <a:buChar char="-"/>
-            </a:pPr>
-            <a:r>
-              <a:rPr lang="en-US" sz="2200" dirty="0" smtClean="0"/>
-              <a:t>Hereby,  modulation of miRNA export could be lipid raft dependent. </a:t>
-            </a:r>
-            <a:endParaRPr lang="en-AU" sz="2200" dirty="0"/>
-          </a:p>
-          <a:p>
-            <a:endParaRPr lang="en-AU" dirty="0"/>
-          </a:p>
-        </p:txBody>
-      </p:sp>
-      <p:pic>
-        <p:nvPicPr>
-          <p:cNvPr id="4" name="Picture 3"/>
-          <p:cNvPicPr>
-            <a:picLocks noChangeAspect="1"/>
-          </p:cNvPicPr>
-          <p:nvPr/>
-        </p:nvPicPr>
-        <p:blipFill rotWithShape="1">
-          <a:blip r:embed="rId2">
-            <a:extLst>
-              <a:ext uri="{28A0092B-C50C-407E-A947-70E740481C1C}">
-                <a14:useLocalDpi xmlns:a14="http://schemas.microsoft.com/office/drawing/2010/main" val="0"/>
-              </a:ext>
-            </a:extLst>
-          </a:blip>
-          <a:srcRect b="8692"/>
-          <a:stretch/>
-        </p:blipFill>
-        <p:spPr>
-          <a:xfrm>
-            <a:off x="1302389" y="2161471"/>
-            <a:ext cx="8998259" cy="2219462"/>
-          </a:xfrm>
-          <a:prstGeom prst="rect">
-            <a:avLst/>
-          </a:prstGeom>
-        </p:spPr>
-      </p:pic>
+            <a:endParaRPr lang="en-AU" sz="2400" dirty="0" smtClean="0"/>
+          </a:p>
+          <a:p>
+            <a:r>
+              <a:rPr lang="en-AU" sz="2400" dirty="0" smtClean="0"/>
+              <a:t>Caveolin-1 is a proposed biomarker for cancer.</a:t>
+            </a:r>
+          </a:p>
+        </p:txBody>
+      </p:sp>
     </p:spTree>
     <p:extLst>
       <p:ext uri="{BB962C8B-B14F-4D97-AF65-F5344CB8AC3E}">
-        <p14:creationId xmlns:p14="http://schemas.microsoft.com/office/powerpoint/2010/main" val="122657898"/>
+        <p14:creationId xmlns:p14="http://schemas.microsoft.com/office/powerpoint/2010/main" val="254767137"/>
       </p:ext>
     </p:extLst>
   </p:cSld>
@@ -5971,7 +6407,12 @@
             <p:ph type="title"/>
           </p:nvPr>
         </p:nvSpPr>
-        <p:spPr/>
+        <p:spPr>
+          <a:xfrm>
+            <a:off x="838200" y="315541"/>
+            <a:ext cx="10515600" cy="1325563"/>
+          </a:xfrm>
+        </p:spPr>
         <p:txBody>
           <a:bodyPr/>
           <a:lstStyle/>
@@ -5982,7 +6423,7 @@
                   <a:schemeClr val="bg1"/>
                 </a:solidFill>
               </a:rPr>
-              <a:t>Hypotheses and Aims:</a:t>
+              <a:t>Cavins and lipid rafts</a:t>
             </a:r>
             <a:endParaRPr lang="en-AU" b="1" dirty="0">
               <a:solidFill>
@@ -6004,8 +6445,8 @@
         </p:nvSpPr>
         <p:spPr>
           <a:xfrm>
-            <a:off x="838200" y="1804403"/>
-            <a:ext cx="10515600" cy="3981281"/>
+            <a:off x="838200" y="1641104"/>
+            <a:ext cx="10515600" cy="4983421"/>
           </a:xfrm>
         </p:spPr>
         <p:txBody>
@@ -6018,52 +6459,136 @@
               <a:buNone/>
             </a:pPr>
             <a:r>
-              <a:rPr lang="en-AU" sz="2400" dirty="0" smtClean="0"/>
-              <a:t>It is hypothesised that the introduction of Cavin-1 to a PC3 model will modify the EV miRNA content due to a modification of RNA binding protein. </a:t>
-            </a:r>
+              <a:rPr lang="en-AU" sz="2200" dirty="0" smtClean="0"/>
+              <a:t>- Introduction </a:t>
+            </a:r>
+            <a:r>
+              <a:rPr lang="en-AU" sz="2200" dirty="0"/>
+              <a:t>of Cavin-1 results in modulated </a:t>
+            </a:r>
+            <a:r>
+              <a:rPr lang="en-AU" sz="2200" dirty="0" smtClean="0"/>
+              <a:t>cholesterol </a:t>
+            </a:r>
+            <a:r>
+              <a:rPr lang="en-AU" sz="2200" dirty="0"/>
+              <a:t>re-distribution, EV protein content and </a:t>
+            </a:r>
+            <a:r>
+              <a:rPr lang="en-AU" sz="2200" dirty="0" err="1"/>
+              <a:t>miR</a:t>
+            </a:r>
+            <a:r>
+              <a:rPr lang="en-AU" sz="2200" dirty="0"/>
+              <a:t> content. </a:t>
+            </a:r>
+            <a:endParaRPr lang="en-AU" sz="2200" dirty="0" smtClean="0"/>
           </a:p>
           <a:p>
             <a:pPr marL="0" indent="0">
               <a:buNone/>
             </a:pPr>
-            <a:endParaRPr lang="en-AU" sz="2400" dirty="0" smtClean="0"/>
+            <a:endParaRPr lang="en-US" sz="2200" dirty="0" smtClean="0"/>
           </a:p>
           <a:p>
             <a:pPr marL="0" indent="0">
               <a:buNone/>
             </a:pPr>
-            <a:r>
-              <a:rPr lang="en-AU" sz="2400" dirty="0" smtClean="0"/>
-              <a:t>Aims:</a:t>
-            </a:r>
-          </a:p>
-          <a:p>
-            <a:pPr marL="542925" indent="-276225"/>
-            <a:r>
-              <a:rPr lang="en-AU" sz="2400" dirty="0" smtClean="0"/>
-              <a:t>Identify the miRNAs that are selectively exported</a:t>
-            </a:r>
-          </a:p>
-          <a:p>
-            <a:pPr marL="542925" indent="-276225"/>
-            <a:r>
-              <a:rPr lang="en-AU" sz="2400" dirty="0" smtClean="0"/>
-              <a:t>Identify RNA-binding proteins correlated to the miRNA export</a:t>
-            </a:r>
-          </a:p>
-          <a:p>
-            <a:pPr marL="542925" indent="-276225"/>
-            <a:r>
-              <a:rPr lang="en-AU" sz="2400" dirty="0" smtClean="0"/>
-              <a:t>Verify candidate miRNA escort proteins ability to bind to miRNAs and transport to EVs.</a:t>
-            </a:r>
-          </a:p>
-        </p:txBody>
-      </p:sp>
+            <a:endParaRPr lang="en-US" sz="2200" dirty="0" smtClean="0"/>
+          </a:p>
+          <a:p>
+            <a:pPr marL="0" indent="0">
+              <a:buNone/>
+            </a:pPr>
+            <a:endParaRPr lang="en-US" sz="2200" dirty="0" smtClean="0"/>
+          </a:p>
+          <a:p>
+            <a:pPr marL="0" indent="0">
+              <a:buNone/>
+            </a:pPr>
+            <a:endParaRPr lang="en-US" sz="2200" dirty="0" smtClean="0"/>
+          </a:p>
+          <a:p>
+            <a:pPr marL="0" indent="0">
+              <a:buNone/>
+            </a:pPr>
+            <a:endParaRPr lang="en-US" sz="2200" dirty="0" smtClean="0"/>
+          </a:p>
+          <a:p>
+            <a:pPr marL="0" indent="0">
+              <a:buNone/>
+            </a:pPr>
+            <a:endParaRPr lang="en-US" sz="2200" dirty="0"/>
+          </a:p>
+          <a:p>
+            <a:pPr>
+              <a:lnSpc>
+                <a:spcPct val="150000"/>
+              </a:lnSpc>
+              <a:buFontTx/>
+              <a:buChar char="-"/>
+            </a:pPr>
+            <a:r>
+              <a:rPr lang="en-US" sz="2200" dirty="0" smtClean="0"/>
+              <a:t>RNA-binding </a:t>
+            </a:r>
+            <a:r>
+              <a:rPr lang="en-US" sz="2200" dirty="0" smtClean="0"/>
+              <a:t>proteins appear to be enriched within lipid rafts.</a:t>
+            </a:r>
+          </a:p>
+          <a:p>
+            <a:pPr>
+              <a:lnSpc>
+                <a:spcPct val="150000"/>
+              </a:lnSpc>
+              <a:buFontTx/>
+              <a:buChar char="-"/>
+            </a:pPr>
+            <a:r>
+              <a:rPr lang="en-US" sz="2200" dirty="0" smtClean="0"/>
+              <a:t>Hereby,  modulation of miRNA export could be lipid raft dependent. </a:t>
+            </a:r>
+            <a:endParaRPr lang="en-AU" sz="2200" dirty="0"/>
+          </a:p>
+          <a:p>
+            <a:endParaRPr lang="en-AU" dirty="0"/>
+          </a:p>
+        </p:txBody>
+      </p:sp>
+      <p:pic>
+        <p:nvPicPr>
+          <p:cNvPr id="4" name="Picture 3"/>
+          <p:cNvPicPr>
+            <a:picLocks noChangeAspect="1"/>
+          </p:cNvPicPr>
+          <p:nvPr/>
+        </p:nvPicPr>
+        <p:blipFill rotWithShape="1">
+          <a:blip r:embed="rId2">
+            <a:extLst>
+              <a:ext uri="{28A0092B-C50C-407E-A947-70E740481C1C}">
+                <a14:useLocalDpi xmlns:a14="http://schemas.microsoft.com/office/drawing/2010/main" val="0"/>
+              </a:ext>
+            </a:extLst>
+          </a:blip>
+          <a:srcRect b="8692"/>
+          <a:stretch/>
+        </p:blipFill>
+        <p:spPr>
+          <a:xfrm>
+            <a:off x="1302389" y="2466271"/>
+            <a:ext cx="9429631" cy="2325862"/>
+          </a:xfrm>
+          <a:prstGeom prst="rect">
+            <a:avLst/>
+          </a:prstGeom>
+        </p:spPr>
+      </p:pic>
     </p:spTree>
     <p:extLst>
       <p:ext uri="{BB962C8B-B14F-4D97-AF65-F5344CB8AC3E}">
-        <p14:creationId xmlns:p14="http://schemas.microsoft.com/office/powerpoint/2010/main" val="2339122931"/>
+        <p14:creationId xmlns:p14="http://schemas.microsoft.com/office/powerpoint/2010/main" val="122657898"/>
       </p:ext>
     </p:extLst>
   </p:cSld>
@@ -6118,6 +6643,155 @@
                   <a:schemeClr val="bg1"/>
                 </a:solidFill>
               </a:rPr>
+              <a:t>Hypotheses and Aims:</a:t>
+            </a:r>
+            <a:endParaRPr lang="en-AU" b="1" dirty="0">
+              <a:solidFill>
+                <a:schemeClr val="bg1"/>
+              </a:solidFill>
+            </a:endParaRPr>
+          </a:p>
+        </p:txBody>
+      </p:sp>
+      <p:sp>
+        <p:nvSpPr>
+          <p:cNvPr id="3" name="Content Placeholder 2"/>
+          <p:cNvSpPr>
+            <a:spLocks noGrp="1"/>
+          </p:cNvSpPr>
+          <p:nvPr>
+            <p:ph idx="1"/>
+          </p:nvPr>
+        </p:nvSpPr>
+        <p:spPr>
+          <a:xfrm>
+            <a:off x="838200" y="1939870"/>
+            <a:ext cx="10515600" cy="3981281"/>
+          </a:xfrm>
+        </p:spPr>
+        <p:txBody>
+          <a:bodyPr>
+            <a:normAutofit/>
+          </a:bodyPr>
+          <a:lstStyle/>
+          <a:p>
+            <a:pPr marL="0" indent="0">
+              <a:buNone/>
+            </a:pPr>
+            <a:r>
+              <a:rPr lang="en-AU" sz="2400" dirty="0" smtClean="0"/>
+              <a:t>It is hypothesised that the introduction of Cavin-1 to a PC3 model will modify the EV miRNA content </a:t>
+            </a:r>
+            <a:r>
+              <a:rPr lang="en-AU" sz="2400" dirty="0" smtClean="0"/>
+              <a:t>by activity of RNA </a:t>
+            </a:r>
+            <a:r>
+              <a:rPr lang="en-AU" sz="2400" dirty="0" smtClean="0"/>
+              <a:t>binding </a:t>
+            </a:r>
+            <a:r>
+              <a:rPr lang="en-AU" sz="2400" dirty="0" smtClean="0"/>
+              <a:t>proteins within lipid rafts. </a:t>
+            </a:r>
+            <a:endParaRPr lang="en-AU" sz="2400" dirty="0" smtClean="0"/>
+          </a:p>
+          <a:p>
+            <a:pPr marL="0" indent="0">
+              <a:buNone/>
+            </a:pPr>
+            <a:endParaRPr lang="en-AU" sz="2400" dirty="0" smtClean="0"/>
+          </a:p>
+          <a:p>
+            <a:pPr marL="0" indent="0">
+              <a:buNone/>
+            </a:pPr>
+            <a:r>
+              <a:rPr lang="en-AU" sz="2400" dirty="0" smtClean="0"/>
+              <a:t>Aims:</a:t>
+            </a:r>
+          </a:p>
+          <a:p>
+            <a:pPr marL="542925" indent="-276225"/>
+            <a:r>
+              <a:rPr lang="en-AU" sz="2400" dirty="0" smtClean="0"/>
+              <a:t>Identify the miRNAs that are selectively exported</a:t>
+            </a:r>
+          </a:p>
+          <a:p>
+            <a:pPr marL="542925" indent="-276225"/>
+            <a:r>
+              <a:rPr lang="en-AU" sz="2400" dirty="0" smtClean="0"/>
+              <a:t>Identify RNA-binding proteins correlated to the miRNA export</a:t>
+            </a:r>
+          </a:p>
+          <a:p>
+            <a:pPr marL="542925" indent="-276225"/>
+            <a:r>
+              <a:rPr lang="en-AU" sz="2400" dirty="0" smtClean="0"/>
+              <a:t>Verify candidate miRNA escort proteins ability to bind to miRNAs and transport to EVs.</a:t>
+            </a:r>
+          </a:p>
+        </p:txBody>
+      </p:sp>
+    </p:spTree>
+    <p:extLst>
+      <p:ext uri="{BB962C8B-B14F-4D97-AF65-F5344CB8AC3E}">
+        <p14:creationId xmlns:p14="http://schemas.microsoft.com/office/powerpoint/2010/main" val="2339122931"/>
+      </p:ext>
+    </p:extLst>
+  </p:cSld>
+  <p:clrMapOvr>
+    <a:masterClrMapping/>
+  </p:clrMapOvr>
+  <p:timing>
+    <p:tnLst>
+      <p:par>
+        <p:cTn id="1" dur="indefinite" restart="never" nodeType="tmRoot"/>
+      </p:par>
+    </p:tnLst>
+  </p:timing>
+</p:sld>
+</file>
+
+<file path=ppt/slides/slide9.xml><?xml version="1.0" encoding="utf-8"?>
+<p:sld xmlns:a="http://schemas.openxmlformats.org/drawingml/2006/main" xmlns:r="http://schemas.openxmlformats.org/officeDocument/2006/relationships" xmlns:p="http://schemas.openxmlformats.org/presentationml/2006/main">
+  <p:cSld>
+    <p:spTree>
+      <p:nvGrpSpPr>
+        <p:cNvPr id="1" name=""/>
+        <p:cNvGrpSpPr/>
+        <p:nvPr/>
+      </p:nvGrpSpPr>
+      <p:grpSpPr>
+        <a:xfrm>
+          <a:off x="0" y="0"/>
+          <a:ext cx="0" cy="0"/>
+          <a:chOff x="0" y="0"/>
+          <a:chExt cx="0" cy="0"/>
+        </a:xfrm>
+      </p:grpSpPr>
+      <p:sp>
+        <p:nvSpPr>
+          <p:cNvPr id="2" name="Title 1"/>
+          <p:cNvSpPr>
+            <a:spLocks noGrp="1"/>
+          </p:cNvSpPr>
+          <p:nvPr>
+            <p:ph type="title"/>
+          </p:nvPr>
+        </p:nvSpPr>
+        <p:spPr/>
+        <p:txBody>
+          <a:bodyPr/>
+          <a:lstStyle/>
+          <a:p>
+            <a:r>
+              <a:rPr lang="en-US" b="1" dirty="0" smtClean="0">
+                <a:solidFill>
+                  <a:schemeClr val="bg1"/>
+                </a:solidFill>
+              </a:rPr>
               <a:t>Aim 1: Analysis of </a:t>
             </a:r>
             <a:r>
@@ -6174,18 +6848,18 @@
               <a:t>Method 1: </a:t>
             </a:r>
             <a:r>
-              <a:rPr lang="en-AU" sz="2200" dirty="0" err="1" smtClean="0"/>
-              <a:t>Bioinformatic</a:t>
-            </a:r>
-            <a:r>
               <a:rPr lang="en-AU" sz="2200" dirty="0" smtClean="0"/>
-              <a:t>  Analysis. </a:t>
+              <a:t>Bioinformatics</a:t>
             </a:r>
           </a:p>
           <a:p>
             <a:r>
               <a:rPr lang="en-AU" sz="2200" dirty="0" smtClean="0"/>
-              <a:t>Previous miRNA-</a:t>
+              <a:t>Previous </a:t>
+            </a:r>
+            <a:r>
+              <a:rPr lang="en-AU" sz="2200" dirty="0" smtClean="0"/>
+              <a:t>miRNA-</a:t>
             </a:r>
             <a:r>
               <a:rPr lang="en-AU" sz="2200" dirty="0" err="1" smtClean="0"/>
@@ -7107,442 +7781,6 @@
 </p:sld>
 </file>
 
-<file path=ppt/slides/slide9.xml><?xml version="1.0" encoding="utf-8"?>
-<p:sld xmlns:a="http://schemas.openxmlformats.org/drawingml/2006/main" xmlns:r="http://schemas.openxmlformats.org/officeDocument/2006/relationships" xmlns:p="http://schemas.openxmlformats.org/presentationml/2006/main">
-  <p:cSld>
-    <p:spTree>
-      <p:nvGrpSpPr>
-        <p:cNvPr id="1" name=""/>
-        <p:cNvGrpSpPr/>
-        <p:nvPr/>
-      </p:nvGrpSpPr>
-      <p:grpSpPr>
-        <a:xfrm>
-          <a:off x="0" y="0"/>
-          <a:ext cx="0" cy="0"/>
-          <a:chOff x="0" y="0"/>
-          <a:chExt cx="0" cy="0"/>
-        </a:xfrm>
-      </p:grpSpPr>
-      <p:sp>
-        <p:nvSpPr>
-          <p:cNvPr id="2" name="Title 1"/>
-          <p:cNvSpPr>
-            <a:spLocks noGrp="1"/>
-          </p:cNvSpPr>
-          <p:nvPr>
-            <p:ph type="title"/>
-          </p:nvPr>
-        </p:nvSpPr>
-        <p:spPr/>
-        <p:txBody>
-          <a:bodyPr/>
-          <a:lstStyle/>
-          <a:p>
-            <a:r>
-              <a:rPr lang="en-US" b="1" dirty="0" smtClean="0">
-                <a:solidFill>
-                  <a:schemeClr val="bg1"/>
-                </a:solidFill>
-              </a:rPr>
-              <a:t>Aim 1: Analysis of </a:t>
-            </a:r>
-            <a:r>
-              <a:rPr lang="en-US" b="1" dirty="0" err="1" smtClean="0">
-                <a:solidFill>
-                  <a:schemeClr val="bg1"/>
-                </a:solidFill>
-              </a:rPr>
-              <a:t>miRNA</a:t>
-            </a:r>
-            <a:r>
-              <a:rPr lang="en-US" b="1" dirty="0" smtClean="0">
-                <a:solidFill>
-                  <a:schemeClr val="bg1"/>
-                </a:solidFill>
-              </a:rPr>
-              <a:t> export. Cont. </a:t>
-            </a:r>
-            <a:endParaRPr lang="en-AU" b="1" dirty="0">
-              <a:solidFill>
-                <a:schemeClr val="bg1"/>
-              </a:solidFill>
-            </a:endParaRPr>
-          </a:p>
-        </p:txBody>
-      </p:sp>
-      <p:sp>
-        <p:nvSpPr>
-          <p:cNvPr id="3" name="Content Placeholder 2"/>
-          <p:cNvSpPr>
-            <a:spLocks noGrp="1"/>
-          </p:cNvSpPr>
-          <p:nvPr>
-            <p:ph idx="1"/>
-          </p:nvPr>
-        </p:nvSpPr>
-        <p:spPr/>
-        <p:txBody>
-          <a:bodyPr/>
-          <a:lstStyle/>
-          <a:p>
-            <a:pPr marL="0" indent="0">
-              <a:buNone/>
-            </a:pPr>
-            <a:r>
-              <a:rPr lang="en-AU" dirty="0" smtClean="0"/>
-              <a:t>Method 2: RT-</a:t>
-            </a:r>
-            <a:r>
-              <a:rPr lang="en-AU" dirty="0" err="1" smtClean="0"/>
-              <a:t>qPCR</a:t>
-            </a:r>
-            <a:endParaRPr lang="en-AU" dirty="0" smtClean="0"/>
-          </a:p>
-          <a:p>
-            <a:pPr marL="0" indent="0">
-              <a:buNone/>
-            </a:pPr>
-            <a:endParaRPr lang="en-AU" dirty="0" smtClean="0"/>
-          </a:p>
-          <a:p>
-            <a:pPr marL="0" indent="0">
-              <a:buNone/>
-            </a:pPr>
-            <a:endParaRPr lang="en-AU" dirty="0"/>
-          </a:p>
-        </p:txBody>
-      </p:sp>
-      <p:pic>
-        <p:nvPicPr>
-          <p:cNvPr id="15" name="Picture 14"/>
-          <p:cNvPicPr>
-            <a:picLocks noChangeAspect="1"/>
-          </p:cNvPicPr>
-          <p:nvPr/>
-        </p:nvPicPr>
-        <p:blipFill>
-          <a:blip r:embed="rId2">
-            <a:extLst>
-              <a:ext uri="{28A0092B-C50C-407E-A947-70E740481C1C}">
-                <a14:useLocalDpi xmlns:a14="http://schemas.microsoft.com/office/drawing/2010/main" val="0"/>
-              </a:ext>
-            </a:extLst>
-          </a:blip>
-          <a:stretch>
-            <a:fillRect/>
-          </a:stretch>
-        </p:blipFill>
-        <p:spPr>
-          <a:xfrm>
-            <a:off x="1132239" y="2900362"/>
-            <a:ext cx="9507185" cy="1543051"/>
-          </a:xfrm>
-          <a:prstGeom prst="rect">
-            <a:avLst/>
-          </a:prstGeom>
-        </p:spPr>
-      </p:pic>
-      <p:cxnSp>
-        <p:nvCxnSpPr>
-          <p:cNvPr id="7" name="Straight Arrow Connector 6"/>
-          <p:cNvCxnSpPr/>
-          <p:nvPr/>
-        </p:nvCxnSpPr>
-        <p:spPr>
-          <a:xfrm>
-            <a:off x="3800962" y="4494293"/>
-            <a:ext cx="539026" cy="457594"/>
-          </a:xfrm>
-          <a:prstGeom prst="straightConnector1">
-            <a:avLst/>
-          </a:prstGeom>
-          <a:ln>
-            <a:solidFill>
-              <a:schemeClr val="tx1"/>
-            </a:solidFill>
-            <a:tailEnd type="triangle"/>
-          </a:ln>
-        </p:spPr>
-        <p:style>
-          <a:lnRef idx="1">
-            <a:schemeClr val="accent6"/>
-          </a:lnRef>
-          <a:fillRef idx="0">
-            <a:schemeClr val="accent6"/>
-          </a:fillRef>
-          <a:effectRef idx="0">
-            <a:schemeClr val="accent6"/>
-          </a:effectRef>
-          <a:fontRef idx="minor">
-            <a:schemeClr val="tx1"/>
-          </a:fontRef>
-        </p:style>
-      </p:cxnSp>
-      <p:sp>
-        <p:nvSpPr>
-          <p:cNvPr id="8" name="TextBox 7"/>
-          <p:cNvSpPr txBox="1"/>
-          <p:nvPr/>
-        </p:nvSpPr>
-        <p:spPr>
-          <a:xfrm>
-            <a:off x="4179428" y="4971634"/>
-            <a:ext cx="981359" cy="338554"/>
-          </a:xfrm>
-          <a:prstGeom prst="rect">
-            <a:avLst/>
-          </a:prstGeom>
-          <a:noFill/>
-        </p:spPr>
-        <p:txBody>
-          <a:bodyPr wrap="none" rtlCol="0">
-            <a:spAutoFit/>
-          </a:bodyPr>
-          <a:lstStyle/>
-          <a:p>
-            <a:r>
-              <a:rPr lang="en-US" sz="1600" dirty="0" smtClean="0"/>
-              <a:t>Using </a:t>
-            </a:r>
-            <a:r>
-              <a:rPr lang="en-US" sz="1600" dirty="0" smtClean="0"/>
-              <a:t>kits</a:t>
-            </a:r>
-            <a:endParaRPr lang="en-AU" sz="1600" dirty="0"/>
-          </a:p>
-        </p:txBody>
-      </p:sp>
-      <p:sp>
-        <p:nvSpPr>
-          <p:cNvPr id="9" name="TextBox 8"/>
-          <p:cNvSpPr txBox="1"/>
-          <p:nvPr/>
-        </p:nvSpPr>
-        <p:spPr>
-          <a:xfrm>
-            <a:off x="5907186" y="4951887"/>
-            <a:ext cx="2278587" cy="584775"/>
-          </a:xfrm>
-          <a:prstGeom prst="rect">
-            <a:avLst/>
-          </a:prstGeom>
-          <a:noFill/>
-        </p:spPr>
-        <p:txBody>
-          <a:bodyPr wrap="square" rtlCol="0">
-            <a:spAutoFit/>
-          </a:bodyPr>
-          <a:lstStyle/>
-          <a:p>
-            <a:pPr marL="285750" indent="-285750">
-              <a:buFont typeface="Arial" panose="020B0604020202020204" pitchFamily="34" charset="0"/>
-              <a:buChar char="•"/>
-            </a:pPr>
-            <a:r>
-              <a:rPr lang="en-US" sz="1600" dirty="0" smtClean="0"/>
-              <a:t>Addition of poly-A tail</a:t>
-            </a:r>
-          </a:p>
-          <a:p>
-            <a:pPr marL="285750" indent="-285750">
-              <a:buFont typeface="Arial" panose="020B0604020202020204" pitchFamily="34" charset="0"/>
-              <a:buChar char="•"/>
-            </a:pPr>
-            <a:r>
-              <a:rPr lang="en-US" sz="1600" dirty="0" smtClean="0"/>
-              <a:t>cDNA conversion  </a:t>
-            </a:r>
-            <a:endParaRPr lang="en-AU" sz="1600" dirty="0"/>
-          </a:p>
-        </p:txBody>
-      </p:sp>
-      <p:cxnSp>
-        <p:nvCxnSpPr>
-          <p:cNvPr id="11" name="Straight Arrow Connector 10"/>
-          <p:cNvCxnSpPr/>
-          <p:nvPr/>
-        </p:nvCxnSpPr>
-        <p:spPr>
-          <a:xfrm>
-            <a:off x="7544693" y="4459158"/>
-            <a:ext cx="0" cy="492729"/>
-          </a:xfrm>
-          <a:prstGeom prst="straightConnector1">
-            <a:avLst/>
-          </a:prstGeom>
-          <a:ln>
-            <a:solidFill>
-              <a:schemeClr val="tx1"/>
-            </a:solidFill>
-            <a:tailEnd type="triangle"/>
-          </a:ln>
-        </p:spPr>
-        <p:style>
-          <a:lnRef idx="1">
-            <a:schemeClr val="accent6"/>
-          </a:lnRef>
-          <a:fillRef idx="0">
-            <a:schemeClr val="accent6"/>
-          </a:fillRef>
-          <a:effectRef idx="0">
-            <a:schemeClr val="accent6"/>
-          </a:effectRef>
-          <a:fontRef idx="minor">
-            <a:schemeClr val="tx1"/>
-          </a:fontRef>
-        </p:style>
-      </p:cxnSp>
-      <p:sp>
-        <p:nvSpPr>
-          <p:cNvPr id="10" name="TextBox 9"/>
-          <p:cNvSpPr txBox="1"/>
-          <p:nvPr/>
-        </p:nvSpPr>
-        <p:spPr>
-          <a:xfrm>
-            <a:off x="8502014" y="4951887"/>
-            <a:ext cx="2268485" cy="1323439"/>
-          </a:xfrm>
-          <a:prstGeom prst="rect">
-            <a:avLst/>
-          </a:prstGeom>
-          <a:noFill/>
-        </p:spPr>
-        <p:txBody>
-          <a:bodyPr wrap="square" rtlCol="0">
-            <a:spAutoFit/>
-          </a:bodyPr>
-          <a:lstStyle/>
-          <a:p>
-            <a:pPr marL="285750" indent="-285750">
-              <a:buFont typeface="Arial" panose="020B0604020202020204" pitchFamily="34" charset="0"/>
-              <a:buChar char="•"/>
-            </a:pPr>
-            <a:r>
-              <a:rPr lang="en-US" sz="1600" dirty="0" smtClean="0"/>
-              <a:t>Average triplicates</a:t>
-            </a:r>
-          </a:p>
-          <a:p>
-            <a:pPr marL="285750" indent="-285750">
-              <a:buFont typeface="Arial" panose="020B0604020202020204" pitchFamily="34" charset="0"/>
-              <a:buChar char="•"/>
-            </a:pPr>
-            <a:r>
-              <a:rPr lang="en-US" sz="1600" dirty="0"/>
-              <a:t>C</a:t>
-            </a:r>
-            <a:r>
-              <a:rPr lang="en-US" sz="1600" dirty="0" smtClean="0"/>
-              <a:t>ompare GFP to Cavin-1 to find Fold Change  </a:t>
-            </a:r>
-          </a:p>
-          <a:p>
-            <a:pPr marL="285750" indent="-285750">
-              <a:buFont typeface="Arial" panose="020B0604020202020204" pitchFamily="34" charset="0"/>
-              <a:buChar char="•"/>
-            </a:pPr>
-            <a:r>
-              <a:rPr lang="en-US" sz="1600" dirty="0" smtClean="0"/>
-              <a:t>T-Test</a:t>
-            </a:r>
-            <a:endParaRPr lang="en-AU" sz="1600" dirty="0"/>
-          </a:p>
-        </p:txBody>
-      </p:sp>
-      <p:cxnSp>
-        <p:nvCxnSpPr>
-          <p:cNvPr id="13" name="Straight Arrow Connector 12"/>
-          <p:cNvCxnSpPr/>
-          <p:nvPr/>
-        </p:nvCxnSpPr>
-        <p:spPr>
-          <a:xfrm>
-            <a:off x="9428788" y="4494293"/>
-            <a:ext cx="0" cy="492729"/>
-          </a:xfrm>
-          <a:prstGeom prst="straightConnector1">
-            <a:avLst/>
-          </a:prstGeom>
-          <a:ln>
-            <a:solidFill>
-              <a:schemeClr val="tx1"/>
-            </a:solidFill>
-            <a:tailEnd type="triangle"/>
-          </a:ln>
-        </p:spPr>
-        <p:style>
-          <a:lnRef idx="1">
-            <a:schemeClr val="accent6"/>
-          </a:lnRef>
-          <a:fillRef idx="0">
-            <a:schemeClr val="accent6"/>
-          </a:fillRef>
-          <a:effectRef idx="0">
-            <a:schemeClr val="accent6"/>
-          </a:effectRef>
-          <a:fontRef idx="minor">
-            <a:schemeClr val="tx1"/>
-          </a:fontRef>
-        </p:style>
-      </p:cxnSp>
-      <p:cxnSp>
-        <p:nvCxnSpPr>
-          <p:cNvPr id="14" name="Straight Arrow Connector 13"/>
-          <p:cNvCxnSpPr/>
-          <p:nvPr/>
-        </p:nvCxnSpPr>
-        <p:spPr>
-          <a:xfrm flipH="1">
-            <a:off x="5060117" y="4509536"/>
-            <a:ext cx="530828" cy="439686"/>
-          </a:xfrm>
-          <a:prstGeom prst="straightConnector1">
-            <a:avLst/>
-          </a:prstGeom>
-          <a:ln>
-            <a:solidFill>
-              <a:schemeClr val="tx1"/>
-            </a:solidFill>
-            <a:tailEnd type="triangle"/>
-          </a:ln>
-        </p:spPr>
-        <p:style>
-          <a:lnRef idx="1">
-            <a:schemeClr val="accent6"/>
-          </a:lnRef>
-          <a:fillRef idx="0">
-            <a:schemeClr val="accent6"/>
-          </a:fillRef>
-          <a:effectRef idx="0">
-            <a:schemeClr val="accent6"/>
-          </a:effectRef>
-          <a:fontRef idx="minor">
-            <a:schemeClr val="tx1"/>
-          </a:fontRef>
-        </p:style>
-      </p:cxnSp>
-    </p:spTree>
-    <p:extLst>
-      <p:ext uri="{BB962C8B-B14F-4D97-AF65-F5344CB8AC3E}">
-        <p14:creationId xmlns:p14="http://schemas.microsoft.com/office/powerpoint/2010/main" val="4287831108"/>
-      </p:ext>
-    </p:extLst>
-  </p:cSld>
-  <p:clrMapOvr>
-    <a:masterClrMapping/>
-  </p:clrMapOvr>
-  <p:timing>
-    <p:tnLst>
-      <p:par>
-        <p:cTn id="1" dur="indefinite" restart="never" nodeType="tmRoot"/>
-      </p:par>
-    </p:tnLst>
-  </p:timing>
-</p:sld>
-</file>
-
 <file path=ppt/theme/theme1.xml><?xml version="1.0" encoding="utf-8"?>
 <a:theme xmlns:a="http://schemas.openxmlformats.org/drawingml/2006/main" name="Office Theme">
   <a:themeElements>

--- a/BackgroundInfo/Selective export of microRNA via extracellular vesicles.pptx
+++ b/BackgroundInfo/Selective export of microRNA via extracellular vesicles.pptx
@@ -4413,15 +4413,7 @@
             </a:pPr>
             <a:r>
               <a:rPr lang="en-AU" sz="2200" dirty="0" smtClean="0"/>
-              <a:t>Previous proteomics data collected for the lipid raft, </a:t>
-            </a:r>
-            <a:r>
-              <a:rPr lang="en-AU" sz="2200" dirty="0" smtClean="0"/>
-              <a:t>total </a:t>
-            </a:r>
-            <a:r>
-              <a:rPr lang="en-AU" sz="2200" dirty="0" smtClean="0"/>
-              <a:t>membrane and EVs using tandem mass spectrometry for PC3 GFP and PC3 cavin-1 cells. </a:t>
+              <a:t>Previous proteomics data collected for the lipid raft, total membrane and EVs using tandem mass spectrometry for PC3 GFP and PC3 cavin-1 cells. </a:t>
             </a:r>
           </a:p>
           <a:p>
@@ -5493,13 +5485,8 @@
             </a:pPr>
             <a:r>
               <a:rPr lang="en-US" sz="2200" dirty="0" smtClean="0"/>
-              <a:t>Important regulatory </a:t>
-            </a:r>
-            <a:r>
-              <a:rPr lang="en-US" sz="2200" dirty="0" smtClean="0"/>
-              <a:t>function</a:t>
-            </a:r>
-            <a:endParaRPr lang="en-US" sz="2200" dirty="0" smtClean="0"/>
+              <a:t>Important regulatory function</a:t>
+            </a:r>
           </a:p>
           <a:p>
             <a:pPr marL="342900" indent="-342900">
@@ -5518,8 +5505,25 @@
             </a:pPr>
             <a:r>
               <a:rPr lang="en-US" sz="2200" dirty="0" smtClean="0"/>
-              <a:t>Binding to target mRNA decreases protein function by RISC inhibition and degradation</a:t>
-            </a:r>
+              <a:t>Binding to target mRNA decreases protein function by RISC inhibition and </a:t>
+            </a:r>
+            <a:r>
+              <a:rPr lang="en-US" sz="2200" dirty="0" smtClean="0"/>
+              <a:t>degradation </a:t>
+            </a:r>
+            <a:r>
+              <a:rPr lang="en-US" sz="1200" dirty="0" smtClean="0"/>
+              <a:t>(Gregory </a:t>
+            </a:r>
+            <a:r>
+              <a:rPr lang="en-US" sz="1200" i="1" dirty="0" smtClean="0"/>
+              <a:t>et al. </a:t>
+            </a:r>
+            <a:r>
+              <a:rPr lang="en-US" sz="1200" dirty="0" smtClean="0"/>
+              <a:t>2005)</a:t>
+            </a:r>
+            <a:endParaRPr lang="en-US" sz="2200" dirty="0" smtClean="0"/>
           </a:p>
           <a:p>
             <a:endParaRPr lang="en-US" sz="2200" dirty="0" smtClean="0"/>
@@ -5555,8 +5559,17 @@
             </a:pPr>
             <a:r>
               <a:rPr lang="en-US" sz="2200" dirty="0" smtClean="0"/>
-              <a:t> Cardiac homeostasis</a:t>
-            </a:r>
+              <a:t> Cardiac </a:t>
+            </a:r>
+            <a:r>
+              <a:rPr lang="en-US" sz="2200" dirty="0" smtClean="0"/>
+              <a:t>homeostasis </a:t>
+            </a:r>
+            <a:r>
+              <a:rPr lang="en-US" sz="1200" dirty="0" smtClean="0"/>
+              <a:t>(Simons &amp; Simons 2002)</a:t>
+            </a:r>
+            <a:endParaRPr lang="en-US" sz="2200" dirty="0" smtClean="0"/>
           </a:p>
           <a:p>
             <a:pPr marL="800100" lvl="1" indent="-342900">
@@ -5568,7 +5581,19 @@
             </a:pPr>
             <a:r>
               <a:rPr lang="en-US" sz="2200" dirty="0" smtClean="0"/>
-              <a:t>Diabetes</a:t>
+              <a:t>Diabetes </a:t>
+            </a:r>
+            <a:r>
+              <a:rPr lang="en-US" sz="1200" dirty="0" smtClean="0"/>
+              <a:t>(Cohen </a:t>
+            </a:r>
+            <a:r>
+              <a:rPr lang="en-US" sz="1200" i="1" dirty="0" smtClean="0"/>
+              <a:t>et al </a:t>
+            </a:r>
+            <a:r>
+              <a:rPr lang="en-US" sz="1200" dirty="0" smtClean="0"/>
+              <a:t>2003)</a:t>
             </a:r>
             <a:endParaRPr lang="en-US" sz="2200" dirty="0"/>
           </a:p>
@@ -5587,6 +5612,18 @@
             <a:r>
               <a:rPr lang="en-US" sz="2200" dirty="0" smtClean="0"/>
               <a:t>ancer metastasis </a:t>
+            </a:r>
+            <a:r>
+              <a:rPr lang="en-US" sz="1200" dirty="0" smtClean="0"/>
+              <a:t>(Falcone </a:t>
+            </a:r>
+            <a:r>
+              <a:rPr lang="en-US" sz="1200" i="1" dirty="0" smtClean="0"/>
+              <a:t>et al</a:t>
+            </a:r>
+            <a:r>
+              <a:rPr lang="en-US" sz="1200" dirty="0" smtClean="0"/>
+              <a:t> 2015)</a:t>
             </a:r>
             <a:endParaRPr lang="en-AU" sz="2200" dirty="0"/>
           </a:p>
@@ -5656,15 +5693,7 @@
                   <a:schemeClr val="bg1"/>
                 </a:solidFill>
               </a:rPr>
-              <a:t>Extracellular </a:t>
-            </a:r>
-            <a:r>
-              <a:rPr lang="en-US" b="1" dirty="0" smtClean="0">
-                <a:solidFill>
-                  <a:schemeClr val="bg1"/>
-                </a:solidFill>
-              </a:rPr>
-              <a:t>Vesicles</a:t>
+              <a:t>Extracellular Vesicles</a:t>
             </a:r>
             <a:endParaRPr lang="en-AU" b="1" dirty="0">
               <a:solidFill>
@@ -5956,15 +5985,35 @@
             </a:r>
             <a:r>
               <a:rPr lang="en-AU" dirty="0" smtClean="0"/>
-              <a:t> A2B1 involved in </a:t>
-            </a:r>
-            <a:r>
-              <a:rPr lang="en-AU" dirty="0" smtClean="0"/>
-              <a:t>miRNA </a:t>
-            </a:r>
-            <a:r>
-              <a:rPr lang="en-AU" dirty="0" smtClean="0"/>
-              <a:t>export via exosomes.</a:t>
+              <a:t> A2B1 involved in miRNA export via </a:t>
+            </a:r>
+            <a:r>
+              <a:rPr lang="en-AU" dirty="0" err="1" smtClean="0"/>
+              <a:t>exosomes</a:t>
+            </a:r>
+            <a:r>
+              <a:rPr lang="en-AU" dirty="0"/>
+              <a:t>. </a:t>
+            </a:r>
+            <a:r>
+              <a:rPr lang="en-AU" sz="1700" dirty="0"/>
+              <a:t>(</a:t>
+            </a:r>
+            <a:r>
+              <a:rPr lang="en-AU" sz="1700" dirty="0" err="1"/>
+              <a:t>Villarroya-Beltri</a:t>
+            </a:r>
+            <a:r>
+              <a:rPr lang="en-AU" sz="1700" dirty="0"/>
+              <a:t> </a:t>
+            </a:r>
+            <a:r>
+              <a:rPr lang="en-AU" sz="1700" i="1" dirty="0"/>
+              <a:t>et al</a:t>
+            </a:r>
+            <a:r>
+              <a:rPr lang="en-AU" sz="1700" dirty="0"/>
+              <a:t> 2013) </a:t>
             </a:r>
             <a:endParaRPr lang="en-US" dirty="0"/>
           </a:p>
@@ -6017,6 +6066,52 @@
           </a:prstGeom>
         </p:spPr>
       </p:pic>
+      <p:sp>
+        <p:nvSpPr>
+          <p:cNvPr id="4" name="TextBox 3"/>
+          <p:cNvSpPr txBox="1"/>
+          <p:nvPr/>
+        </p:nvSpPr>
+        <p:spPr>
+          <a:xfrm>
+            <a:off x="8922967" y="5391249"/>
+            <a:ext cx="3023957" cy="369332"/>
+          </a:xfrm>
+          <a:prstGeom prst="rect">
+            <a:avLst/>
+          </a:prstGeom>
+          <a:noFill/>
+        </p:spPr>
+        <p:txBody>
+          <a:bodyPr wrap="square" rtlCol="0">
+            <a:spAutoFit/>
+          </a:bodyPr>
+          <a:lstStyle/>
+          <a:p>
+            <a:r>
+              <a:rPr lang="en-AU" dirty="0" smtClean="0"/>
+              <a:t>(</a:t>
+            </a:r>
+            <a:r>
+              <a:rPr lang="en-AU" dirty="0" err="1" smtClean="0"/>
+              <a:t>Villarroya-Beltri</a:t>
+            </a:r>
+            <a:r>
+              <a:rPr lang="en-AU" dirty="0" smtClean="0"/>
+              <a:t> </a:t>
+            </a:r>
+            <a:r>
+              <a:rPr lang="en-AU" i="1" dirty="0" smtClean="0"/>
+              <a:t>et al</a:t>
+            </a:r>
+            <a:r>
+              <a:rPr lang="en-AU" dirty="0" smtClean="0"/>
+              <a:t> 2013) </a:t>
+            </a:r>
+            <a:endParaRPr lang="en-AU" dirty="0"/>
+          </a:p>
+        </p:txBody>
+      </p:sp>
     </p:spTree>
     <p:extLst>
       <p:ext uri="{BB962C8B-B14F-4D97-AF65-F5344CB8AC3E}">
@@ -6168,8 +6263,8 @@
         </p:nvSpPr>
         <p:spPr>
           <a:xfrm>
-            <a:off x="5113867" y="3584783"/>
-            <a:ext cx="6570134" cy="2277547"/>
+            <a:off x="5089153" y="3349625"/>
+            <a:ext cx="6570134" cy="2831544"/>
           </a:xfrm>
           <a:prstGeom prst="rect">
             <a:avLst/>
@@ -6190,6 +6285,59 @@
               <a:rPr lang="en-US" sz="2400" dirty="0" smtClean="0"/>
               <a:t>Depletion of cholesterol, ceramide and sphingolipid modified EV protein content. </a:t>
             </a:r>
+            <a:r>
+              <a:rPr lang="en-US" dirty="0" smtClean="0"/>
+              <a:t>(</a:t>
+            </a:r>
+            <a:r>
+              <a:rPr lang="en-US" dirty="0" err="1" smtClean="0"/>
+              <a:t>Leyt</a:t>
+            </a:r>
+            <a:r>
+              <a:rPr lang="en-US" dirty="0" smtClean="0"/>
+              <a:t> </a:t>
+            </a:r>
+            <a:r>
+              <a:rPr lang="en-US" i="1" dirty="0" smtClean="0"/>
+              <a:t>et al </a:t>
+            </a:r>
+            <a:r>
+              <a:rPr lang="en-US" dirty="0" smtClean="0"/>
+              <a:t>2007; </a:t>
+            </a:r>
+            <a:r>
+              <a:rPr lang="en-US" dirty="0" err="1" smtClean="0"/>
+              <a:t>Trajkovic</a:t>
+            </a:r>
+            <a:r>
+              <a:rPr lang="en-US" dirty="0" smtClean="0"/>
+              <a:t> </a:t>
+            </a:r>
+            <a:r>
+              <a:rPr lang="en-US" i="1" dirty="0" smtClean="0"/>
+              <a:t>et al</a:t>
+            </a:r>
+            <a:r>
+              <a:rPr lang="en-US" dirty="0" smtClean="0"/>
+              <a:t> 2008; </a:t>
+            </a:r>
+            <a:r>
+              <a:rPr lang="en-US" dirty="0" err="1" smtClean="0"/>
+              <a:t>Phuyal</a:t>
+            </a:r>
+            <a:r>
+              <a:rPr lang="en-US" dirty="0" smtClean="0"/>
+              <a:t> </a:t>
+            </a:r>
+            <a:r>
+              <a:rPr lang="en-US" i="1" dirty="0" smtClean="0"/>
+              <a:t>et al</a:t>
+            </a:r>
+            <a:r>
+              <a:rPr lang="en-US" dirty="0" smtClean="0"/>
+              <a:t> 2014)</a:t>
+            </a:r>
+            <a:endParaRPr lang="en-US" sz="2400" dirty="0" smtClean="0"/>
           </a:p>
           <a:p>
             <a:pPr marL="342900" indent="-342900">
@@ -6207,6 +6355,31 @@
               <a:rPr lang="en-US" sz="2400" dirty="0" smtClean="0"/>
               <a:t>Re-distribution of lipid raft cholesterol correlates to protein and miRNA EV content. </a:t>
             </a:r>
+            <a:r>
+              <a:rPr lang="en-US" dirty="0" smtClean="0"/>
+              <a:t>(</a:t>
+            </a:r>
+            <a:r>
+              <a:rPr lang="en-US" dirty="0" err="1" smtClean="0"/>
+              <a:t>Inder</a:t>
+            </a:r>
+            <a:r>
+              <a:rPr lang="en-US" dirty="0" smtClean="0"/>
+              <a:t> </a:t>
+            </a:r>
+            <a:r>
+              <a:rPr lang="en-US" i="1" dirty="0" smtClean="0"/>
+              <a:t>et al</a:t>
+            </a:r>
+            <a:r>
+              <a:rPr lang="en-US" dirty="0" smtClean="0"/>
+              <a:t> 2012, 2014</a:t>
+            </a:r>
+            <a:r>
+              <a:rPr lang="en-US" dirty="0" smtClean="0"/>
+              <a:t>)</a:t>
+            </a:r>
+            <a:endParaRPr lang="en-US" dirty="0" smtClean="0"/>
           </a:p>
           <a:p>
             <a:pPr marL="342900" indent="-342900">
@@ -6290,7 +6463,7 @@
         </p:nvSpPr>
         <p:spPr>
           <a:xfrm>
-            <a:off x="838200" y="1690688"/>
+            <a:off x="838200" y="1696955"/>
             <a:ext cx="6643977" cy="4619625"/>
           </a:xfrm>
         </p:spPr>
@@ -6302,15 +6475,7 @@
           <a:p>
             <a:r>
               <a:rPr lang="en-AU" sz="2400" dirty="0" smtClean="0"/>
-              <a:t>Increased Caveolin-1 </a:t>
-            </a:r>
-            <a:r>
-              <a:rPr lang="en-AU" sz="2400" dirty="0" smtClean="0"/>
-              <a:t>expression without </a:t>
-            </a:r>
-            <a:r>
-              <a:rPr lang="en-AU" sz="2400" dirty="0" smtClean="0"/>
-              <a:t>Cavins.</a:t>
+              <a:t>Increased Caveolin-1 expression without Cavins.</a:t>
             </a:r>
           </a:p>
           <a:p>
@@ -6326,7 +6491,15 @@
             </a:r>
             <a:r>
               <a:rPr lang="en-AU" sz="2400" dirty="0"/>
-              <a:t>accompanied by Cavin-1, it will form caveolae, utilised in Endocytosis. </a:t>
+              <a:t>accompanied by </a:t>
+            </a:r>
+            <a:r>
+              <a:rPr lang="en-AU" sz="2400" dirty="0" smtClean="0"/>
+              <a:t>Cavin-1 </a:t>
+            </a:r>
+            <a:r>
+              <a:rPr lang="en-AU" sz="2400" dirty="0"/>
+              <a:t>it will form caveolae, utilised in Endocytosis. </a:t>
             </a:r>
           </a:p>
           <a:p>
@@ -6338,13 +6511,8 @@
           <a:p>
             <a:r>
               <a:rPr lang="en-AU" sz="2400" dirty="0" smtClean="0"/>
-              <a:t>Caveolin-1 is a cholesterol </a:t>
-            </a:r>
-            <a:r>
-              <a:rPr lang="en-AU" sz="2400" dirty="0" smtClean="0"/>
-              <a:t>transporter</a:t>
-            </a:r>
-            <a:endParaRPr lang="en-AU" sz="2400" dirty="0" smtClean="0"/>
+              <a:t>Caveolin-1 is a cholesterol transporter</a:t>
+            </a:r>
           </a:p>
           <a:p>
             <a:pPr marL="0" indent="0">
@@ -6360,6 +6528,30 @@
           </a:p>
         </p:txBody>
       </p:sp>
+      <p:pic>
+        <p:nvPicPr>
+          <p:cNvPr id="4" name="Picture 3"/>
+          <p:cNvPicPr>
+            <a:picLocks noChangeAspect="1"/>
+          </p:cNvPicPr>
+          <p:nvPr/>
+        </p:nvPicPr>
+        <p:blipFill>
+          <a:blip r:embed="rId2"/>
+          <a:stretch>
+            <a:fillRect/>
+          </a:stretch>
+        </p:blipFill>
+        <p:spPr>
+          <a:xfrm>
+            <a:off x="7989474" y="1690688"/>
+            <a:ext cx="3533425" cy="4359421"/>
+          </a:xfrm>
+          <a:prstGeom prst="rect">
+            <a:avLst/>
+          </a:prstGeom>
+        </p:spPr>
+      </p:pic>
     </p:spTree>
     <p:extLst>
       <p:ext uri="{BB962C8B-B14F-4D97-AF65-F5344CB8AC3E}">
@@ -6446,7 +6638,7 @@
         <p:spPr>
           <a:xfrm>
             <a:off x="838200" y="1641104"/>
-            <a:ext cx="10515600" cy="4983421"/>
+            <a:ext cx="10515600" cy="4582275"/>
           </a:xfrm>
         </p:spPr>
         <p:txBody>
@@ -6455,12 +6647,9 @@
           </a:bodyPr>
           <a:lstStyle/>
           <a:p>
-            <a:pPr marL="0" indent="0">
-              <a:buNone/>
-            </a:pPr>
             <a:r>
               <a:rPr lang="en-AU" sz="2200" dirty="0" smtClean="0"/>
-              <a:t>- Introduction </a:t>
+              <a:t>Introduction </a:t>
             </a:r>
             <a:r>
               <a:rPr lang="en-AU" sz="2200" dirty="0"/>
@@ -6525,16 +6714,10 @@
               <a:lnSpc>
                 <a:spcPct val="150000"/>
               </a:lnSpc>
-              <a:buFontTx/>
-              <a:buChar char="-"/>
             </a:pPr>
             <a:r>
               <a:rPr lang="en-US" sz="2200" dirty="0" smtClean="0"/>
-              <a:t>RNA-binding </a:t>
-            </a:r>
-            <a:r>
-              <a:rPr lang="en-US" sz="2200" dirty="0" smtClean="0"/>
-              <a:t>proteins appear to be enriched within lipid rafts.</a:t>
+              <a:t>RNA-binding proteins appear to be enriched within lipid rafts.</a:t>
             </a:r>
           </a:p>
           <a:p>
@@ -6542,17 +6725,12 @@
               <a:lnSpc>
                 <a:spcPct val="150000"/>
               </a:lnSpc>
-              <a:buFontTx/>
-              <a:buChar char="-"/>
             </a:pPr>
             <a:r>
               <a:rPr lang="en-US" sz="2200" dirty="0" smtClean="0"/>
               <a:t>Hereby,  modulation of miRNA export could be lipid raft dependent. </a:t>
             </a:r>
             <a:endParaRPr lang="en-AU" sz="2200" dirty="0"/>
-          </a:p>
-          <a:p>
-            <a:endParaRPr lang="en-AU" dirty="0"/>
           </a:p>
         </p:txBody>
       </p:sp>
@@ -6585,6 +6763,52 @@
           </a:prstGeom>
         </p:spPr>
       </p:pic>
+      <p:sp>
+        <p:nvSpPr>
+          <p:cNvPr id="5" name="TextBox 4"/>
+          <p:cNvSpPr txBox="1"/>
+          <p:nvPr/>
+        </p:nvSpPr>
+        <p:spPr>
+          <a:xfrm>
+            <a:off x="7751929" y="4792133"/>
+            <a:ext cx="3084394" cy="338554"/>
+          </a:xfrm>
+          <a:prstGeom prst="rect">
+            <a:avLst/>
+          </a:prstGeom>
+          <a:noFill/>
+        </p:spPr>
+        <p:txBody>
+          <a:bodyPr wrap="square" rtlCol="0">
+            <a:spAutoFit/>
+          </a:bodyPr>
+          <a:lstStyle/>
+          <a:p>
+            <a:r>
+              <a:rPr lang="en-AU" sz="1600" dirty="0" smtClean="0"/>
+              <a:t>(</a:t>
+            </a:r>
+            <a:r>
+              <a:rPr lang="en-AU" sz="1600" dirty="0" err="1" smtClean="0"/>
+              <a:t>Inder</a:t>
+            </a:r>
+            <a:r>
+              <a:rPr lang="en-AU" sz="1600" dirty="0" smtClean="0"/>
+              <a:t> et al 2012; </a:t>
+            </a:r>
+            <a:r>
+              <a:rPr lang="en-AU" sz="1600" dirty="0" err="1" smtClean="0"/>
+              <a:t>Inder</a:t>
+            </a:r>
+            <a:r>
+              <a:rPr lang="en-AU" sz="1600" dirty="0" smtClean="0"/>
+              <a:t> et al 2014)</a:t>
+            </a:r>
+            <a:endParaRPr lang="en-AU" sz="1600" dirty="0"/>
+          </a:p>
+        </p:txBody>
+      </p:sp>
     </p:spTree>
     <p:extLst>
       <p:ext uri="{BB962C8B-B14F-4D97-AF65-F5344CB8AC3E}">
@@ -6680,21 +6904,8 @@
             </a:pPr>
             <a:r>
               <a:rPr lang="en-AU" sz="2400" dirty="0" smtClean="0"/>
-              <a:t>It is hypothesised that the introduction of Cavin-1 to a PC3 model will modify the EV miRNA content </a:t>
-            </a:r>
-            <a:r>
-              <a:rPr lang="en-AU" sz="2400" dirty="0" smtClean="0"/>
-              <a:t>by activity of RNA </a:t>
-            </a:r>
-            <a:r>
-              <a:rPr lang="en-AU" sz="2400" dirty="0" smtClean="0"/>
-              <a:t>binding </a:t>
-            </a:r>
-            <a:r>
-              <a:rPr lang="en-AU" sz="2400" dirty="0" smtClean="0"/>
-              <a:t>proteins within lipid rafts. </a:t>
-            </a:r>
-            <a:endParaRPr lang="en-AU" sz="2400" dirty="0" smtClean="0"/>
+              <a:t>It is hypothesised that the introduction of Cavin-1 to a PC3 model will modify the EV miRNA content by activity of RNA binding proteins within lipid rafts. </a:t>
+            </a:r>
           </a:p>
           <a:p>
             <a:pPr marL="0" indent="0">
@@ -6845,21 +7056,13 @@
             </a:pPr>
             <a:r>
               <a:rPr lang="en-AU" sz="2200" dirty="0" smtClean="0"/>
-              <a:t>Method 1: </a:t>
-            </a:r>
+              <a:t>Method 1: Bioinformatics</a:t>
+            </a:r>
+          </a:p>
+          <a:p>
             <a:r>
               <a:rPr lang="en-AU" sz="2200" dirty="0" smtClean="0"/>
-              <a:t>Bioinformatics</a:t>
-            </a:r>
-          </a:p>
-          <a:p>
-            <a:r>
-              <a:rPr lang="en-AU" sz="2200" dirty="0" smtClean="0"/>
-              <a:t>Previous </a:t>
-            </a:r>
-            <a:r>
-              <a:rPr lang="en-AU" sz="2200" dirty="0" smtClean="0"/>
-              <a:t>miRNA-</a:t>
+              <a:t>Previous miRNA-</a:t>
             </a:r>
             <a:r>
               <a:rPr lang="en-AU" sz="2200" dirty="0" err="1" smtClean="0"/>

--- a/BackgroundInfo/Selective export of microRNA via extracellular vesicles.pptx
+++ b/BackgroundInfo/Selective export of microRNA via extracellular vesicles.pptx
@@ -211,7 +211,7 @@
           <a:p>
             <a:fld id="{0B21FBDF-C287-422C-92BB-131BF3E59FE0}" type="datetimeFigureOut">
               <a:rPr lang="en-AU" smtClean="0"/>
-              <a:t>15/03/2016</a:t>
+              <a:t>16/03/2016</a:t>
             </a:fld>
             <a:endParaRPr lang="en-AU"/>
           </a:p>
@@ -523,32 +523,6 @@
           <a:bodyPr/>
           <a:lstStyle/>
           <a:p>
-            <a:r>
-              <a:rPr lang="en-US" dirty="0" smtClean="0"/>
-              <a:t>RISC-</a:t>
-            </a:r>
-            <a:r>
-              <a:rPr lang="en-US" baseline="0" dirty="0" smtClean="0"/>
-              <a:t> RNA induced silencing complex. </a:t>
-            </a:r>
-          </a:p>
-          <a:p>
-            <a:r>
-              <a:rPr lang="en-US" baseline="0" dirty="0" err="1" smtClean="0"/>
-              <a:t>Risc</a:t>
-            </a:r>
-            <a:r>
-              <a:rPr lang="en-US" baseline="0" dirty="0" smtClean="0"/>
-              <a:t> associated proteins: </a:t>
-            </a:r>
-            <a:r>
-              <a:rPr lang="en-US" baseline="0" dirty="0" err="1" smtClean="0"/>
-              <a:t>argonates</a:t>
-            </a:r>
-            <a:r>
-              <a:rPr lang="en-US" baseline="0" dirty="0" smtClean="0"/>
-              <a:t>, Dicer, </a:t>
-            </a:r>
             <a:endParaRPr lang="en-AU" dirty="0"/>
           </a:p>
         </p:txBody>
@@ -570,7 +544,7 @@
           <a:p>
             <a:fld id="{50E92962-0362-434D-A7A6-86BA87293389}" type="slidenum">
               <a:rPr lang="en-AU" smtClean="0"/>
-              <a:t>2</a:t>
+              <a:t>1</a:t>
             </a:fld>
             <a:endParaRPr lang="en-AU"/>
           </a:p>
@@ -579,7 +553,7 @@
     </p:spTree>
     <p:extLst>
       <p:ext uri="{BB962C8B-B14F-4D97-AF65-F5344CB8AC3E}">
-        <p14:creationId xmlns:p14="http://schemas.microsoft.com/office/powerpoint/2010/main" val="229328601"/>
+        <p14:creationId xmlns:p14="http://schemas.microsoft.com/office/powerpoint/2010/main" val="3134058491"/>
       </p:ext>
     </p:extLst>
   </p:cSld>
@@ -634,20 +608,12 @@
           <a:lstStyle/>
           <a:p>
             <a:r>
-              <a:rPr lang="en-US" dirty="0" err="1" smtClean="0"/>
-              <a:t>hnRNP</a:t>
-            </a:r>
-            <a:r>
               <a:rPr lang="en-US" dirty="0" smtClean="0"/>
-              <a:t>- 30 </a:t>
-            </a:r>
-            <a:r>
-              <a:rPr lang="en-US" dirty="0" err="1" smtClean="0"/>
-              <a:t>exoMiRS</a:t>
+              <a:t>What</a:t>
             </a:r>
             <a:r>
               <a:rPr lang="en-US" baseline="0" dirty="0" smtClean="0"/>
-              <a:t> out of 2587 total</a:t>
+              <a:t>, how, export, diseases… Therefore, these miRNAs are considered important in intercellular communication.</a:t>
             </a:r>
             <a:endParaRPr lang="en-AU" dirty="0"/>
           </a:p>
@@ -670,7 +636,7 @@
           <a:p>
             <a:fld id="{50E92962-0362-434D-A7A6-86BA87293389}" type="slidenum">
               <a:rPr lang="en-AU" smtClean="0"/>
-              <a:t>4</a:t>
+              <a:t>2</a:t>
             </a:fld>
             <a:endParaRPr lang="en-AU"/>
           </a:p>
@@ -679,7 +645,7 @@
     </p:spTree>
     <p:extLst>
       <p:ext uri="{BB962C8B-B14F-4D97-AF65-F5344CB8AC3E}">
-        <p14:creationId xmlns:p14="http://schemas.microsoft.com/office/powerpoint/2010/main" val="3413222392"/>
+        <p14:creationId xmlns:p14="http://schemas.microsoft.com/office/powerpoint/2010/main" val="229328601"/>
       </p:ext>
     </p:extLst>
   </p:cSld>
@@ -733,6 +699,294 @@
           <a:bodyPr/>
           <a:lstStyle/>
           <a:p>
+            <a:r>
+              <a:rPr lang="en-US" dirty="0" smtClean="0"/>
+              <a:t>What, contents, advantages..</a:t>
+            </a:r>
+            <a:r>
+              <a:rPr lang="en-US" baseline="0" dirty="0" smtClean="0"/>
+              <a:t> Hereby, investigating the content can reveal function or irregularities occurring in intercellular communication</a:t>
+            </a:r>
+            <a:endParaRPr lang="en-AU" dirty="0"/>
+          </a:p>
+        </p:txBody>
+      </p:sp>
+      <p:sp>
+        <p:nvSpPr>
+          <p:cNvPr id="4" name="Slide Number Placeholder 3"/>
+          <p:cNvSpPr>
+            <a:spLocks noGrp="1"/>
+          </p:cNvSpPr>
+          <p:nvPr>
+            <p:ph type="sldNum" sz="quarter" idx="10"/>
+          </p:nvPr>
+        </p:nvSpPr>
+        <p:spPr/>
+        <p:txBody>
+          <a:bodyPr/>
+          <a:lstStyle/>
+          <a:p>
+            <a:fld id="{50E92962-0362-434D-A7A6-86BA87293389}" type="slidenum">
+              <a:rPr lang="en-AU" smtClean="0"/>
+              <a:t>3</a:t>
+            </a:fld>
+            <a:endParaRPr lang="en-AU"/>
+          </a:p>
+        </p:txBody>
+      </p:sp>
+    </p:spTree>
+    <p:extLst>
+      <p:ext uri="{BB962C8B-B14F-4D97-AF65-F5344CB8AC3E}">
+        <p14:creationId xmlns:p14="http://schemas.microsoft.com/office/powerpoint/2010/main" val="52527674"/>
+      </p:ext>
+    </p:extLst>
+  </p:cSld>
+  <p:clrMapOvr>
+    <a:masterClrMapping/>
+  </p:clrMapOvr>
+</p:notes>
+</file>
+
+<file path=ppt/notesSlides/notesSlide4.xml><?xml version="1.0" encoding="utf-8"?>
+<p:notes xmlns:a="http://schemas.openxmlformats.org/drawingml/2006/main" xmlns:r="http://schemas.openxmlformats.org/officeDocument/2006/relationships" xmlns:p="http://schemas.openxmlformats.org/presentationml/2006/main">
+  <p:cSld>
+    <p:spTree>
+      <p:nvGrpSpPr>
+        <p:cNvPr id="1" name=""/>
+        <p:cNvGrpSpPr/>
+        <p:nvPr/>
+      </p:nvGrpSpPr>
+      <p:grpSpPr>
+        <a:xfrm>
+          <a:off x="0" y="0"/>
+          <a:ext cx="0" cy="0"/>
+          <a:chOff x="0" y="0"/>
+          <a:chExt cx="0" cy="0"/>
+        </a:xfrm>
+      </p:grpSpPr>
+      <p:sp>
+        <p:nvSpPr>
+          <p:cNvPr id="2" name="Slide Image Placeholder 1"/>
+          <p:cNvSpPr>
+            <a:spLocks noGrp="1" noRot="1" noChangeAspect="1"/>
+          </p:cNvSpPr>
+          <p:nvPr>
+            <p:ph type="sldImg"/>
+          </p:nvPr>
+        </p:nvSpPr>
+        <p:spPr/>
+      </p:sp>
+      <p:sp>
+        <p:nvSpPr>
+          <p:cNvPr id="3" name="Notes Placeholder 2"/>
+          <p:cNvSpPr>
+            <a:spLocks noGrp="1"/>
+          </p:cNvSpPr>
+          <p:nvPr>
+            <p:ph type="body" idx="1"/>
+          </p:nvPr>
+        </p:nvSpPr>
+        <p:spPr/>
+        <p:txBody>
+          <a:bodyPr/>
+          <a:lstStyle/>
+          <a:p>
+            <a:r>
+              <a:rPr lang="en-US" dirty="0" smtClean="0"/>
+              <a:t>Very little</a:t>
+            </a:r>
+            <a:r>
+              <a:rPr lang="en-US" baseline="0" dirty="0" smtClean="0"/>
+              <a:t> is known about miRNA export. Previously non-selective (define). Link to slide as selective. </a:t>
+            </a:r>
+            <a:r>
+              <a:rPr lang="en-US" baseline="0" dirty="0" err="1" smtClean="0"/>
+              <a:t>hnRNP</a:t>
+            </a:r>
+            <a:r>
+              <a:rPr lang="en-US" baseline="0" dirty="0" smtClean="0"/>
+              <a:t> subset of 30miRs. No known regulation, no known mechanisms for the other </a:t>
+            </a:r>
+            <a:r>
+              <a:rPr lang="en-US" baseline="0" dirty="0" err="1" smtClean="0"/>
+              <a:t>miRs</a:t>
+            </a:r>
+            <a:endParaRPr lang="en-US" dirty="0" smtClean="0"/>
+          </a:p>
+        </p:txBody>
+      </p:sp>
+      <p:sp>
+        <p:nvSpPr>
+          <p:cNvPr id="4" name="Slide Number Placeholder 3"/>
+          <p:cNvSpPr>
+            <a:spLocks noGrp="1"/>
+          </p:cNvSpPr>
+          <p:nvPr>
+            <p:ph type="sldNum" sz="quarter" idx="10"/>
+          </p:nvPr>
+        </p:nvSpPr>
+        <p:spPr/>
+        <p:txBody>
+          <a:bodyPr/>
+          <a:lstStyle/>
+          <a:p>
+            <a:fld id="{50E92962-0362-434D-A7A6-86BA87293389}" type="slidenum">
+              <a:rPr lang="en-AU" smtClean="0"/>
+              <a:t>4</a:t>
+            </a:fld>
+            <a:endParaRPr lang="en-AU"/>
+          </a:p>
+        </p:txBody>
+      </p:sp>
+    </p:spTree>
+    <p:extLst>
+      <p:ext uri="{BB962C8B-B14F-4D97-AF65-F5344CB8AC3E}">
+        <p14:creationId xmlns:p14="http://schemas.microsoft.com/office/powerpoint/2010/main" val="3413222392"/>
+      </p:ext>
+    </p:extLst>
+  </p:cSld>
+  <p:clrMapOvr>
+    <a:masterClrMapping/>
+  </p:clrMapOvr>
+</p:notes>
+</file>
+
+<file path=ppt/notesSlides/notesSlide5.xml><?xml version="1.0" encoding="utf-8"?>
+<p:notes xmlns:a="http://schemas.openxmlformats.org/drawingml/2006/main" xmlns:r="http://schemas.openxmlformats.org/officeDocument/2006/relationships" xmlns:p="http://schemas.openxmlformats.org/presentationml/2006/main">
+  <p:cSld>
+    <p:spTree>
+      <p:nvGrpSpPr>
+        <p:cNvPr id="1" name=""/>
+        <p:cNvGrpSpPr/>
+        <p:nvPr/>
+      </p:nvGrpSpPr>
+      <p:grpSpPr>
+        <a:xfrm>
+          <a:off x="0" y="0"/>
+          <a:ext cx="0" cy="0"/>
+          <a:chOff x="0" y="0"/>
+          <a:chExt cx="0" cy="0"/>
+        </a:xfrm>
+      </p:grpSpPr>
+      <p:sp>
+        <p:nvSpPr>
+          <p:cNvPr id="2" name="Slide Image Placeholder 1"/>
+          <p:cNvSpPr>
+            <a:spLocks noGrp="1" noRot="1" noChangeAspect="1"/>
+          </p:cNvSpPr>
+          <p:nvPr>
+            <p:ph type="sldImg"/>
+          </p:nvPr>
+        </p:nvSpPr>
+        <p:spPr/>
+      </p:sp>
+      <p:sp>
+        <p:nvSpPr>
+          <p:cNvPr id="3" name="Notes Placeholder 2"/>
+          <p:cNvSpPr>
+            <a:spLocks noGrp="1"/>
+          </p:cNvSpPr>
+          <p:nvPr>
+            <p:ph type="body" idx="1"/>
+          </p:nvPr>
+        </p:nvSpPr>
+        <p:spPr/>
+        <p:txBody>
+          <a:bodyPr/>
+          <a:lstStyle/>
+          <a:p>
+            <a:r>
+              <a:rPr lang="en-US" dirty="0" smtClean="0"/>
+              <a:t>Lipid raft composition may be</a:t>
+            </a:r>
+            <a:r>
+              <a:rPr lang="en-US" baseline="0" dirty="0" smtClean="0"/>
+              <a:t> key.. Lipid rafts are.. Rafts enriched in.. Investigating the role of these lipid rafts through depletion.. </a:t>
+            </a:r>
+            <a:endParaRPr lang="en-AU" dirty="0"/>
+          </a:p>
+        </p:txBody>
+      </p:sp>
+      <p:sp>
+        <p:nvSpPr>
+          <p:cNvPr id="4" name="Slide Number Placeholder 3"/>
+          <p:cNvSpPr>
+            <a:spLocks noGrp="1"/>
+          </p:cNvSpPr>
+          <p:nvPr>
+            <p:ph type="sldNum" sz="quarter" idx="10"/>
+          </p:nvPr>
+        </p:nvSpPr>
+        <p:spPr/>
+        <p:txBody>
+          <a:bodyPr/>
+          <a:lstStyle/>
+          <a:p>
+            <a:fld id="{50E92962-0362-434D-A7A6-86BA87293389}" type="slidenum">
+              <a:rPr lang="en-AU" smtClean="0"/>
+              <a:t>5</a:t>
+            </a:fld>
+            <a:endParaRPr lang="en-AU"/>
+          </a:p>
+        </p:txBody>
+      </p:sp>
+    </p:spTree>
+    <p:extLst>
+      <p:ext uri="{BB962C8B-B14F-4D97-AF65-F5344CB8AC3E}">
+        <p14:creationId xmlns:p14="http://schemas.microsoft.com/office/powerpoint/2010/main" val="1786915123"/>
+      </p:ext>
+    </p:extLst>
+  </p:cSld>
+  <p:clrMapOvr>
+    <a:masterClrMapping/>
+  </p:clrMapOvr>
+</p:notes>
+</file>
+
+<file path=ppt/notesSlides/notesSlide6.xml><?xml version="1.0" encoding="utf-8"?>
+<p:notes xmlns:a="http://schemas.openxmlformats.org/drawingml/2006/main" xmlns:r="http://schemas.openxmlformats.org/officeDocument/2006/relationships" xmlns:p="http://schemas.openxmlformats.org/presentationml/2006/main">
+  <p:cSld>
+    <p:spTree>
+      <p:nvGrpSpPr>
+        <p:cNvPr id="1" name=""/>
+        <p:cNvGrpSpPr/>
+        <p:nvPr/>
+      </p:nvGrpSpPr>
+      <p:grpSpPr>
+        <a:xfrm>
+          <a:off x="0" y="0"/>
+          <a:ext cx="0" cy="0"/>
+          <a:chOff x="0" y="0"/>
+          <a:chExt cx="0" cy="0"/>
+        </a:xfrm>
+      </p:grpSpPr>
+      <p:sp>
+        <p:nvSpPr>
+          <p:cNvPr id="2" name="Slide Image Placeholder 1"/>
+          <p:cNvSpPr>
+            <a:spLocks noGrp="1" noRot="1" noChangeAspect="1"/>
+          </p:cNvSpPr>
+          <p:nvPr>
+            <p:ph type="sldImg"/>
+          </p:nvPr>
+        </p:nvSpPr>
+        <p:spPr/>
+      </p:sp>
+      <p:sp>
+        <p:nvSpPr>
+          <p:cNvPr id="3" name="Notes Placeholder 2"/>
+          <p:cNvSpPr>
+            <a:spLocks noGrp="1"/>
+          </p:cNvSpPr>
+          <p:nvPr>
+            <p:ph type="body" idx="1"/>
+          </p:nvPr>
+        </p:nvSpPr>
+        <p:spPr/>
+        <p:txBody>
+          <a:bodyPr/>
+          <a:lstStyle/>
+          <a:p>
             <a:pPr marL="0" marR="0" indent="0" algn="l" defTabSz="914400" rtl="0" eaLnBrk="1" fontAlgn="auto" latinLnBrk="0" hangingPunct="1">
               <a:lnSpc>
                 <a:spcPct val="100000"/>
@@ -796,7 +1050,7 @@
 </p:notes>
 </file>
 
-<file path=ppt/notesSlides/notesSlide4.xml><?xml version="1.0" encoding="utf-8"?>
+<file path=ppt/notesSlides/notesSlide7.xml><?xml version="1.0" encoding="utf-8"?>
 <p:notes xmlns:a="http://schemas.openxmlformats.org/drawingml/2006/main" xmlns:r="http://schemas.openxmlformats.org/officeDocument/2006/relationships" xmlns:p="http://schemas.openxmlformats.org/presentationml/2006/main">
   <p:cSld>
     <p:spTree>
@@ -1011,7 +1265,7 @@
           <a:p>
             <a:fld id="{D006A5F5-722B-4365-93E1-21E835194C29}" type="datetimeFigureOut">
               <a:rPr lang="en-AU" smtClean="0"/>
-              <a:t>15/03/2016</a:t>
+              <a:t>16/03/2016</a:t>
             </a:fld>
             <a:endParaRPr lang="en-AU"/>
           </a:p>
@@ -1181,7 +1435,7 @@
           <a:p>
             <a:fld id="{D006A5F5-722B-4365-93E1-21E835194C29}" type="datetimeFigureOut">
               <a:rPr lang="en-AU" smtClean="0"/>
-              <a:t>15/03/2016</a:t>
+              <a:t>16/03/2016</a:t>
             </a:fld>
             <a:endParaRPr lang="en-AU"/>
           </a:p>
@@ -1361,7 +1615,7 @@
           <a:p>
             <a:fld id="{D006A5F5-722B-4365-93E1-21E835194C29}" type="datetimeFigureOut">
               <a:rPr lang="en-AU" smtClean="0"/>
-              <a:t>15/03/2016</a:t>
+              <a:t>16/03/2016</a:t>
             </a:fld>
             <a:endParaRPr lang="en-AU"/>
           </a:p>
@@ -1531,7 +1785,7 @@
           <a:p>
             <a:fld id="{D006A5F5-722B-4365-93E1-21E835194C29}" type="datetimeFigureOut">
               <a:rPr lang="en-AU" smtClean="0"/>
-              <a:t>15/03/2016</a:t>
+              <a:t>16/03/2016</a:t>
             </a:fld>
             <a:endParaRPr lang="en-AU"/>
           </a:p>
@@ -1777,7 +2031,7 @@
           <a:p>
             <a:fld id="{D006A5F5-722B-4365-93E1-21E835194C29}" type="datetimeFigureOut">
               <a:rPr lang="en-AU" smtClean="0"/>
-              <a:t>15/03/2016</a:t>
+              <a:t>16/03/2016</a:t>
             </a:fld>
             <a:endParaRPr lang="en-AU"/>
           </a:p>
@@ -2009,7 +2263,7 @@
           <a:p>
             <a:fld id="{D006A5F5-722B-4365-93E1-21E835194C29}" type="datetimeFigureOut">
               <a:rPr lang="en-AU" smtClean="0"/>
-              <a:t>15/03/2016</a:t>
+              <a:t>16/03/2016</a:t>
             </a:fld>
             <a:endParaRPr lang="en-AU"/>
           </a:p>
@@ -2376,7 +2630,7 @@
           <a:p>
             <a:fld id="{D006A5F5-722B-4365-93E1-21E835194C29}" type="datetimeFigureOut">
               <a:rPr lang="en-AU" smtClean="0"/>
-              <a:t>15/03/2016</a:t>
+              <a:t>16/03/2016</a:t>
             </a:fld>
             <a:endParaRPr lang="en-AU"/>
           </a:p>
@@ -2494,7 +2748,7 @@
           <a:p>
             <a:fld id="{D006A5F5-722B-4365-93E1-21E835194C29}" type="datetimeFigureOut">
               <a:rPr lang="en-AU" smtClean="0"/>
-              <a:t>15/03/2016</a:t>
+              <a:t>16/03/2016</a:t>
             </a:fld>
             <a:endParaRPr lang="en-AU"/>
           </a:p>
@@ -2589,7 +2843,7 @@
           <a:p>
             <a:fld id="{D006A5F5-722B-4365-93E1-21E835194C29}" type="datetimeFigureOut">
               <a:rPr lang="en-AU" smtClean="0"/>
-              <a:t>15/03/2016</a:t>
+              <a:t>16/03/2016</a:t>
             </a:fld>
             <a:endParaRPr lang="en-AU"/>
           </a:p>
@@ -2866,7 +3120,7 @@
           <a:p>
             <a:fld id="{D006A5F5-722B-4365-93E1-21E835194C29}" type="datetimeFigureOut">
               <a:rPr lang="en-AU" smtClean="0"/>
-              <a:t>15/03/2016</a:t>
+              <a:t>16/03/2016</a:t>
             </a:fld>
             <a:endParaRPr lang="en-AU"/>
           </a:p>
@@ -3123,7 +3377,7 @@
           <a:p>
             <a:fld id="{D006A5F5-722B-4365-93E1-21E835194C29}" type="datetimeFigureOut">
               <a:rPr lang="en-AU" smtClean="0"/>
-              <a:t>15/03/2016</a:t>
+              <a:t>16/03/2016</a:t>
             </a:fld>
             <a:endParaRPr lang="en-AU"/>
           </a:p>
@@ -3345,7 +3599,7 @@
           <a:p>
             <a:fld id="{D006A5F5-722B-4365-93E1-21E835194C29}" type="datetimeFigureOut">
               <a:rPr lang="en-AU" smtClean="0"/>
-              <a:t>15/03/2016</a:t>
+              <a:t>16/03/2016</a:t>
             </a:fld>
             <a:endParaRPr lang="en-AU"/>
           </a:p>
@@ -3739,7 +3993,7 @@
     <p:bg>
       <p:bgPr>
         <a:blipFill dpi="0" rotWithShape="1">
-          <a:blip r:embed="rId2">
+          <a:blip r:embed="rId3">
             <a:lum/>
           </a:blip>
           <a:srcRect/>
@@ -3999,7 +4253,7 @@
         </p:blipFill>
         <p:spPr>
           <a:xfrm>
-            <a:off x="1132239" y="2900362"/>
+            <a:off x="1153593" y="2528479"/>
             <a:ext cx="9507185" cy="1543051"/>
           </a:xfrm>
           <a:prstGeom prst="rect">
@@ -4015,7 +4269,7 @@
         </p:nvCxnSpPr>
         <p:spPr>
           <a:xfrm>
-            <a:off x="3800962" y="4494293"/>
+            <a:off x="3899584" y="4159731"/>
             <a:ext cx="539026" cy="457594"/>
           </a:xfrm>
           <a:prstGeom prst="straightConnector1">
@@ -4051,7 +4305,7 @@
         </p:nvSpPr>
         <p:spPr>
           <a:xfrm>
-            <a:off x="4179428" y="4971634"/>
+            <a:off x="4474460" y="4675315"/>
             <a:ext cx="981359" cy="338554"/>
           </a:xfrm>
           <a:prstGeom prst="rect">
@@ -4081,7 +4335,7 @@
         </p:nvSpPr>
         <p:spPr>
           <a:xfrm>
-            <a:off x="5907186" y="4951887"/>
+            <a:off x="6096000" y="4660811"/>
             <a:ext cx="2278587" cy="584775"/>
           </a:xfrm>
           <a:prstGeom prst="rect">
@@ -4125,7 +4379,7 @@
         </p:nvCxnSpPr>
         <p:spPr>
           <a:xfrm>
-            <a:off x="7544693" y="4459158"/>
+            <a:off x="7510826" y="4124596"/>
             <a:ext cx="0" cy="492729"/>
           </a:xfrm>
           <a:prstGeom prst="straightConnector1">
@@ -4161,7 +4415,7 @@
         </p:nvSpPr>
         <p:spPr>
           <a:xfrm>
-            <a:off x="8502014" y="4951887"/>
+            <a:off x="8445134" y="4627716"/>
             <a:ext cx="2268485" cy="1323439"/>
           </a:xfrm>
           <a:prstGeom prst="rect">
@@ -4219,7 +4473,7 @@
         </p:nvCxnSpPr>
         <p:spPr>
           <a:xfrm>
-            <a:off x="9428788" y="4494293"/>
+            <a:off x="9462655" y="4124595"/>
             <a:ext cx="0" cy="492729"/>
           </a:xfrm>
           <a:prstGeom prst="straightConnector1">
@@ -4255,7 +4509,7 @@
         </p:nvCxnSpPr>
         <p:spPr>
           <a:xfrm flipH="1">
-            <a:off x="5060117" y="4509536"/>
+            <a:off x="5339982" y="4159731"/>
             <a:ext cx="530828" cy="439686"/>
           </a:xfrm>
           <a:prstGeom prst="straightConnector1">
@@ -4283,6 +4537,36 @@
           </a:fontRef>
         </p:style>
       </p:cxnSp>
+      <p:sp>
+        <p:nvSpPr>
+          <p:cNvPr id="4" name="TextBox 3"/>
+          <p:cNvSpPr txBox="1"/>
+          <p:nvPr/>
+        </p:nvSpPr>
+        <p:spPr>
+          <a:xfrm>
+            <a:off x="625562" y="5959425"/>
+            <a:ext cx="10211193" cy="461665"/>
+          </a:xfrm>
+          <a:prstGeom prst="rect">
+            <a:avLst/>
+          </a:prstGeom>
+          <a:noFill/>
+        </p:spPr>
+        <p:txBody>
+          <a:bodyPr wrap="none" rtlCol="0">
+            <a:spAutoFit/>
+          </a:bodyPr>
+          <a:lstStyle/>
+          <a:p>
+            <a:r>
+              <a:rPr lang="en-US" sz="2400" dirty="0" smtClean="0"/>
+              <a:t>Expected results: Combination of selective and non-selectively exported miRNAs</a:t>
+            </a:r>
+            <a:endParaRPr lang="en-AU" sz="2400" dirty="0"/>
+          </a:p>
+        </p:txBody>
+      </p:sp>
     </p:spTree>
     <p:extLst>
       <p:ext uri="{BB962C8B-B14F-4D97-AF65-F5344CB8AC3E}">
@@ -5198,8 +5482,8 @@
         </p:blipFill>
         <p:spPr>
           <a:xfrm>
-            <a:off x="838200" y="2719638"/>
-            <a:ext cx="7315200" cy="3295650"/>
+            <a:off x="479338" y="2719637"/>
+            <a:ext cx="7674062" cy="3457325"/>
           </a:xfrm>
           <a:prstGeom prst="rect">
             <a:avLst/>
@@ -5214,8 +5498,8 @@
         </p:nvSpPr>
         <p:spPr>
           <a:xfrm>
-            <a:off x="8293769" y="3380804"/>
-            <a:ext cx="3633784" cy="1754326"/>
+            <a:off x="8276836" y="3074801"/>
+            <a:ext cx="3633784" cy="2585323"/>
           </a:xfrm>
           <a:prstGeom prst="rect">
             <a:avLst/>
@@ -5233,11 +5517,11 @@
               <a:buChar char="•"/>
             </a:pPr>
             <a:r>
-              <a:rPr lang="en-US" dirty="0" smtClean="0"/>
+              <a:rPr lang="en-US" sz="2400" dirty="0" smtClean="0"/>
               <a:t>Cells transfected with biotinylated</a:t>
             </a:r>
             <a:r>
-              <a:rPr lang="en-AU" dirty="0" smtClean="0"/>
+              <a:rPr lang="en-AU" sz="2400" dirty="0" smtClean="0"/>
               <a:t> miRNAs</a:t>
             </a:r>
           </a:p>
@@ -5246,7 +5530,7 @@
               <a:buFont typeface="Arial" panose="020B0604020202020204" pitchFamily="34" charset="0"/>
               <a:buChar char="•"/>
             </a:pPr>
-            <a:endParaRPr lang="en-US" dirty="0"/>
+            <a:endParaRPr lang="en-US" sz="2400" dirty="0"/>
           </a:p>
           <a:p>
             <a:pPr marL="285750" indent="-285750">
@@ -5254,7 +5538,7 @@
               <a:buChar char="•"/>
             </a:pPr>
             <a:r>
-              <a:rPr lang="en-US" dirty="0" smtClean="0"/>
+              <a:rPr lang="en-US" sz="2400" dirty="0" smtClean="0"/>
               <a:t>Co-localized miRNA + protein will be visualized as yellow. </a:t>
             </a:r>
           </a:p>
@@ -5345,12 +5629,46 @@
             <p:ph idx="1"/>
           </p:nvPr>
         </p:nvSpPr>
-        <p:spPr/>
-        <p:txBody>
-          <a:bodyPr/>
-          <a:lstStyle/>
-          <a:p>
-            <a:endParaRPr lang="en-AU"/>
+        <p:spPr>
+          <a:xfrm>
+            <a:off x="838200" y="1825625"/>
+            <a:ext cx="6002867" cy="4351338"/>
+          </a:xfrm>
+        </p:spPr>
+        <p:txBody>
+          <a:bodyPr>
+            <a:normAutofit/>
+          </a:bodyPr>
+          <a:lstStyle/>
+          <a:p>
+            <a:r>
+              <a:rPr lang="en-US" sz="2400" dirty="0" smtClean="0"/>
+              <a:t>Novel mechanism of lipid raft activity </a:t>
+            </a:r>
+          </a:p>
+          <a:p>
+            <a:pPr marL="0" indent="0">
+              <a:buNone/>
+            </a:pPr>
+            <a:endParaRPr lang="en-US" sz="2400" dirty="0" smtClean="0"/>
+          </a:p>
+          <a:p>
+            <a:r>
+              <a:rPr lang="en-US" sz="2400" dirty="0" smtClean="0"/>
+              <a:t>Understanding underlying mechanisms surrounding miRNAs</a:t>
+            </a:r>
+          </a:p>
+          <a:p>
+            <a:endParaRPr lang="en-US" sz="2400" dirty="0" smtClean="0"/>
+          </a:p>
+          <a:p>
+            <a:r>
+              <a:rPr lang="en-US" sz="2400" dirty="0" smtClean="0"/>
+              <a:t>MicroRNAs exported within EVs have been linked to cancer metastasis </a:t>
+            </a:r>
+          </a:p>
+          <a:p>
+            <a:endParaRPr lang="en-US" sz="2400" dirty="0"/>
           </a:p>
         </p:txBody>
       </p:sp>
@@ -5505,11 +5823,7 @@
             </a:pPr>
             <a:r>
               <a:rPr lang="en-US" sz="2200" dirty="0" smtClean="0"/>
-              <a:t>Binding to target mRNA decreases protein function by RISC inhibition and </a:t>
-            </a:r>
-            <a:r>
-              <a:rPr lang="en-US" sz="2200" dirty="0" smtClean="0"/>
-              <a:t>degradation </a:t>
+              <a:t>Binding to target mRNA decreases protein function by RISC inhibition and degradation </a:t>
             </a:r>
             <a:r>
               <a:rPr lang="en-US" sz="1200" dirty="0" smtClean="0"/>
@@ -5559,11 +5873,7 @@
             </a:pPr>
             <a:r>
               <a:rPr lang="en-US" sz="2200" dirty="0" smtClean="0"/>
-              <a:t> Cardiac </a:t>
-            </a:r>
-            <a:r>
-              <a:rPr lang="en-US" sz="2200" dirty="0" smtClean="0"/>
-              <a:t>homeostasis </a:t>
+              <a:t> Cardiac homeostasis </a:t>
             </a:r>
             <a:r>
               <a:rPr lang="en-US" sz="1200" dirty="0" smtClean="0"/>
@@ -5808,7 +6118,7 @@
           <p:nvPr/>
         </p:nvPicPr>
         <p:blipFill>
-          <a:blip r:embed="rId2">
+          <a:blip r:embed="rId3">
             <a:extLst>
               <a:ext uri="{28A0092B-C50C-407E-A947-70E740481C1C}">
                 <a14:useLocalDpi xmlns:a14="http://schemas.microsoft.com/office/drawing/2010/main" val="0"/>
@@ -5892,7 +6202,23 @@
                   <a:schemeClr val="bg1"/>
                 </a:solidFill>
               </a:rPr>
-              <a:t>Current miRNA Cargo Loading Mechanisms.</a:t>
+              <a:t>Current miRNA Cargo </a:t>
+            </a:r>
+            <a:r>
+              <a:rPr lang="en-US" b="1" dirty="0" smtClean="0">
+                <a:solidFill>
+                  <a:schemeClr val="bg1"/>
+                </a:solidFill>
+              </a:rPr>
+              <a:t>Sorting </a:t>
+            </a:r>
+            <a:r>
+              <a:rPr lang="en-US" b="1" dirty="0" smtClean="0">
+                <a:solidFill>
+                  <a:schemeClr val="bg1"/>
+                </a:solidFill>
+              </a:rPr>
+              <a:t>Mechanisms.</a:t>
             </a:r>
             <a:endParaRPr lang="en-AU" b="1" dirty="0">
               <a:solidFill>
@@ -5915,7 +6241,7 @@
         <p:spPr>
           <a:xfrm>
             <a:off x="699767" y="2048136"/>
-            <a:ext cx="6870680" cy="3712445"/>
+            <a:ext cx="6870680" cy="4047864"/>
           </a:xfrm>
         </p:spPr>
         <p:txBody>
@@ -5942,8 +6268,21 @@
             </a:pPr>
             <a:r>
               <a:rPr lang="en-US" dirty="0" smtClean="0"/>
-              <a:t>miRNAs within EVs increase as the cell increases</a:t>
-            </a:r>
+              <a:t>No </a:t>
+            </a:r>
+            <a:r>
+              <a:rPr lang="en-US" dirty="0" smtClean="0"/>
+              <a:t>longer </a:t>
+            </a:r>
+            <a:r>
+              <a:rPr lang="en-US" dirty="0" smtClean="0"/>
+              <a:t>considered entirely </a:t>
+            </a:r>
+            <a:r>
+              <a:rPr lang="en-US" dirty="0" smtClean="0"/>
+              <a:t>true. </a:t>
+            </a:r>
+            <a:endParaRPr lang="en-US" dirty="0" smtClean="0"/>
           </a:p>
           <a:p>
             <a:pPr lvl="1">
@@ -5953,8 +6292,9 @@
             </a:pPr>
             <a:r>
               <a:rPr lang="en-US" dirty="0" smtClean="0"/>
-              <a:t>No longer considered true. </a:t>
-            </a:r>
+              <a:t>miRNAs exported can change disproportionally to the cellular content</a:t>
+            </a:r>
+            <a:endParaRPr lang="en-US" dirty="0" smtClean="0"/>
           </a:p>
           <a:p>
             <a:pPr marL="0" indent="0">
@@ -6241,7 +6581,7 @@
           <p:nvPr/>
         </p:nvPicPr>
         <p:blipFill rotWithShape="1">
-          <a:blip r:embed="rId2"/>
+          <a:blip r:embed="rId3"/>
           <a:srcRect t="6617"/>
           <a:stretch/>
         </p:blipFill>
@@ -6373,13 +6713,8 @@
             </a:r>
             <a:r>
               <a:rPr lang="en-US" dirty="0" smtClean="0"/>
-              <a:t> 2012, 2014</a:t>
-            </a:r>
-            <a:r>
-              <a:rPr lang="en-US" dirty="0" smtClean="0"/>
-              <a:t>)</a:t>
-            </a:r>
-            <a:endParaRPr lang="en-US" dirty="0" smtClean="0"/>
+              <a:t> 2012, 2014)</a:t>
+            </a:r>
           </a:p>
           <a:p>
             <a:pPr marL="342900" indent="-342900">
@@ -6463,7 +6798,7 @@
         </p:nvSpPr>
         <p:spPr>
           <a:xfrm>
-            <a:off x="838200" y="1696955"/>
+            <a:off x="838200" y="1900155"/>
             <a:ext cx="6643977" cy="4619625"/>
           </a:xfrm>
         </p:spPr>
@@ -6795,7 +7130,15 @@
             </a:r>
             <a:r>
               <a:rPr lang="en-AU" sz="1600" dirty="0" smtClean="0"/>
-              <a:t> et al 2012; </a:t>
+              <a:t> </a:t>
+            </a:r>
+            <a:r>
+              <a:rPr lang="en-AU" sz="1600" i="1" dirty="0" smtClean="0"/>
+              <a:t>et al </a:t>
+            </a:r>
+            <a:r>
+              <a:rPr lang="en-AU" sz="1600" dirty="0" smtClean="0"/>
+              <a:t>2012; </a:t>
             </a:r>
             <a:r>
               <a:rPr lang="en-AU" sz="1600" dirty="0" err="1" smtClean="0"/>
@@ -6803,7 +7146,15 @@
             </a:r>
             <a:r>
               <a:rPr lang="en-AU" sz="1600" dirty="0" smtClean="0"/>
-              <a:t> et al 2014)</a:t>
+              <a:t> </a:t>
+            </a:r>
+            <a:r>
+              <a:rPr lang="en-AU" sz="1600" i="1" dirty="0" smtClean="0"/>
+              <a:t>et al </a:t>
+            </a:r>
+            <a:r>
+              <a:rPr lang="en-AU" sz="1600" dirty="0" smtClean="0"/>
+              <a:t>2014)</a:t>
             </a:r>
             <a:endParaRPr lang="en-AU" sz="1600" dirty="0"/>
           </a:p>

--- a/BackgroundInfo/Selective export of microRNA via extracellular vesicles.pptx
+++ b/BackgroundInfo/Selective export of microRNA via extracellular vesicles.pptx
@@ -211,7 +211,7 @@
           <a:p>
             <a:fld id="{0B21FBDF-C287-422C-92BB-131BF3E59FE0}" type="datetimeFigureOut">
               <a:rPr lang="en-AU" smtClean="0"/>
-              <a:t>16/03/2016</a:t>
+              <a:t>17/03/2016</a:t>
             </a:fld>
             <a:endParaRPr lang="en-AU"/>
           </a:p>
@@ -1265,7 +1265,7 @@
           <a:p>
             <a:fld id="{D006A5F5-722B-4365-93E1-21E835194C29}" type="datetimeFigureOut">
               <a:rPr lang="en-AU" smtClean="0"/>
-              <a:t>16/03/2016</a:t>
+              <a:t>17/03/2016</a:t>
             </a:fld>
             <a:endParaRPr lang="en-AU"/>
           </a:p>
@@ -1435,7 +1435,7 @@
           <a:p>
             <a:fld id="{D006A5F5-722B-4365-93E1-21E835194C29}" type="datetimeFigureOut">
               <a:rPr lang="en-AU" smtClean="0"/>
-              <a:t>16/03/2016</a:t>
+              <a:t>17/03/2016</a:t>
             </a:fld>
             <a:endParaRPr lang="en-AU"/>
           </a:p>
@@ -1615,7 +1615,7 @@
           <a:p>
             <a:fld id="{D006A5F5-722B-4365-93E1-21E835194C29}" type="datetimeFigureOut">
               <a:rPr lang="en-AU" smtClean="0"/>
-              <a:t>16/03/2016</a:t>
+              <a:t>17/03/2016</a:t>
             </a:fld>
             <a:endParaRPr lang="en-AU"/>
           </a:p>
@@ -1785,7 +1785,7 @@
           <a:p>
             <a:fld id="{D006A5F5-722B-4365-93E1-21E835194C29}" type="datetimeFigureOut">
               <a:rPr lang="en-AU" smtClean="0"/>
-              <a:t>16/03/2016</a:t>
+              <a:t>17/03/2016</a:t>
             </a:fld>
             <a:endParaRPr lang="en-AU"/>
           </a:p>
@@ -2031,7 +2031,7 @@
           <a:p>
             <a:fld id="{D006A5F5-722B-4365-93E1-21E835194C29}" type="datetimeFigureOut">
               <a:rPr lang="en-AU" smtClean="0"/>
-              <a:t>16/03/2016</a:t>
+              <a:t>17/03/2016</a:t>
             </a:fld>
             <a:endParaRPr lang="en-AU"/>
           </a:p>
@@ -2263,7 +2263,7 @@
           <a:p>
             <a:fld id="{D006A5F5-722B-4365-93E1-21E835194C29}" type="datetimeFigureOut">
               <a:rPr lang="en-AU" smtClean="0"/>
-              <a:t>16/03/2016</a:t>
+              <a:t>17/03/2016</a:t>
             </a:fld>
             <a:endParaRPr lang="en-AU"/>
           </a:p>
@@ -2630,7 +2630,7 @@
           <a:p>
             <a:fld id="{D006A5F5-722B-4365-93E1-21E835194C29}" type="datetimeFigureOut">
               <a:rPr lang="en-AU" smtClean="0"/>
-              <a:t>16/03/2016</a:t>
+              <a:t>17/03/2016</a:t>
             </a:fld>
             <a:endParaRPr lang="en-AU"/>
           </a:p>
@@ -2748,7 +2748,7 @@
           <a:p>
             <a:fld id="{D006A5F5-722B-4365-93E1-21E835194C29}" type="datetimeFigureOut">
               <a:rPr lang="en-AU" smtClean="0"/>
-              <a:t>16/03/2016</a:t>
+              <a:t>17/03/2016</a:t>
             </a:fld>
             <a:endParaRPr lang="en-AU"/>
           </a:p>
@@ -2843,7 +2843,7 @@
           <a:p>
             <a:fld id="{D006A5F5-722B-4365-93E1-21E835194C29}" type="datetimeFigureOut">
               <a:rPr lang="en-AU" smtClean="0"/>
-              <a:t>16/03/2016</a:t>
+              <a:t>17/03/2016</a:t>
             </a:fld>
             <a:endParaRPr lang="en-AU"/>
           </a:p>
@@ -3120,7 +3120,7 @@
           <a:p>
             <a:fld id="{D006A5F5-722B-4365-93E1-21E835194C29}" type="datetimeFigureOut">
               <a:rPr lang="en-AU" smtClean="0"/>
-              <a:t>16/03/2016</a:t>
+              <a:t>17/03/2016</a:t>
             </a:fld>
             <a:endParaRPr lang="en-AU"/>
           </a:p>
@@ -3377,7 +3377,7 @@
           <a:p>
             <a:fld id="{D006A5F5-722B-4365-93E1-21E835194C29}" type="datetimeFigureOut">
               <a:rPr lang="en-AU" smtClean="0"/>
-              <a:t>16/03/2016</a:t>
+              <a:t>17/03/2016</a:t>
             </a:fld>
             <a:endParaRPr lang="en-AU"/>
           </a:p>
@@ -3599,7 +3599,7 @@
           <a:p>
             <a:fld id="{D006A5F5-722B-4365-93E1-21E835194C29}" type="datetimeFigureOut">
               <a:rPr lang="en-AU" smtClean="0"/>
-              <a:t>16/03/2016</a:t>
+              <a:t>17/03/2016</a:t>
             </a:fld>
             <a:endParaRPr lang="en-AU"/>
           </a:p>
@@ -6202,23 +6202,7 @@
                   <a:schemeClr val="bg1"/>
                 </a:solidFill>
               </a:rPr>
-              <a:t>Current miRNA Cargo </a:t>
-            </a:r>
-            <a:r>
-              <a:rPr lang="en-US" b="1" dirty="0" smtClean="0">
-                <a:solidFill>
-                  <a:schemeClr val="bg1"/>
-                </a:solidFill>
-              </a:rPr>
-              <a:t>Sorting </a:t>
-            </a:r>
-            <a:r>
-              <a:rPr lang="en-US" b="1" dirty="0" smtClean="0">
-                <a:solidFill>
-                  <a:schemeClr val="bg1"/>
-                </a:solidFill>
-              </a:rPr>
-              <a:t>Mechanisms.</a:t>
+              <a:t>Current miRNA Cargo Sorting Mechanisms.</a:t>
             </a:r>
             <a:endParaRPr lang="en-AU" b="1" dirty="0">
               <a:solidFill>
@@ -6268,21 +6252,8 @@
             </a:pPr>
             <a:r>
               <a:rPr lang="en-US" dirty="0" smtClean="0"/>
-              <a:t>No </a:t>
-            </a:r>
-            <a:r>
-              <a:rPr lang="en-US" dirty="0" smtClean="0"/>
-              <a:t>longer </a:t>
-            </a:r>
-            <a:r>
-              <a:rPr lang="en-US" dirty="0" smtClean="0"/>
-              <a:t>considered entirely </a:t>
-            </a:r>
-            <a:r>
-              <a:rPr lang="en-US" dirty="0" smtClean="0"/>
-              <a:t>true. </a:t>
-            </a:r>
-            <a:endParaRPr lang="en-US" dirty="0" smtClean="0"/>
+              <a:t>No longer considered entirely true. </a:t>
+            </a:r>
           </a:p>
           <a:p>
             <a:pPr lvl="1">
@@ -6294,7 +6265,6 @@
               <a:rPr lang="en-US" dirty="0" smtClean="0"/>
               <a:t>miRNAs exported can change disproportionally to the cellular content</a:t>
             </a:r>
-            <a:endParaRPr lang="en-US" dirty="0" smtClean="0"/>
           </a:p>
           <a:p>
             <a:pPr marL="0" indent="0">

--- a/BackgroundInfo/Selective export of microRNA via extracellular vesicles.pptx
+++ b/BackgroundInfo/Selective export of microRNA via extracellular vesicles.pptx
@@ -5,7 +5,7 @@
     <p:sldMasterId id="2147483660" r:id="rId1"/>
   </p:sldMasterIdLst>
   <p:notesMasterIdLst>
-    <p:notesMasterId r:id="rId17"/>
+    <p:notesMasterId r:id="rId18"/>
   </p:notesMasterIdLst>
   <p:sldIdLst>
     <p:sldId id="256" r:id="rId2"/>
@@ -23,6 +23,7 @@
     <p:sldId id="269" r:id="rId14"/>
     <p:sldId id="270" r:id="rId15"/>
     <p:sldId id="271" r:id="rId16"/>
+    <p:sldId id="273" r:id="rId17"/>
   </p:sldIdLst>
   <p:sldSz cx="12192000" cy="6858000"/>
   <p:notesSz cx="6858000" cy="9144000"/>
@@ -211,7 +212,7 @@
           <a:p>
             <a:fld id="{0B21FBDF-C287-422C-92BB-131BF3E59FE0}" type="datetimeFigureOut">
               <a:rPr lang="en-AU" smtClean="0"/>
-              <a:t>16/03/2016</a:t>
+              <a:t>17/03/2016</a:t>
             </a:fld>
             <a:endParaRPr lang="en-AU"/>
           </a:p>
@@ -987,6 +988,90 @@
           <a:bodyPr/>
           <a:lstStyle/>
           <a:p>
+            <a:endParaRPr lang="en-AU" dirty="0"/>
+          </a:p>
+        </p:txBody>
+      </p:sp>
+      <p:sp>
+        <p:nvSpPr>
+          <p:cNvPr id="4" name="Slide Number Placeholder 3"/>
+          <p:cNvSpPr>
+            <a:spLocks noGrp="1"/>
+          </p:cNvSpPr>
+          <p:nvPr>
+            <p:ph type="sldNum" sz="quarter" idx="10"/>
+          </p:nvPr>
+        </p:nvSpPr>
+        <p:spPr/>
+        <p:txBody>
+          <a:bodyPr/>
+          <a:lstStyle/>
+          <a:p>
+            <a:fld id="{50E92962-0362-434D-A7A6-86BA87293389}" type="slidenum">
+              <a:rPr lang="en-AU" smtClean="0"/>
+              <a:t>6</a:t>
+            </a:fld>
+            <a:endParaRPr lang="en-AU"/>
+          </a:p>
+        </p:txBody>
+      </p:sp>
+    </p:spTree>
+    <p:extLst>
+      <p:ext uri="{BB962C8B-B14F-4D97-AF65-F5344CB8AC3E}">
+        <p14:creationId xmlns:p14="http://schemas.microsoft.com/office/powerpoint/2010/main" val="2920998388"/>
+      </p:ext>
+    </p:extLst>
+  </p:cSld>
+  <p:clrMapOvr>
+    <a:masterClrMapping/>
+  </p:clrMapOvr>
+</p:notes>
+</file>
+
+<file path=ppt/notesSlides/notesSlide7.xml><?xml version="1.0" encoding="utf-8"?>
+<p:notes xmlns:a="http://schemas.openxmlformats.org/drawingml/2006/main" xmlns:r="http://schemas.openxmlformats.org/officeDocument/2006/relationships" xmlns:p="http://schemas.openxmlformats.org/presentationml/2006/main">
+  <p:cSld>
+    <p:spTree>
+      <p:nvGrpSpPr>
+        <p:cNvPr id="1" name=""/>
+        <p:cNvGrpSpPr/>
+        <p:nvPr/>
+      </p:nvGrpSpPr>
+      <p:grpSpPr>
+        <a:xfrm>
+          <a:off x="0" y="0"/>
+          <a:ext cx="0" cy="0"/>
+          <a:chOff x="0" y="0"/>
+          <a:chExt cx="0" cy="0"/>
+        </a:xfrm>
+      </p:grpSpPr>
+      <p:sp>
+        <p:nvSpPr>
+          <p:cNvPr id="2" name="Slide Image Placeholder 1"/>
+          <p:cNvSpPr>
+            <a:spLocks noGrp="1" noRot="1" noChangeAspect="1"/>
+          </p:cNvSpPr>
+          <p:nvPr>
+            <p:ph type="sldImg"/>
+          </p:nvPr>
+        </p:nvSpPr>
+        <p:spPr/>
+      </p:sp>
+      <p:sp>
+        <p:nvSpPr>
+          <p:cNvPr id="3" name="Notes Placeholder 2"/>
+          <p:cNvSpPr>
+            <a:spLocks noGrp="1"/>
+          </p:cNvSpPr>
+          <p:nvPr>
+            <p:ph type="body" idx="1"/>
+          </p:nvPr>
+        </p:nvSpPr>
+        <p:spPr/>
+        <p:txBody>
+          <a:bodyPr/>
+          <a:lstStyle/>
+          <a:p>
             <a:pPr marL="0" marR="0" indent="0" algn="l" defTabSz="914400" rtl="0" eaLnBrk="1" fontAlgn="auto" latinLnBrk="0" hangingPunct="1">
               <a:lnSpc>
                 <a:spcPct val="100000"/>
@@ -1050,7 +1135,7 @@
 </p:notes>
 </file>
 
-<file path=ppt/notesSlides/notesSlide7.xml><?xml version="1.0" encoding="utf-8"?>
+<file path=ppt/notesSlides/notesSlide8.xml><?xml version="1.0" encoding="utf-8"?>
 <p:notes xmlns:a="http://schemas.openxmlformats.org/drawingml/2006/main" xmlns:r="http://schemas.openxmlformats.org/officeDocument/2006/relationships" xmlns:p="http://schemas.openxmlformats.org/presentationml/2006/main">
   <p:cSld>
     <p:spTree>
@@ -1265,7 +1350,7 @@
           <a:p>
             <a:fld id="{D006A5F5-722B-4365-93E1-21E835194C29}" type="datetimeFigureOut">
               <a:rPr lang="en-AU" smtClean="0"/>
-              <a:t>16/03/2016</a:t>
+              <a:t>17/03/2016</a:t>
             </a:fld>
             <a:endParaRPr lang="en-AU"/>
           </a:p>
@@ -1435,7 +1520,7 @@
           <a:p>
             <a:fld id="{D006A5F5-722B-4365-93E1-21E835194C29}" type="datetimeFigureOut">
               <a:rPr lang="en-AU" smtClean="0"/>
-              <a:t>16/03/2016</a:t>
+              <a:t>17/03/2016</a:t>
             </a:fld>
             <a:endParaRPr lang="en-AU"/>
           </a:p>
@@ -1615,7 +1700,7 @@
           <a:p>
             <a:fld id="{D006A5F5-722B-4365-93E1-21E835194C29}" type="datetimeFigureOut">
               <a:rPr lang="en-AU" smtClean="0"/>
-              <a:t>16/03/2016</a:t>
+              <a:t>17/03/2016</a:t>
             </a:fld>
             <a:endParaRPr lang="en-AU"/>
           </a:p>
@@ -1785,7 +1870,7 @@
           <a:p>
             <a:fld id="{D006A5F5-722B-4365-93E1-21E835194C29}" type="datetimeFigureOut">
               <a:rPr lang="en-AU" smtClean="0"/>
-              <a:t>16/03/2016</a:t>
+              <a:t>17/03/2016</a:t>
             </a:fld>
             <a:endParaRPr lang="en-AU"/>
           </a:p>
@@ -2031,7 +2116,7 @@
           <a:p>
             <a:fld id="{D006A5F5-722B-4365-93E1-21E835194C29}" type="datetimeFigureOut">
               <a:rPr lang="en-AU" smtClean="0"/>
-              <a:t>16/03/2016</a:t>
+              <a:t>17/03/2016</a:t>
             </a:fld>
             <a:endParaRPr lang="en-AU"/>
           </a:p>
@@ -2263,7 +2348,7 @@
           <a:p>
             <a:fld id="{D006A5F5-722B-4365-93E1-21E835194C29}" type="datetimeFigureOut">
               <a:rPr lang="en-AU" smtClean="0"/>
-              <a:t>16/03/2016</a:t>
+              <a:t>17/03/2016</a:t>
             </a:fld>
             <a:endParaRPr lang="en-AU"/>
           </a:p>
@@ -2630,7 +2715,7 @@
           <a:p>
             <a:fld id="{D006A5F5-722B-4365-93E1-21E835194C29}" type="datetimeFigureOut">
               <a:rPr lang="en-AU" smtClean="0"/>
-              <a:t>16/03/2016</a:t>
+              <a:t>17/03/2016</a:t>
             </a:fld>
             <a:endParaRPr lang="en-AU"/>
           </a:p>
@@ -2748,7 +2833,7 @@
           <a:p>
             <a:fld id="{D006A5F5-722B-4365-93E1-21E835194C29}" type="datetimeFigureOut">
               <a:rPr lang="en-AU" smtClean="0"/>
-              <a:t>16/03/2016</a:t>
+              <a:t>17/03/2016</a:t>
             </a:fld>
             <a:endParaRPr lang="en-AU"/>
           </a:p>
@@ -2843,7 +2928,7 @@
           <a:p>
             <a:fld id="{D006A5F5-722B-4365-93E1-21E835194C29}" type="datetimeFigureOut">
               <a:rPr lang="en-AU" smtClean="0"/>
-              <a:t>16/03/2016</a:t>
+              <a:t>17/03/2016</a:t>
             </a:fld>
             <a:endParaRPr lang="en-AU"/>
           </a:p>
@@ -3120,7 +3205,7 @@
           <a:p>
             <a:fld id="{D006A5F5-722B-4365-93E1-21E835194C29}" type="datetimeFigureOut">
               <a:rPr lang="en-AU" smtClean="0"/>
-              <a:t>16/03/2016</a:t>
+              <a:t>17/03/2016</a:t>
             </a:fld>
             <a:endParaRPr lang="en-AU"/>
           </a:p>
@@ -3377,7 +3462,7 @@
           <a:p>
             <a:fld id="{D006A5F5-722B-4365-93E1-21E835194C29}" type="datetimeFigureOut">
               <a:rPr lang="en-AU" smtClean="0"/>
-              <a:t>16/03/2016</a:t>
+              <a:t>17/03/2016</a:t>
             </a:fld>
             <a:endParaRPr lang="en-AU"/>
           </a:p>
@@ -3599,7 +3684,7 @@
           <a:p>
             <a:fld id="{D006A5F5-722B-4365-93E1-21E835194C29}" type="datetimeFigureOut">
               <a:rPr lang="en-AU" smtClean="0"/>
-              <a:t>16/03/2016</a:t>
+              <a:t>17/03/2016</a:t>
             </a:fld>
             <a:endParaRPr lang="en-AU"/>
           </a:p>
@@ -4030,12 +4115,21 @@
         </p:nvSpPr>
         <p:spPr/>
         <p:txBody>
-          <a:bodyPr/>
-          <a:lstStyle/>
-          <a:p>
-            <a:r>
-              <a:rPr lang="en-US" dirty="0" smtClean="0"/>
-              <a:t>Selective export of microRNA via extracellular vesicles</a:t>
+          <a:bodyPr>
+            <a:normAutofit fontScale="90000"/>
+          </a:bodyPr>
+          <a:lstStyle/>
+          <a:p>
+            <a:r>
+              <a:rPr lang="en-AU" dirty="0"/>
+              <a:t/>
+            </a:r>
+            <a:br>
+              <a:rPr lang="en-AU" dirty="0"/>
+            </a:br>
+            <a:r>
+              <a:rPr lang="en-AU" dirty="0"/>
+              <a:t> Investigating the mechanism of selective microRNA export via extracellular vesicles </a:t>
             </a:r>
             <a:endParaRPr lang="en-AU" dirty="0"/>
           </a:p>
@@ -5643,8 +5737,17 @@
           <a:p>
             <a:r>
               <a:rPr lang="en-US" sz="2400" dirty="0" smtClean="0"/>
-              <a:t>Novel mechanism of lipid raft activity </a:t>
-            </a:r>
+              <a:t>Novel mechanism of </a:t>
+            </a:r>
+            <a:r>
+              <a:rPr lang="en-US" sz="2400" dirty="0" err="1" smtClean="0"/>
+              <a:t>miRNA</a:t>
+            </a:r>
+            <a:r>
+              <a:rPr lang="en-US" sz="2400" dirty="0" smtClean="0"/>
+              <a:t> function</a:t>
+            </a:r>
+            <a:endParaRPr lang="en-US" sz="2400" dirty="0" smtClean="0"/>
           </a:p>
           <a:p>
             <a:pPr marL="0" indent="0">
@@ -5655,8 +5758,9 @@
           <a:p>
             <a:r>
               <a:rPr lang="en-US" sz="2400" dirty="0" smtClean="0"/>
-              <a:t>Understanding underlying mechanisms surrounding miRNAs</a:t>
-            </a:r>
+              <a:t>Regulates ~60% of mammalian genes </a:t>
+            </a:r>
+            <a:endParaRPr lang="en-US" sz="2400" dirty="0" smtClean="0"/>
           </a:p>
           <a:p>
             <a:endParaRPr lang="en-US" sz="2400" dirty="0" smtClean="0"/>
@@ -5666,6 +5770,20 @@
               <a:rPr lang="en-US" sz="2400" dirty="0" smtClean="0"/>
               <a:t>MicroRNAs exported within EVs have been linked to cancer metastasis </a:t>
             </a:r>
+            <a:endParaRPr lang="en-US" sz="2400" dirty="0" smtClean="0"/>
+          </a:p>
+          <a:p>
+            <a:endParaRPr lang="en-US" sz="2400" dirty="0"/>
+          </a:p>
+          <a:p>
+            <a:pPr marL="0" indent="0">
+              <a:buNone/>
+            </a:pPr>
+            <a:r>
+              <a:rPr lang="en-US" sz="2400" dirty="0" smtClean="0"/>
+              <a:t>Slide needs work</a:t>
+            </a:r>
+            <a:endParaRPr lang="en-US" sz="2400" dirty="0" smtClean="0"/>
           </a:p>
           <a:p>
             <a:endParaRPr lang="en-US" sz="2400" dirty="0"/>
@@ -5692,6 +5810,74 @@
 </p:sld>
 </file>
 
+<file path=ppt/slides/slide16.xml><?xml version="1.0" encoding="utf-8"?>
+<p:sld xmlns:a="http://schemas.openxmlformats.org/drawingml/2006/main" xmlns:r="http://schemas.openxmlformats.org/officeDocument/2006/relationships" xmlns:p="http://schemas.openxmlformats.org/presentationml/2006/main">
+  <p:cSld>
+    <p:spTree>
+      <p:nvGrpSpPr>
+        <p:cNvPr id="1" name=""/>
+        <p:cNvGrpSpPr/>
+        <p:nvPr/>
+      </p:nvGrpSpPr>
+      <p:grpSpPr>
+        <a:xfrm>
+          <a:off x="0" y="0"/>
+          <a:ext cx="0" cy="0"/>
+          <a:chOff x="0" y="0"/>
+          <a:chExt cx="0" cy="0"/>
+        </a:xfrm>
+      </p:grpSpPr>
+      <p:sp>
+        <p:nvSpPr>
+          <p:cNvPr id="2" name="Title 1"/>
+          <p:cNvSpPr>
+            <a:spLocks noGrp="1"/>
+          </p:cNvSpPr>
+          <p:nvPr>
+            <p:ph type="title"/>
+          </p:nvPr>
+        </p:nvSpPr>
+        <p:spPr/>
+        <p:txBody>
+          <a:bodyPr/>
+          <a:lstStyle/>
+          <a:p>
+            <a:endParaRPr lang="en-AU"/>
+          </a:p>
+        </p:txBody>
+      </p:sp>
+      <p:sp>
+        <p:nvSpPr>
+          <p:cNvPr id="3" name="Content Placeholder 2"/>
+          <p:cNvSpPr>
+            <a:spLocks noGrp="1"/>
+          </p:cNvSpPr>
+          <p:nvPr>
+            <p:ph idx="1"/>
+          </p:nvPr>
+        </p:nvSpPr>
+        <p:spPr/>
+        <p:txBody>
+          <a:bodyPr/>
+          <a:lstStyle/>
+          <a:p>
+            <a:endParaRPr lang="en-AU"/>
+          </a:p>
+        </p:txBody>
+      </p:sp>
+    </p:spTree>
+    <p:extLst>
+      <p:ext uri="{BB962C8B-B14F-4D97-AF65-F5344CB8AC3E}">
+        <p14:creationId xmlns:p14="http://schemas.microsoft.com/office/powerpoint/2010/main" val="1163179292"/>
+      </p:ext>
+    </p:extLst>
+  </p:cSld>
+  <p:clrMapOvr>
+    <a:masterClrMapping/>
+  </p:clrMapOvr>
+</p:sld>
+</file>
+
 <file path=ppt/slides/slide2.xml><?xml version="1.0" encoding="utf-8"?>
 <p:sld xmlns:a="http://schemas.openxmlformats.org/drawingml/2006/main" xmlns:r="http://schemas.openxmlformats.org/officeDocument/2006/relationships" xmlns:p="http://schemas.openxmlformats.org/presentationml/2006/main">
   <p:cSld>
@@ -5781,7 +5967,7 @@
         <p:spPr>
           <a:xfrm>
             <a:off x="620486" y="1690688"/>
-            <a:ext cx="6597610" cy="4832092"/>
+            <a:ext cx="6597610" cy="3308598"/>
           </a:xfrm>
           <a:prstGeom prst="rect">
             <a:avLst/>
@@ -5805,6 +5991,7 @@
               <a:rPr lang="en-US" sz="2200" dirty="0" smtClean="0"/>
               <a:t>Important regulatory function</a:t>
             </a:r>
+            <a:endParaRPr lang="en-US" sz="2200" dirty="0" smtClean="0"/>
           </a:p>
           <a:p>
             <a:pPr marL="342900" indent="-342900">
@@ -5860,80 +6047,11 @@
             </a:r>
             <a:r>
               <a:rPr lang="en-US" sz="2200" dirty="0" smtClean="0"/>
-              <a:t>, miRNAs) regulates pathways in the recipient cells attributed to:</a:t>
-            </a:r>
-          </a:p>
-          <a:p>
-            <a:pPr marL="800100" lvl="1" indent="-342900">
-              <a:lnSpc>
-                <a:spcPct val="150000"/>
-              </a:lnSpc>
-              <a:buFontTx/>
-              <a:buChar char="-"/>
-            </a:pPr>
+              <a:t>, miRNAs) regulates pathways in the recipient </a:t>
+            </a:r>
             <a:r>
               <a:rPr lang="en-US" sz="2200" dirty="0" smtClean="0"/>
-              <a:t> Cardiac homeostasis </a:t>
-            </a:r>
-            <a:r>
-              <a:rPr lang="en-US" sz="1200" dirty="0" smtClean="0"/>
-              <a:t>(Simons &amp; Simons 2002)</a:t>
-            </a:r>
-            <a:endParaRPr lang="en-US" sz="2200" dirty="0" smtClean="0"/>
-          </a:p>
-          <a:p>
-            <a:pPr marL="800100" lvl="1" indent="-342900">
-              <a:lnSpc>
-                <a:spcPct val="150000"/>
-              </a:lnSpc>
-              <a:buFontTx/>
-              <a:buChar char="-"/>
-            </a:pPr>
-            <a:r>
-              <a:rPr lang="en-US" sz="2200" dirty="0" smtClean="0"/>
-              <a:t>Diabetes </a:t>
-            </a:r>
-            <a:r>
-              <a:rPr lang="en-US" sz="1200" dirty="0" smtClean="0"/>
-              <a:t>(Cohen </a:t>
-            </a:r>
-            <a:r>
-              <a:rPr lang="en-US" sz="1200" i="1" dirty="0" smtClean="0"/>
-              <a:t>et al </a:t>
-            </a:r>
-            <a:r>
-              <a:rPr lang="en-US" sz="1200" dirty="0" smtClean="0"/>
-              <a:t>2003)</a:t>
-            </a:r>
-            <a:endParaRPr lang="en-US" sz="2200" dirty="0"/>
-          </a:p>
-          <a:p>
-            <a:pPr marL="800100" lvl="1" indent="-342900">
-              <a:lnSpc>
-                <a:spcPct val="150000"/>
-              </a:lnSpc>
-              <a:buFontTx/>
-              <a:buChar char="-"/>
-            </a:pPr>
-            <a:r>
-              <a:rPr lang="en-US" sz="2200" dirty="0"/>
-              <a:t>C</a:t>
-            </a:r>
-            <a:r>
-              <a:rPr lang="en-US" sz="2200" dirty="0" smtClean="0"/>
-              <a:t>ancer metastasis </a:t>
-            </a:r>
-            <a:r>
-              <a:rPr lang="en-US" sz="1200" dirty="0" smtClean="0"/>
-              <a:t>(Falcone </a:t>
-            </a:r>
-            <a:r>
-              <a:rPr lang="en-US" sz="1200" i="1" dirty="0" smtClean="0"/>
-              <a:t>et al</a:t>
-            </a:r>
-            <a:r>
-              <a:rPr lang="en-US" sz="1200" dirty="0" smtClean="0"/>
-              <a:t> 2015)</a:t>
+              <a:t>cells.</a:t>
             </a:r>
             <a:endParaRPr lang="en-AU" sz="2200" dirty="0"/>
           </a:p>
@@ -6091,8 +6209,17 @@
           <a:p>
             <a:r>
               <a:rPr lang="en-US" sz="2400" dirty="0" smtClean="0"/>
-              <a:t>Surface contains homing proteins to allow for cell specific delivery </a:t>
-            </a:r>
+              <a:t>Increased stability of contents compared to </a:t>
+            </a:r>
+            <a:r>
+              <a:rPr lang="en-US" sz="2400" dirty="0" smtClean="0"/>
+              <a:t>unbound secretion into </a:t>
+            </a:r>
+            <a:r>
+              <a:rPr lang="en-US" sz="2400" dirty="0" smtClean="0"/>
+              <a:t>extracellular serum</a:t>
+            </a:r>
+            <a:endParaRPr lang="en-US" sz="2400" dirty="0" smtClean="0"/>
           </a:p>
           <a:p>
             <a:pPr>
@@ -6202,23 +6329,7 @@
                   <a:schemeClr val="bg1"/>
                 </a:solidFill>
               </a:rPr>
-              <a:t>Current miRNA Cargo </a:t>
-            </a:r>
-            <a:r>
-              <a:rPr lang="en-US" b="1" dirty="0" smtClean="0">
-                <a:solidFill>
-                  <a:schemeClr val="bg1"/>
-                </a:solidFill>
-              </a:rPr>
-              <a:t>Sorting </a:t>
-            </a:r>
-            <a:r>
-              <a:rPr lang="en-US" b="1" dirty="0" smtClean="0">
-                <a:solidFill>
-                  <a:schemeClr val="bg1"/>
-                </a:solidFill>
-              </a:rPr>
-              <a:t>Mechanisms.</a:t>
+              <a:t>Current miRNA Cargo Sorting Mechanisms.</a:t>
             </a:r>
             <a:endParaRPr lang="en-AU" b="1" dirty="0">
               <a:solidFill>
@@ -6268,21 +6379,8 @@
             </a:pPr>
             <a:r>
               <a:rPr lang="en-US" dirty="0" smtClean="0"/>
-              <a:t>No </a:t>
-            </a:r>
-            <a:r>
-              <a:rPr lang="en-US" dirty="0" smtClean="0"/>
-              <a:t>longer </a:t>
-            </a:r>
-            <a:r>
-              <a:rPr lang="en-US" dirty="0" smtClean="0"/>
-              <a:t>considered entirely </a:t>
-            </a:r>
-            <a:r>
-              <a:rPr lang="en-US" dirty="0" smtClean="0"/>
-              <a:t>true. </a:t>
-            </a:r>
-            <a:endParaRPr lang="en-US" dirty="0" smtClean="0"/>
+              <a:t>No longer considered entirely true. </a:t>
+            </a:r>
           </a:p>
           <a:p>
             <a:pPr lvl="1">
@@ -6294,7 +6392,6 @@
               <a:rPr lang="en-US" dirty="0" smtClean="0"/>
               <a:t>miRNAs exported can change disproportionally to the cellular content</a:t>
             </a:r>
-            <a:endParaRPr lang="en-US" dirty="0" smtClean="0"/>
           </a:p>
           <a:p>
             <a:pPr marL="0" indent="0">
@@ -6858,8 +6955,22 @@
           <a:p>
             <a:r>
               <a:rPr lang="en-AU" sz="2400" dirty="0" smtClean="0"/>
-              <a:t>Caveolin-1 is a proposed biomarker for cancer.</a:t>
-            </a:r>
+              <a:t>Caveolin-1 is a proposed biomarker for cancer</a:t>
+            </a:r>
+            <a:r>
+              <a:rPr lang="en-AU" sz="2400" dirty="0" smtClean="0"/>
+              <a:t>.</a:t>
+            </a:r>
+          </a:p>
+          <a:p>
+            <a:endParaRPr lang="en-AU" sz="2400" dirty="0"/>
+          </a:p>
+          <a:p>
+            <a:r>
+              <a:rPr lang="en-AU" sz="2400" dirty="0" smtClean="0"/>
+              <a:t>Enrichment of Caveolin-1 on EVs</a:t>
+            </a:r>
+            <a:endParaRPr lang="en-AU" sz="2400" dirty="0" smtClean="0"/>
           </a:p>
         </p:txBody>
       </p:sp>
@@ -6872,7 +6983,7 @@
           <p:nvPr/>
         </p:nvPicPr>
         <p:blipFill>
-          <a:blip r:embed="rId2"/>
+          <a:blip r:embed="rId3"/>
           <a:stretch>
             <a:fillRect/>
           </a:stretch>
@@ -7255,7 +7366,15 @@
             </a:pPr>
             <a:r>
               <a:rPr lang="en-AU" sz="2400" dirty="0" smtClean="0"/>
-              <a:t>It is hypothesised that the introduction of Cavin-1 to a PC3 model will modify the EV miRNA content by activity of RNA binding proteins within lipid rafts. </a:t>
+              <a:t>It is hypothesised that the introduction of </a:t>
+            </a:r>
+            <a:r>
+              <a:rPr lang="en-AU" sz="2400" dirty="0" smtClean="0"/>
+              <a:t>cavin-1 </a:t>
+            </a:r>
+            <a:r>
+              <a:rPr lang="en-AU" sz="2400" dirty="0" smtClean="0"/>
+              <a:t>to a PC3 model will modify the EV miRNA content by activity of RNA binding proteins within lipid rafts. </a:t>
             </a:r>
           </a:p>
           <a:p>
@@ -7277,14 +7396,34 @@
             <a:pPr marL="542925" indent="-276225"/>
             <a:r>
               <a:rPr lang="en-AU" sz="2400" dirty="0" smtClean="0"/>
-              <a:t>Identify the miRNAs that are selectively exported</a:t>
+              <a:t>Identify the </a:t>
+            </a:r>
+            <a:r>
+              <a:rPr lang="en-AU" sz="2400" dirty="0"/>
+              <a:t>selectively </a:t>
+            </a:r>
+            <a:r>
+              <a:rPr lang="en-AU" sz="2400" dirty="0" smtClean="0"/>
+              <a:t>exported </a:t>
+            </a:r>
+            <a:r>
+              <a:rPr lang="en-AU" sz="2400" dirty="0" err="1" smtClean="0"/>
+              <a:t>miRNAs</a:t>
+            </a:r>
+            <a:r>
+              <a:rPr lang="en-AU" sz="2400" dirty="0" smtClean="0"/>
+              <a:t> </a:t>
             </a:r>
           </a:p>
           <a:p>
             <a:pPr marL="542925" indent="-276225"/>
             <a:r>
               <a:rPr lang="en-AU" sz="2400" dirty="0" smtClean="0"/>
-              <a:t>Identify RNA-binding proteins correlated to the miRNA export</a:t>
+              <a:t>Identify </a:t>
+            </a:r>
+            <a:r>
+              <a:rPr lang="en-AU" sz="2400" dirty="0" smtClean="0"/>
+              <a:t>RNA-binding proteins correlated to the miRNA export</a:t>
             </a:r>
           </a:p>
           <a:p>
@@ -7413,15 +7552,23 @@
           <a:p>
             <a:r>
               <a:rPr lang="en-AU" sz="2200" dirty="0" smtClean="0"/>
-              <a:t>Previous miRNA-</a:t>
+              <a:t>Previous </a:t>
             </a:r>
             <a:r>
               <a:rPr lang="en-AU" sz="2200" dirty="0" err="1" smtClean="0"/>
-              <a:t>seq</a:t>
+              <a:t>miRNA-seq</a:t>
             </a:r>
             <a:r>
               <a:rPr lang="en-AU" sz="2200" dirty="0" smtClean="0"/>
-              <a:t> data compiled for cell and EV fraction of PC3 GFP cells and PC3 cavin-1 transfected cells. </a:t>
+              <a:t> data compiled for cell and EV fraction of PC3 GFP cells and PC3 </a:t>
+            </a:r>
+            <a:r>
+              <a:rPr lang="en-AU" sz="2200" dirty="0" smtClean="0"/>
+              <a:t>cavin-1::GFP </a:t>
+            </a:r>
+            <a:r>
+              <a:rPr lang="en-AU" sz="2200" dirty="0" smtClean="0"/>
+              <a:t>transfected cells. </a:t>
             </a:r>
           </a:p>
           <a:p>
@@ -7433,7 +7580,23 @@
           <a:p>
             <a:r>
               <a:rPr lang="en-AU" sz="2200" dirty="0" smtClean="0"/>
-              <a:t>Using R packages to find fold change differences between Cavin-1 and GFP</a:t>
+              <a:t>Using R </a:t>
+            </a:r>
+            <a:r>
+              <a:rPr lang="en-AU" sz="2200" dirty="0" smtClean="0"/>
+              <a:t>packages, DEseq2 and </a:t>
+            </a:r>
+            <a:r>
+              <a:rPr lang="en-AU" sz="2200" dirty="0" err="1" smtClean="0"/>
+              <a:t>egdeR</a:t>
+            </a:r>
+            <a:r>
+              <a:rPr lang="en-AU" sz="2200" dirty="0" smtClean="0"/>
+              <a:t> </a:t>
+            </a:r>
+            <a:r>
+              <a:rPr lang="en-AU" sz="2200" dirty="0" smtClean="0"/>
+              <a:t>to find fold change differences between Cavin-1 and GFP</a:t>
             </a:r>
           </a:p>
           <a:p>
@@ -7482,14 +7645,14 @@
           <p:nvPr>
             <p:extLst>
               <p:ext uri="{D42A27DB-BD31-4B8C-83A1-F6EECF244321}">
-                <p14:modId xmlns:p14="http://schemas.microsoft.com/office/powerpoint/2010/main" val="2394409672"/>
+                <p14:modId xmlns:p14="http://schemas.microsoft.com/office/powerpoint/2010/main" val="4107824822"/>
               </p:ext>
             </p:extLst>
           </p:nvPr>
         </p:nvGraphicFramePr>
         <p:xfrm>
-          <a:off x="2037507" y="4191675"/>
-          <a:ext cx="7551554" cy="668655"/>
+          <a:off x="1631093" y="4191675"/>
+          <a:ext cx="8254530" cy="1022877"/>
         </p:xfrm>
         <a:graphic>
           <a:graphicData uri="http://schemas.openxmlformats.org/drawingml/2006/table">
@@ -7498,16 +7661,16 @@
                 <a:tableStyleId>{2D5ABB26-0587-4C30-8999-92F81FD0307C}</a:tableStyleId>
               </a:tblPr>
               <a:tblGrid>
-                <a:gridCol w="473759"/>
-                <a:gridCol w="1339594"/>
-                <a:gridCol w="980085"/>
-                <a:gridCol w="1441803"/>
-                <a:gridCol w="1094547"/>
-                <a:gridCol w="718807"/>
-                <a:gridCol w="718807"/>
-                <a:gridCol w="784152"/>
+                <a:gridCol w="517861"/>
+                <a:gridCol w="1464297"/>
+                <a:gridCol w="1071321"/>
+                <a:gridCol w="1576021"/>
+                <a:gridCol w="1196439"/>
+                <a:gridCol w="785721"/>
+                <a:gridCol w="785721"/>
+                <a:gridCol w="857149"/>
               </a:tblGrid>
-              <a:tr h="218653">
+              <a:tr h="340959">
                 <a:tc>
                   <a:txBody>
                     <a:bodyPr/>
@@ -7751,7 +7914,7 @@
                   </a:tcPr>
                 </a:tc>
               </a:tr>
-              <a:tr h="218653">
+              <a:tr h="340959">
                 <a:tc>
                   <a:txBody>
                     <a:bodyPr/>
@@ -8031,7 +8194,7 @@
                   </a:tcPr>
                 </a:tc>
               </a:tr>
-              <a:tr h="218653">
+              <a:tr h="340959">
                 <a:tc>
                   <a:txBody>
                     <a:bodyPr/>
@@ -8039,7 +8202,7 @@
                     <a:p>
                       <a:pPr algn="l" fontAlgn="b"/>
                       <a:r>
-                        <a:rPr lang="en-AU" sz="1400" u="none" strike="noStrike">
+                        <a:rPr lang="en-AU" sz="1400" u="none" strike="noStrike" dirty="0">
                           <a:solidFill>
                             <a:schemeClr val="bg1"/>
                           </a:solidFill>
@@ -8047,7 +8210,7 @@
                         </a:rPr>
                         <a:t>EV</a:t>
                       </a:r>
-                      <a:endParaRPr lang="en-AU" sz="1400" b="0" i="0" u="none" strike="noStrike">
+                      <a:endParaRPr lang="en-AU" sz="1400" b="0" i="0" u="none" strike="noStrike" dirty="0">
                         <a:solidFill>
                           <a:schemeClr val="bg1"/>
                         </a:solidFill>
